--- a/lessons/7_mini_batch/ppt/使用小批量随机梯度下降.pptx
+++ b/lessons/7_mini_batch/ppt/使用小批量随机梯度下降.pptx
@@ -5,10 +5,10 @@
     <p:sldMasterId id="2147483648" r:id="rId1"/>
   </p:sldMasterIdLst>
   <p:notesMasterIdLst>
-    <p:notesMasterId r:id="rId33"/>
+    <p:notesMasterId r:id="rId23"/>
   </p:notesMasterIdLst>
   <p:handoutMasterIdLst>
-    <p:handoutMasterId r:id="rId34"/>
+    <p:handoutMasterId r:id="rId24"/>
   </p:handoutMasterIdLst>
   <p:sldIdLst>
     <p:sldId id="307" r:id="rId2"/>
@@ -18,35 +18,25 @@
     <p:sldId id="1044" r:id="rId6"/>
     <p:sldId id="1001" r:id="rId7"/>
     <p:sldId id="1080" r:id="rId8"/>
-    <p:sldId id="1090" r:id="rId9"/>
-    <p:sldId id="1092" r:id="rId10"/>
-    <p:sldId id="1091" r:id="rId11"/>
-    <p:sldId id="1082" r:id="rId12"/>
-    <p:sldId id="1085" r:id="rId13"/>
-    <p:sldId id="1081" r:id="rId14"/>
-    <p:sldId id="1086" r:id="rId15"/>
-    <p:sldId id="1093" r:id="rId16"/>
-    <p:sldId id="1094" r:id="rId17"/>
-    <p:sldId id="1095" r:id="rId18"/>
-    <p:sldId id="1096" r:id="rId19"/>
-    <p:sldId id="1097" r:id="rId20"/>
-    <p:sldId id="1098" r:id="rId21"/>
-    <p:sldId id="1099" r:id="rId22"/>
-    <p:sldId id="1100" r:id="rId23"/>
-    <p:sldId id="1083" r:id="rId24"/>
-    <p:sldId id="1087" r:id="rId25"/>
-    <p:sldId id="537" r:id="rId26"/>
-    <p:sldId id="536" r:id="rId27"/>
-    <p:sldId id="1014" r:id="rId28"/>
-    <p:sldId id="1013" r:id="rId29"/>
-    <p:sldId id="997" r:id="rId30"/>
-    <p:sldId id="998" r:id="rId31"/>
-    <p:sldId id="653" r:id="rId32"/>
+    <p:sldId id="1085" r:id="rId9"/>
+    <p:sldId id="1081" r:id="rId10"/>
+    <p:sldId id="1082" r:id="rId11"/>
+    <p:sldId id="1086" r:id="rId12"/>
+    <p:sldId id="1087" r:id="rId13"/>
+    <p:sldId id="1083" r:id="rId14"/>
+    <p:sldId id="1084" r:id="rId15"/>
+    <p:sldId id="537" r:id="rId16"/>
+    <p:sldId id="536" r:id="rId17"/>
+    <p:sldId id="1014" r:id="rId18"/>
+    <p:sldId id="1013" r:id="rId19"/>
+    <p:sldId id="997" r:id="rId20"/>
+    <p:sldId id="998" r:id="rId21"/>
+    <p:sldId id="653" r:id="rId22"/>
   </p:sldIdLst>
   <p:sldSz cx="12192000" cy="6858000"/>
   <p:notesSz cx="6858000" cy="9144000"/>
   <p:custDataLst>
-    <p:tags r:id="rId35"/>
+    <p:tags r:id="rId25"/>
   </p:custDataLst>
   <p:defaultTextStyle>
     <a:defPPr>
@@ -6509,7 +6499,17 @@
               <a:rPr lang="zh-CN" altLang="en-US" dirty="0">
                 <a:sym typeface="+mn-ea"/>
               </a:rPr>
-              <a:t>结学</a:t>
+              <a:t>主问题：</a:t>
+            </a:r>
+            <a:r>
+              <a:rPr lang="zh-CN" altLang="en-US" dirty="0"/>
+              <a:t>如何更接近损失函数的极小值？</a:t>
+            </a:r>
+            <a:r>
+              <a:rPr lang="zh-CN" altLang="en-US" dirty="0">
+                <a:sym typeface="+mn-ea"/>
+              </a:rPr>
+              <a:t>	</a:t>
             </a:r>
             <a:endParaRPr dirty="0">
               <a:sym typeface="+mn-ea"/>
@@ -6752,11 +6752,19 @@
             </a:pPr>
             <a:r>
               <a:rPr lang="zh-CN" altLang="en-US" dirty="0"/>
-              <a:t>如何加快单分类的训练速度？</a:t>
+              <a:t>如图所示是梯度下降算法的几何意义</a:t>
             </a:r>
             <a:endParaRPr lang="en-US" altLang="zh-CN" dirty="0"/>
           </a:p>
           <a:p>
+            <a:pPr marL="285750" indent="-285750">
+              <a:buFont typeface="Arial" panose="020B0604020202020204" pitchFamily="34" charset="0"/>
+              <a:buChar char="•"/>
+            </a:pPr>
+            <a:r>
+              <a:rPr lang="zh-CN" altLang="en-US" dirty="0"/>
+              <a:t>随机梯度下降算法是否总能达到极小值处？</a:t>
+            </a:r>
             <a:endParaRPr lang="en-US" altLang="zh-CN" dirty="0"/>
           </a:p>
           <a:p>
@@ -6766,7 +6774,49 @@
             </a:pPr>
             <a:r>
               <a:rPr lang="zh-CN" altLang="en-US" dirty="0"/>
-              <a:t>自学、展学</a:t>
+              <a:t>可能会出现什么情况？</a:t>
+            </a:r>
+            <a:endParaRPr lang="en-US" altLang="zh-CN" dirty="0"/>
+          </a:p>
+          <a:p>
+            <a:pPr marL="285750" indent="-285750">
+              <a:buFont typeface="Arial" panose="020B0604020202020204" pitchFamily="34" charset="0"/>
+              <a:buChar char="•"/>
+            </a:pPr>
+            <a:r>
+              <a:rPr lang="zh-CN" altLang="en-US" dirty="0"/>
+              <a:t>小批量随机梯度下降是如何改进的？</a:t>
+            </a:r>
+            <a:endParaRPr lang="en-US" altLang="zh-CN" dirty="0"/>
+          </a:p>
+          <a:p>
+            <a:pPr marL="285750" indent="-285750">
+              <a:buFont typeface="Arial" panose="020B0604020202020204" pitchFamily="34" charset="0"/>
+              <a:buChar char="•"/>
+            </a:pPr>
+            <a:endParaRPr lang="en-US" altLang="zh-CN" dirty="0"/>
+          </a:p>
+          <a:p>
+            <a:pPr marL="285750" indent="-285750">
+              <a:buFont typeface="Arial" panose="020B0604020202020204" pitchFamily="34" charset="0"/>
+              <a:buChar char="•"/>
+            </a:pPr>
+            <a:endParaRPr lang="en-US" altLang="zh-CN" dirty="0"/>
+          </a:p>
+          <a:p>
+            <a:endParaRPr lang="en-US" altLang="zh-CN" dirty="0"/>
+          </a:p>
+          <a:p>
+            <a:endParaRPr lang="en-US" altLang="zh-CN" dirty="0"/>
+          </a:p>
+          <a:p>
+            <a:pPr marL="285750" indent="-285750">
+              <a:buFont typeface="Arial" panose="020B0604020202020204" pitchFamily="34" charset="0"/>
+              <a:buChar char="•"/>
+            </a:pPr>
+            <a:r>
+              <a:rPr lang="zh-CN" altLang="en-US" dirty="0"/>
+              <a:t>自学、互学、展学</a:t>
             </a:r>
           </a:p>
           <a:p>
@@ -6831,6 +6881,723 @@
               <a:buChar char="•"/>
             </a:pPr>
             <a:endParaRPr lang="zh-CN" altLang="en-US" dirty="0"/>
+          </a:p>
+        </p:txBody>
+      </p:sp>
+      <p:pic>
+        <p:nvPicPr>
+          <p:cNvPr id="4" name="Picture 2" descr="image">
+            <a:extLst>
+              <a:ext uri="{FF2B5EF4-FFF2-40B4-BE49-F238E27FC236}">
+                <a16:creationId xmlns:a16="http://schemas.microsoft.com/office/drawing/2014/main" id="{C57CE428-B9A7-752A-B927-42CA00538E1F}"/>
+              </a:ext>
+            </a:extLst>
+          </p:cNvPr>
+          <p:cNvPicPr>
+            <a:picLocks noChangeAspect="1" noChangeArrowheads="1"/>
+          </p:cNvPicPr>
+          <p:nvPr/>
+        </p:nvPicPr>
+        <p:blipFill>
+          <a:blip r:embed="rId3">
+            <a:extLst>
+              <a:ext uri="{28A0092B-C50C-407E-A947-70E740481C1C}">
+                <a14:useLocalDpi xmlns:a14="http://schemas.microsoft.com/office/drawing/2010/main" val="0"/>
+              </a:ext>
+            </a:extLst>
+          </a:blip>
+          <a:srcRect/>
+          <a:stretch>
+            <a:fillRect/>
+          </a:stretch>
+        </p:blipFill>
+        <p:spPr bwMode="auto">
+          <a:xfrm>
+            <a:off x="7400133" y="1626235"/>
+            <a:ext cx="3790519" cy="3863103"/>
+          </a:xfrm>
+          <a:prstGeom prst="rect">
+            <a:avLst/>
+          </a:prstGeom>
+          <a:noFill/>
+          <a:extLst>
+            <a:ext uri="{909E8E84-426E-40DD-AFC4-6F175D3DCCD1}">
+              <a14:hiddenFill xmlns:a14="http://schemas.microsoft.com/office/drawing/2010/main">
+                <a:solidFill>
+                  <a:srgbClr val="FFFFFF"/>
+                </a:solidFill>
+              </a14:hiddenFill>
+            </a:ext>
+          </a:extLst>
+        </p:spPr>
+      </p:pic>
+    </p:spTree>
+    <p:custDataLst>
+      <p:tags r:id="rId1"/>
+    </p:custDataLst>
+    <p:extLst>
+      <p:ext uri="{BB962C8B-B14F-4D97-AF65-F5344CB8AC3E}">
+        <p14:creationId xmlns:p14="http://schemas.microsoft.com/office/powerpoint/2010/main" val="3435453105"/>
+      </p:ext>
+    </p:extLst>
+  </p:cSld>
+  <p:clrMapOvr>
+    <a:masterClrMapping/>
+  </p:clrMapOvr>
+  <p:timing>
+    <p:tnLst>
+      <p:par>
+        <p:cTn id="1" dur="indefinite" restart="never" nodeType="tmRoot">
+          <p:childTnLst>
+            <p:seq concurrent="1" nextAc="seek">
+              <p:cTn id="2" dur="indefinite" nodeType="mainSeq">
+                <p:childTnLst>
+                  <p:par>
+                    <p:cTn id="3" fill="hold">
+                      <p:stCondLst>
+                        <p:cond delay="indefinite"/>
+                      </p:stCondLst>
+                      <p:childTnLst>
+                        <p:par>
+                          <p:cTn id="4" fill="hold">
+                            <p:stCondLst>
+                              <p:cond delay="0"/>
+                            </p:stCondLst>
+                            <p:childTnLst>
+                              <p:par>
+                                <p:cTn id="5" presetID="1" presetClass="entr" presetSubtype="0" fill="hold" grpId="0" nodeType="clickEffect">
+                                  <p:stCondLst>
+                                    <p:cond delay="0"/>
+                                  </p:stCondLst>
+                                  <p:childTnLst>
+                                    <p:set>
+                                      <p:cBhvr>
+                                        <p:cTn id="6" dur="1" fill="hold">
+                                          <p:stCondLst>
+                                            <p:cond delay="0"/>
+                                          </p:stCondLst>
+                                        </p:cTn>
+                                        <p:tgtEl>
+                                          <p:spTgt spid="6"/>
+                                        </p:tgtEl>
+                                        <p:attrNameLst>
+                                          <p:attrName>style.visibility</p:attrName>
+                                        </p:attrNameLst>
+                                      </p:cBhvr>
+                                      <p:to>
+                                        <p:strVal val="visible"/>
+                                      </p:to>
+                                    </p:set>
+                                  </p:childTnLst>
+                                </p:cTn>
+                              </p:par>
+                            </p:childTnLst>
+                          </p:cTn>
+                        </p:par>
+                      </p:childTnLst>
+                    </p:cTn>
+                  </p:par>
+                  <p:par>
+                    <p:cTn id="7" fill="hold">
+                      <p:stCondLst>
+                        <p:cond delay="indefinite"/>
+                      </p:stCondLst>
+                      <p:childTnLst>
+                        <p:par>
+                          <p:cTn id="8" fill="hold">
+                            <p:stCondLst>
+                              <p:cond delay="0"/>
+                            </p:stCondLst>
+                            <p:childTnLst>
+                              <p:par>
+                                <p:cTn id="9" presetID="1" presetClass="entr" presetSubtype="0" fill="hold" nodeType="clickEffect">
+                                  <p:stCondLst>
+                                    <p:cond delay="0"/>
+                                  </p:stCondLst>
+                                  <p:childTnLst>
+                                    <p:set>
+                                      <p:cBhvr>
+                                        <p:cTn id="10" dur="1" fill="hold">
+                                          <p:stCondLst>
+                                            <p:cond delay="0"/>
+                                          </p:stCondLst>
+                                        </p:cTn>
+                                        <p:tgtEl>
+                                          <p:spTgt spid="4"/>
+                                        </p:tgtEl>
+                                        <p:attrNameLst>
+                                          <p:attrName>style.visibility</p:attrName>
+                                        </p:attrNameLst>
+                                      </p:cBhvr>
+                                      <p:to>
+                                        <p:strVal val="visible"/>
+                                      </p:to>
+                                    </p:set>
+                                  </p:childTnLst>
+                                </p:cTn>
+                              </p:par>
+                            </p:childTnLst>
+                          </p:cTn>
+                        </p:par>
+                      </p:childTnLst>
+                    </p:cTn>
+                  </p:par>
+                </p:childTnLst>
+              </p:cTn>
+              <p:prevCondLst>
+                <p:cond evt="onPrev" delay="0">
+                  <p:tgtEl>
+                    <p:sldTgt/>
+                  </p:tgtEl>
+                </p:cond>
+              </p:prevCondLst>
+              <p:nextCondLst>
+                <p:cond evt="onNext" delay="0">
+                  <p:tgtEl>
+                    <p:sldTgt/>
+                  </p:tgtEl>
+                </p:cond>
+              </p:nextCondLst>
+            </p:seq>
+          </p:childTnLst>
+        </p:cTn>
+      </p:par>
+    </p:tnLst>
+    <p:bldLst>
+      <p:bldP spid="6" grpId="0"/>
+    </p:bldLst>
+  </p:timing>
+</p:sld>
+</file>
+
+<file path=ppt/slides/slide11.xml><?xml version="1.0" encoding="utf-8"?>
+<p:sld xmlns:a="http://schemas.openxmlformats.org/drawingml/2006/main" xmlns:r="http://schemas.openxmlformats.org/officeDocument/2006/relationships" xmlns:p="http://schemas.openxmlformats.org/presentationml/2006/main">
+  <p:cSld>
+    <p:spTree>
+      <p:nvGrpSpPr>
+        <p:cNvPr id="1" name=""/>
+        <p:cNvGrpSpPr/>
+        <p:nvPr/>
+      </p:nvGrpSpPr>
+      <p:grpSpPr>
+        <a:xfrm>
+          <a:off x="0" y="0"/>
+          <a:ext cx="0" cy="0"/>
+          <a:chOff x="0" y="0"/>
+          <a:chExt cx="0" cy="0"/>
+        </a:xfrm>
+      </p:grpSpPr>
+      <p:sp>
+        <p:nvSpPr>
+          <p:cNvPr id="3" name="标题 2"/>
+          <p:cNvSpPr>
+            <a:spLocks noGrp="1"/>
+          </p:cNvSpPr>
+          <p:nvPr>
+            <p:ph type="title"/>
+          </p:nvPr>
+        </p:nvSpPr>
+        <p:spPr/>
+        <p:txBody>
+          <a:bodyPr/>
+          <a:lstStyle/>
+          <a:p>
+            <a:r>
+              <a:rPr lang="zh-CN" altLang="en-US" dirty="0">
+                <a:sym typeface="+mn-ea"/>
+              </a:rPr>
+              <a:t>主问题：</a:t>
+            </a:r>
+            <a:r>
+              <a:rPr lang="zh-CN" altLang="en-US" dirty="0"/>
+              <a:t>如何更接近损失函数的极小值？</a:t>
+            </a:r>
+            <a:r>
+              <a:rPr lang="zh-CN" altLang="en-US" dirty="0">
+                <a:sym typeface="+mn-ea"/>
+              </a:rPr>
+              <a:t>	</a:t>
+            </a:r>
+            <a:endParaRPr dirty="0">
+              <a:sym typeface="+mn-ea"/>
+            </a:endParaRPr>
+          </a:p>
+        </p:txBody>
+      </p:sp>
+      <p:sp>
+        <p:nvSpPr>
+          <p:cNvPr id="6" name="文本占位符 1">
+            <a:extLst>
+              <a:ext uri="{FF2B5EF4-FFF2-40B4-BE49-F238E27FC236}">
+                <a16:creationId xmlns:a16="http://schemas.microsoft.com/office/drawing/2014/main" id="{BA88068A-4FDC-6963-46A5-ADEC46CDA15E}"/>
+              </a:ext>
+            </a:extLst>
+          </p:cNvPr>
+          <p:cNvSpPr txBox="1">
+            <a:spLocks/>
+          </p:cNvSpPr>
+          <p:nvPr/>
+        </p:nvSpPr>
+        <p:spPr>
+          <a:xfrm>
+            <a:off x="822325" y="1778635"/>
+            <a:ext cx="10852150" cy="4553585"/>
+          </a:xfrm>
+        </p:spPr>
+        <p:txBody>
+          <a:bodyPr lIns="101600" tIns="38100" rIns="76200" bIns="38100">
+            <a:noAutofit/>
+          </a:bodyPr>
+          <a:lstStyle>
+            <a:lvl1pPr marL="0" indent="0" algn="l" defTabSz="914400" rtl="0" eaLnBrk="1" fontAlgn="auto" latinLnBrk="0" hangingPunct="1">
+              <a:lnSpc>
+                <a:spcPct val="130000"/>
+              </a:lnSpc>
+              <a:spcBef>
+                <a:spcPts val="0"/>
+              </a:spcBef>
+              <a:spcAft>
+                <a:spcPts val="1000"/>
+              </a:spcAft>
+              <a:buFont typeface="Arial" panose="020B0604020202020204" pitchFamily="34" charset="0"/>
+              <a:buNone/>
+              <a:defRPr kumimoji="0" lang="zh-CN" altLang="en-US" sz="1600" b="0" i="0" u="none" strike="noStrike" kern="1200" cap="none" spc="150" normalizeH="0" baseline="0" noProof="1">
+                <a:solidFill>
+                  <a:schemeClr val="tx1"/>
+                </a:solidFill>
+                <a:uFillTx/>
+                <a:latin typeface="+mn-lt"/>
+                <a:ea typeface="+mn-ea"/>
+                <a:cs typeface="+mn-cs"/>
+                <a:sym typeface="+mn-ea"/>
+              </a:defRPr>
+            </a:lvl1pPr>
+            <a:lvl2pPr marL="457200" indent="0" algn="l" defTabSz="914400" rtl="0" eaLnBrk="1" fontAlgn="auto" latinLnBrk="0" hangingPunct="1">
+              <a:lnSpc>
+                <a:spcPct val="130000"/>
+              </a:lnSpc>
+              <a:spcBef>
+                <a:spcPts val="0"/>
+              </a:spcBef>
+              <a:spcAft>
+                <a:spcPts val="1000"/>
+              </a:spcAft>
+              <a:buFont typeface="Arial" panose="020B0604020202020204" pitchFamily="34" charset="0"/>
+              <a:buNone/>
+              <a:tabLst>
+                <a:tab pos="1609725" algn="l"/>
+              </a:tabLst>
+              <a:defRPr sz="2000" u="none" strike="noStrike" kern="1200" cap="none" spc="150" normalizeH="0" baseline="0">
+                <a:solidFill>
+                  <a:schemeClr val="tx1">
+                    <a:tint val="75000"/>
+                  </a:schemeClr>
+                </a:solidFill>
+                <a:uFillTx/>
+                <a:latin typeface="+mn-lt"/>
+                <a:ea typeface="+mn-ea"/>
+                <a:cs typeface="+mn-cs"/>
+              </a:defRPr>
+            </a:lvl2pPr>
+            <a:lvl3pPr marL="914400" indent="0" algn="l" defTabSz="914400" rtl="0" eaLnBrk="1" fontAlgn="auto" latinLnBrk="0" hangingPunct="1">
+              <a:lnSpc>
+                <a:spcPct val="130000"/>
+              </a:lnSpc>
+              <a:spcBef>
+                <a:spcPts val="0"/>
+              </a:spcBef>
+              <a:spcAft>
+                <a:spcPts val="1000"/>
+              </a:spcAft>
+              <a:buFont typeface="Arial" panose="020B0604020202020204" pitchFamily="34" charset="0"/>
+              <a:buNone/>
+              <a:defRPr sz="1800" u="none" strike="noStrike" kern="1200" cap="none" spc="150" normalizeH="0" baseline="0">
+                <a:solidFill>
+                  <a:schemeClr val="tx1">
+                    <a:tint val="75000"/>
+                  </a:schemeClr>
+                </a:solidFill>
+                <a:uFillTx/>
+                <a:latin typeface="+mn-lt"/>
+                <a:ea typeface="+mn-ea"/>
+                <a:cs typeface="+mn-cs"/>
+              </a:defRPr>
+            </a:lvl3pPr>
+            <a:lvl4pPr marL="1371600" indent="0" algn="l" defTabSz="914400" rtl="0" eaLnBrk="1" fontAlgn="auto" latinLnBrk="0" hangingPunct="1">
+              <a:lnSpc>
+                <a:spcPct val="130000"/>
+              </a:lnSpc>
+              <a:spcBef>
+                <a:spcPts val="0"/>
+              </a:spcBef>
+              <a:spcAft>
+                <a:spcPts val="1000"/>
+              </a:spcAft>
+              <a:buFont typeface="Arial" panose="020B0604020202020204" pitchFamily="34" charset="0"/>
+              <a:buNone/>
+              <a:defRPr sz="1600" u="none" strike="noStrike" kern="1200" cap="none" spc="150" normalizeH="0" baseline="0">
+                <a:solidFill>
+                  <a:schemeClr val="tx1">
+                    <a:tint val="75000"/>
+                  </a:schemeClr>
+                </a:solidFill>
+                <a:uFillTx/>
+                <a:latin typeface="+mn-lt"/>
+                <a:ea typeface="+mn-ea"/>
+                <a:cs typeface="+mn-cs"/>
+              </a:defRPr>
+            </a:lvl4pPr>
+            <a:lvl5pPr marL="1828800" indent="0" algn="l" defTabSz="914400" rtl="0" eaLnBrk="1" fontAlgn="auto" latinLnBrk="0" hangingPunct="1">
+              <a:lnSpc>
+                <a:spcPct val="130000"/>
+              </a:lnSpc>
+              <a:spcBef>
+                <a:spcPts val="0"/>
+              </a:spcBef>
+              <a:spcAft>
+                <a:spcPts val="1000"/>
+              </a:spcAft>
+              <a:buFont typeface="Arial" panose="020B0604020202020204" pitchFamily="34" charset="0"/>
+              <a:buNone/>
+              <a:defRPr sz="1600" u="none" strike="noStrike" kern="1200" cap="none" spc="150" normalizeH="0" baseline="0">
+                <a:solidFill>
+                  <a:schemeClr val="tx1">
+                    <a:tint val="75000"/>
+                  </a:schemeClr>
+                </a:solidFill>
+                <a:uFillTx/>
+                <a:latin typeface="+mn-lt"/>
+                <a:ea typeface="+mn-ea"/>
+                <a:cs typeface="+mn-cs"/>
+              </a:defRPr>
+            </a:lvl5pPr>
+            <a:lvl6pPr marL="2286000" indent="0" algn="l" defTabSz="914400" rtl="0" eaLnBrk="1" latinLnBrk="0" hangingPunct="1">
+              <a:lnSpc>
+                <a:spcPct val="90000"/>
+              </a:lnSpc>
+              <a:spcBef>
+                <a:spcPts val="500"/>
+              </a:spcBef>
+              <a:buFont typeface="Arial" panose="020B0604020202020204" pitchFamily="34" charset="0"/>
+              <a:buNone/>
+              <a:defRPr sz="1600" kern="1200">
+                <a:solidFill>
+                  <a:schemeClr val="tx1">
+                    <a:tint val="75000"/>
+                  </a:schemeClr>
+                </a:solidFill>
+                <a:latin typeface="+mn-lt"/>
+                <a:ea typeface="+mn-ea"/>
+                <a:cs typeface="+mn-cs"/>
+              </a:defRPr>
+            </a:lvl6pPr>
+            <a:lvl7pPr marL="2743200" indent="0" algn="l" defTabSz="914400" rtl="0" eaLnBrk="1" latinLnBrk="0" hangingPunct="1">
+              <a:lnSpc>
+                <a:spcPct val="90000"/>
+              </a:lnSpc>
+              <a:spcBef>
+                <a:spcPts val="500"/>
+              </a:spcBef>
+              <a:buFont typeface="Arial" panose="020B0604020202020204" pitchFamily="34" charset="0"/>
+              <a:buNone/>
+              <a:defRPr sz="1600" kern="1200">
+                <a:solidFill>
+                  <a:schemeClr val="tx1">
+                    <a:tint val="75000"/>
+                  </a:schemeClr>
+                </a:solidFill>
+                <a:latin typeface="+mn-lt"/>
+                <a:ea typeface="+mn-ea"/>
+                <a:cs typeface="+mn-cs"/>
+              </a:defRPr>
+            </a:lvl7pPr>
+            <a:lvl8pPr marL="3200400" indent="0" algn="l" defTabSz="914400" rtl="0" eaLnBrk="1" latinLnBrk="0" hangingPunct="1">
+              <a:lnSpc>
+                <a:spcPct val="90000"/>
+              </a:lnSpc>
+              <a:spcBef>
+                <a:spcPts val="500"/>
+              </a:spcBef>
+              <a:buFont typeface="Arial" panose="020B0604020202020204" pitchFamily="34" charset="0"/>
+              <a:buNone/>
+              <a:defRPr sz="1600" kern="1200">
+                <a:solidFill>
+                  <a:schemeClr val="tx1">
+                    <a:tint val="75000"/>
+                  </a:schemeClr>
+                </a:solidFill>
+                <a:latin typeface="+mn-lt"/>
+                <a:ea typeface="+mn-ea"/>
+                <a:cs typeface="+mn-cs"/>
+              </a:defRPr>
+            </a:lvl8pPr>
+            <a:lvl9pPr marL="3657600" indent="0" algn="l" defTabSz="914400" rtl="0" eaLnBrk="1" latinLnBrk="0" hangingPunct="1">
+              <a:lnSpc>
+                <a:spcPct val="90000"/>
+              </a:lnSpc>
+              <a:spcBef>
+                <a:spcPts val="500"/>
+              </a:spcBef>
+              <a:buFont typeface="Arial" panose="020B0604020202020204" pitchFamily="34" charset="0"/>
+              <a:buNone/>
+              <a:defRPr sz="1600" kern="1200">
+                <a:solidFill>
+                  <a:schemeClr val="tx1">
+                    <a:tint val="75000"/>
+                  </a:schemeClr>
+                </a:solidFill>
+                <a:latin typeface="+mn-lt"/>
+                <a:ea typeface="+mn-ea"/>
+                <a:cs typeface="+mn-cs"/>
+              </a:defRPr>
+            </a:lvl9pPr>
+          </a:lstStyle>
+          <a:p>
+            <a:pPr marL="285750" indent="-285750">
+              <a:buFont typeface="Arial" panose="020B0604020202020204" pitchFamily="34" charset="0"/>
+              <a:buChar char="•"/>
+            </a:pPr>
+            <a:r>
+              <a:rPr lang="zh-CN" altLang="en-US" dirty="0"/>
+              <a:t>我们再从代数上来理解</a:t>
+            </a:r>
+            <a:endParaRPr lang="en-US" altLang="zh-CN" dirty="0"/>
+          </a:p>
+          <a:p>
+            <a:pPr marL="285750" indent="-285750">
+              <a:buFont typeface="Arial" panose="020B0604020202020204" pitchFamily="34" charset="0"/>
+              <a:buChar char="•"/>
+            </a:pPr>
+            <a:r>
+              <a:rPr lang="zh-CN" altLang="en-US" dirty="0"/>
+              <a:t>梯度下降的公式是什么？</a:t>
+            </a:r>
+            <a:endParaRPr lang="en-US" altLang="zh-CN" dirty="0"/>
+          </a:p>
+          <a:p>
+            <a:pPr marL="285750" indent="-285750">
+              <a:buFont typeface="Arial" panose="020B0604020202020204" pitchFamily="34" charset="0"/>
+              <a:buChar char="•"/>
+            </a:pPr>
+            <a:r>
+              <a:rPr lang="zh-CN" altLang="en-US" dirty="0"/>
+              <a:t>对于随机梯度下降，梯度等于什么？</a:t>
+            </a:r>
+            <a:endParaRPr lang="en-US" altLang="zh-CN" dirty="0"/>
+          </a:p>
+          <a:p>
+            <a:pPr marL="285750" indent="-285750">
+              <a:buFont typeface="Arial" panose="020B0604020202020204" pitchFamily="34" charset="0"/>
+              <a:buChar char="•"/>
+            </a:pPr>
+            <a:r>
+              <a:rPr lang="zh-CN" altLang="en-US" dirty="0"/>
+              <a:t>对于小批量随机梯度下降，梯度等于什么？</a:t>
+            </a:r>
+            <a:endParaRPr lang="en-US" altLang="zh-CN" dirty="0"/>
+          </a:p>
+          <a:p>
+            <a:pPr marL="285750" indent="-285750">
+              <a:buFont typeface="Arial" panose="020B0604020202020204" pitchFamily="34" charset="0"/>
+              <a:buChar char="•"/>
+            </a:pPr>
+            <a:r>
+              <a:rPr lang="en-US" altLang="zh-CN" dirty="0"/>
+              <a:t>TODO </a:t>
+            </a:r>
+            <a:r>
+              <a:rPr lang="zh-CN" altLang="en-US" dirty="0"/>
+              <a:t>如何计算期望？</a:t>
+            </a:r>
+            <a:endParaRPr lang="en-US" altLang="zh-CN" dirty="0"/>
+          </a:p>
+          <a:p>
+            <a:pPr marL="285750" indent="-285750">
+              <a:buFont typeface="Arial" panose="020B0604020202020204" pitchFamily="34" charset="0"/>
+              <a:buChar char="•"/>
+            </a:pPr>
+            <a:r>
+              <a:rPr lang="en-US" altLang="zh-CN" dirty="0"/>
+              <a:t>TODO </a:t>
+            </a:r>
+            <a:r>
+              <a:rPr lang="zh-CN" altLang="en-US" dirty="0"/>
+              <a:t>如何计算标准差？</a:t>
+            </a:r>
+            <a:endParaRPr lang="en-US" altLang="zh-CN" dirty="0"/>
+          </a:p>
+          <a:p>
+            <a:pPr marL="285750" indent="-285750">
+              <a:buFont typeface="Arial" panose="020B0604020202020204" pitchFamily="34" charset="0"/>
+              <a:buChar char="•"/>
+            </a:pPr>
+            <a:r>
+              <a:rPr lang="zh-CN" altLang="en-US" dirty="0"/>
+              <a:t>相比随机梯度下降，期望是否一样？</a:t>
+            </a:r>
+            <a:endParaRPr lang="en-US" altLang="zh-CN" dirty="0"/>
+          </a:p>
+          <a:p>
+            <a:pPr marL="285750" indent="-285750">
+              <a:buFont typeface="Arial" panose="020B0604020202020204" pitchFamily="34" charset="0"/>
+              <a:buChar char="•"/>
+            </a:pPr>
+            <a:r>
+              <a:rPr lang="zh-CN" altLang="en-US" dirty="0"/>
+              <a:t>相比随机梯度下降，标准差是否下降了？</a:t>
+            </a:r>
+            <a:endParaRPr lang="en-US" altLang="zh-CN" dirty="0"/>
+          </a:p>
+          <a:p>
+            <a:endParaRPr lang="en-US" altLang="zh-CN" dirty="0"/>
+          </a:p>
+          <a:p>
+            <a:pPr marL="285750" indent="-285750">
+              <a:buFont typeface="Arial" panose="020B0604020202020204" pitchFamily="34" charset="0"/>
+              <a:buChar char="•"/>
+            </a:pPr>
+            <a:r>
+              <a:rPr lang="zh-CN" altLang="en-US" dirty="0"/>
+              <a:t>自学、互学、展学</a:t>
+            </a:r>
+          </a:p>
+          <a:p>
+            <a:pPr marL="285750" indent="-285750">
+              <a:buFont typeface="Arial" panose="020B0604020202020204" pitchFamily="34" charset="0"/>
+              <a:buChar char="•"/>
+            </a:pPr>
+            <a:endParaRPr lang="zh-CN" altLang="en-US" dirty="0"/>
+          </a:p>
+          <a:p>
+            <a:pPr marL="285750" indent="-285750">
+              <a:buFont typeface="Arial" panose="020B0604020202020204" pitchFamily="34" charset="0"/>
+              <a:buChar char="•"/>
+            </a:pPr>
+            <a:endParaRPr lang="en-US" altLang="zh-CN" dirty="0"/>
+          </a:p>
+          <a:p>
+            <a:pPr marL="285750" indent="-285750">
+              <a:buFont typeface="Arial" panose="020B0604020202020204" pitchFamily="34" charset="0"/>
+              <a:buChar char="•"/>
+            </a:pPr>
+            <a:endParaRPr lang="zh-CN" altLang="en-US" dirty="0"/>
+          </a:p>
+          <a:p>
+            <a:pPr marL="285750" indent="-285750">
+              <a:buFont typeface="Arial" panose="020B0604020202020204" pitchFamily="34" charset="0"/>
+              <a:buChar char="•"/>
+            </a:pPr>
+            <a:endParaRPr lang="zh-CN" altLang="en-US" dirty="0"/>
+          </a:p>
+          <a:p>
+            <a:pPr marL="285750" indent="-285750">
+              <a:buFont typeface="Arial" panose="020B0604020202020204" pitchFamily="34" charset="0"/>
+              <a:buChar char="•"/>
+            </a:pPr>
+            <a:endParaRPr lang="zh-CN" altLang="en-US" dirty="0"/>
+          </a:p>
+          <a:p>
+            <a:pPr marL="285750" indent="-285750">
+              <a:buFont typeface="Arial" panose="020B0604020202020204" pitchFamily="34" charset="0"/>
+              <a:buChar char="•"/>
+            </a:pPr>
+            <a:endParaRPr lang="zh-CN" altLang="en-US" dirty="0"/>
+          </a:p>
+          <a:p>
+            <a:pPr marL="285750" indent="-285750">
+              <a:buFont typeface="Arial" panose="020B0604020202020204" pitchFamily="34" charset="0"/>
+              <a:buChar char="•"/>
+            </a:pPr>
+            <a:endParaRPr lang="zh-CN" altLang="en-US" dirty="0"/>
+          </a:p>
+          <a:p>
+            <a:pPr marL="285750" indent="-285750">
+              <a:buFont typeface="Arial" panose="020B0604020202020204" pitchFamily="34" charset="0"/>
+              <a:buChar char="•"/>
+            </a:pPr>
+            <a:endParaRPr lang="zh-CN" altLang="en-US" dirty="0"/>
+          </a:p>
+          <a:p>
+            <a:pPr marL="285750" indent="-285750">
+              <a:buFont typeface="Arial" panose="020B0604020202020204" pitchFamily="34" charset="0"/>
+              <a:buChar char="•"/>
+            </a:pPr>
+            <a:endParaRPr lang="zh-CN" altLang="en-US" dirty="0"/>
+          </a:p>
+        </p:txBody>
+      </p:sp>
+      <p:pic>
+        <p:nvPicPr>
+          <p:cNvPr id="4" name="图片 3">
+            <a:extLst>
+              <a:ext uri="{FF2B5EF4-FFF2-40B4-BE49-F238E27FC236}">
+                <a16:creationId xmlns:a16="http://schemas.microsoft.com/office/drawing/2014/main" id="{BEDF8318-CD28-79FC-619E-988F965E76FD}"/>
+              </a:ext>
+            </a:extLst>
+          </p:cNvPr>
+          <p:cNvPicPr>
+            <a:picLocks noChangeAspect="1"/>
+          </p:cNvPicPr>
+          <p:nvPr/>
+        </p:nvPicPr>
+        <p:blipFill>
+          <a:blip r:embed="rId3">
+            <a:extLst>
+              <a:ext uri="{28A0092B-C50C-407E-A947-70E740481C1C}">
+                <a14:useLocalDpi xmlns:a14="http://schemas.microsoft.com/office/drawing/2010/main" val="0"/>
+              </a:ext>
+            </a:extLst>
+          </a:blip>
+          <a:stretch>
+            <a:fillRect/>
+          </a:stretch>
+        </p:blipFill>
+        <p:spPr>
+          <a:xfrm>
+            <a:off x="8623300" y="1477834"/>
+            <a:ext cx="2260600" cy="876300"/>
+          </a:xfrm>
+          <a:prstGeom prst="rect">
+            <a:avLst/>
+          </a:prstGeom>
+        </p:spPr>
+      </p:pic>
+      <p:sp>
+        <p:nvSpPr>
+          <p:cNvPr id="5" name="文本框 4">
+            <a:extLst>
+              <a:ext uri="{FF2B5EF4-FFF2-40B4-BE49-F238E27FC236}">
+                <a16:creationId xmlns:a16="http://schemas.microsoft.com/office/drawing/2014/main" id="{49463C5F-ABB7-EF19-3D73-47A8F79E516C}"/>
+              </a:ext>
+            </a:extLst>
+          </p:cNvPr>
+          <p:cNvSpPr txBox="1"/>
+          <p:nvPr/>
+        </p:nvSpPr>
+        <p:spPr>
+          <a:xfrm>
+            <a:off x="8018584" y="3429000"/>
+            <a:ext cx="1373133" cy="369332"/>
+          </a:xfrm>
+          <a:prstGeom prst="rect">
+            <a:avLst/>
+          </a:prstGeom>
+          <a:noFill/>
+        </p:spPr>
+        <p:txBody>
+          <a:bodyPr wrap="none" rtlCol="0">
+            <a:spAutoFit/>
+          </a:bodyPr>
+          <a:lstStyle/>
+          <a:p>
+            <a:r>
+              <a:rPr kumimoji="1" lang="en-US" altLang="zh-CN" dirty="0"/>
+              <a:t>TODO </a:t>
+            </a:r>
+            <a:r>
+              <a:rPr kumimoji="1" lang="zh-CN" altLang="en-US" dirty="0"/>
+              <a:t>公式</a:t>
+            </a:r>
           </a:p>
         </p:txBody>
       </p:sp>
@@ -6840,7 +7607,7 @@
     </p:custDataLst>
     <p:extLst>
       <p:ext uri="{BB962C8B-B14F-4D97-AF65-F5344CB8AC3E}">
-        <p14:creationId xmlns:p14="http://schemas.microsoft.com/office/powerpoint/2010/main" val="2238617725"/>
+        <p14:creationId xmlns:p14="http://schemas.microsoft.com/office/powerpoint/2010/main" val="2061276535"/>
       </p:ext>
     </p:extLst>
   </p:cSld>
@@ -6928,92 +7695,6 @@
 </p:sld>
 </file>
 
-<file path=ppt/slides/slide11.xml><?xml version="1.0" encoding="utf-8"?>
-<p:sld xmlns:a="http://schemas.openxmlformats.org/drawingml/2006/main" xmlns:r="http://schemas.openxmlformats.org/officeDocument/2006/relationships" xmlns:p="http://schemas.openxmlformats.org/presentationml/2006/main">
-  <p:cSld>
-    <p:spTree>
-      <p:nvGrpSpPr>
-        <p:cNvPr id="1" name=""/>
-        <p:cNvGrpSpPr/>
-        <p:nvPr/>
-      </p:nvGrpSpPr>
-      <p:grpSpPr>
-        <a:xfrm>
-          <a:off x="0" y="0"/>
-          <a:ext cx="0" cy="0"/>
-          <a:chOff x="0" y="0"/>
-          <a:chExt cx="0" cy="0"/>
-        </a:xfrm>
-      </p:grpSpPr>
-      <p:sp>
-        <p:nvSpPr>
-          <p:cNvPr id="2" name="标题 1"/>
-          <p:cNvSpPr>
-            <a:spLocks noGrp="1"/>
-          </p:cNvSpPr>
-          <p:nvPr>
-            <p:ph type="title"/>
-          </p:nvPr>
-        </p:nvSpPr>
-        <p:spPr/>
-        <p:txBody>
-          <a:bodyPr/>
-          <a:lstStyle/>
-          <a:p>
-            <a:r>
-              <a:rPr lang="zh-CN" altLang="en-US" dirty="0">
-                <a:sym typeface="+mn-ea"/>
-              </a:rPr>
-              <a:t>任务：</a:t>
-            </a:r>
-            <a:br>
-              <a:rPr lang="en-US" altLang="zh-CN" dirty="0">
-                <a:sym typeface="+mn-ea"/>
-              </a:rPr>
-            </a:br>
-            <a:r>
-              <a:rPr lang="zh-CN" altLang="en-US" dirty="0">
-                <a:sym typeface="+mn-ea"/>
-              </a:rPr>
-              <a:t>判断性别</a:t>
-            </a:r>
-            <a:r>
-              <a:rPr lang="en-US" altLang="zh-CN" dirty="0">
-                <a:sym typeface="+mn-ea"/>
-              </a:rPr>
-              <a:t>Demo</a:t>
-            </a:r>
-            <a:r>
-              <a:rPr lang="zh-CN" altLang="en-US" dirty="0">
-                <a:sym typeface="+mn-ea"/>
-              </a:rPr>
-              <a:t>使用交叉熵损失函数	</a:t>
-            </a:r>
-            <a:br>
-              <a:rPr lang="en-US" altLang="zh-CN" dirty="0">
-                <a:sym typeface="+mn-ea"/>
-              </a:rPr>
-            </a:br>
-            <a:endParaRPr lang="zh-CN" altLang="en-US" dirty="0"/>
-          </a:p>
-        </p:txBody>
-      </p:sp>
-    </p:spTree>
-    <p:custDataLst>
-      <p:tags r:id="rId1"/>
-    </p:custDataLst>
-    <p:extLst>
-      <p:ext uri="{BB962C8B-B14F-4D97-AF65-F5344CB8AC3E}">
-        <p14:creationId xmlns:p14="http://schemas.microsoft.com/office/powerpoint/2010/main" val="1497009234"/>
-      </p:ext>
-    </p:extLst>
-  </p:cSld>
-  <p:clrMapOvr>
-    <a:masterClrMapping/>
-  </p:clrMapOvr>
-</p:sld>
-</file>
-
 <file path=ppt/slides/slide12.xml><?xml version="1.0" encoding="utf-8"?>
 <p:sld xmlns:a="http://schemas.openxmlformats.org/drawingml/2006/main" xmlns:r="http://schemas.openxmlformats.org/officeDocument/2006/relationships" xmlns:p="http://schemas.openxmlformats.org/presentationml/2006/main">
   <p:cSld>
@@ -7050,25 +7731,8 @@
               <a:rPr lang="zh-CN" altLang="en-US" dirty="0">
                 <a:sym typeface="+mn-ea"/>
               </a:rPr>
-              <a:t>任务：判断性别</a:t>
-            </a:r>
-            <a:r>
-              <a:rPr lang="en-US" altLang="zh-CN" dirty="0">
-                <a:sym typeface="+mn-ea"/>
-              </a:rPr>
-              <a:t>Demo</a:t>
-            </a:r>
-            <a:r>
-              <a:rPr lang="zh-CN" altLang="en-US" dirty="0">
-                <a:sym typeface="+mn-ea"/>
-              </a:rPr>
-              <a:t>使用交叉熵损失函数	</a:t>
-            </a:r>
-            <a:br>
-              <a:rPr lang="en-US" altLang="zh-CN" dirty="0">
-                <a:sym typeface="+mn-ea"/>
-              </a:rPr>
-            </a:br>
+              <a:t>结学</a:t>
+            </a:r>
             <a:endParaRPr dirty="0">
               <a:sym typeface="+mn-ea"/>
             </a:endParaRPr>
@@ -7310,35 +7974,58 @@
             </a:pPr>
             <a:r>
               <a:rPr lang="zh-CN" altLang="en-US" dirty="0"/>
-              <a:t>请使用新的交叉熵损失函数实现代码</a:t>
+              <a:t>从几何上来看</a:t>
             </a:r>
             <a:endParaRPr lang="en-US" altLang="zh-CN" dirty="0"/>
           </a:p>
           <a:p>
+            <a:pPr marL="742950" lvl="1" indent="-285750">
+              <a:buFont typeface="Arial" panose="020B0604020202020204" pitchFamily="34" charset="0"/>
+              <a:buChar char="•"/>
+            </a:pPr>
+            <a:r>
+              <a:rPr lang="zh-CN" altLang="en-US" dirty="0"/>
+              <a:t>三种更新权重方法接近损失函数的极小值的情况是什么？</a:t>
+            </a:r>
+            <a:endParaRPr lang="en-US" altLang="zh-CN" dirty="0"/>
+          </a:p>
+          <a:p>
             <a:pPr marL="285750" indent="-285750">
               <a:buFont typeface="Arial" panose="020B0604020202020204" pitchFamily="34" charset="0"/>
               <a:buChar char="•"/>
             </a:pPr>
             <a:r>
               <a:rPr lang="zh-CN" altLang="en-US" dirty="0"/>
-              <a:t>请每个同学运行代码，与之前的代码比较，看下</a:t>
-            </a:r>
-            <a:r>
-              <a:rPr lang="en-US" altLang="zh-CN" dirty="0"/>
-              <a:t>loss</a:t>
-            </a:r>
+              <a:t>从代数上来看</a:t>
+            </a:r>
+            <a:endParaRPr lang="en-US" altLang="zh-CN" dirty="0"/>
+          </a:p>
+          <a:p>
+            <a:pPr marL="742950" lvl="1" indent="-285750">
+              <a:buFont typeface="Arial" panose="020B0604020202020204" pitchFamily="34" charset="0"/>
+              <a:buChar char="•"/>
+            </a:pPr>
             <a:r>
               <a:rPr lang="zh-CN" altLang="en-US" dirty="0"/>
-              <a:t>的训练速度是否加快？是否在</a:t>
-            </a:r>
-            <a:r>
-              <a:rPr lang="en-US" altLang="zh-CN" dirty="0"/>
-              <a:t>loss</a:t>
-            </a:r>
-            <a:r>
-              <a:rPr lang="zh-CN" altLang="en-US" dirty="0"/>
-              <a:t>很大时训练速度也很快？</a:t>
-            </a:r>
+              <a:t>小批量随机梯度下降相比随机梯度下降，期望和标准差有无变化？</a:t>
+            </a:r>
+            <a:endParaRPr lang="en-US" altLang="zh-CN" dirty="0"/>
+          </a:p>
+          <a:p>
+            <a:pPr marL="285750" indent="-285750">
+              <a:buFont typeface="Arial" panose="020B0604020202020204" pitchFamily="34" charset="0"/>
+              <a:buChar char="•"/>
+            </a:pPr>
+            <a:endParaRPr lang="en-US" altLang="zh-CN" dirty="0"/>
+          </a:p>
+          <a:p>
+            <a:pPr marL="285750" indent="-285750">
+              <a:buFont typeface="Arial" panose="020B0604020202020204" pitchFamily="34" charset="0"/>
+              <a:buChar char="•"/>
+            </a:pPr>
+            <a:endParaRPr lang="en-US" altLang="zh-CN" dirty="0"/>
+          </a:p>
+          <a:p>
             <a:endParaRPr lang="en-US" altLang="zh-CN" dirty="0"/>
           </a:p>
           <a:p>
@@ -7366,7 +8053,7 @@
               <a:buFont typeface="Arial" panose="020B0604020202020204" pitchFamily="34" charset="0"/>
               <a:buChar char="•"/>
             </a:pPr>
-            <a:endParaRPr lang="zh-CN" altLang="en-US" dirty="0"/>
+            <a:endParaRPr lang="en-US" altLang="zh-CN" dirty="0"/>
           </a:p>
           <a:p>
             <a:pPr marL="285750" indent="-285750">
@@ -7402,6 +8089,59 @@
               <a:buChar char="•"/>
             </a:pPr>
             <a:endParaRPr lang="zh-CN" altLang="en-US" dirty="0"/>
+          </a:p>
+          <a:p>
+            <a:pPr marL="285750" indent="-285750">
+              <a:buFont typeface="Arial" panose="020B0604020202020204" pitchFamily="34" charset="0"/>
+              <a:buChar char="•"/>
+            </a:pPr>
+            <a:endParaRPr lang="zh-CN" altLang="en-US" dirty="0"/>
+          </a:p>
+          <a:p>
+            <a:pPr marL="285750" indent="-285750">
+              <a:buFont typeface="Arial" panose="020B0604020202020204" pitchFamily="34" charset="0"/>
+              <a:buChar char="•"/>
+            </a:pPr>
+            <a:endParaRPr lang="zh-CN" altLang="en-US" dirty="0"/>
+          </a:p>
+        </p:txBody>
+      </p:sp>
+      <p:sp>
+        <p:nvSpPr>
+          <p:cNvPr id="2" name="文本框 1">
+            <a:extLst>
+              <a:ext uri="{FF2B5EF4-FFF2-40B4-BE49-F238E27FC236}">
+                <a16:creationId xmlns:a16="http://schemas.microsoft.com/office/drawing/2014/main" id="{949EDE4F-4BD3-C28A-83B8-53CCDD82B211}"/>
+              </a:ext>
+            </a:extLst>
+          </p:cNvPr>
+          <p:cNvSpPr txBox="1"/>
+          <p:nvPr/>
+        </p:nvSpPr>
+        <p:spPr>
+          <a:xfrm>
+            <a:off x="9047564" y="1778635"/>
+            <a:ext cx="2322111" cy="369332"/>
+          </a:xfrm>
+          <a:prstGeom prst="rect">
+            <a:avLst/>
+          </a:prstGeom>
+          <a:noFill/>
+        </p:spPr>
+        <p:txBody>
+          <a:bodyPr wrap="none" rtlCol="0">
+            <a:spAutoFit/>
+          </a:bodyPr>
+          <a:lstStyle/>
+          <a:p>
+            <a:r>
+              <a:rPr kumimoji="1" lang="en-US" altLang="zh-CN" dirty="0"/>
+              <a:t>TODO </a:t>
+            </a:r>
+            <a:r>
+              <a:rPr kumimoji="1" lang="zh-CN" altLang="en-US" dirty="0"/>
+              <a:t>三种方法的图</a:t>
+            </a:r>
           </a:p>
         </p:txBody>
       </p:sp>
@@ -7411,7 +8151,7 @@
     </p:custDataLst>
     <p:extLst>
       <p:ext uri="{BB962C8B-B14F-4D97-AF65-F5344CB8AC3E}">
-        <p14:creationId xmlns:p14="http://schemas.microsoft.com/office/powerpoint/2010/main" val="1307846240"/>
+        <p14:creationId xmlns:p14="http://schemas.microsoft.com/office/powerpoint/2010/main" val="3104717718"/>
       </p:ext>
     </p:extLst>
   </p:cSld>
@@ -7535,23 +8275,9 @@
               <a:rPr lang="zh-CN" altLang="en-US" dirty="0">
                 <a:sym typeface="+mn-ea"/>
               </a:rPr>
-              <a:t>主问题：	</a:t>
-            </a:r>
-            <a:br>
-              <a:rPr lang="en-US" altLang="zh-CN" dirty="0">
-                <a:sym typeface="+mn-ea"/>
-              </a:rPr>
-            </a:br>
-            <a:r>
-              <a:rPr lang="zh-CN" altLang="en-US" dirty="0">
-                <a:sym typeface="+mn-ea"/>
-              </a:rPr>
-              <a:t>如何加快多</a:t>
-            </a:r>
-            <a:r>
-              <a:rPr lang="zh-CN" altLang="en-US" dirty="0"/>
-              <a:t>分类的训练速度？</a:t>
-            </a:r>
+              <a:t>任务：实现小批量随机梯度下降</a:t>
+            </a:r>
+            <a:endParaRPr lang="zh-CN" altLang="en-US" dirty="0"/>
           </a:p>
         </p:txBody>
       </p:sp>
@@ -7561,7 +8287,7 @@
     </p:custDataLst>
     <p:extLst>
       <p:ext uri="{BB962C8B-B14F-4D97-AF65-F5344CB8AC3E}">
-        <p14:creationId xmlns:p14="http://schemas.microsoft.com/office/powerpoint/2010/main" val="3867586693"/>
+        <p14:creationId xmlns:p14="http://schemas.microsoft.com/office/powerpoint/2010/main" val="973807582"/>
       </p:ext>
     </p:extLst>
   </p:cSld>
@@ -7607,11 +8333,7 @@
               <a:rPr lang="zh-CN" altLang="en-US" dirty="0">
                 <a:sym typeface="+mn-ea"/>
               </a:rPr>
-              <a:t>主问题：	如何加快多</a:t>
-            </a:r>
-            <a:r>
-              <a:rPr lang="zh-CN" altLang="en-US" dirty="0"/>
-              <a:t>分类的训练速度？</a:t>
+              <a:t>任务：实现小批量随机梯度下降</a:t>
             </a:r>
             <a:endParaRPr dirty="0">
               <a:sym typeface="+mn-ea"/>
@@ -7854,7 +8576,15 @@
             </a:pPr>
             <a:r>
               <a:rPr lang="zh-CN" altLang="en-US" dirty="0"/>
-              <a:t>“识别手写数字“属于单分类还是多分类？</a:t>
+              <a:t>请在“识别手写数字”</a:t>
+            </a:r>
+            <a:r>
+              <a:rPr lang="en-US" altLang="zh-CN" dirty="0"/>
+              <a:t>Demo</a:t>
+            </a:r>
+            <a:r>
+              <a:rPr lang="zh-CN" altLang="en-US" dirty="0"/>
+              <a:t>中实现小批量随机梯度下降</a:t>
             </a:r>
             <a:endParaRPr lang="en-US" altLang="zh-CN" dirty="0"/>
           </a:p>
@@ -7865,18 +8595,66 @@
             </a:pPr>
             <a:r>
               <a:rPr lang="zh-CN" altLang="en-US" dirty="0"/>
-              <a:t>“识别手写数字“使用交叉熵损失函数，是否能够加快训练速度？</a:t>
+              <a:t>请每个同学都运行代码，看下运行结果</a:t>
             </a:r>
             <a:endParaRPr lang="en-US" altLang="zh-CN" dirty="0"/>
           </a:p>
           <a:p>
             <a:pPr marL="285750" indent="-285750">
+              <a:buFont typeface="Arial" panose="020B0604020202020204" pitchFamily="34" charset="0"/>
+              <a:buChar char="•"/>
+            </a:pPr>
+            <a:r>
+              <a:rPr lang="zh-CN" altLang="en-US" dirty="0"/>
+              <a:t>请每个同学都运行之前的实现代码，比较两者的不同</a:t>
+            </a:r>
+            <a:r>
+              <a:rPr lang="en-US" altLang="zh-CN" dirty="0"/>
+              <a:t>:</a:t>
+            </a:r>
+          </a:p>
+          <a:p>
+            <a:pPr marL="742950" lvl="1" indent="-285750">
+              <a:buFont typeface="Arial" panose="020B0604020202020204" pitchFamily="34" charset="0"/>
+              <a:buChar char="•"/>
+            </a:pPr>
+            <a:r>
+              <a:rPr lang="zh-CN" altLang="en-US" dirty="0"/>
+              <a:t>每轮</a:t>
+            </a:r>
+            <a:r>
+              <a:rPr lang="en-US" altLang="zh-CN" dirty="0"/>
+              <a:t>epoch</a:t>
+            </a:r>
+            <a:r>
+              <a:rPr lang="zh-CN" altLang="en-US" dirty="0"/>
+              <a:t>的时间是否减少？</a:t>
+            </a:r>
+            <a:endParaRPr lang="en-US" altLang="zh-CN" dirty="0"/>
+          </a:p>
+          <a:p>
+            <a:pPr marL="742950" lvl="1" indent="-285750">
+              <a:buFont typeface="Arial" panose="020B0604020202020204" pitchFamily="34" charset="0"/>
+              <a:buChar char="•"/>
+            </a:pPr>
+            <a:r>
+              <a:rPr lang="zh-CN" altLang="en-US" dirty="0"/>
+              <a:t>收敛速度是否加快？</a:t>
+            </a:r>
+            <a:endParaRPr lang="en-US" altLang="zh-CN" dirty="0"/>
+          </a:p>
+          <a:p>
+            <a:pPr marL="742950" lvl="1" indent="-285750">
               <a:buFont typeface="Arial" panose="020B0604020202020204" pitchFamily="34" charset="0"/>
               <a:buChar char="•"/>
             </a:pPr>
             <a:endParaRPr lang="en-US" altLang="zh-CN" dirty="0"/>
           </a:p>
           <a:p>
+            <a:pPr marL="285750" indent="-285750">
+              <a:buFont typeface="Arial" panose="020B0604020202020204" pitchFamily="34" charset="0"/>
+              <a:buChar char="•"/>
+            </a:pPr>
             <a:endParaRPr lang="en-US" altLang="zh-CN" dirty="0"/>
           </a:p>
           <a:p>
@@ -7884,9 +8662,36 @@
               <a:buFont typeface="Arial" panose="020B0604020202020204" pitchFamily="34" charset="0"/>
               <a:buChar char="•"/>
             </a:pPr>
+            <a:endParaRPr lang="en-US" altLang="zh-CN" dirty="0"/>
+          </a:p>
+          <a:p>
+            <a:pPr marL="285750" indent="-285750">
+              <a:buFont typeface="Arial" panose="020B0604020202020204" pitchFamily="34" charset="0"/>
+              <a:buChar char="•"/>
+            </a:pPr>
+            <a:endParaRPr lang="en-US" altLang="zh-CN" dirty="0"/>
+          </a:p>
+          <a:p>
+            <a:pPr marL="285750" indent="-285750">
+              <a:buFont typeface="Arial" panose="020B0604020202020204" pitchFamily="34" charset="0"/>
+              <a:buChar char="•"/>
+            </a:pPr>
+            <a:endParaRPr lang="en-US" altLang="zh-CN" dirty="0"/>
+          </a:p>
+          <a:p>
+            <a:endParaRPr lang="en-US" altLang="zh-CN" dirty="0"/>
+          </a:p>
+          <a:p>
+            <a:endParaRPr lang="en-US" altLang="zh-CN" dirty="0"/>
+          </a:p>
+          <a:p>
+            <a:pPr marL="285750" indent="-285750">
+              <a:buFont typeface="Arial" panose="020B0604020202020204" pitchFamily="34" charset="0"/>
+              <a:buChar char="•"/>
+            </a:pPr>
             <a:r>
               <a:rPr lang="zh-CN" altLang="en-US" dirty="0"/>
-              <a:t>自学、互学、展学</a:t>
+              <a:t>自学、展学</a:t>
             </a:r>
           </a:p>
           <a:p>
@@ -7960,7 +8765,7 @@
     </p:custDataLst>
     <p:extLst>
       <p:ext uri="{BB962C8B-B14F-4D97-AF65-F5344CB8AC3E}">
-        <p14:creationId xmlns:p14="http://schemas.microsoft.com/office/powerpoint/2010/main" val="3794217102"/>
+        <p14:creationId xmlns:p14="http://schemas.microsoft.com/office/powerpoint/2010/main" val="1602486565"/>
       </p:ext>
     </p:extLst>
   </p:cSld>
@@ -8067,3163 +8872,6 @@
       </p:grpSpPr>
       <p:sp>
         <p:nvSpPr>
-          <p:cNvPr id="3" name="标题 2"/>
-          <p:cNvSpPr>
-            <a:spLocks noGrp="1"/>
-          </p:cNvSpPr>
-          <p:nvPr>
-            <p:ph type="title"/>
-          </p:nvPr>
-        </p:nvSpPr>
-        <p:spPr/>
-        <p:txBody>
-          <a:bodyPr/>
-          <a:lstStyle/>
-          <a:p>
-            <a:r>
-              <a:rPr lang="zh-CN" altLang="en-US" dirty="0">
-                <a:sym typeface="+mn-ea"/>
-              </a:rPr>
-              <a:t>任务：识别手写数字使用交叉熵损失函数	</a:t>
-            </a:r>
-            <a:endParaRPr lang="en-US" altLang="zh-CN" dirty="0"/>
-          </a:p>
-        </p:txBody>
-      </p:sp>
-      <p:sp>
-        <p:nvSpPr>
-          <p:cNvPr id="6" name="文本占位符 1">
-            <a:extLst>
-              <a:ext uri="{FF2B5EF4-FFF2-40B4-BE49-F238E27FC236}">
-                <a16:creationId xmlns:a16="http://schemas.microsoft.com/office/drawing/2014/main" id="{BA88068A-4FDC-6963-46A5-ADEC46CDA15E}"/>
-              </a:ext>
-            </a:extLst>
-          </p:cNvPr>
-          <p:cNvSpPr txBox="1">
-            <a:spLocks/>
-          </p:cNvSpPr>
-          <p:nvPr/>
-        </p:nvSpPr>
-        <p:spPr>
-          <a:xfrm>
-            <a:off x="822325" y="1778635"/>
-            <a:ext cx="10852150" cy="4553585"/>
-          </a:xfrm>
-        </p:spPr>
-        <p:txBody>
-          <a:bodyPr lIns="101600" tIns="38100" rIns="76200" bIns="38100">
-            <a:noAutofit/>
-          </a:bodyPr>
-          <a:lstStyle>
-            <a:lvl1pPr marL="0" indent="0" algn="l" defTabSz="914400" rtl="0" eaLnBrk="1" fontAlgn="auto" latinLnBrk="0" hangingPunct="1">
-              <a:lnSpc>
-                <a:spcPct val="130000"/>
-              </a:lnSpc>
-              <a:spcBef>
-                <a:spcPts val="0"/>
-              </a:spcBef>
-              <a:spcAft>
-                <a:spcPts val="1000"/>
-              </a:spcAft>
-              <a:buFont typeface="Arial" panose="020B0604020202020204" pitchFamily="34" charset="0"/>
-              <a:buNone/>
-              <a:defRPr kumimoji="0" lang="zh-CN" altLang="en-US" sz="1600" b="0" i="0" u="none" strike="noStrike" kern="1200" cap="none" spc="150" normalizeH="0" baseline="0" noProof="1">
-                <a:solidFill>
-                  <a:schemeClr val="tx1"/>
-                </a:solidFill>
-                <a:uFillTx/>
-                <a:latin typeface="+mn-lt"/>
-                <a:ea typeface="+mn-ea"/>
-                <a:cs typeface="+mn-cs"/>
-                <a:sym typeface="+mn-ea"/>
-              </a:defRPr>
-            </a:lvl1pPr>
-            <a:lvl2pPr marL="457200" indent="0" algn="l" defTabSz="914400" rtl="0" eaLnBrk="1" fontAlgn="auto" latinLnBrk="0" hangingPunct="1">
-              <a:lnSpc>
-                <a:spcPct val="130000"/>
-              </a:lnSpc>
-              <a:spcBef>
-                <a:spcPts val="0"/>
-              </a:spcBef>
-              <a:spcAft>
-                <a:spcPts val="1000"/>
-              </a:spcAft>
-              <a:buFont typeface="Arial" panose="020B0604020202020204" pitchFamily="34" charset="0"/>
-              <a:buNone/>
-              <a:tabLst>
-                <a:tab pos="1609725" algn="l"/>
-              </a:tabLst>
-              <a:defRPr sz="2000" u="none" strike="noStrike" kern="1200" cap="none" spc="150" normalizeH="0" baseline="0">
-                <a:solidFill>
-                  <a:schemeClr val="tx1">
-                    <a:tint val="75000"/>
-                  </a:schemeClr>
-                </a:solidFill>
-                <a:uFillTx/>
-                <a:latin typeface="+mn-lt"/>
-                <a:ea typeface="+mn-ea"/>
-                <a:cs typeface="+mn-cs"/>
-              </a:defRPr>
-            </a:lvl2pPr>
-            <a:lvl3pPr marL="914400" indent="0" algn="l" defTabSz="914400" rtl="0" eaLnBrk="1" fontAlgn="auto" latinLnBrk="0" hangingPunct="1">
-              <a:lnSpc>
-                <a:spcPct val="130000"/>
-              </a:lnSpc>
-              <a:spcBef>
-                <a:spcPts val="0"/>
-              </a:spcBef>
-              <a:spcAft>
-                <a:spcPts val="1000"/>
-              </a:spcAft>
-              <a:buFont typeface="Arial" panose="020B0604020202020204" pitchFamily="34" charset="0"/>
-              <a:buNone/>
-              <a:defRPr sz="1800" u="none" strike="noStrike" kern="1200" cap="none" spc="150" normalizeH="0" baseline="0">
-                <a:solidFill>
-                  <a:schemeClr val="tx1">
-                    <a:tint val="75000"/>
-                  </a:schemeClr>
-                </a:solidFill>
-                <a:uFillTx/>
-                <a:latin typeface="+mn-lt"/>
-                <a:ea typeface="+mn-ea"/>
-                <a:cs typeface="+mn-cs"/>
-              </a:defRPr>
-            </a:lvl3pPr>
-            <a:lvl4pPr marL="1371600" indent="0" algn="l" defTabSz="914400" rtl="0" eaLnBrk="1" fontAlgn="auto" latinLnBrk="0" hangingPunct="1">
-              <a:lnSpc>
-                <a:spcPct val="130000"/>
-              </a:lnSpc>
-              <a:spcBef>
-                <a:spcPts val="0"/>
-              </a:spcBef>
-              <a:spcAft>
-                <a:spcPts val="1000"/>
-              </a:spcAft>
-              <a:buFont typeface="Arial" panose="020B0604020202020204" pitchFamily="34" charset="0"/>
-              <a:buNone/>
-              <a:defRPr sz="1600" u="none" strike="noStrike" kern="1200" cap="none" spc="150" normalizeH="0" baseline="0">
-                <a:solidFill>
-                  <a:schemeClr val="tx1">
-                    <a:tint val="75000"/>
-                  </a:schemeClr>
-                </a:solidFill>
-                <a:uFillTx/>
-                <a:latin typeface="+mn-lt"/>
-                <a:ea typeface="+mn-ea"/>
-                <a:cs typeface="+mn-cs"/>
-              </a:defRPr>
-            </a:lvl4pPr>
-            <a:lvl5pPr marL="1828800" indent="0" algn="l" defTabSz="914400" rtl="0" eaLnBrk="1" fontAlgn="auto" latinLnBrk="0" hangingPunct="1">
-              <a:lnSpc>
-                <a:spcPct val="130000"/>
-              </a:lnSpc>
-              <a:spcBef>
-                <a:spcPts val="0"/>
-              </a:spcBef>
-              <a:spcAft>
-                <a:spcPts val="1000"/>
-              </a:spcAft>
-              <a:buFont typeface="Arial" panose="020B0604020202020204" pitchFamily="34" charset="0"/>
-              <a:buNone/>
-              <a:defRPr sz="1600" u="none" strike="noStrike" kern="1200" cap="none" spc="150" normalizeH="0" baseline="0">
-                <a:solidFill>
-                  <a:schemeClr val="tx1">
-                    <a:tint val="75000"/>
-                  </a:schemeClr>
-                </a:solidFill>
-                <a:uFillTx/>
-                <a:latin typeface="+mn-lt"/>
-                <a:ea typeface="+mn-ea"/>
-                <a:cs typeface="+mn-cs"/>
-              </a:defRPr>
-            </a:lvl5pPr>
-            <a:lvl6pPr marL="2286000" indent="0" algn="l" defTabSz="914400" rtl="0" eaLnBrk="1" latinLnBrk="0" hangingPunct="1">
-              <a:lnSpc>
-                <a:spcPct val="90000"/>
-              </a:lnSpc>
-              <a:spcBef>
-                <a:spcPts val="500"/>
-              </a:spcBef>
-              <a:buFont typeface="Arial" panose="020B0604020202020204" pitchFamily="34" charset="0"/>
-              <a:buNone/>
-              <a:defRPr sz="1600" kern="1200">
-                <a:solidFill>
-                  <a:schemeClr val="tx1">
-                    <a:tint val="75000"/>
-                  </a:schemeClr>
-                </a:solidFill>
-                <a:latin typeface="+mn-lt"/>
-                <a:ea typeface="+mn-ea"/>
-                <a:cs typeface="+mn-cs"/>
-              </a:defRPr>
-            </a:lvl6pPr>
-            <a:lvl7pPr marL="2743200" indent="0" algn="l" defTabSz="914400" rtl="0" eaLnBrk="1" latinLnBrk="0" hangingPunct="1">
-              <a:lnSpc>
-                <a:spcPct val="90000"/>
-              </a:lnSpc>
-              <a:spcBef>
-                <a:spcPts val="500"/>
-              </a:spcBef>
-              <a:buFont typeface="Arial" panose="020B0604020202020204" pitchFamily="34" charset="0"/>
-              <a:buNone/>
-              <a:defRPr sz="1600" kern="1200">
-                <a:solidFill>
-                  <a:schemeClr val="tx1">
-                    <a:tint val="75000"/>
-                  </a:schemeClr>
-                </a:solidFill>
-                <a:latin typeface="+mn-lt"/>
-                <a:ea typeface="+mn-ea"/>
-                <a:cs typeface="+mn-cs"/>
-              </a:defRPr>
-            </a:lvl7pPr>
-            <a:lvl8pPr marL="3200400" indent="0" algn="l" defTabSz="914400" rtl="0" eaLnBrk="1" latinLnBrk="0" hangingPunct="1">
-              <a:lnSpc>
-                <a:spcPct val="90000"/>
-              </a:lnSpc>
-              <a:spcBef>
-                <a:spcPts val="500"/>
-              </a:spcBef>
-              <a:buFont typeface="Arial" panose="020B0604020202020204" pitchFamily="34" charset="0"/>
-              <a:buNone/>
-              <a:defRPr sz="1600" kern="1200">
-                <a:solidFill>
-                  <a:schemeClr val="tx1">
-                    <a:tint val="75000"/>
-                  </a:schemeClr>
-                </a:solidFill>
-                <a:latin typeface="+mn-lt"/>
-                <a:ea typeface="+mn-ea"/>
-                <a:cs typeface="+mn-cs"/>
-              </a:defRPr>
-            </a:lvl8pPr>
-            <a:lvl9pPr marL="3657600" indent="0" algn="l" defTabSz="914400" rtl="0" eaLnBrk="1" latinLnBrk="0" hangingPunct="1">
-              <a:lnSpc>
-                <a:spcPct val="90000"/>
-              </a:lnSpc>
-              <a:spcBef>
-                <a:spcPts val="500"/>
-              </a:spcBef>
-              <a:buFont typeface="Arial" panose="020B0604020202020204" pitchFamily="34" charset="0"/>
-              <a:buNone/>
-              <a:defRPr sz="1600" kern="1200">
-                <a:solidFill>
-                  <a:schemeClr val="tx1">
-                    <a:tint val="75000"/>
-                  </a:schemeClr>
-                </a:solidFill>
-                <a:latin typeface="+mn-lt"/>
-                <a:ea typeface="+mn-ea"/>
-                <a:cs typeface="+mn-cs"/>
-              </a:defRPr>
-            </a:lvl9pPr>
-          </a:lstStyle>
-          <a:p>
-            <a:pPr marL="285750" indent="-285750">
-              <a:buFont typeface="Arial" panose="020B0604020202020204" pitchFamily="34" charset="0"/>
-              <a:buChar char="•"/>
-            </a:pPr>
-            <a:r>
-              <a:rPr lang="zh-CN" altLang="en-US" dirty="0"/>
-              <a:t>请使用新的交叉熵损失函数实现代码</a:t>
-            </a:r>
-            <a:endParaRPr lang="en-US" altLang="zh-CN" dirty="0"/>
-          </a:p>
-          <a:p>
-            <a:pPr marL="285750" indent="-285750">
-              <a:buFont typeface="Arial" panose="020B0604020202020204" pitchFamily="34" charset="0"/>
-              <a:buChar char="•"/>
-            </a:pPr>
-            <a:r>
-              <a:rPr lang="zh-CN" altLang="en-US" dirty="0"/>
-              <a:t>请每个同学运行代码，与之前的代码比较，看下</a:t>
-            </a:r>
-            <a:r>
-              <a:rPr lang="en-US" altLang="zh-CN" dirty="0"/>
-              <a:t>loss</a:t>
-            </a:r>
-            <a:r>
-              <a:rPr lang="zh-CN" altLang="en-US" dirty="0"/>
-              <a:t>的训练速度是否加快？</a:t>
-            </a:r>
-            <a:endParaRPr lang="en-US" altLang="zh-CN" dirty="0"/>
-          </a:p>
-          <a:p>
-            <a:endParaRPr lang="en-US" altLang="zh-CN" dirty="0"/>
-          </a:p>
-          <a:p>
-            <a:pPr marL="285750" indent="-285750">
-              <a:buFont typeface="Arial" panose="020B0604020202020204" pitchFamily="34" charset="0"/>
-              <a:buChar char="•"/>
-            </a:pPr>
-            <a:r>
-              <a:rPr lang="zh-CN" altLang="en-US" dirty="0"/>
-              <a:t>自学、展学</a:t>
-            </a:r>
-          </a:p>
-          <a:p>
-            <a:pPr marL="285750" indent="-285750">
-              <a:buFont typeface="Arial" panose="020B0604020202020204" pitchFamily="34" charset="0"/>
-              <a:buChar char="•"/>
-            </a:pPr>
-            <a:endParaRPr lang="zh-CN" altLang="en-US" dirty="0"/>
-          </a:p>
-          <a:p>
-            <a:pPr marL="285750" indent="-285750">
-              <a:buFont typeface="Arial" panose="020B0604020202020204" pitchFamily="34" charset="0"/>
-              <a:buChar char="•"/>
-            </a:pPr>
-            <a:endParaRPr lang="en-US" altLang="zh-CN" dirty="0"/>
-          </a:p>
-          <a:p>
-            <a:pPr marL="285750" indent="-285750">
-              <a:buFont typeface="Arial" panose="020B0604020202020204" pitchFamily="34" charset="0"/>
-              <a:buChar char="•"/>
-            </a:pPr>
-            <a:endParaRPr lang="zh-CN" altLang="en-US" dirty="0"/>
-          </a:p>
-          <a:p>
-            <a:pPr marL="285750" indent="-285750">
-              <a:buFont typeface="Arial" panose="020B0604020202020204" pitchFamily="34" charset="0"/>
-              <a:buChar char="•"/>
-            </a:pPr>
-            <a:endParaRPr lang="zh-CN" altLang="en-US" dirty="0"/>
-          </a:p>
-          <a:p>
-            <a:endParaRPr lang="zh-CN" altLang="en-US" dirty="0"/>
-          </a:p>
-        </p:txBody>
-      </p:sp>
-    </p:spTree>
-    <p:custDataLst>
-      <p:tags r:id="rId1"/>
-    </p:custDataLst>
-    <p:extLst>
-      <p:ext uri="{BB962C8B-B14F-4D97-AF65-F5344CB8AC3E}">
-        <p14:creationId xmlns:p14="http://schemas.microsoft.com/office/powerpoint/2010/main" val="722688410"/>
-      </p:ext>
-    </p:extLst>
-  </p:cSld>
-  <p:clrMapOvr>
-    <a:masterClrMapping/>
-  </p:clrMapOvr>
-  <p:timing>
-    <p:tnLst>
-      <p:par>
-        <p:cTn id="1" dur="indefinite" restart="never" nodeType="tmRoot">
-          <p:childTnLst>
-            <p:seq concurrent="1" nextAc="seek">
-              <p:cTn id="2" dur="indefinite" nodeType="mainSeq">
-                <p:childTnLst>
-                  <p:par>
-                    <p:cTn id="3" fill="hold">
-                      <p:stCondLst>
-                        <p:cond delay="indefinite"/>
-                      </p:stCondLst>
-                      <p:childTnLst>
-                        <p:par>
-                          <p:cTn id="4" fill="hold">
-                            <p:stCondLst>
-                              <p:cond delay="0"/>
-                            </p:stCondLst>
-                            <p:childTnLst>
-                              <p:par>
-                                <p:cTn id="5" presetID="1" presetClass="entr" presetSubtype="0" fill="hold" grpId="0" nodeType="clickEffect">
-                                  <p:stCondLst>
-                                    <p:cond delay="0"/>
-                                  </p:stCondLst>
-                                  <p:childTnLst>
-                                    <p:set>
-                                      <p:cBhvr>
-                                        <p:cTn id="6" dur="1" fill="hold">
-                                          <p:stCondLst>
-                                            <p:cond delay="0"/>
-                                          </p:stCondLst>
-                                        </p:cTn>
-                                        <p:tgtEl>
-                                          <p:spTgt spid="6"/>
-                                        </p:tgtEl>
-                                        <p:attrNameLst>
-                                          <p:attrName>style.visibility</p:attrName>
-                                        </p:attrNameLst>
-                                      </p:cBhvr>
-                                      <p:to>
-                                        <p:strVal val="visible"/>
-                                      </p:to>
-                                    </p:set>
-                                  </p:childTnLst>
-                                </p:cTn>
-                              </p:par>
-                            </p:childTnLst>
-                          </p:cTn>
-                        </p:par>
-                      </p:childTnLst>
-                    </p:cTn>
-                  </p:par>
-                </p:childTnLst>
-              </p:cTn>
-              <p:prevCondLst>
-                <p:cond evt="onPrev" delay="0">
-                  <p:tgtEl>
-                    <p:sldTgt/>
-                  </p:tgtEl>
-                </p:cond>
-              </p:prevCondLst>
-              <p:nextCondLst>
-                <p:cond evt="onNext" delay="0">
-                  <p:tgtEl>
-                    <p:sldTgt/>
-                  </p:tgtEl>
-                </p:cond>
-              </p:nextCondLst>
-            </p:seq>
-          </p:childTnLst>
-        </p:cTn>
-      </p:par>
-    </p:tnLst>
-    <p:bldLst>
-      <p:bldP spid="6" grpId="0"/>
-    </p:bldLst>
-  </p:timing>
-</p:sld>
-</file>
-
-<file path=ppt/slides/slide16.xml><?xml version="1.0" encoding="utf-8"?>
-<p:sld xmlns:a="http://schemas.openxmlformats.org/drawingml/2006/main" xmlns:r="http://schemas.openxmlformats.org/officeDocument/2006/relationships" xmlns:p="http://schemas.openxmlformats.org/presentationml/2006/main">
-  <p:cSld>
-    <p:spTree>
-      <p:nvGrpSpPr>
-        <p:cNvPr id="1" name=""/>
-        <p:cNvGrpSpPr/>
-        <p:nvPr/>
-      </p:nvGrpSpPr>
-      <p:grpSpPr>
-        <a:xfrm>
-          <a:off x="0" y="0"/>
-          <a:ext cx="0" cy="0"/>
-          <a:chOff x="0" y="0"/>
-          <a:chExt cx="0" cy="0"/>
-        </a:xfrm>
-      </p:grpSpPr>
-      <p:sp>
-        <p:nvSpPr>
-          <p:cNvPr id="3" name="标题 2"/>
-          <p:cNvSpPr>
-            <a:spLocks noGrp="1"/>
-          </p:cNvSpPr>
-          <p:nvPr>
-            <p:ph type="title"/>
-          </p:nvPr>
-        </p:nvSpPr>
-        <p:spPr/>
-        <p:txBody>
-          <a:bodyPr/>
-          <a:lstStyle/>
-          <a:p>
-            <a:r>
-              <a:rPr lang="zh-CN" altLang="en-US" dirty="0">
-                <a:sym typeface="+mn-ea"/>
-              </a:rPr>
-              <a:t>主问题：	如何加快多</a:t>
-            </a:r>
-            <a:r>
-              <a:rPr lang="zh-CN" altLang="en-US" dirty="0"/>
-              <a:t>分类的训练速度？</a:t>
-            </a:r>
-            <a:endParaRPr dirty="0">
-              <a:sym typeface="+mn-ea"/>
-            </a:endParaRPr>
-          </a:p>
-        </p:txBody>
-      </p:sp>
-      <p:sp>
-        <p:nvSpPr>
-          <p:cNvPr id="6" name="文本占位符 1">
-            <a:extLst>
-              <a:ext uri="{FF2B5EF4-FFF2-40B4-BE49-F238E27FC236}">
-                <a16:creationId xmlns:a16="http://schemas.microsoft.com/office/drawing/2014/main" id="{BA88068A-4FDC-6963-46A5-ADEC46CDA15E}"/>
-              </a:ext>
-            </a:extLst>
-          </p:cNvPr>
-          <p:cNvSpPr txBox="1">
-            <a:spLocks/>
-          </p:cNvSpPr>
-          <p:nvPr/>
-        </p:nvSpPr>
-        <p:spPr>
-          <a:xfrm>
-            <a:off x="822325" y="1778635"/>
-            <a:ext cx="10852150" cy="4553585"/>
-          </a:xfrm>
-        </p:spPr>
-        <p:txBody>
-          <a:bodyPr lIns="101600" tIns="38100" rIns="76200" bIns="38100">
-            <a:noAutofit/>
-          </a:bodyPr>
-          <a:lstStyle>
-            <a:lvl1pPr marL="0" indent="0" algn="l" defTabSz="914400" rtl="0" eaLnBrk="1" fontAlgn="auto" latinLnBrk="0" hangingPunct="1">
-              <a:lnSpc>
-                <a:spcPct val="130000"/>
-              </a:lnSpc>
-              <a:spcBef>
-                <a:spcPts val="0"/>
-              </a:spcBef>
-              <a:spcAft>
-                <a:spcPts val="1000"/>
-              </a:spcAft>
-              <a:buFont typeface="Arial" panose="020B0604020202020204" pitchFamily="34" charset="0"/>
-              <a:buNone/>
-              <a:defRPr kumimoji="0" lang="zh-CN" altLang="en-US" sz="1600" b="0" i="0" u="none" strike="noStrike" kern="1200" cap="none" spc="150" normalizeH="0" baseline="0" noProof="1">
-                <a:solidFill>
-                  <a:schemeClr val="tx1"/>
-                </a:solidFill>
-                <a:uFillTx/>
-                <a:latin typeface="+mn-lt"/>
-                <a:ea typeface="+mn-ea"/>
-                <a:cs typeface="+mn-cs"/>
-                <a:sym typeface="+mn-ea"/>
-              </a:defRPr>
-            </a:lvl1pPr>
-            <a:lvl2pPr marL="457200" indent="0" algn="l" defTabSz="914400" rtl="0" eaLnBrk="1" fontAlgn="auto" latinLnBrk="0" hangingPunct="1">
-              <a:lnSpc>
-                <a:spcPct val="130000"/>
-              </a:lnSpc>
-              <a:spcBef>
-                <a:spcPts val="0"/>
-              </a:spcBef>
-              <a:spcAft>
-                <a:spcPts val="1000"/>
-              </a:spcAft>
-              <a:buFont typeface="Arial" panose="020B0604020202020204" pitchFamily="34" charset="0"/>
-              <a:buNone/>
-              <a:tabLst>
-                <a:tab pos="1609725" algn="l"/>
-              </a:tabLst>
-              <a:defRPr sz="2000" u="none" strike="noStrike" kern="1200" cap="none" spc="150" normalizeH="0" baseline="0">
-                <a:solidFill>
-                  <a:schemeClr val="tx1">
-                    <a:tint val="75000"/>
-                  </a:schemeClr>
-                </a:solidFill>
-                <a:uFillTx/>
-                <a:latin typeface="+mn-lt"/>
-                <a:ea typeface="+mn-ea"/>
-                <a:cs typeface="+mn-cs"/>
-              </a:defRPr>
-            </a:lvl2pPr>
-            <a:lvl3pPr marL="914400" indent="0" algn="l" defTabSz="914400" rtl="0" eaLnBrk="1" fontAlgn="auto" latinLnBrk="0" hangingPunct="1">
-              <a:lnSpc>
-                <a:spcPct val="130000"/>
-              </a:lnSpc>
-              <a:spcBef>
-                <a:spcPts val="0"/>
-              </a:spcBef>
-              <a:spcAft>
-                <a:spcPts val="1000"/>
-              </a:spcAft>
-              <a:buFont typeface="Arial" panose="020B0604020202020204" pitchFamily="34" charset="0"/>
-              <a:buNone/>
-              <a:defRPr sz="1800" u="none" strike="noStrike" kern="1200" cap="none" spc="150" normalizeH="0" baseline="0">
-                <a:solidFill>
-                  <a:schemeClr val="tx1">
-                    <a:tint val="75000"/>
-                  </a:schemeClr>
-                </a:solidFill>
-                <a:uFillTx/>
-                <a:latin typeface="+mn-lt"/>
-                <a:ea typeface="+mn-ea"/>
-                <a:cs typeface="+mn-cs"/>
-              </a:defRPr>
-            </a:lvl3pPr>
-            <a:lvl4pPr marL="1371600" indent="0" algn="l" defTabSz="914400" rtl="0" eaLnBrk="1" fontAlgn="auto" latinLnBrk="0" hangingPunct="1">
-              <a:lnSpc>
-                <a:spcPct val="130000"/>
-              </a:lnSpc>
-              <a:spcBef>
-                <a:spcPts val="0"/>
-              </a:spcBef>
-              <a:spcAft>
-                <a:spcPts val="1000"/>
-              </a:spcAft>
-              <a:buFont typeface="Arial" panose="020B0604020202020204" pitchFamily="34" charset="0"/>
-              <a:buNone/>
-              <a:defRPr sz="1600" u="none" strike="noStrike" kern="1200" cap="none" spc="150" normalizeH="0" baseline="0">
-                <a:solidFill>
-                  <a:schemeClr val="tx1">
-                    <a:tint val="75000"/>
-                  </a:schemeClr>
-                </a:solidFill>
-                <a:uFillTx/>
-                <a:latin typeface="+mn-lt"/>
-                <a:ea typeface="+mn-ea"/>
-                <a:cs typeface="+mn-cs"/>
-              </a:defRPr>
-            </a:lvl4pPr>
-            <a:lvl5pPr marL="1828800" indent="0" algn="l" defTabSz="914400" rtl="0" eaLnBrk="1" fontAlgn="auto" latinLnBrk="0" hangingPunct="1">
-              <a:lnSpc>
-                <a:spcPct val="130000"/>
-              </a:lnSpc>
-              <a:spcBef>
-                <a:spcPts val="0"/>
-              </a:spcBef>
-              <a:spcAft>
-                <a:spcPts val="1000"/>
-              </a:spcAft>
-              <a:buFont typeface="Arial" panose="020B0604020202020204" pitchFamily="34" charset="0"/>
-              <a:buNone/>
-              <a:defRPr sz="1600" u="none" strike="noStrike" kern="1200" cap="none" spc="150" normalizeH="0" baseline="0">
-                <a:solidFill>
-                  <a:schemeClr val="tx1">
-                    <a:tint val="75000"/>
-                  </a:schemeClr>
-                </a:solidFill>
-                <a:uFillTx/>
-                <a:latin typeface="+mn-lt"/>
-                <a:ea typeface="+mn-ea"/>
-                <a:cs typeface="+mn-cs"/>
-              </a:defRPr>
-            </a:lvl5pPr>
-            <a:lvl6pPr marL="2286000" indent="0" algn="l" defTabSz="914400" rtl="0" eaLnBrk="1" latinLnBrk="0" hangingPunct="1">
-              <a:lnSpc>
-                <a:spcPct val="90000"/>
-              </a:lnSpc>
-              <a:spcBef>
-                <a:spcPts val="500"/>
-              </a:spcBef>
-              <a:buFont typeface="Arial" panose="020B0604020202020204" pitchFamily="34" charset="0"/>
-              <a:buNone/>
-              <a:defRPr sz="1600" kern="1200">
-                <a:solidFill>
-                  <a:schemeClr val="tx1">
-                    <a:tint val="75000"/>
-                  </a:schemeClr>
-                </a:solidFill>
-                <a:latin typeface="+mn-lt"/>
-                <a:ea typeface="+mn-ea"/>
-                <a:cs typeface="+mn-cs"/>
-              </a:defRPr>
-            </a:lvl6pPr>
-            <a:lvl7pPr marL="2743200" indent="0" algn="l" defTabSz="914400" rtl="0" eaLnBrk="1" latinLnBrk="0" hangingPunct="1">
-              <a:lnSpc>
-                <a:spcPct val="90000"/>
-              </a:lnSpc>
-              <a:spcBef>
-                <a:spcPts val="500"/>
-              </a:spcBef>
-              <a:buFont typeface="Arial" panose="020B0604020202020204" pitchFamily="34" charset="0"/>
-              <a:buNone/>
-              <a:defRPr sz="1600" kern="1200">
-                <a:solidFill>
-                  <a:schemeClr val="tx1">
-                    <a:tint val="75000"/>
-                  </a:schemeClr>
-                </a:solidFill>
-                <a:latin typeface="+mn-lt"/>
-                <a:ea typeface="+mn-ea"/>
-                <a:cs typeface="+mn-cs"/>
-              </a:defRPr>
-            </a:lvl7pPr>
-            <a:lvl8pPr marL="3200400" indent="0" algn="l" defTabSz="914400" rtl="0" eaLnBrk="1" latinLnBrk="0" hangingPunct="1">
-              <a:lnSpc>
-                <a:spcPct val="90000"/>
-              </a:lnSpc>
-              <a:spcBef>
-                <a:spcPts val="500"/>
-              </a:spcBef>
-              <a:buFont typeface="Arial" panose="020B0604020202020204" pitchFamily="34" charset="0"/>
-              <a:buNone/>
-              <a:defRPr sz="1600" kern="1200">
-                <a:solidFill>
-                  <a:schemeClr val="tx1">
-                    <a:tint val="75000"/>
-                  </a:schemeClr>
-                </a:solidFill>
-                <a:latin typeface="+mn-lt"/>
-                <a:ea typeface="+mn-ea"/>
-                <a:cs typeface="+mn-cs"/>
-              </a:defRPr>
-            </a:lvl8pPr>
-            <a:lvl9pPr marL="3657600" indent="0" algn="l" defTabSz="914400" rtl="0" eaLnBrk="1" latinLnBrk="0" hangingPunct="1">
-              <a:lnSpc>
-                <a:spcPct val="90000"/>
-              </a:lnSpc>
-              <a:spcBef>
-                <a:spcPts val="500"/>
-              </a:spcBef>
-              <a:buFont typeface="Arial" panose="020B0604020202020204" pitchFamily="34" charset="0"/>
-              <a:buNone/>
-              <a:defRPr sz="1600" kern="1200">
-                <a:solidFill>
-                  <a:schemeClr val="tx1">
-                    <a:tint val="75000"/>
-                  </a:schemeClr>
-                </a:solidFill>
-                <a:latin typeface="+mn-lt"/>
-                <a:ea typeface="+mn-ea"/>
-                <a:cs typeface="+mn-cs"/>
-              </a:defRPr>
-            </a:lvl9pPr>
-          </a:lstStyle>
-          <a:p>
-            <a:pPr marL="285750" indent="-285750">
-              <a:buFont typeface="Arial" panose="020B0604020202020204" pitchFamily="34" charset="0"/>
-              <a:buChar char="•"/>
-            </a:pPr>
-            <a:r>
-              <a:rPr lang="zh-CN" altLang="en-US" dirty="0"/>
-              <a:t>我们发现“识别手写数字“使用交叉熵损失函数后，训练速度反而变慢了，为什么？</a:t>
-            </a:r>
-            <a:endParaRPr lang="en-US" altLang="zh-CN" dirty="0"/>
-          </a:p>
-          <a:p>
-            <a:pPr marL="285750" indent="-285750">
-              <a:buFont typeface="Arial" panose="020B0604020202020204" pitchFamily="34" charset="0"/>
-              <a:buChar char="•"/>
-            </a:pPr>
-            <a:endParaRPr lang="en-US" altLang="zh-CN" dirty="0"/>
-          </a:p>
-          <a:p>
-            <a:endParaRPr lang="en-US" altLang="zh-CN" dirty="0"/>
-          </a:p>
-          <a:p>
-            <a:pPr marL="285750" indent="-285750">
-              <a:buFont typeface="Arial" panose="020B0604020202020204" pitchFamily="34" charset="0"/>
-              <a:buChar char="•"/>
-            </a:pPr>
-            <a:r>
-              <a:rPr lang="zh-CN" altLang="en-US" dirty="0"/>
-              <a:t>自学、互学、展学</a:t>
-            </a:r>
-          </a:p>
-          <a:p>
-            <a:pPr marL="285750" indent="-285750">
-              <a:buFont typeface="Arial" panose="020B0604020202020204" pitchFamily="34" charset="0"/>
-              <a:buChar char="•"/>
-            </a:pPr>
-            <a:endParaRPr lang="zh-CN" altLang="en-US" dirty="0"/>
-          </a:p>
-          <a:p>
-            <a:pPr marL="285750" indent="-285750">
-              <a:buFont typeface="Arial" panose="020B0604020202020204" pitchFamily="34" charset="0"/>
-              <a:buChar char="•"/>
-            </a:pPr>
-            <a:endParaRPr lang="en-US" altLang="zh-CN" dirty="0"/>
-          </a:p>
-          <a:p>
-            <a:pPr marL="285750" indent="-285750">
-              <a:buFont typeface="Arial" panose="020B0604020202020204" pitchFamily="34" charset="0"/>
-              <a:buChar char="•"/>
-            </a:pPr>
-            <a:endParaRPr lang="zh-CN" altLang="en-US" dirty="0"/>
-          </a:p>
-          <a:p>
-            <a:pPr marL="285750" indent="-285750">
-              <a:buFont typeface="Arial" panose="020B0604020202020204" pitchFamily="34" charset="0"/>
-              <a:buChar char="•"/>
-            </a:pPr>
-            <a:endParaRPr lang="zh-CN" altLang="en-US" dirty="0"/>
-          </a:p>
-          <a:p>
-            <a:pPr marL="285750" indent="-285750">
-              <a:buFont typeface="Arial" panose="020B0604020202020204" pitchFamily="34" charset="0"/>
-              <a:buChar char="•"/>
-            </a:pPr>
-            <a:endParaRPr lang="zh-CN" altLang="en-US" dirty="0"/>
-          </a:p>
-          <a:p>
-            <a:pPr marL="285750" indent="-285750">
-              <a:buFont typeface="Arial" panose="020B0604020202020204" pitchFamily="34" charset="0"/>
-              <a:buChar char="•"/>
-            </a:pPr>
-            <a:endParaRPr lang="zh-CN" altLang="en-US" dirty="0"/>
-          </a:p>
-          <a:p>
-            <a:pPr marL="285750" indent="-285750">
-              <a:buFont typeface="Arial" panose="020B0604020202020204" pitchFamily="34" charset="0"/>
-              <a:buChar char="•"/>
-            </a:pPr>
-            <a:endParaRPr lang="zh-CN" altLang="en-US" dirty="0"/>
-          </a:p>
-          <a:p>
-            <a:pPr marL="285750" indent="-285750">
-              <a:buFont typeface="Arial" panose="020B0604020202020204" pitchFamily="34" charset="0"/>
-              <a:buChar char="•"/>
-            </a:pPr>
-            <a:endParaRPr lang="zh-CN" altLang="en-US" dirty="0"/>
-          </a:p>
-          <a:p>
-            <a:pPr marL="285750" indent="-285750">
-              <a:buFont typeface="Arial" panose="020B0604020202020204" pitchFamily="34" charset="0"/>
-              <a:buChar char="•"/>
-            </a:pPr>
-            <a:endParaRPr lang="zh-CN" altLang="en-US" dirty="0"/>
-          </a:p>
-        </p:txBody>
-      </p:sp>
-      <p:pic>
-        <p:nvPicPr>
-          <p:cNvPr id="4" name="图片 3">
-            <a:extLst>
-              <a:ext uri="{FF2B5EF4-FFF2-40B4-BE49-F238E27FC236}">
-                <a16:creationId xmlns:a16="http://schemas.microsoft.com/office/drawing/2014/main" id="{DA9A95A2-654F-69BE-D86D-77F7524B8C8B}"/>
-              </a:ext>
-            </a:extLst>
-          </p:cNvPr>
-          <p:cNvPicPr>
-            <a:picLocks noChangeAspect="1"/>
-          </p:cNvPicPr>
-          <p:nvPr/>
-        </p:nvPicPr>
-        <p:blipFill>
-          <a:blip r:embed="rId3">
-            <a:extLst>
-              <a:ext uri="{28A0092B-C50C-407E-A947-70E740481C1C}">
-                <a14:useLocalDpi xmlns:a14="http://schemas.microsoft.com/office/drawing/2010/main" val="0"/>
-              </a:ext>
-            </a:extLst>
-          </a:blip>
-          <a:stretch>
-            <a:fillRect/>
-          </a:stretch>
-        </p:blipFill>
-        <p:spPr>
-          <a:xfrm>
-            <a:off x="5573975" y="2456333"/>
-            <a:ext cx="3797300" cy="2146300"/>
-          </a:xfrm>
-          <a:prstGeom prst="rect">
-            <a:avLst/>
-          </a:prstGeom>
-        </p:spPr>
-      </p:pic>
-      <mc:AlternateContent xmlns:mc="http://schemas.openxmlformats.org/markup-compatibility/2006" xmlns:a14="http://schemas.microsoft.com/office/drawing/2010/main">
-        <mc:Choice Requires="a14">
-          <p:sp>
-            <p:nvSpPr>
-              <p:cNvPr id="5" name="文本框 4">
-                <a:extLst>
-                  <a:ext uri="{FF2B5EF4-FFF2-40B4-BE49-F238E27FC236}">
-                    <a16:creationId xmlns:a16="http://schemas.microsoft.com/office/drawing/2014/main" id="{4A8BDA47-593C-9B1E-4EF2-4EEA29083E4A}"/>
-                  </a:ext>
-                </a:extLst>
-              </p:cNvPr>
-              <p:cNvSpPr txBox="1"/>
-              <p:nvPr/>
-            </p:nvSpPr>
-            <p:spPr>
-              <a:xfrm>
-                <a:off x="2325007" y="4825235"/>
-                <a:ext cx="9750041" cy="532966"/>
-              </a:xfrm>
-              <a:prstGeom prst="rect">
-                <a:avLst/>
-              </a:prstGeom>
-              <a:noFill/>
-            </p:spPr>
-            <p:txBody>
-              <a:bodyPr wrap="none" rtlCol="0">
-                <a:spAutoFit/>
-              </a:bodyPr>
-              <a:lstStyle/>
-              <a:p>
-                <a:r>
-                  <a:rPr kumimoji="1" lang="zh-CN" altLang="en-US" dirty="0"/>
-                  <a:t>因为之前的推导公式在多分类下，激活函数的导数</a:t>
-                </a:r>
-                <a14:m>
-                  <m:oMath xmlns:m="http://schemas.openxmlformats.org/officeDocument/2006/math">
-                    <m:f>
-                      <m:fPr>
-                        <m:ctrlPr>
-                          <a:rPr kumimoji="1" lang="en-US" altLang="zh-CN" i="1" smtClean="0">
-                            <a:latin typeface="Cambria Math" panose="02040503050406030204" pitchFamily="18" charset="0"/>
-                          </a:rPr>
-                        </m:ctrlPr>
-                      </m:fPr>
-                      <m:num>
-                        <m:r>
-                          <a:rPr kumimoji="1" lang="en-US" altLang="zh-CN" b="0" i="1" smtClean="0">
-                            <a:latin typeface="Cambria Math" panose="02040503050406030204" pitchFamily="18" charset="0"/>
-                          </a:rPr>
-                          <m:t>𝑑𝑓</m:t>
-                        </m:r>
-                        <m:r>
-                          <a:rPr kumimoji="1" lang="en-US" altLang="zh-CN" b="0" i="1" smtClean="0">
-                            <a:latin typeface="Cambria Math" panose="02040503050406030204" pitchFamily="18" charset="0"/>
-                          </a:rPr>
-                          <m:t>(</m:t>
-                        </m:r>
-                        <m:sSub>
-                          <m:sSubPr>
-                            <m:ctrlPr>
-                              <a:rPr kumimoji="1" lang="en-US" altLang="zh-CN" b="0" i="1" smtClean="0">
-                                <a:latin typeface="Cambria Math" panose="02040503050406030204" pitchFamily="18" charset="0"/>
-                              </a:rPr>
-                            </m:ctrlPr>
-                          </m:sSubPr>
-                          <m:e>
-                            <m:r>
-                              <a:rPr kumimoji="1" lang="en-US" altLang="zh-CN" b="0" i="1" smtClean="0">
-                                <a:latin typeface="Cambria Math" panose="02040503050406030204" pitchFamily="18" charset="0"/>
-                              </a:rPr>
-                              <m:t>𝑛𝑒𝑡</m:t>
-                            </m:r>
-                          </m:e>
-                          <m:sub>
-                            <m:r>
-                              <a:rPr kumimoji="1" lang="en-US" altLang="zh-CN" b="0" i="1" smtClean="0">
-                                <a:latin typeface="Cambria Math" panose="02040503050406030204" pitchFamily="18" charset="0"/>
-                              </a:rPr>
-                              <m:t>𝑘</m:t>
-                            </m:r>
-                          </m:sub>
-                        </m:sSub>
-                        <m:r>
-                          <a:rPr kumimoji="1" lang="en-US" altLang="zh-CN" b="0" i="1" smtClean="0">
-                            <a:latin typeface="Cambria Math" panose="02040503050406030204" pitchFamily="18" charset="0"/>
-                          </a:rPr>
-                          <m:t>)</m:t>
-                        </m:r>
-                      </m:num>
-                      <m:den>
-                        <m:r>
-                          <a:rPr kumimoji="1" lang="en-US" altLang="zh-CN" b="0" i="1" smtClean="0">
-                            <a:latin typeface="Cambria Math" panose="02040503050406030204" pitchFamily="18" charset="0"/>
-                          </a:rPr>
-                          <m:t>𝑑</m:t>
-                        </m:r>
-                        <m:sSub>
-                          <m:sSubPr>
-                            <m:ctrlPr>
-                              <a:rPr kumimoji="1" lang="en-US" altLang="zh-CN" b="0" i="1" smtClean="0">
-                                <a:latin typeface="Cambria Math" panose="02040503050406030204" pitchFamily="18" charset="0"/>
-                              </a:rPr>
-                            </m:ctrlPr>
-                          </m:sSubPr>
-                          <m:e>
-                            <m:r>
-                              <a:rPr kumimoji="1" lang="en-US" altLang="zh-CN" b="0" i="1" smtClean="0">
-                                <a:latin typeface="Cambria Math" panose="02040503050406030204" pitchFamily="18" charset="0"/>
-                              </a:rPr>
-                              <m:t>𝑛𝑒𝑡</m:t>
-                            </m:r>
-                          </m:e>
-                          <m:sub>
-                            <m:r>
-                              <a:rPr kumimoji="1" lang="en-US" altLang="zh-CN" b="0" i="1" smtClean="0">
-                                <a:latin typeface="Cambria Math" panose="02040503050406030204" pitchFamily="18" charset="0"/>
-                              </a:rPr>
-                              <m:t>𝑘</m:t>
-                            </m:r>
-                          </m:sub>
-                        </m:sSub>
-                      </m:den>
-                    </m:f>
-                  </m:oMath>
-                </a14:m>
-                <a:r>
-                  <a:rPr kumimoji="1" lang="zh-CN" altLang="en-US" dirty="0"/>
-                  <a:t>可能发生了变化，所以</a:t>
-                </a:r>
-                <a:r>
-                  <a:rPr kumimoji="1" lang="en-US" altLang="zh-CN" dirty="0"/>
-                  <a:t>E</a:t>
-                </a:r>
-                <a:r>
-                  <a:rPr kumimoji="1" lang="zh-CN" altLang="en-US" dirty="0"/>
-                  <a:t>也需要变化</a:t>
-                </a:r>
-              </a:p>
-            </p:txBody>
-          </p:sp>
-        </mc:Choice>
-        <mc:Fallback xmlns="">
-          <p:sp>
-            <p:nvSpPr>
-              <p:cNvPr id="5" name="文本框 4">
-                <a:extLst>
-                  <a:ext uri="{FF2B5EF4-FFF2-40B4-BE49-F238E27FC236}">
-                    <a16:creationId xmlns:a16="http://schemas.microsoft.com/office/drawing/2014/main" id="{4A8BDA47-593C-9B1E-4EF2-4EEA29083E4A}"/>
-                  </a:ext>
-                </a:extLst>
-              </p:cNvPr>
-              <p:cNvSpPr txBox="1">
-                <a:spLocks noRot="1" noChangeAspect="1" noMove="1" noResize="1" noEditPoints="1" noAdjustHandles="1" noChangeArrowheads="1" noChangeShapeType="1" noTextEdit="1"/>
-              </p:cNvSpPr>
-              <p:nvPr/>
-            </p:nvSpPr>
-            <p:spPr>
-              <a:xfrm>
-                <a:off x="2325007" y="4825235"/>
-                <a:ext cx="9750041" cy="532966"/>
-              </a:xfrm>
-              <a:prstGeom prst="rect">
-                <a:avLst/>
-              </a:prstGeom>
-              <a:blipFill>
-                <a:blip r:embed="rId4"/>
-                <a:stretch>
-                  <a:fillRect l="-390"/>
-                </a:stretch>
-              </a:blipFill>
-            </p:spPr>
-            <p:txBody>
-              <a:bodyPr/>
-              <a:lstStyle/>
-              <a:p>
-                <a:r>
-                  <a:rPr lang="zh-CN" altLang="en-US">
-                    <a:noFill/>
-                  </a:rPr>
-                  <a:t> </a:t>
-                </a:r>
-              </a:p>
-            </p:txBody>
-          </p:sp>
-        </mc:Fallback>
-      </mc:AlternateContent>
-    </p:spTree>
-    <p:custDataLst>
-      <p:tags r:id="rId1"/>
-    </p:custDataLst>
-    <p:extLst>
-      <p:ext uri="{BB962C8B-B14F-4D97-AF65-F5344CB8AC3E}">
-        <p14:creationId xmlns:p14="http://schemas.microsoft.com/office/powerpoint/2010/main" val="2626747040"/>
-      </p:ext>
-    </p:extLst>
-  </p:cSld>
-  <p:clrMapOvr>
-    <a:masterClrMapping/>
-  </p:clrMapOvr>
-  <p:timing>
-    <p:tnLst>
-      <p:par>
-        <p:cTn id="1" dur="indefinite" restart="never" nodeType="tmRoot">
-          <p:childTnLst>
-            <p:seq concurrent="1" nextAc="seek">
-              <p:cTn id="2" dur="indefinite" nodeType="mainSeq">
-                <p:childTnLst>
-                  <p:par>
-                    <p:cTn id="3" fill="hold">
-                      <p:stCondLst>
-                        <p:cond delay="indefinite"/>
-                      </p:stCondLst>
-                      <p:childTnLst>
-                        <p:par>
-                          <p:cTn id="4" fill="hold">
-                            <p:stCondLst>
-                              <p:cond delay="0"/>
-                            </p:stCondLst>
-                            <p:childTnLst>
-                              <p:par>
-                                <p:cTn id="5" presetID="1" presetClass="entr" presetSubtype="0" fill="hold" grpId="0" nodeType="clickEffect">
-                                  <p:stCondLst>
-                                    <p:cond delay="0"/>
-                                  </p:stCondLst>
-                                  <p:childTnLst>
-                                    <p:set>
-                                      <p:cBhvr>
-                                        <p:cTn id="6" dur="1" fill="hold">
-                                          <p:stCondLst>
-                                            <p:cond delay="0"/>
-                                          </p:stCondLst>
-                                        </p:cTn>
-                                        <p:tgtEl>
-                                          <p:spTgt spid="6"/>
-                                        </p:tgtEl>
-                                        <p:attrNameLst>
-                                          <p:attrName>style.visibility</p:attrName>
-                                        </p:attrNameLst>
-                                      </p:cBhvr>
-                                      <p:to>
-                                        <p:strVal val="visible"/>
-                                      </p:to>
-                                    </p:set>
-                                  </p:childTnLst>
-                                </p:cTn>
-                              </p:par>
-                            </p:childTnLst>
-                          </p:cTn>
-                        </p:par>
-                      </p:childTnLst>
-                    </p:cTn>
-                  </p:par>
-                </p:childTnLst>
-              </p:cTn>
-              <p:prevCondLst>
-                <p:cond evt="onPrev" delay="0">
-                  <p:tgtEl>
-                    <p:sldTgt/>
-                  </p:tgtEl>
-                </p:cond>
-              </p:prevCondLst>
-              <p:nextCondLst>
-                <p:cond evt="onNext" delay="0">
-                  <p:tgtEl>
-                    <p:sldTgt/>
-                  </p:tgtEl>
-                </p:cond>
-              </p:nextCondLst>
-            </p:seq>
-          </p:childTnLst>
-        </p:cTn>
-      </p:par>
-    </p:tnLst>
-    <p:bldLst>
-      <p:bldP spid="6" grpId="0"/>
-    </p:bldLst>
-  </p:timing>
-</p:sld>
-</file>
-
-<file path=ppt/slides/slide17.xml><?xml version="1.0" encoding="utf-8"?>
-<p:sld xmlns:a="http://schemas.openxmlformats.org/drawingml/2006/main" xmlns:r="http://schemas.openxmlformats.org/officeDocument/2006/relationships" xmlns:p="http://schemas.openxmlformats.org/presentationml/2006/main">
-  <p:cSld>
-    <p:spTree>
-      <p:nvGrpSpPr>
-        <p:cNvPr id="1" name=""/>
-        <p:cNvGrpSpPr/>
-        <p:nvPr/>
-      </p:nvGrpSpPr>
-      <p:grpSpPr>
-        <a:xfrm>
-          <a:off x="0" y="0"/>
-          <a:ext cx="0" cy="0"/>
-          <a:chOff x="0" y="0"/>
-          <a:chExt cx="0" cy="0"/>
-        </a:xfrm>
-      </p:grpSpPr>
-      <p:sp>
-        <p:nvSpPr>
-          <p:cNvPr id="3" name="标题 2"/>
-          <p:cNvSpPr>
-            <a:spLocks noGrp="1"/>
-          </p:cNvSpPr>
-          <p:nvPr>
-            <p:ph type="title"/>
-          </p:nvPr>
-        </p:nvSpPr>
-        <p:spPr/>
-        <p:txBody>
-          <a:bodyPr/>
-          <a:lstStyle/>
-          <a:p>
-            <a:r>
-              <a:rPr lang="zh-CN" altLang="en-US" dirty="0">
-                <a:sym typeface="+mn-ea"/>
-              </a:rPr>
-              <a:t>主问题：	如何加快多</a:t>
-            </a:r>
-            <a:r>
-              <a:rPr lang="zh-CN" altLang="en-US" dirty="0"/>
-              <a:t>分类的训练速度？</a:t>
-            </a:r>
-            <a:endParaRPr dirty="0">
-              <a:sym typeface="+mn-ea"/>
-            </a:endParaRPr>
-          </a:p>
-        </p:txBody>
-      </p:sp>
-      <p:sp>
-        <p:nvSpPr>
-          <p:cNvPr id="6" name="文本占位符 1">
-            <a:extLst>
-              <a:ext uri="{FF2B5EF4-FFF2-40B4-BE49-F238E27FC236}">
-                <a16:creationId xmlns:a16="http://schemas.microsoft.com/office/drawing/2014/main" id="{BA88068A-4FDC-6963-46A5-ADEC46CDA15E}"/>
-              </a:ext>
-            </a:extLst>
-          </p:cNvPr>
-          <p:cNvSpPr txBox="1">
-            <a:spLocks/>
-          </p:cNvSpPr>
-          <p:nvPr/>
-        </p:nvSpPr>
-        <p:spPr>
-          <a:xfrm>
-            <a:off x="822325" y="1778635"/>
-            <a:ext cx="10852150" cy="4553585"/>
-          </a:xfrm>
-        </p:spPr>
-        <p:txBody>
-          <a:bodyPr lIns="101600" tIns="38100" rIns="76200" bIns="38100">
-            <a:noAutofit/>
-          </a:bodyPr>
-          <a:lstStyle>
-            <a:lvl1pPr marL="0" indent="0" algn="l" defTabSz="914400" rtl="0" eaLnBrk="1" fontAlgn="auto" latinLnBrk="0" hangingPunct="1">
-              <a:lnSpc>
-                <a:spcPct val="130000"/>
-              </a:lnSpc>
-              <a:spcBef>
-                <a:spcPts val="0"/>
-              </a:spcBef>
-              <a:spcAft>
-                <a:spcPts val="1000"/>
-              </a:spcAft>
-              <a:buFont typeface="Arial" panose="020B0604020202020204" pitchFamily="34" charset="0"/>
-              <a:buNone/>
-              <a:defRPr kumimoji="0" lang="zh-CN" altLang="en-US" sz="1600" b="0" i="0" u="none" strike="noStrike" kern="1200" cap="none" spc="150" normalizeH="0" baseline="0" noProof="1">
-                <a:solidFill>
-                  <a:schemeClr val="tx1"/>
-                </a:solidFill>
-                <a:uFillTx/>
-                <a:latin typeface="+mn-lt"/>
-                <a:ea typeface="+mn-ea"/>
-                <a:cs typeface="+mn-cs"/>
-                <a:sym typeface="+mn-ea"/>
-              </a:defRPr>
-            </a:lvl1pPr>
-            <a:lvl2pPr marL="457200" indent="0" algn="l" defTabSz="914400" rtl="0" eaLnBrk="1" fontAlgn="auto" latinLnBrk="0" hangingPunct="1">
-              <a:lnSpc>
-                <a:spcPct val="130000"/>
-              </a:lnSpc>
-              <a:spcBef>
-                <a:spcPts val="0"/>
-              </a:spcBef>
-              <a:spcAft>
-                <a:spcPts val="1000"/>
-              </a:spcAft>
-              <a:buFont typeface="Arial" panose="020B0604020202020204" pitchFamily="34" charset="0"/>
-              <a:buNone/>
-              <a:tabLst>
-                <a:tab pos="1609725" algn="l"/>
-              </a:tabLst>
-              <a:defRPr sz="2000" u="none" strike="noStrike" kern="1200" cap="none" spc="150" normalizeH="0" baseline="0">
-                <a:solidFill>
-                  <a:schemeClr val="tx1">
-                    <a:tint val="75000"/>
-                  </a:schemeClr>
-                </a:solidFill>
-                <a:uFillTx/>
-                <a:latin typeface="+mn-lt"/>
-                <a:ea typeface="+mn-ea"/>
-                <a:cs typeface="+mn-cs"/>
-              </a:defRPr>
-            </a:lvl2pPr>
-            <a:lvl3pPr marL="914400" indent="0" algn="l" defTabSz="914400" rtl="0" eaLnBrk="1" fontAlgn="auto" latinLnBrk="0" hangingPunct="1">
-              <a:lnSpc>
-                <a:spcPct val="130000"/>
-              </a:lnSpc>
-              <a:spcBef>
-                <a:spcPts val="0"/>
-              </a:spcBef>
-              <a:spcAft>
-                <a:spcPts val="1000"/>
-              </a:spcAft>
-              <a:buFont typeface="Arial" panose="020B0604020202020204" pitchFamily="34" charset="0"/>
-              <a:buNone/>
-              <a:defRPr sz="1800" u="none" strike="noStrike" kern="1200" cap="none" spc="150" normalizeH="0" baseline="0">
-                <a:solidFill>
-                  <a:schemeClr val="tx1">
-                    <a:tint val="75000"/>
-                  </a:schemeClr>
-                </a:solidFill>
-                <a:uFillTx/>
-                <a:latin typeface="+mn-lt"/>
-                <a:ea typeface="+mn-ea"/>
-                <a:cs typeface="+mn-cs"/>
-              </a:defRPr>
-            </a:lvl3pPr>
-            <a:lvl4pPr marL="1371600" indent="0" algn="l" defTabSz="914400" rtl="0" eaLnBrk="1" fontAlgn="auto" latinLnBrk="0" hangingPunct="1">
-              <a:lnSpc>
-                <a:spcPct val="130000"/>
-              </a:lnSpc>
-              <a:spcBef>
-                <a:spcPts val="0"/>
-              </a:spcBef>
-              <a:spcAft>
-                <a:spcPts val="1000"/>
-              </a:spcAft>
-              <a:buFont typeface="Arial" panose="020B0604020202020204" pitchFamily="34" charset="0"/>
-              <a:buNone/>
-              <a:defRPr sz="1600" u="none" strike="noStrike" kern="1200" cap="none" spc="150" normalizeH="0" baseline="0">
-                <a:solidFill>
-                  <a:schemeClr val="tx1">
-                    <a:tint val="75000"/>
-                  </a:schemeClr>
-                </a:solidFill>
-                <a:uFillTx/>
-                <a:latin typeface="+mn-lt"/>
-                <a:ea typeface="+mn-ea"/>
-                <a:cs typeface="+mn-cs"/>
-              </a:defRPr>
-            </a:lvl4pPr>
-            <a:lvl5pPr marL="1828800" indent="0" algn="l" defTabSz="914400" rtl="0" eaLnBrk="1" fontAlgn="auto" latinLnBrk="0" hangingPunct="1">
-              <a:lnSpc>
-                <a:spcPct val="130000"/>
-              </a:lnSpc>
-              <a:spcBef>
-                <a:spcPts val="0"/>
-              </a:spcBef>
-              <a:spcAft>
-                <a:spcPts val="1000"/>
-              </a:spcAft>
-              <a:buFont typeface="Arial" panose="020B0604020202020204" pitchFamily="34" charset="0"/>
-              <a:buNone/>
-              <a:defRPr sz="1600" u="none" strike="noStrike" kern="1200" cap="none" spc="150" normalizeH="0" baseline="0">
-                <a:solidFill>
-                  <a:schemeClr val="tx1">
-                    <a:tint val="75000"/>
-                  </a:schemeClr>
-                </a:solidFill>
-                <a:uFillTx/>
-                <a:latin typeface="+mn-lt"/>
-                <a:ea typeface="+mn-ea"/>
-                <a:cs typeface="+mn-cs"/>
-              </a:defRPr>
-            </a:lvl5pPr>
-            <a:lvl6pPr marL="2286000" indent="0" algn="l" defTabSz="914400" rtl="0" eaLnBrk="1" latinLnBrk="0" hangingPunct="1">
-              <a:lnSpc>
-                <a:spcPct val="90000"/>
-              </a:lnSpc>
-              <a:spcBef>
-                <a:spcPts val="500"/>
-              </a:spcBef>
-              <a:buFont typeface="Arial" panose="020B0604020202020204" pitchFamily="34" charset="0"/>
-              <a:buNone/>
-              <a:defRPr sz="1600" kern="1200">
-                <a:solidFill>
-                  <a:schemeClr val="tx1">
-                    <a:tint val="75000"/>
-                  </a:schemeClr>
-                </a:solidFill>
-                <a:latin typeface="+mn-lt"/>
-                <a:ea typeface="+mn-ea"/>
-                <a:cs typeface="+mn-cs"/>
-              </a:defRPr>
-            </a:lvl6pPr>
-            <a:lvl7pPr marL="2743200" indent="0" algn="l" defTabSz="914400" rtl="0" eaLnBrk="1" latinLnBrk="0" hangingPunct="1">
-              <a:lnSpc>
-                <a:spcPct val="90000"/>
-              </a:lnSpc>
-              <a:spcBef>
-                <a:spcPts val="500"/>
-              </a:spcBef>
-              <a:buFont typeface="Arial" panose="020B0604020202020204" pitchFamily="34" charset="0"/>
-              <a:buNone/>
-              <a:defRPr sz="1600" kern="1200">
-                <a:solidFill>
-                  <a:schemeClr val="tx1">
-                    <a:tint val="75000"/>
-                  </a:schemeClr>
-                </a:solidFill>
-                <a:latin typeface="+mn-lt"/>
-                <a:ea typeface="+mn-ea"/>
-                <a:cs typeface="+mn-cs"/>
-              </a:defRPr>
-            </a:lvl7pPr>
-            <a:lvl8pPr marL="3200400" indent="0" algn="l" defTabSz="914400" rtl="0" eaLnBrk="1" latinLnBrk="0" hangingPunct="1">
-              <a:lnSpc>
-                <a:spcPct val="90000"/>
-              </a:lnSpc>
-              <a:spcBef>
-                <a:spcPts val="500"/>
-              </a:spcBef>
-              <a:buFont typeface="Arial" panose="020B0604020202020204" pitchFamily="34" charset="0"/>
-              <a:buNone/>
-              <a:defRPr sz="1600" kern="1200">
-                <a:solidFill>
-                  <a:schemeClr val="tx1">
-                    <a:tint val="75000"/>
-                  </a:schemeClr>
-                </a:solidFill>
-                <a:latin typeface="+mn-lt"/>
-                <a:ea typeface="+mn-ea"/>
-                <a:cs typeface="+mn-cs"/>
-              </a:defRPr>
-            </a:lvl8pPr>
-            <a:lvl9pPr marL="3657600" indent="0" algn="l" defTabSz="914400" rtl="0" eaLnBrk="1" latinLnBrk="0" hangingPunct="1">
-              <a:lnSpc>
-                <a:spcPct val="90000"/>
-              </a:lnSpc>
-              <a:spcBef>
-                <a:spcPts val="500"/>
-              </a:spcBef>
-              <a:buFont typeface="Arial" panose="020B0604020202020204" pitchFamily="34" charset="0"/>
-              <a:buNone/>
-              <a:defRPr sz="1600" kern="1200">
-                <a:solidFill>
-                  <a:schemeClr val="tx1">
-                    <a:tint val="75000"/>
-                  </a:schemeClr>
-                </a:solidFill>
-                <a:latin typeface="+mn-lt"/>
-                <a:ea typeface="+mn-ea"/>
-                <a:cs typeface="+mn-cs"/>
-              </a:defRPr>
-            </a:lvl9pPr>
-          </a:lstStyle>
-          <a:p>
-            <a:pPr marL="285750" indent="-285750">
-              <a:buFont typeface="Arial" panose="020B0604020202020204" pitchFamily="34" charset="0"/>
-              <a:buChar char="•"/>
-            </a:pPr>
-            <a:r>
-              <a:rPr lang="zh-CN" altLang="en-US" dirty="0"/>
-              <a:t>输出层原来的</a:t>
-            </a:r>
-            <a:r>
-              <a:rPr lang="en-US" altLang="zh-CN" dirty="0"/>
-              <a:t>sigmoid</a:t>
-            </a:r>
-            <a:r>
-              <a:rPr lang="zh-CN" altLang="en-US" dirty="0"/>
-              <a:t>激活函数是否适用于多分类的情况？</a:t>
-            </a:r>
-            <a:endParaRPr lang="en-US" altLang="zh-CN" dirty="0"/>
-          </a:p>
-          <a:p>
-            <a:pPr marL="285750" indent="-285750">
-              <a:buFont typeface="Arial" panose="020B0604020202020204" pitchFamily="34" charset="0"/>
-              <a:buChar char="•"/>
-            </a:pPr>
-            <a:r>
-              <a:rPr lang="zh-CN" altLang="en-US" dirty="0"/>
-              <a:t>我们使用新的激活函数：</a:t>
-            </a:r>
-            <a:r>
-              <a:rPr lang="en-US" altLang="zh-CN" dirty="0" err="1"/>
-              <a:t>softmax</a:t>
-            </a:r>
-            <a:r>
-              <a:rPr lang="zh-CN" altLang="en-US" dirty="0"/>
-              <a:t>，作为输出层新的激活函数</a:t>
-            </a:r>
-            <a:endParaRPr lang="en-US" altLang="zh-CN" dirty="0"/>
-          </a:p>
-          <a:p>
-            <a:pPr marL="285750" indent="-285750">
-              <a:buFont typeface="Arial" panose="020B0604020202020204" pitchFamily="34" charset="0"/>
-              <a:buChar char="•"/>
-            </a:pPr>
-            <a:r>
-              <a:rPr lang="en-US" altLang="zh-CN" dirty="0" err="1"/>
-              <a:t>Softmax</a:t>
-            </a:r>
-            <a:r>
-              <a:rPr lang="zh-CN" altLang="en-US" dirty="0"/>
-              <a:t>的公式是什么？</a:t>
-            </a:r>
-            <a:endParaRPr lang="en-US" altLang="zh-CN" dirty="0"/>
-          </a:p>
-          <a:p>
-            <a:endParaRPr lang="en-US" altLang="zh-CN" dirty="0"/>
-          </a:p>
-          <a:p>
-            <a:pPr marL="285750" indent="-285750">
-              <a:buFont typeface="Arial" panose="020B0604020202020204" pitchFamily="34" charset="0"/>
-              <a:buChar char="•"/>
-            </a:pPr>
-            <a:r>
-              <a:rPr lang="zh-CN" altLang="en-US" dirty="0"/>
-              <a:t>自学、互学、展学</a:t>
-            </a:r>
-          </a:p>
-          <a:p>
-            <a:pPr marL="285750" indent="-285750">
-              <a:buFont typeface="Arial" panose="020B0604020202020204" pitchFamily="34" charset="0"/>
-              <a:buChar char="•"/>
-            </a:pPr>
-            <a:endParaRPr lang="zh-CN" altLang="en-US" dirty="0"/>
-          </a:p>
-          <a:p>
-            <a:pPr marL="285750" indent="-285750">
-              <a:buFont typeface="Arial" panose="020B0604020202020204" pitchFamily="34" charset="0"/>
-              <a:buChar char="•"/>
-            </a:pPr>
-            <a:endParaRPr lang="en-US" altLang="zh-CN" dirty="0"/>
-          </a:p>
-          <a:p>
-            <a:pPr marL="285750" indent="-285750">
-              <a:buFont typeface="Arial" panose="020B0604020202020204" pitchFamily="34" charset="0"/>
-              <a:buChar char="•"/>
-            </a:pPr>
-            <a:endParaRPr lang="zh-CN" altLang="en-US" dirty="0"/>
-          </a:p>
-          <a:p>
-            <a:pPr marL="285750" indent="-285750">
-              <a:buFont typeface="Arial" panose="020B0604020202020204" pitchFamily="34" charset="0"/>
-              <a:buChar char="•"/>
-            </a:pPr>
-            <a:endParaRPr lang="zh-CN" altLang="en-US" dirty="0"/>
-          </a:p>
-          <a:p>
-            <a:pPr marL="285750" indent="-285750">
-              <a:buFont typeface="Arial" panose="020B0604020202020204" pitchFamily="34" charset="0"/>
-              <a:buChar char="•"/>
-            </a:pPr>
-            <a:endParaRPr lang="zh-CN" altLang="en-US" dirty="0"/>
-          </a:p>
-          <a:p>
-            <a:pPr marL="285750" indent="-285750">
-              <a:buFont typeface="Arial" panose="020B0604020202020204" pitchFamily="34" charset="0"/>
-              <a:buChar char="•"/>
-            </a:pPr>
-            <a:endParaRPr lang="zh-CN" altLang="en-US" dirty="0"/>
-          </a:p>
-          <a:p>
-            <a:pPr marL="285750" indent="-285750">
-              <a:buFont typeface="Arial" panose="020B0604020202020204" pitchFamily="34" charset="0"/>
-              <a:buChar char="•"/>
-            </a:pPr>
-            <a:endParaRPr lang="zh-CN" altLang="en-US" dirty="0"/>
-          </a:p>
-          <a:p>
-            <a:pPr marL="285750" indent="-285750">
-              <a:buFont typeface="Arial" panose="020B0604020202020204" pitchFamily="34" charset="0"/>
-              <a:buChar char="•"/>
-            </a:pPr>
-            <a:endParaRPr lang="zh-CN" altLang="en-US" dirty="0"/>
-          </a:p>
-          <a:p>
-            <a:pPr marL="285750" indent="-285750">
-              <a:buFont typeface="Arial" panose="020B0604020202020204" pitchFamily="34" charset="0"/>
-              <a:buChar char="•"/>
-            </a:pPr>
-            <a:endParaRPr lang="zh-CN" altLang="en-US" dirty="0"/>
-          </a:p>
-        </p:txBody>
-      </p:sp>
-    </p:spTree>
-    <p:custDataLst>
-      <p:tags r:id="rId1"/>
-    </p:custDataLst>
-    <p:extLst>
-      <p:ext uri="{BB962C8B-B14F-4D97-AF65-F5344CB8AC3E}">
-        <p14:creationId xmlns:p14="http://schemas.microsoft.com/office/powerpoint/2010/main" val="643027325"/>
-      </p:ext>
-    </p:extLst>
-  </p:cSld>
-  <p:clrMapOvr>
-    <a:masterClrMapping/>
-  </p:clrMapOvr>
-  <p:timing>
-    <p:tnLst>
-      <p:par>
-        <p:cTn id="1" dur="indefinite" restart="never" nodeType="tmRoot">
-          <p:childTnLst>
-            <p:seq concurrent="1" nextAc="seek">
-              <p:cTn id="2" dur="indefinite" nodeType="mainSeq">
-                <p:childTnLst>
-                  <p:par>
-                    <p:cTn id="3" fill="hold">
-                      <p:stCondLst>
-                        <p:cond delay="indefinite"/>
-                      </p:stCondLst>
-                      <p:childTnLst>
-                        <p:par>
-                          <p:cTn id="4" fill="hold">
-                            <p:stCondLst>
-                              <p:cond delay="0"/>
-                            </p:stCondLst>
-                            <p:childTnLst>
-                              <p:par>
-                                <p:cTn id="5" presetID="1" presetClass="entr" presetSubtype="0" fill="hold" grpId="0" nodeType="clickEffect">
-                                  <p:stCondLst>
-                                    <p:cond delay="0"/>
-                                  </p:stCondLst>
-                                  <p:childTnLst>
-                                    <p:set>
-                                      <p:cBhvr>
-                                        <p:cTn id="6" dur="1" fill="hold">
-                                          <p:stCondLst>
-                                            <p:cond delay="0"/>
-                                          </p:stCondLst>
-                                        </p:cTn>
-                                        <p:tgtEl>
-                                          <p:spTgt spid="6"/>
-                                        </p:tgtEl>
-                                        <p:attrNameLst>
-                                          <p:attrName>style.visibility</p:attrName>
-                                        </p:attrNameLst>
-                                      </p:cBhvr>
-                                      <p:to>
-                                        <p:strVal val="visible"/>
-                                      </p:to>
-                                    </p:set>
-                                  </p:childTnLst>
-                                </p:cTn>
-                              </p:par>
-                            </p:childTnLst>
-                          </p:cTn>
-                        </p:par>
-                      </p:childTnLst>
-                    </p:cTn>
-                  </p:par>
-                </p:childTnLst>
-              </p:cTn>
-              <p:prevCondLst>
-                <p:cond evt="onPrev" delay="0">
-                  <p:tgtEl>
-                    <p:sldTgt/>
-                  </p:tgtEl>
-                </p:cond>
-              </p:prevCondLst>
-              <p:nextCondLst>
-                <p:cond evt="onNext" delay="0">
-                  <p:tgtEl>
-                    <p:sldTgt/>
-                  </p:tgtEl>
-                </p:cond>
-              </p:nextCondLst>
-            </p:seq>
-          </p:childTnLst>
-        </p:cTn>
-      </p:par>
-    </p:tnLst>
-    <p:bldLst>
-      <p:bldP spid="6" grpId="0"/>
-    </p:bldLst>
-  </p:timing>
-</p:sld>
-</file>
-
-<file path=ppt/slides/slide18.xml><?xml version="1.0" encoding="utf-8"?>
-<p:sld xmlns:a="http://schemas.openxmlformats.org/drawingml/2006/main" xmlns:r="http://schemas.openxmlformats.org/officeDocument/2006/relationships" xmlns:p="http://schemas.openxmlformats.org/presentationml/2006/main">
-  <p:cSld>
-    <p:spTree>
-      <p:nvGrpSpPr>
-        <p:cNvPr id="1" name=""/>
-        <p:cNvGrpSpPr/>
-        <p:nvPr/>
-      </p:nvGrpSpPr>
-      <p:grpSpPr>
-        <a:xfrm>
-          <a:off x="0" y="0"/>
-          <a:ext cx="0" cy="0"/>
-          <a:chOff x="0" y="0"/>
-          <a:chExt cx="0" cy="0"/>
-        </a:xfrm>
-      </p:grpSpPr>
-      <p:sp>
-        <p:nvSpPr>
-          <p:cNvPr id="3" name="标题 2"/>
-          <p:cNvSpPr>
-            <a:spLocks noGrp="1"/>
-          </p:cNvSpPr>
-          <p:nvPr>
-            <p:ph type="title"/>
-          </p:nvPr>
-        </p:nvSpPr>
-        <p:spPr/>
-        <p:txBody>
-          <a:bodyPr/>
-          <a:lstStyle/>
-          <a:p>
-            <a:r>
-              <a:rPr lang="zh-CN" altLang="en-US" dirty="0">
-                <a:sym typeface="+mn-ea"/>
-              </a:rPr>
-              <a:t>任务：使用</a:t>
-            </a:r>
-            <a:r>
-              <a:rPr lang="en-US" altLang="zh-CN" dirty="0" err="1">
-                <a:sym typeface="+mn-ea"/>
-              </a:rPr>
-              <a:t>softmax</a:t>
-            </a:r>
-            <a:r>
-              <a:rPr lang="zh-CN" altLang="en-US" dirty="0">
-                <a:sym typeface="+mn-ea"/>
-              </a:rPr>
-              <a:t>计算“识别手写数字”的输出	</a:t>
-            </a:r>
-            <a:endParaRPr lang="en-US" altLang="zh-CN" dirty="0"/>
-          </a:p>
-        </p:txBody>
-      </p:sp>
-      <p:sp>
-        <p:nvSpPr>
-          <p:cNvPr id="6" name="文本占位符 1">
-            <a:extLst>
-              <a:ext uri="{FF2B5EF4-FFF2-40B4-BE49-F238E27FC236}">
-                <a16:creationId xmlns:a16="http://schemas.microsoft.com/office/drawing/2014/main" id="{BA88068A-4FDC-6963-46A5-ADEC46CDA15E}"/>
-              </a:ext>
-            </a:extLst>
-          </p:cNvPr>
-          <p:cNvSpPr txBox="1">
-            <a:spLocks/>
-          </p:cNvSpPr>
-          <p:nvPr/>
-        </p:nvSpPr>
-        <p:spPr>
-          <a:xfrm>
-            <a:off x="822325" y="1778635"/>
-            <a:ext cx="10852150" cy="4553585"/>
-          </a:xfrm>
-        </p:spPr>
-        <p:txBody>
-          <a:bodyPr lIns="101600" tIns="38100" rIns="76200" bIns="38100">
-            <a:noAutofit/>
-          </a:bodyPr>
-          <a:lstStyle>
-            <a:lvl1pPr marL="0" indent="0" algn="l" defTabSz="914400" rtl="0" eaLnBrk="1" fontAlgn="auto" latinLnBrk="0" hangingPunct="1">
-              <a:lnSpc>
-                <a:spcPct val="130000"/>
-              </a:lnSpc>
-              <a:spcBef>
-                <a:spcPts val="0"/>
-              </a:spcBef>
-              <a:spcAft>
-                <a:spcPts val="1000"/>
-              </a:spcAft>
-              <a:buFont typeface="Arial" panose="020B0604020202020204" pitchFamily="34" charset="0"/>
-              <a:buNone/>
-              <a:defRPr kumimoji="0" lang="zh-CN" altLang="en-US" sz="1600" b="0" i="0" u="none" strike="noStrike" kern="1200" cap="none" spc="150" normalizeH="0" baseline="0" noProof="1">
-                <a:solidFill>
-                  <a:schemeClr val="tx1"/>
-                </a:solidFill>
-                <a:uFillTx/>
-                <a:latin typeface="+mn-lt"/>
-                <a:ea typeface="+mn-ea"/>
-                <a:cs typeface="+mn-cs"/>
-                <a:sym typeface="+mn-ea"/>
-              </a:defRPr>
-            </a:lvl1pPr>
-            <a:lvl2pPr marL="457200" indent="0" algn="l" defTabSz="914400" rtl="0" eaLnBrk="1" fontAlgn="auto" latinLnBrk="0" hangingPunct="1">
-              <a:lnSpc>
-                <a:spcPct val="130000"/>
-              </a:lnSpc>
-              <a:spcBef>
-                <a:spcPts val="0"/>
-              </a:spcBef>
-              <a:spcAft>
-                <a:spcPts val="1000"/>
-              </a:spcAft>
-              <a:buFont typeface="Arial" panose="020B0604020202020204" pitchFamily="34" charset="0"/>
-              <a:buNone/>
-              <a:tabLst>
-                <a:tab pos="1609725" algn="l"/>
-              </a:tabLst>
-              <a:defRPr sz="2000" u="none" strike="noStrike" kern="1200" cap="none" spc="150" normalizeH="0" baseline="0">
-                <a:solidFill>
-                  <a:schemeClr val="tx1">
-                    <a:tint val="75000"/>
-                  </a:schemeClr>
-                </a:solidFill>
-                <a:uFillTx/>
-                <a:latin typeface="+mn-lt"/>
-                <a:ea typeface="+mn-ea"/>
-                <a:cs typeface="+mn-cs"/>
-              </a:defRPr>
-            </a:lvl2pPr>
-            <a:lvl3pPr marL="914400" indent="0" algn="l" defTabSz="914400" rtl="0" eaLnBrk="1" fontAlgn="auto" latinLnBrk="0" hangingPunct="1">
-              <a:lnSpc>
-                <a:spcPct val="130000"/>
-              </a:lnSpc>
-              <a:spcBef>
-                <a:spcPts val="0"/>
-              </a:spcBef>
-              <a:spcAft>
-                <a:spcPts val="1000"/>
-              </a:spcAft>
-              <a:buFont typeface="Arial" panose="020B0604020202020204" pitchFamily="34" charset="0"/>
-              <a:buNone/>
-              <a:defRPr sz="1800" u="none" strike="noStrike" kern="1200" cap="none" spc="150" normalizeH="0" baseline="0">
-                <a:solidFill>
-                  <a:schemeClr val="tx1">
-                    <a:tint val="75000"/>
-                  </a:schemeClr>
-                </a:solidFill>
-                <a:uFillTx/>
-                <a:latin typeface="+mn-lt"/>
-                <a:ea typeface="+mn-ea"/>
-                <a:cs typeface="+mn-cs"/>
-              </a:defRPr>
-            </a:lvl3pPr>
-            <a:lvl4pPr marL="1371600" indent="0" algn="l" defTabSz="914400" rtl="0" eaLnBrk="1" fontAlgn="auto" latinLnBrk="0" hangingPunct="1">
-              <a:lnSpc>
-                <a:spcPct val="130000"/>
-              </a:lnSpc>
-              <a:spcBef>
-                <a:spcPts val="0"/>
-              </a:spcBef>
-              <a:spcAft>
-                <a:spcPts val="1000"/>
-              </a:spcAft>
-              <a:buFont typeface="Arial" panose="020B0604020202020204" pitchFamily="34" charset="0"/>
-              <a:buNone/>
-              <a:defRPr sz="1600" u="none" strike="noStrike" kern="1200" cap="none" spc="150" normalizeH="0" baseline="0">
-                <a:solidFill>
-                  <a:schemeClr val="tx1">
-                    <a:tint val="75000"/>
-                  </a:schemeClr>
-                </a:solidFill>
-                <a:uFillTx/>
-                <a:latin typeface="+mn-lt"/>
-                <a:ea typeface="+mn-ea"/>
-                <a:cs typeface="+mn-cs"/>
-              </a:defRPr>
-            </a:lvl4pPr>
-            <a:lvl5pPr marL="1828800" indent="0" algn="l" defTabSz="914400" rtl="0" eaLnBrk="1" fontAlgn="auto" latinLnBrk="0" hangingPunct="1">
-              <a:lnSpc>
-                <a:spcPct val="130000"/>
-              </a:lnSpc>
-              <a:spcBef>
-                <a:spcPts val="0"/>
-              </a:spcBef>
-              <a:spcAft>
-                <a:spcPts val="1000"/>
-              </a:spcAft>
-              <a:buFont typeface="Arial" panose="020B0604020202020204" pitchFamily="34" charset="0"/>
-              <a:buNone/>
-              <a:defRPr sz="1600" u="none" strike="noStrike" kern="1200" cap="none" spc="150" normalizeH="0" baseline="0">
-                <a:solidFill>
-                  <a:schemeClr val="tx1">
-                    <a:tint val="75000"/>
-                  </a:schemeClr>
-                </a:solidFill>
-                <a:uFillTx/>
-                <a:latin typeface="+mn-lt"/>
-                <a:ea typeface="+mn-ea"/>
-                <a:cs typeface="+mn-cs"/>
-              </a:defRPr>
-            </a:lvl5pPr>
-            <a:lvl6pPr marL="2286000" indent="0" algn="l" defTabSz="914400" rtl="0" eaLnBrk="1" latinLnBrk="0" hangingPunct="1">
-              <a:lnSpc>
-                <a:spcPct val="90000"/>
-              </a:lnSpc>
-              <a:spcBef>
-                <a:spcPts val="500"/>
-              </a:spcBef>
-              <a:buFont typeface="Arial" panose="020B0604020202020204" pitchFamily="34" charset="0"/>
-              <a:buNone/>
-              <a:defRPr sz="1600" kern="1200">
-                <a:solidFill>
-                  <a:schemeClr val="tx1">
-                    <a:tint val="75000"/>
-                  </a:schemeClr>
-                </a:solidFill>
-                <a:latin typeface="+mn-lt"/>
-                <a:ea typeface="+mn-ea"/>
-                <a:cs typeface="+mn-cs"/>
-              </a:defRPr>
-            </a:lvl6pPr>
-            <a:lvl7pPr marL="2743200" indent="0" algn="l" defTabSz="914400" rtl="0" eaLnBrk="1" latinLnBrk="0" hangingPunct="1">
-              <a:lnSpc>
-                <a:spcPct val="90000"/>
-              </a:lnSpc>
-              <a:spcBef>
-                <a:spcPts val="500"/>
-              </a:spcBef>
-              <a:buFont typeface="Arial" panose="020B0604020202020204" pitchFamily="34" charset="0"/>
-              <a:buNone/>
-              <a:defRPr sz="1600" kern="1200">
-                <a:solidFill>
-                  <a:schemeClr val="tx1">
-                    <a:tint val="75000"/>
-                  </a:schemeClr>
-                </a:solidFill>
-                <a:latin typeface="+mn-lt"/>
-                <a:ea typeface="+mn-ea"/>
-                <a:cs typeface="+mn-cs"/>
-              </a:defRPr>
-            </a:lvl7pPr>
-            <a:lvl8pPr marL="3200400" indent="0" algn="l" defTabSz="914400" rtl="0" eaLnBrk="1" latinLnBrk="0" hangingPunct="1">
-              <a:lnSpc>
-                <a:spcPct val="90000"/>
-              </a:lnSpc>
-              <a:spcBef>
-                <a:spcPts val="500"/>
-              </a:spcBef>
-              <a:buFont typeface="Arial" panose="020B0604020202020204" pitchFamily="34" charset="0"/>
-              <a:buNone/>
-              <a:defRPr sz="1600" kern="1200">
-                <a:solidFill>
-                  <a:schemeClr val="tx1">
-                    <a:tint val="75000"/>
-                  </a:schemeClr>
-                </a:solidFill>
-                <a:latin typeface="+mn-lt"/>
-                <a:ea typeface="+mn-ea"/>
-                <a:cs typeface="+mn-cs"/>
-              </a:defRPr>
-            </a:lvl8pPr>
-            <a:lvl9pPr marL="3657600" indent="0" algn="l" defTabSz="914400" rtl="0" eaLnBrk="1" latinLnBrk="0" hangingPunct="1">
-              <a:lnSpc>
-                <a:spcPct val="90000"/>
-              </a:lnSpc>
-              <a:spcBef>
-                <a:spcPts val="500"/>
-              </a:spcBef>
-              <a:buFont typeface="Arial" panose="020B0604020202020204" pitchFamily="34" charset="0"/>
-              <a:buNone/>
-              <a:defRPr sz="1600" kern="1200">
-                <a:solidFill>
-                  <a:schemeClr val="tx1">
-                    <a:tint val="75000"/>
-                  </a:schemeClr>
-                </a:solidFill>
-                <a:latin typeface="+mn-lt"/>
-                <a:ea typeface="+mn-ea"/>
-                <a:cs typeface="+mn-cs"/>
-              </a:defRPr>
-            </a:lvl9pPr>
-          </a:lstStyle>
-          <a:p>
-            <a:pPr marL="285750" indent="-285750">
-              <a:buFont typeface="Arial" panose="020B0604020202020204" pitchFamily="34" charset="0"/>
-              <a:buChar char="•"/>
-            </a:pPr>
-            <a:r>
-              <a:rPr lang="en-US" altLang="zh-CN" dirty="0"/>
-              <a:t>TODO</a:t>
-            </a:r>
-          </a:p>
-          <a:p>
-            <a:endParaRPr lang="en-US" altLang="zh-CN" dirty="0"/>
-          </a:p>
-          <a:p>
-            <a:pPr marL="285750" indent="-285750">
-              <a:buFont typeface="Arial" panose="020B0604020202020204" pitchFamily="34" charset="0"/>
-              <a:buChar char="•"/>
-            </a:pPr>
-            <a:r>
-              <a:rPr lang="zh-CN" altLang="en-US" dirty="0"/>
-              <a:t>自学、展学</a:t>
-            </a:r>
-          </a:p>
-          <a:p>
-            <a:pPr marL="285750" indent="-285750">
-              <a:buFont typeface="Arial" panose="020B0604020202020204" pitchFamily="34" charset="0"/>
-              <a:buChar char="•"/>
-            </a:pPr>
-            <a:endParaRPr lang="zh-CN" altLang="en-US" dirty="0"/>
-          </a:p>
-          <a:p>
-            <a:pPr marL="285750" indent="-285750">
-              <a:buFont typeface="Arial" panose="020B0604020202020204" pitchFamily="34" charset="0"/>
-              <a:buChar char="•"/>
-            </a:pPr>
-            <a:endParaRPr lang="en-US" altLang="zh-CN" dirty="0"/>
-          </a:p>
-          <a:p>
-            <a:pPr marL="285750" indent="-285750">
-              <a:buFont typeface="Arial" panose="020B0604020202020204" pitchFamily="34" charset="0"/>
-              <a:buChar char="•"/>
-            </a:pPr>
-            <a:endParaRPr lang="zh-CN" altLang="en-US" dirty="0"/>
-          </a:p>
-          <a:p>
-            <a:pPr marL="285750" indent="-285750">
-              <a:buFont typeface="Arial" panose="020B0604020202020204" pitchFamily="34" charset="0"/>
-              <a:buChar char="•"/>
-            </a:pPr>
-            <a:endParaRPr lang="zh-CN" altLang="en-US" dirty="0"/>
-          </a:p>
-          <a:p>
-            <a:endParaRPr lang="zh-CN" altLang="en-US" dirty="0"/>
-          </a:p>
-        </p:txBody>
-      </p:sp>
-    </p:spTree>
-    <p:custDataLst>
-      <p:tags r:id="rId1"/>
-    </p:custDataLst>
-    <p:extLst>
-      <p:ext uri="{BB962C8B-B14F-4D97-AF65-F5344CB8AC3E}">
-        <p14:creationId xmlns:p14="http://schemas.microsoft.com/office/powerpoint/2010/main" val="3757716352"/>
-      </p:ext>
-    </p:extLst>
-  </p:cSld>
-  <p:clrMapOvr>
-    <a:masterClrMapping/>
-  </p:clrMapOvr>
-  <p:timing>
-    <p:tnLst>
-      <p:par>
-        <p:cTn id="1" dur="indefinite" restart="never" nodeType="tmRoot">
-          <p:childTnLst>
-            <p:seq concurrent="1" nextAc="seek">
-              <p:cTn id="2" dur="indefinite" nodeType="mainSeq">
-                <p:childTnLst>
-                  <p:par>
-                    <p:cTn id="3" fill="hold">
-                      <p:stCondLst>
-                        <p:cond delay="indefinite"/>
-                      </p:stCondLst>
-                      <p:childTnLst>
-                        <p:par>
-                          <p:cTn id="4" fill="hold">
-                            <p:stCondLst>
-                              <p:cond delay="0"/>
-                            </p:stCondLst>
-                            <p:childTnLst>
-                              <p:par>
-                                <p:cTn id="5" presetID="1" presetClass="entr" presetSubtype="0" fill="hold" grpId="0" nodeType="clickEffect">
-                                  <p:stCondLst>
-                                    <p:cond delay="0"/>
-                                  </p:stCondLst>
-                                  <p:childTnLst>
-                                    <p:set>
-                                      <p:cBhvr>
-                                        <p:cTn id="6" dur="1" fill="hold">
-                                          <p:stCondLst>
-                                            <p:cond delay="0"/>
-                                          </p:stCondLst>
-                                        </p:cTn>
-                                        <p:tgtEl>
-                                          <p:spTgt spid="6"/>
-                                        </p:tgtEl>
-                                        <p:attrNameLst>
-                                          <p:attrName>style.visibility</p:attrName>
-                                        </p:attrNameLst>
-                                      </p:cBhvr>
-                                      <p:to>
-                                        <p:strVal val="visible"/>
-                                      </p:to>
-                                    </p:set>
-                                  </p:childTnLst>
-                                </p:cTn>
-                              </p:par>
-                            </p:childTnLst>
-                          </p:cTn>
-                        </p:par>
-                      </p:childTnLst>
-                    </p:cTn>
-                  </p:par>
-                </p:childTnLst>
-              </p:cTn>
-              <p:prevCondLst>
-                <p:cond evt="onPrev" delay="0">
-                  <p:tgtEl>
-                    <p:sldTgt/>
-                  </p:tgtEl>
-                </p:cond>
-              </p:prevCondLst>
-              <p:nextCondLst>
-                <p:cond evt="onNext" delay="0">
-                  <p:tgtEl>
-                    <p:sldTgt/>
-                  </p:tgtEl>
-                </p:cond>
-              </p:nextCondLst>
-            </p:seq>
-          </p:childTnLst>
-        </p:cTn>
-      </p:par>
-    </p:tnLst>
-    <p:bldLst>
-      <p:bldP spid="6" grpId="0"/>
-    </p:bldLst>
-  </p:timing>
-</p:sld>
-</file>
-
-<file path=ppt/slides/slide19.xml><?xml version="1.0" encoding="utf-8"?>
-<p:sld xmlns:a="http://schemas.openxmlformats.org/drawingml/2006/main" xmlns:r="http://schemas.openxmlformats.org/officeDocument/2006/relationships" xmlns:p="http://schemas.openxmlformats.org/presentationml/2006/main">
-  <p:cSld>
-    <p:spTree>
-      <p:nvGrpSpPr>
-        <p:cNvPr id="1" name=""/>
-        <p:cNvGrpSpPr/>
-        <p:nvPr/>
-      </p:nvGrpSpPr>
-      <p:grpSpPr>
-        <a:xfrm>
-          <a:off x="0" y="0"/>
-          <a:ext cx="0" cy="0"/>
-          <a:chOff x="0" y="0"/>
-          <a:chExt cx="0" cy="0"/>
-        </a:xfrm>
-      </p:grpSpPr>
-      <p:sp>
-        <p:nvSpPr>
-          <p:cNvPr id="3" name="标题 2"/>
-          <p:cNvSpPr>
-            <a:spLocks noGrp="1"/>
-          </p:cNvSpPr>
-          <p:nvPr>
-            <p:ph type="title"/>
-          </p:nvPr>
-        </p:nvSpPr>
-        <p:spPr/>
-        <p:txBody>
-          <a:bodyPr/>
-          <a:lstStyle/>
-          <a:p>
-            <a:r>
-              <a:rPr lang="zh-CN" altLang="en-US" dirty="0">
-                <a:sym typeface="+mn-ea"/>
-              </a:rPr>
-              <a:t>主问题：	如何加快多</a:t>
-            </a:r>
-            <a:r>
-              <a:rPr lang="zh-CN" altLang="en-US" dirty="0"/>
-              <a:t>分类的训练速度？</a:t>
-            </a:r>
-            <a:endParaRPr dirty="0">
-              <a:sym typeface="+mn-ea"/>
-            </a:endParaRPr>
-          </a:p>
-        </p:txBody>
-      </p:sp>
-      <p:sp>
-        <p:nvSpPr>
-          <p:cNvPr id="6" name="文本占位符 1">
-            <a:extLst>
-              <a:ext uri="{FF2B5EF4-FFF2-40B4-BE49-F238E27FC236}">
-                <a16:creationId xmlns:a16="http://schemas.microsoft.com/office/drawing/2014/main" id="{BA88068A-4FDC-6963-46A5-ADEC46CDA15E}"/>
-              </a:ext>
-            </a:extLst>
-          </p:cNvPr>
-          <p:cNvSpPr txBox="1">
-            <a:spLocks/>
-          </p:cNvSpPr>
-          <p:nvPr/>
-        </p:nvSpPr>
-        <p:spPr>
-          <a:xfrm>
-            <a:off x="822325" y="1778635"/>
-            <a:ext cx="10852150" cy="4553585"/>
-          </a:xfrm>
-        </p:spPr>
-        <p:txBody>
-          <a:bodyPr lIns="101600" tIns="38100" rIns="76200" bIns="38100">
-            <a:noAutofit/>
-          </a:bodyPr>
-          <a:lstStyle>
-            <a:lvl1pPr marL="0" indent="0" algn="l" defTabSz="914400" rtl="0" eaLnBrk="1" fontAlgn="auto" latinLnBrk="0" hangingPunct="1">
-              <a:lnSpc>
-                <a:spcPct val="130000"/>
-              </a:lnSpc>
-              <a:spcBef>
-                <a:spcPts val="0"/>
-              </a:spcBef>
-              <a:spcAft>
-                <a:spcPts val="1000"/>
-              </a:spcAft>
-              <a:buFont typeface="Arial" panose="020B0604020202020204" pitchFamily="34" charset="0"/>
-              <a:buNone/>
-              <a:defRPr kumimoji="0" lang="zh-CN" altLang="en-US" sz="1600" b="0" i="0" u="none" strike="noStrike" kern="1200" cap="none" spc="150" normalizeH="0" baseline="0" noProof="1">
-                <a:solidFill>
-                  <a:schemeClr val="tx1"/>
-                </a:solidFill>
-                <a:uFillTx/>
-                <a:latin typeface="+mn-lt"/>
-                <a:ea typeface="+mn-ea"/>
-                <a:cs typeface="+mn-cs"/>
-                <a:sym typeface="+mn-ea"/>
-              </a:defRPr>
-            </a:lvl1pPr>
-            <a:lvl2pPr marL="457200" indent="0" algn="l" defTabSz="914400" rtl="0" eaLnBrk="1" fontAlgn="auto" latinLnBrk="0" hangingPunct="1">
-              <a:lnSpc>
-                <a:spcPct val="130000"/>
-              </a:lnSpc>
-              <a:spcBef>
-                <a:spcPts val="0"/>
-              </a:spcBef>
-              <a:spcAft>
-                <a:spcPts val="1000"/>
-              </a:spcAft>
-              <a:buFont typeface="Arial" panose="020B0604020202020204" pitchFamily="34" charset="0"/>
-              <a:buNone/>
-              <a:tabLst>
-                <a:tab pos="1609725" algn="l"/>
-              </a:tabLst>
-              <a:defRPr sz="2000" u="none" strike="noStrike" kern="1200" cap="none" spc="150" normalizeH="0" baseline="0">
-                <a:solidFill>
-                  <a:schemeClr val="tx1">
-                    <a:tint val="75000"/>
-                  </a:schemeClr>
-                </a:solidFill>
-                <a:uFillTx/>
-                <a:latin typeface="+mn-lt"/>
-                <a:ea typeface="+mn-ea"/>
-                <a:cs typeface="+mn-cs"/>
-              </a:defRPr>
-            </a:lvl2pPr>
-            <a:lvl3pPr marL="914400" indent="0" algn="l" defTabSz="914400" rtl="0" eaLnBrk="1" fontAlgn="auto" latinLnBrk="0" hangingPunct="1">
-              <a:lnSpc>
-                <a:spcPct val="130000"/>
-              </a:lnSpc>
-              <a:spcBef>
-                <a:spcPts val="0"/>
-              </a:spcBef>
-              <a:spcAft>
-                <a:spcPts val="1000"/>
-              </a:spcAft>
-              <a:buFont typeface="Arial" panose="020B0604020202020204" pitchFamily="34" charset="0"/>
-              <a:buNone/>
-              <a:defRPr sz="1800" u="none" strike="noStrike" kern="1200" cap="none" spc="150" normalizeH="0" baseline="0">
-                <a:solidFill>
-                  <a:schemeClr val="tx1">
-                    <a:tint val="75000"/>
-                  </a:schemeClr>
-                </a:solidFill>
-                <a:uFillTx/>
-                <a:latin typeface="+mn-lt"/>
-                <a:ea typeface="+mn-ea"/>
-                <a:cs typeface="+mn-cs"/>
-              </a:defRPr>
-            </a:lvl3pPr>
-            <a:lvl4pPr marL="1371600" indent="0" algn="l" defTabSz="914400" rtl="0" eaLnBrk="1" fontAlgn="auto" latinLnBrk="0" hangingPunct="1">
-              <a:lnSpc>
-                <a:spcPct val="130000"/>
-              </a:lnSpc>
-              <a:spcBef>
-                <a:spcPts val="0"/>
-              </a:spcBef>
-              <a:spcAft>
-                <a:spcPts val="1000"/>
-              </a:spcAft>
-              <a:buFont typeface="Arial" panose="020B0604020202020204" pitchFamily="34" charset="0"/>
-              <a:buNone/>
-              <a:defRPr sz="1600" u="none" strike="noStrike" kern="1200" cap="none" spc="150" normalizeH="0" baseline="0">
-                <a:solidFill>
-                  <a:schemeClr val="tx1">
-                    <a:tint val="75000"/>
-                  </a:schemeClr>
-                </a:solidFill>
-                <a:uFillTx/>
-                <a:latin typeface="+mn-lt"/>
-                <a:ea typeface="+mn-ea"/>
-                <a:cs typeface="+mn-cs"/>
-              </a:defRPr>
-            </a:lvl4pPr>
-            <a:lvl5pPr marL="1828800" indent="0" algn="l" defTabSz="914400" rtl="0" eaLnBrk="1" fontAlgn="auto" latinLnBrk="0" hangingPunct="1">
-              <a:lnSpc>
-                <a:spcPct val="130000"/>
-              </a:lnSpc>
-              <a:spcBef>
-                <a:spcPts val="0"/>
-              </a:spcBef>
-              <a:spcAft>
-                <a:spcPts val="1000"/>
-              </a:spcAft>
-              <a:buFont typeface="Arial" panose="020B0604020202020204" pitchFamily="34" charset="0"/>
-              <a:buNone/>
-              <a:defRPr sz="1600" u="none" strike="noStrike" kern="1200" cap="none" spc="150" normalizeH="0" baseline="0">
-                <a:solidFill>
-                  <a:schemeClr val="tx1">
-                    <a:tint val="75000"/>
-                  </a:schemeClr>
-                </a:solidFill>
-                <a:uFillTx/>
-                <a:latin typeface="+mn-lt"/>
-                <a:ea typeface="+mn-ea"/>
-                <a:cs typeface="+mn-cs"/>
-              </a:defRPr>
-            </a:lvl5pPr>
-            <a:lvl6pPr marL="2286000" indent="0" algn="l" defTabSz="914400" rtl="0" eaLnBrk="1" latinLnBrk="0" hangingPunct="1">
-              <a:lnSpc>
-                <a:spcPct val="90000"/>
-              </a:lnSpc>
-              <a:spcBef>
-                <a:spcPts val="500"/>
-              </a:spcBef>
-              <a:buFont typeface="Arial" panose="020B0604020202020204" pitchFamily="34" charset="0"/>
-              <a:buNone/>
-              <a:defRPr sz="1600" kern="1200">
-                <a:solidFill>
-                  <a:schemeClr val="tx1">
-                    <a:tint val="75000"/>
-                  </a:schemeClr>
-                </a:solidFill>
-                <a:latin typeface="+mn-lt"/>
-                <a:ea typeface="+mn-ea"/>
-                <a:cs typeface="+mn-cs"/>
-              </a:defRPr>
-            </a:lvl6pPr>
-            <a:lvl7pPr marL="2743200" indent="0" algn="l" defTabSz="914400" rtl="0" eaLnBrk="1" latinLnBrk="0" hangingPunct="1">
-              <a:lnSpc>
-                <a:spcPct val="90000"/>
-              </a:lnSpc>
-              <a:spcBef>
-                <a:spcPts val="500"/>
-              </a:spcBef>
-              <a:buFont typeface="Arial" panose="020B0604020202020204" pitchFamily="34" charset="0"/>
-              <a:buNone/>
-              <a:defRPr sz="1600" kern="1200">
-                <a:solidFill>
-                  <a:schemeClr val="tx1">
-                    <a:tint val="75000"/>
-                  </a:schemeClr>
-                </a:solidFill>
-                <a:latin typeface="+mn-lt"/>
-                <a:ea typeface="+mn-ea"/>
-                <a:cs typeface="+mn-cs"/>
-              </a:defRPr>
-            </a:lvl7pPr>
-            <a:lvl8pPr marL="3200400" indent="0" algn="l" defTabSz="914400" rtl="0" eaLnBrk="1" latinLnBrk="0" hangingPunct="1">
-              <a:lnSpc>
-                <a:spcPct val="90000"/>
-              </a:lnSpc>
-              <a:spcBef>
-                <a:spcPts val="500"/>
-              </a:spcBef>
-              <a:buFont typeface="Arial" panose="020B0604020202020204" pitchFamily="34" charset="0"/>
-              <a:buNone/>
-              <a:defRPr sz="1600" kern="1200">
-                <a:solidFill>
-                  <a:schemeClr val="tx1">
-                    <a:tint val="75000"/>
-                  </a:schemeClr>
-                </a:solidFill>
-                <a:latin typeface="+mn-lt"/>
-                <a:ea typeface="+mn-ea"/>
-                <a:cs typeface="+mn-cs"/>
-              </a:defRPr>
-            </a:lvl8pPr>
-            <a:lvl9pPr marL="3657600" indent="0" algn="l" defTabSz="914400" rtl="0" eaLnBrk="1" latinLnBrk="0" hangingPunct="1">
-              <a:lnSpc>
-                <a:spcPct val="90000"/>
-              </a:lnSpc>
-              <a:spcBef>
-                <a:spcPts val="500"/>
-              </a:spcBef>
-              <a:buFont typeface="Arial" panose="020B0604020202020204" pitchFamily="34" charset="0"/>
-              <a:buNone/>
-              <a:defRPr sz="1600" kern="1200">
-                <a:solidFill>
-                  <a:schemeClr val="tx1">
-                    <a:tint val="75000"/>
-                  </a:schemeClr>
-                </a:solidFill>
-                <a:latin typeface="+mn-lt"/>
-                <a:ea typeface="+mn-ea"/>
-                <a:cs typeface="+mn-cs"/>
-              </a:defRPr>
-            </a:lvl9pPr>
-          </a:lstStyle>
-          <a:p>
-            <a:pPr marL="285750" indent="-285750">
-              <a:buFont typeface="Arial" panose="020B0604020202020204" pitchFamily="34" charset="0"/>
-              <a:buChar char="•"/>
-            </a:pPr>
-            <a:r>
-              <a:rPr lang="zh-CN" altLang="en-US" dirty="0"/>
-              <a:t>请思考误差项的公式是什么样的，才能满足</a:t>
-            </a:r>
-            <a:r>
-              <a:rPr lang="en-US" altLang="zh-CN" dirty="0"/>
-              <a:t>loss</a:t>
-            </a:r>
-            <a:r>
-              <a:rPr lang="zh-CN" altLang="en-US" dirty="0"/>
-              <a:t>越大误差项就越大（也就是梯度越大），</a:t>
-            </a:r>
-            <a:r>
-              <a:rPr lang="en-US" altLang="zh-CN" dirty="0"/>
-              <a:t>loss</a:t>
-            </a:r>
-            <a:r>
-              <a:rPr lang="zh-CN" altLang="en-US" dirty="0"/>
-              <a:t>越小误差项就越小（也就是梯度越小）？</a:t>
-            </a:r>
-            <a:endParaRPr lang="en-US" altLang="zh-CN" dirty="0"/>
-          </a:p>
-          <a:p>
-            <a:pPr marL="285750" indent="-285750">
-              <a:buFont typeface="Arial" panose="020B0604020202020204" pitchFamily="34" charset="0"/>
-              <a:buChar char="•"/>
-            </a:pPr>
-            <a:r>
-              <a:rPr lang="zh-CN" altLang="en-US" dirty="0"/>
-              <a:t>所以我们仍然使用交叉熵损失函数，只是把公式修改下</a:t>
-            </a:r>
-            <a:br>
-              <a:rPr lang="en-US" altLang="zh-CN" dirty="0"/>
-            </a:br>
-            <a:r>
-              <a:rPr lang="en-US" altLang="zh-CN" dirty="0"/>
-              <a:t>TODO </a:t>
-            </a:r>
-            <a:r>
-              <a:rPr lang="zh-CN" altLang="en-US" dirty="0"/>
-              <a:t>公式</a:t>
-            </a:r>
-            <a:endParaRPr lang="en-US" altLang="zh-CN" dirty="0"/>
-          </a:p>
-          <a:p>
-            <a:pPr marL="285750" indent="-285750">
-              <a:buFont typeface="Arial" panose="020B0604020202020204" pitchFamily="34" charset="0"/>
-              <a:buChar char="•"/>
-            </a:pPr>
-            <a:r>
-              <a:rPr lang="zh-CN" altLang="en-US" dirty="0"/>
-              <a:t>请根据该公式推导误差项，看下误差项是否为希望的公式？</a:t>
-            </a:r>
-            <a:br>
-              <a:rPr lang="en-US" altLang="zh-CN" dirty="0"/>
-            </a:br>
-            <a:r>
-              <a:rPr lang="en-US" altLang="zh-CN" dirty="0"/>
-              <a:t>TODO </a:t>
-            </a:r>
-            <a:r>
-              <a:rPr lang="zh-CN" altLang="en-US" dirty="0"/>
-              <a:t>给出</a:t>
-            </a:r>
-            <a:r>
-              <a:rPr lang="en-US" altLang="zh-CN" dirty="0" err="1"/>
-              <a:t>softmax</a:t>
-            </a:r>
-            <a:r>
-              <a:rPr lang="zh-CN" altLang="en-US" dirty="0"/>
-              <a:t>求导公式</a:t>
-            </a:r>
-            <a:br>
-              <a:rPr lang="en-US" altLang="zh-CN" dirty="0"/>
-            </a:br>
-            <a:r>
-              <a:rPr lang="en-US" altLang="zh-CN" dirty="0"/>
-              <a:t>TODO.</a:t>
-            </a:r>
-            <a:r>
-              <a:rPr lang="zh-CN" altLang="en-US" dirty="0"/>
-              <a:t>推导过程？</a:t>
-            </a:r>
-            <a:endParaRPr lang="en-US" altLang="zh-CN" dirty="0"/>
-          </a:p>
-          <a:p>
-            <a:endParaRPr lang="en-US" altLang="zh-CN" dirty="0"/>
-          </a:p>
-          <a:p>
-            <a:pPr marL="285750" indent="-285750">
-              <a:buFont typeface="Arial" panose="020B0604020202020204" pitchFamily="34" charset="0"/>
-              <a:buChar char="•"/>
-            </a:pPr>
-            <a:r>
-              <a:rPr lang="zh-CN" altLang="en-US" dirty="0"/>
-              <a:t>自学、互学、展学</a:t>
-            </a:r>
-          </a:p>
-          <a:p>
-            <a:pPr marL="285750" indent="-285750">
-              <a:buFont typeface="Arial" panose="020B0604020202020204" pitchFamily="34" charset="0"/>
-              <a:buChar char="•"/>
-            </a:pPr>
-            <a:endParaRPr lang="zh-CN" altLang="en-US" dirty="0"/>
-          </a:p>
-          <a:p>
-            <a:pPr marL="285750" indent="-285750">
-              <a:buFont typeface="Arial" panose="020B0604020202020204" pitchFamily="34" charset="0"/>
-              <a:buChar char="•"/>
-            </a:pPr>
-            <a:endParaRPr lang="en-US" altLang="zh-CN" dirty="0"/>
-          </a:p>
-          <a:p>
-            <a:pPr marL="285750" indent="-285750">
-              <a:buFont typeface="Arial" panose="020B0604020202020204" pitchFamily="34" charset="0"/>
-              <a:buChar char="•"/>
-            </a:pPr>
-            <a:endParaRPr lang="zh-CN" altLang="en-US" dirty="0"/>
-          </a:p>
-          <a:p>
-            <a:pPr marL="285750" indent="-285750">
-              <a:buFont typeface="Arial" panose="020B0604020202020204" pitchFamily="34" charset="0"/>
-              <a:buChar char="•"/>
-            </a:pPr>
-            <a:endParaRPr lang="zh-CN" altLang="en-US" dirty="0"/>
-          </a:p>
-          <a:p>
-            <a:pPr marL="285750" indent="-285750">
-              <a:buFont typeface="Arial" panose="020B0604020202020204" pitchFamily="34" charset="0"/>
-              <a:buChar char="•"/>
-            </a:pPr>
-            <a:endParaRPr lang="zh-CN" altLang="en-US" dirty="0"/>
-          </a:p>
-          <a:p>
-            <a:pPr marL="285750" indent="-285750">
-              <a:buFont typeface="Arial" panose="020B0604020202020204" pitchFamily="34" charset="0"/>
-              <a:buChar char="•"/>
-            </a:pPr>
-            <a:endParaRPr lang="zh-CN" altLang="en-US" dirty="0"/>
-          </a:p>
-          <a:p>
-            <a:pPr marL="285750" indent="-285750">
-              <a:buFont typeface="Arial" panose="020B0604020202020204" pitchFamily="34" charset="0"/>
-              <a:buChar char="•"/>
-            </a:pPr>
-            <a:endParaRPr lang="zh-CN" altLang="en-US" dirty="0"/>
-          </a:p>
-          <a:p>
-            <a:pPr marL="285750" indent="-285750">
-              <a:buFont typeface="Arial" panose="020B0604020202020204" pitchFamily="34" charset="0"/>
-              <a:buChar char="•"/>
-            </a:pPr>
-            <a:endParaRPr lang="zh-CN" altLang="en-US" dirty="0"/>
-          </a:p>
-          <a:p>
-            <a:pPr marL="285750" indent="-285750">
-              <a:buFont typeface="Arial" panose="020B0604020202020204" pitchFamily="34" charset="0"/>
-              <a:buChar char="•"/>
-            </a:pPr>
-            <a:endParaRPr lang="zh-CN" altLang="en-US" dirty="0"/>
-          </a:p>
-        </p:txBody>
-      </p:sp>
-      <p:pic>
-        <p:nvPicPr>
-          <p:cNvPr id="4" name="图片 3">
-            <a:extLst>
-              <a:ext uri="{FF2B5EF4-FFF2-40B4-BE49-F238E27FC236}">
-                <a16:creationId xmlns:a16="http://schemas.microsoft.com/office/drawing/2014/main" id="{2856CE37-3D71-C476-C215-E51E9A22428E}"/>
-              </a:ext>
-            </a:extLst>
-          </p:cNvPr>
-          <p:cNvPicPr>
-            <a:picLocks noChangeAspect="1"/>
-          </p:cNvPicPr>
-          <p:nvPr/>
-        </p:nvPicPr>
-        <p:blipFill>
-          <a:blip r:embed="rId3">
-            <a:extLst>
-              <a:ext uri="{28A0092B-C50C-407E-A947-70E740481C1C}">
-                <a14:useLocalDpi xmlns:a14="http://schemas.microsoft.com/office/drawing/2010/main" val="0"/>
-              </a:ext>
-            </a:extLst>
-          </a:blip>
-          <a:stretch>
-            <a:fillRect/>
-          </a:stretch>
-        </p:blipFill>
-        <p:spPr>
-          <a:xfrm>
-            <a:off x="8626519" y="2411046"/>
-            <a:ext cx="2895600" cy="736600"/>
-          </a:xfrm>
-          <a:prstGeom prst="rect">
-            <a:avLst/>
-          </a:prstGeom>
-        </p:spPr>
-      </p:pic>
-    </p:spTree>
-    <p:custDataLst>
-      <p:tags r:id="rId1"/>
-    </p:custDataLst>
-    <p:extLst>
-      <p:ext uri="{BB962C8B-B14F-4D97-AF65-F5344CB8AC3E}">
-        <p14:creationId xmlns:p14="http://schemas.microsoft.com/office/powerpoint/2010/main" val="1013839554"/>
-      </p:ext>
-    </p:extLst>
-  </p:cSld>
-  <p:clrMapOvr>
-    <a:masterClrMapping/>
-  </p:clrMapOvr>
-  <p:timing>
-    <p:tnLst>
-      <p:par>
-        <p:cTn id="1" dur="indefinite" restart="never" nodeType="tmRoot">
-          <p:childTnLst>
-            <p:seq concurrent="1" nextAc="seek">
-              <p:cTn id="2" dur="indefinite" nodeType="mainSeq">
-                <p:childTnLst>
-                  <p:par>
-                    <p:cTn id="3" fill="hold">
-                      <p:stCondLst>
-                        <p:cond delay="indefinite"/>
-                      </p:stCondLst>
-                      <p:childTnLst>
-                        <p:par>
-                          <p:cTn id="4" fill="hold">
-                            <p:stCondLst>
-                              <p:cond delay="0"/>
-                            </p:stCondLst>
-                            <p:childTnLst>
-                              <p:par>
-                                <p:cTn id="5" presetID="1" presetClass="entr" presetSubtype="0" fill="hold" grpId="0" nodeType="clickEffect">
-                                  <p:stCondLst>
-                                    <p:cond delay="0"/>
-                                  </p:stCondLst>
-                                  <p:childTnLst>
-                                    <p:set>
-                                      <p:cBhvr>
-                                        <p:cTn id="6" dur="1" fill="hold">
-                                          <p:stCondLst>
-                                            <p:cond delay="0"/>
-                                          </p:stCondLst>
-                                        </p:cTn>
-                                        <p:tgtEl>
-                                          <p:spTgt spid="6"/>
-                                        </p:tgtEl>
-                                        <p:attrNameLst>
-                                          <p:attrName>style.visibility</p:attrName>
-                                        </p:attrNameLst>
-                                      </p:cBhvr>
-                                      <p:to>
-                                        <p:strVal val="visible"/>
-                                      </p:to>
-                                    </p:set>
-                                  </p:childTnLst>
-                                </p:cTn>
-                              </p:par>
-                            </p:childTnLst>
-                          </p:cTn>
-                        </p:par>
-                      </p:childTnLst>
-                    </p:cTn>
-                  </p:par>
-                </p:childTnLst>
-              </p:cTn>
-              <p:prevCondLst>
-                <p:cond evt="onPrev" delay="0">
-                  <p:tgtEl>
-                    <p:sldTgt/>
-                  </p:tgtEl>
-                </p:cond>
-              </p:prevCondLst>
-              <p:nextCondLst>
-                <p:cond evt="onNext" delay="0">
-                  <p:tgtEl>
-                    <p:sldTgt/>
-                  </p:tgtEl>
-                </p:cond>
-              </p:nextCondLst>
-            </p:seq>
-          </p:childTnLst>
-        </p:cTn>
-      </p:par>
-    </p:tnLst>
-    <p:bldLst>
-      <p:bldP spid="6" grpId="0"/>
-    </p:bldLst>
-  </p:timing>
-</p:sld>
-</file>
-
-<file path=ppt/slides/slide2.xml><?xml version="1.0" encoding="utf-8"?>
-<p:sld xmlns:a="http://schemas.openxmlformats.org/drawingml/2006/main" xmlns:r="http://schemas.openxmlformats.org/officeDocument/2006/relationships" xmlns:p="http://schemas.openxmlformats.org/presentationml/2006/main">
-  <p:cSld>
-    <p:spTree>
-      <p:nvGrpSpPr>
-        <p:cNvPr id="1" name=""/>
-        <p:cNvGrpSpPr/>
-        <p:nvPr/>
-      </p:nvGrpSpPr>
-      <p:grpSpPr>
-        <a:xfrm>
-          <a:off x="0" y="0"/>
-          <a:ext cx="0" cy="0"/>
-          <a:chOff x="0" y="0"/>
-          <a:chExt cx="0" cy="0"/>
-        </a:xfrm>
-      </p:grpSpPr>
-      <p:sp>
-        <p:nvSpPr>
-          <p:cNvPr id="2" name="标题 1"/>
-          <p:cNvSpPr>
-            <a:spLocks noGrp="1"/>
-          </p:cNvSpPr>
-          <p:nvPr>
-            <p:ph type="title"/>
-          </p:nvPr>
-        </p:nvSpPr>
-        <p:spPr>
-          <a:xfrm>
-            <a:off x="669882" y="2108221"/>
-            <a:ext cx="10852237" cy="899167"/>
-          </a:xfrm>
-        </p:spPr>
-        <p:txBody>
-          <a:bodyPr/>
-          <a:lstStyle/>
-          <a:p>
-            <a:r>
-              <a:rPr lang="zh-CN" altLang="en-US" dirty="0"/>
-              <a:t>第六节课：</a:t>
-            </a:r>
-            <a:br>
-              <a:rPr lang="en-US" altLang="zh-CN" dirty="0"/>
-            </a:br>
-            <a:r>
-              <a:rPr lang="zh-CN" altLang="en-US" dirty="0"/>
-              <a:t>使用交叉熵损失函数和</a:t>
-            </a:r>
-            <a:r>
-              <a:rPr lang="en-US" altLang="zh-CN" dirty="0" err="1"/>
-              <a:t>Softmax</a:t>
-            </a:r>
-            <a:r>
-              <a:rPr lang="zh-CN" altLang="en-US" dirty="0"/>
-              <a:t>激活函数</a:t>
-            </a:r>
-          </a:p>
-        </p:txBody>
-      </p:sp>
-    </p:spTree>
-    <p:custDataLst>
-      <p:tags r:id="rId1"/>
-    </p:custDataLst>
-  </p:cSld>
-  <p:clrMapOvr>
-    <a:masterClrMapping/>
-  </p:clrMapOvr>
-</p:sld>
-</file>
-
-<file path=ppt/slides/slide20.xml><?xml version="1.0" encoding="utf-8"?>
-<p:sld xmlns:a="http://schemas.openxmlformats.org/drawingml/2006/main" xmlns:r="http://schemas.openxmlformats.org/officeDocument/2006/relationships" xmlns:p="http://schemas.openxmlformats.org/presentationml/2006/main">
-  <p:cSld>
-    <p:spTree>
-      <p:nvGrpSpPr>
-        <p:cNvPr id="1" name=""/>
-        <p:cNvGrpSpPr/>
-        <p:nvPr/>
-      </p:nvGrpSpPr>
-      <p:grpSpPr>
-        <a:xfrm>
-          <a:off x="0" y="0"/>
-          <a:ext cx="0" cy="0"/>
-          <a:chOff x="0" y="0"/>
-          <a:chExt cx="0" cy="0"/>
-        </a:xfrm>
-      </p:grpSpPr>
-      <p:sp>
-        <p:nvSpPr>
-          <p:cNvPr id="3" name="标题 2"/>
-          <p:cNvSpPr>
-            <a:spLocks noGrp="1"/>
-          </p:cNvSpPr>
-          <p:nvPr>
-            <p:ph type="title"/>
-          </p:nvPr>
-        </p:nvSpPr>
-        <p:spPr/>
-        <p:txBody>
-          <a:bodyPr/>
-          <a:lstStyle/>
-          <a:p>
-            <a:r>
-              <a:rPr lang="zh-CN" altLang="en-US" dirty="0">
-                <a:sym typeface="+mn-ea"/>
-              </a:rPr>
-              <a:t>结学</a:t>
-            </a:r>
-          </a:p>
-        </p:txBody>
-      </p:sp>
-      <p:sp>
-        <p:nvSpPr>
-          <p:cNvPr id="6" name="文本占位符 1">
-            <a:extLst>
-              <a:ext uri="{FF2B5EF4-FFF2-40B4-BE49-F238E27FC236}">
-                <a16:creationId xmlns:a16="http://schemas.microsoft.com/office/drawing/2014/main" id="{BA88068A-4FDC-6963-46A5-ADEC46CDA15E}"/>
-              </a:ext>
-            </a:extLst>
-          </p:cNvPr>
-          <p:cNvSpPr txBox="1">
-            <a:spLocks/>
-          </p:cNvSpPr>
-          <p:nvPr/>
-        </p:nvSpPr>
-        <p:spPr>
-          <a:xfrm>
-            <a:off x="822325" y="1778635"/>
-            <a:ext cx="10852150" cy="4553585"/>
-          </a:xfrm>
-        </p:spPr>
-        <p:txBody>
-          <a:bodyPr lIns="101600" tIns="38100" rIns="76200" bIns="38100">
-            <a:noAutofit/>
-          </a:bodyPr>
-          <a:lstStyle>
-            <a:lvl1pPr marL="0" indent="0" algn="l" defTabSz="914400" rtl="0" eaLnBrk="1" fontAlgn="auto" latinLnBrk="0" hangingPunct="1">
-              <a:lnSpc>
-                <a:spcPct val="130000"/>
-              </a:lnSpc>
-              <a:spcBef>
-                <a:spcPts val="0"/>
-              </a:spcBef>
-              <a:spcAft>
-                <a:spcPts val="1000"/>
-              </a:spcAft>
-              <a:buFont typeface="Arial" panose="020B0604020202020204" pitchFamily="34" charset="0"/>
-              <a:buNone/>
-              <a:defRPr kumimoji="0" lang="zh-CN" altLang="en-US" sz="1600" b="0" i="0" u="none" strike="noStrike" kern="1200" cap="none" spc="150" normalizeH="0" baseline="0" noProof="1">
-                <a:solidFill>
-                  <a:schemeClr val="tx1"/>
-                </a:solidFill>
-                <a:uFillTx/>
-                <a:latin typeface="+mn-lt"/>
-                <a:ea typeface="+mn-ea"/>
-                <a:cs typeface="+mn-cs"/>
-                <a:sym typeface="+mn-ea"/>
-              </a:defRPr>
-            </a:lvl1pPr>
-            <a:lvl2pPr marL="457200" indent="0" algn="l" defTabSz="914400" rtl="0" eaLnBrk="1" fontAlgn="auto" latinLnBrk="0" hangingPunct="1">
-              <a:lnSpc>
-                <a:spcPct val="130000"/>
-              </a:lnSpc>
-              <a:spcBef>
-                <a:spcPts val="0"/>
-              </a:spcBef>
-              <a:spcAft>
-                <a:spcPts val="1000"/>
-              </a:spcAft>
-              <a:buFont typeface="Arial" panose="020B0604020202020204" pitchFamily="34" charset="0"/>
-              <a:buNone/>
-              <a:tabLst>
-                <a:tab pos="1609725" algn="l"/>
-              </a:tabLst>
-              <a:defRPr sz="2000" u="none" strike="noStrike" kern="1200" cap="none" spc="150" normalizeH="0" baseline="0">
-                <a:solidFill>
-                  <a:schemeClr val="tx1">
-                    <a:tint val="75000"/>
-                  </a:schemeClr>
-                </a:solidFill>
-                <a:uFillTx/>
-                <a:latin typeface="+mn-lt"/>
-                <a:ea typeface="+mn-ea"/>
-                <a:cs typeface="+mn-cs"/>
-              </a:defRPr>
-            </a:lvl2pPr>
-            <a:lvl3pPr marL="914400" indent="0" algn="l" defTabSz="914400" rtl="0" eaLnBrk="1" fontAlgn="auto" latinLnBrk="0" hangingPunct="1">
-              <a:lnSpc>
-                <a:spcPct val="130000"/>
-              </a:lnSpc>
-              <a:spcBef>
-                <a:spcPts val="0"/>
-              </a:spcBef>
-              <a:spcAft>
-                <a:spcPts val="1000"/>
-              </a:spcAft>
-              <a:buFont typeface="Arial" panose="020B0604020202020204" pitchFamily="34" charset="0"/>
-              <a:buNone/>
-              <a:defRPr sz="1800" u="none" strike="noStrike" kern="1200" cap="none" spc="150" normalizeH="0" baseline="0">
-                <a:solidFill>
-                  <a:schemeClr val="tx1">
-                    <a:tint val="75000"/>
-                  </a:schemeClr>
-                </a:solidFill>
-                <a:uFillTx/>
-                <a:latin typeface="+mn-lt"/>
-                <a:ea typeface="+mn-ea"/>
-                <a:cs typeface="+mn-cs"/>
-              </a:defRPr>
-            </a:lvl3pPr>
-            <a:lvl4pPr marL="1371600" indent="0" algn="l" defTabSz="914400" rtl="0" eaLnBrk="1" fontAlgn="auto" latinLnBrk="0" hangingPunct="1">
-              <a:lnSpc>
-                <a:spcPct val="130000"/>
-              </a:lnSpc>
-              <a:spcBef>
-                <a:spcPts val="0"/>
-              </a:spcBef>
-              <a:spcAft>
-                <a:spcPts val="1000"/>
-              </a:spcAft>
-              <a:buFont typeface="Arial" panose="020B0604020202020204" pitchFamily="34" charset="0"/>
-              <a:buNone/>
-              <a:defRPr sz="1600" u="none" strike="noStrike" kern="1200" cap="none" spc="150" normalizeH="0" baseline="0">
-                <a:solidFill>
-                  <a:schemeClr val="tx1">
-                    <a:tint val="75000"/>
-                  </a:schemeClr>
-                </a:solidFill>
-                <a:uFillTx/>
-                <a:latin typeface="+mn-lt"/>
-                <a:ea typeface="+mn-ea"/>
-                <a:cs typeface="+mn-cs"/>
-              </a:defRPr>
-            </a:lvl4pPr>
-            <a:lvl5pPr marL="1828800" indent="0" algn="l" defTabSz="914400" rtl="0" eaLnBrk="1" fontAlgn="auto" latinLnBrk="0" hangingPunct="1">
-              <a:lnSpc>
-                <a:spcPct val="130000"/>
-              </a:lnSpc>
-              <a:spcBef>
-                <a:spcPts val="0"/>
-              </a:spcBef>
-              <a:spcAft>
-                <a:spcPts val="1000"/>
-              </a:spcAft>
-              <a:buFont typeface="Arial" panose="020B0604020202020204" pitchFamily="34" charset="0"/>
-              <a:buNone/>
-              <a:defRPr sz="1600" u="none" strike="noStrike" kern="1200" cap="none" spc="150" normalizeH="0" baseline="0">
-                <a:solidFill>
-                  <a:schemeClr val="tx1">
-                    <a:tint val="75000"/>
-                  </a:schemeClr>
-                </a:solidFill>
-                <a:uFillTx/>
-                <a:latin typeface="+mn-lt"/>
-                <a:ea typeface="+mn-ea"/>
-                <a:cs typeface="+mn-cs"/>
-              </a:defRPr>
-            </a:lvl5pPr>
-            <a:lvl6pPr marL="2286000" indent="0" algn="l" defTabSz="914400" rtl="0" eaLnBrk="1" latinLnBrk="0" hangingPunct="1">
-              <a:lnSpc>
-                <a:spcPct val="90000"/>
-              </a:lnSpc>
-              <a:spcBef>
-                <a:spcPts val="500"/>
-              </a:spcBef>
-              <a:buFont typeface="Arial" panose="020B0604020202020204" pitchFamily="34" charset="0"/>
-              <a:buNone/>
-              <a:defRPr sz="1600" kern="1200">
-                <a:solidFill>
-                  <a:schemeClr val="tx1">
-                    <a:tint val="75000"/>
-                  </a:schemeClr>
-                </a:solidFill>
-                <a:latin typeface="+mn-lt"/>
-                <a:ea typeface="+mn-ea"/>
-                <a:cs typeface="+mn-cs"/>
-              </a:defRPr>
-            </a:lvl6pPr>
-            <a:lvl7pPr marL="2743200" indent="0" algn="l" defTabSz="914400" rtl="0" eaLnBrk="1" latinLnBrk="0" hangingPunct="1">
-              <a:lnSpc>
-                <a:spcPct val="90000"/>
-              </a:lnSpc>
-              <a:spcBef>
-                <a:spcPts val="500"/>
-              </a:spcBef>
-              <a:buFont typeface="Arial" panose="020B0604020202020204" pitchFamily="34" charset="0"/>
-              <a:buNone/>
-              <a:defRPr sz="1600" kern="1200">
-                <a:solidFill>
-                  <a:schemeClr val="tx1">
-                    <a:tint val="75000"/>
-                  </a:schemeClr>
-                </a:solidFill>
-                <a:latin typeface="+mn-lt"/>
-                <a:ea typeface="+mn-ea"/>
-                <a:cs typeface="+mn-cs"/>
-              </a:defRPr>
-            </a:lvl7pPr>
-            <a:lvl8pPr marL="3200400" indent="0" algn="l" defTabSz="914400" rtl="0" eaLnBrk="1" latinLnBrk="0" hangingPunct="1">
-              <a:lnSpc>
-                <a:spcPct val="90000"/>
-              </a:lnSpc>
-              <a:spcBef>
-                <a:spcPts val="500"/>
-              </a:spcBef>
-              <a:buFont typeface="Arial" panose="020B0604020202020204" pitchFamily="34" charset="0"/>
-              <a:buNone/>
-              <a:defRPr sz="1600" kern="1200">
-                <a:solidFill>
-                  <a:schemeClr val="tx1">
-                    <a:tint val="75000"/>
-                  </a:schemeClr>
-                </a:solidFill>
-                <a:latin typeface="+mn-lt"/>
-                <a:ea typeface="+mn-ea"/>
-                <a:cs typeface="+mn-cs"/>
-              </a:defRPr>
-            </a:lvl8pPr>
-            <a:lvl9pPr marL="3657600" indent="0" algn="l" defTabSz="914400" rtl="0" eaLnBrk="1" latinLnBrk="0" hangingPunct="1">
-              <a:lnSpc>
-                <a:spcPct val="90000"/>
-              </a:lnSpc>
-              <a:spcBef>
-                <a:spcPts val="500"/>
-              </a:spcBef>
-              <a:buFont typeface="Arial" panose="020B0604020202020204" pitchFamily="34" charset="0"/>
-              <a:buNone/>
-              <a:defRPr sz="1600" kern="1200">
-                <a:solidFill>
-                  <a:schemeClr val="tx1">
-                    <a:tint val="75000"/>
-                  </a:schemeClr>
-                </a:solidFill>
-                <a:latin typeface="+mn-lt"/>
-                <a:ea typeface="+mn-ea"/>
-                <a:cs typeface="+mn-cs"/>
-              </a:defRPr>
-            </a:lvl9pPr>
-          </a:lstStyle>
-          <a:p>
-            <a:pPr marL="285750" indent="-285750">
-              <a:buFont typeface="Arial" panose="020B0604020202020204" pitchFamily="34" charset="0"/>
-              <a:buChar char="•"/>
-            </a:pPr>
-            <a:r>
-              <a:rPr lang="zh-CN" altLang="en-US" dirty="0"/>
-              <a:t>如何加快多分类的训练速度？</a:t>
-            </a:r>
-            <a:endParaRPr lang="en-US" altLang="zh-CN" dirty="0"/>
-          </a:p>
-          <a:p>
-            <a:endParaRPr lang="en-US" altLang="zh-CN" dirty="0"/>
-          </a:p>
-          <a:p>
-            <a:pPr marL="285750" indent="-285750">
-              <a:buFont typeface="Arial" panose="020B0604020202020204" pitchFamily="34" charset="0"/>
-              <a:buChar char="•"/>
-            </a:pPr>
-            <a:r>
-              <a:rPr lang="zh-CN" altLang="en-US" dirty="0"/>
-              <a:t>自学、展学</a:t>
-            </a:r>
-          </a:p>
-          <a:p>
-            <a:pPr marL="285750" indent="-285750">
-              <a:buFont typeface="Arial" panose="020B0604020202020204" pitchFamily="34" charset="0"/>
-              <a:buChar char="•"/>
-            </a:pPr>
-            <a:endParaRPr lang="zh-CN" altLang="en-US" dirty="0"/>
-          </a:p>
-          <a:p>
-            <a:pPr marL="285750" indent="-285750">
-              <a:buFont typeface="Arial" panose="020B0604020202020204" pitchFamily="34" charset="0"/>
-              <a:buChar char="•"/>
-            </a:pPr>
-            <a:endParaRPr lang="en-US" altLang="zh-CN" dirty="0"/>
-          </a:p>
-          <a:p>
-            <a:pPr marL="285750" indent="-285750">
-              <a:buFont typeface="Arial" panose="020B0604020202020204" pitchFamily="34" charset="0"/>
-              <a:buChar char="•"/>
-            </a:pPr>
-            <a:endParaRPr lang="zh-CN" altLang="en-US" dirty="0"/>
-          </a:p>
-          <a:p>
-            <a:pPr marL="285750" indent="-285750">
-              <a:buFont typeface="Arial" panose="020B0604020202020204" pitchFamily="34" charset="0"/>
-              <a:buChar char="•"/>
-            </a:pPr>
-            <a:endParaRPr lang="zh-CN" altLang="en-US" dirty="0"/>
-          </a:p>
-          <a:p>
-            <a:pPr marL="285750" indent="-285750">
-              <a:buFont typeface="Arial" panose="020B0604020202020204" pitchFamily="34" charset="0"/>
-              <a:buChar char="•"/>
-            </a:pPr>
-            <a:endParaRPr lang="zh-CN" altLang="en-US" dirty="0"/>
-          </a:p>
-          <a:p>
-            <a:pPr marL="285750" indent="-285750">
-              <a:buFont typeface="Arial" panose="020B0604020202020204" pitchFamily="34" charset="0"/>
-              <a:buChar char="•"/>
-            </a:pPr>
-            <a:endParaRPr lang="zh-CN" altLang="en-US" dirty="0"/>
-          </a:p>
-          <a:p>
-            <a:pPr marL="285750" indent="-285750">
-              <a:buFont typeface="Arial" panose="020B0604020202020204" pitchFamily="34" charset="0"/>
-              <a:buChar char="•"/>
-            </a:pPr>
-            <a:endParaRPr lang="zh-CN" altLang="en-US" dirty="0"/>
-          </a:p>
-          <a:p>
-            <a:pPr marL="285750" indent="-285750">
-              <a:buFont typeface="Arial" panose="020B0604020202020204" pitchFamily="34" charset="0"/>
-              <a:buChar char="•"/>
-            </a:pPr>
-            <a:endParaRPr lang="zh-CN" altLang="en-US" dirty="0"/>
-          </a:p>
-          <a:p>
-            <a:pPr marL="285750" indent="-285750">
-              <a:buFont typeface="Arial" panose="020B0604020202020204" pitchFamily="34" charset="0"/>
-              <a:buChar char="•"/>
-            </a:pPr>
-            <a:endParaRPr lang="zh-CN" altLang="en-US" dirty="0"/>
-          </a:p>
-        </p:txBody>
-      </p:sp>
-    </p:spTree>
-    <p:custDataLst>
-      <p:tags r:id="rId1"/>
-    </p:custDataLst>
-    <p:extLst>
-      <p:ext uri="{BB962C8B-B14F-4D97-AF65-F5344CB8AC3E}">
-        <p14:creationId xmlns:p14="http://schemas.microsoft.com/office/powerpoint/2010/main" val="2536093079"/>
-      </p:ext>
-    </p:extLst>
-  </p:cSld>
-  <p:clrMapOvr>
-    <a:masterClrMapping/>
-  </p:clrMapOvr>
-  <p:timing>
-    <p:tnLst>
-      <p:par>
-        <p:cTn id="1" dur="indefinite" restart="never" nodeType="tmRoot">
-          <p:childTnLst>
-            <p:seq concurrent="1" nextAc="seek">
-              <p:cTn id="2" dur="indefinite" nodeType="mainSeq">
-                <p:childTnLst>
-                  <p:par>
-                    <p:cTn id="3" fill="hold">
-                      <p:stCondLst>
-                        <p:cond delay="indefinite"/>
-                      </p:stCondLst>
-                      <p:childTnLst>
-                        <p:par>
-                          <p:cTn id="4" fill="hold">
-                            <p:stCondLst>
-                              <p:cond delay="0"/>
-                            </p:stCondLst>
-                            <p:childTnLst>
-                              <p:par>
-                                <p:cTn id="5" presetID="1" presetClass="entr" presetSubtype="0" fill="hold" grpId="0" nodeType="clickEffect">
-                                  <p:stCondLst>
-                                    <p:cond delay="0"/>
-                                  </p:stCondLst>
-                                  <p:childTnLst>
-                                    <p:set>
-                                      <p:cBhvr>
-                                        <p:cTn id="6" dur="1" fill="hold">
-                                          <p:stCondLst>
-                                            <p:cond delay="0"/>
-                                          </p:stCondLst>
-                                        </p:cTn>
-                                        <p:tgtEl>
-                                          <p:spTgt spid="6"/>
-                                        </p:tgtEl>
-                                        <p:attrNameLst>
-                                          <p:attrName>style.visibility</p:attrName>
-                                        </p:attrNameLst>
-                                      </p:cBhvr>
-                                      <p:to>
-                                        <p:strVal val="visible"/>
-                                      </p:to>
-                                    </p:set>
-                                  </p:childTnLst>
-                                </p:cTn>
-                              </p:par>
-                            </p:childTnLst>
-                          </p:cTn>
-                        </p:par>
-                      </p:childTnLst>
-                    </p:cTn>
-                  </p:par>
-                </p:childTnLst>
-              </p:cTn>
-              <p:prevCondLst>
-                <p:cond evt="onPrev" delay="0">
-                  <p:tgtEl>
-                    <p:sldTgt/>
-                  </p:tgtEl>
-                </p:cond>
-              </p:prevCondLst>
-              <p:nextCondLst>
-                <p:cond evt="onNext" delay="0">
-                  <p:tgtEl>
-                    <p:sldTgt/>
-                  </p:tgtEl>
-                </p:cond>
-              </p:nextCondLst>
-            </p:seq>
-          </p:childTnLst>
-        </p:cTn>
-      </p:par>
-    </p:tnLst>
-    <p:bldLst>
-      <p:bldP spid="6" grpId="0"/>
-    </p:bldLst>
-  </p:timing>
-</p:sld>
-</file>
-
-<file path=ppt/slides/slide21.xml><?xml version="1.0" encoding="utf-8"?>
-<p:sld xmlns:a="http://schemas.openxmlformats.org/drawingml/2006/main" xmlns:r="http://schemas.openxmlformats.org/officeDocument/2006/relationships" xmlns:p="http://schemas.openxmlformats.org/presentationml/2006/main">
-  <p:cSld>
-    <p:spTree>
-      <p:nvGrpSpPr>
-        <p:cNvPr id="1" name=""/>
-        <p:cNvGrpSpPr/>
-        <p:nvPr/>
-      </p:nvGrpSpPr>
-      <p:grpSpPr>
-        <a:xfrm>
-          <a:off x="0" y="0"/>
-          <a:ext cx="0" cy="0"/>
-          <a:chOff x="0" y="0"/>
-          <a:chExt cx="0" cy="0"/>
-        </a:xfrm>
-      </p:grpSpPr>
-      <p:sp>
-        <p:nvSpPr>
           <p:cNvPr id="2" name="标题 1"/>
           <p:cNvSpPr>
             <a:spLocks noGrp="1"/>
@@ -11238,1243 +8886,6 @@
           <a:lstStyle/>
           <a:p>
             <a:r>
-              <a:rPr lang="zh-CN" altLang="en-US" dirty="0">
-                <a:sym typeface="+mn-ea"/>
-              </a:rPr>
-              <a:t>任务：</a:t>
-            </a:r>
-            <a:br>
-              <a:rPr lang="en-US" altLang="zh-CN" dirty="0">
-                <a:sym typeface="+mn-ea"/>
-              </a:rPr>
-            </a:br>
-            <a:r>
-              <a:rPr lang="zh-CN" altLang="en-US" dirty="0">
-                <a:sym typeface="+mn-ea"/>
-              </a:rPr>
-              <a:t>判断性别</a:t>
-            </a:r>
-            <a:r>
-              <a:rPr lang="en-US" altLang="zh-CN" dirty="0">
-                <a:sym typeface="+mn-ea"/>
-              </a:rPr>
-              <a:t>Demo</a:t>
-            </a:r>
-            <a:r>
-              <a:rPr lang="zh-CN" altLang="en-US" dirty="0">
-                <a:sym typeface="+mn-ea"/>
-              </a:rPr>
-              <a:t>使用交叉熵损失函数	</a:t>
-            </a:r>
-            <a:br>
-              <a:rPr lang="en-US" altLang="zh-CN" dirty="0">
-                <a:sym typeface="+mn-ea"/>
-              </a:rPr>
-            </a:br>
-            <a:endParaRPr lang="zh-CN" altLang="en-US" dirty="0"/>
-          </a:p>
-        </p:txBody>
-      </p:sp>
-    </p:spTree>
-    <p:custDataLst>
-      <p:tags r:id="rId1"/>
-    </p:custDataLst>
-    <p:extLst>
-      <p:ext uri="{BB962C8B-B14F-4D97-AF65-F5344CB8AC3E}">
-        <p14:creationId xmlns:p14="http://schemas.microsoft.com/office/powerpoint/2010/main" val="2557938798"/>
-      </p:ext>
-    </p:extLst>
-  </p:cSld>
-  <p:clrMapOvr>
-    <a:masterClrMapping/>
-  </p:clrMapOvr>
-</p:sld>
-</file>
-
-<file path=ppt/slides/slide22.xml><?xml version="1.0" encoding="utf-8"?>
-<p:sld xmlns:a="http://schemas.openxmlformats.org/drawingml/2006/main" xmlns:r="http://schemas.openxmlformats.org/officeDocument/2006/relationships" xmlns:p="http://schemas.openxmlformats.org/presentationml/2006/main">
-  <p:cSld>
-    <p:spTree>
-      <p:nvGrpSpPr>
-        <p:cNvPr id="1" name=""/>
-        <p:cNvGrpSpPr/>
-        <p:nvPr/>
-      </p:nvGrpSpPr>
-      <p:grpSpPr>
-        <a:xfrm>
-          <a:off x="0" y="0"/>
-          <a:ext cx="0" cy="0"/>
-          <a:chOff x="0" y="0"/>
-          <a:chExt cx="0" cy="0"/>
-        </a:xfrm>
-      </p:grpSpPr>
-      <p:sp>
-        <p:nvSpPr>
-          <p:cNvPr id="3" name="标题 2"/>
-          <p:cNvSpPr>
-            <a:spLocks noGrp="1"/>
-          </p:cNvSpPr>
-          <p:nvPr>
-            <p:ph type="title"/>
-          </p:nvPr>
-        </p:nvSpPr>
-        <p:spPr/>
-        <p:txBody>
-          <a:bodyPr/>
-          <a:lstStyle/>
-          <a:p>
-            <a:r>
-              <a:rPr lang="zh-CN" altLang="en-US" dirty="0">
-                <a:sym typeface="+mn-ea"/>
-              </a:rPr>
-              <a:t>任务：识别手写数字使用交叉熵损失函数和</a:t>
-            </a:r>
-            <a:r>
-              <a:rPr lang="en-US" altLang="zh-CN" dirty="0" err="1">
-                <a:sym typeface="+mn-ea"/>
-              </a:rPr>
-              <a:t>softmax</a:t>
-            </a:r>
-            <a:r>
-              <a:rPr lang="zh-CN" altLang="en-US" dirty="0">
-                <a:sym typeface="+mn-ea"/>
-              </a:rPr>
-              <a:t>激活函数</a:t>
-            </a:r>
-            <a:endParaRPr dirty="0">
-              <a:sym typeface="+mn-ea"/>
-            </a:endParaRPr>
-          </a:p>
-        </p:txBody>
-      </p:sp>
-      <p:sp>
-        <p:nvSpPr>
-          <p:cNvPr id="6" name="文本占位符 1">
-            <a:extLst>
-              <a:ext uri="{FF2B5EF4-FFF2-40B4-BE49-F238E27FC236}">
-                <a16:creationId xmlns:a16="http://schemas.microsoft.com/office/drawing/2014/main" id="{BA88068A-4FDC-6963-46A5-ADEC46CDA15E}"/>
-              </a:ext>
-            </a:extLst>
-          </p:cNvPr>
-          <p:cNvSpPr txBox="1">
-            <a:spLocks/>
-          </p:cNvSpPr>
-          <p:nvPr/>
-        </p:nvSpPr>
-        <p:spPr>
-          <a:xfrm>
-            <a:off x="822325" y="1778635"/>
-            <a:ext cx="10852150" cy="4553585"/>
-          </a:xfrm>
-        </p:spPr>
-        <p:txBody>
-          <a:bodyPr lIns="101600" tIns="38100" rIns="76200" bIns="38100">
-            <a:noAutofit/>
-          </a:bodyPr>
-          <a:lstStyle>
-            <a:lvl1pPr marL="0" indent="0" algn="l" defTabSz="914400" rtl="0" eaLnBrk="1" fontAlgn="auto" latinLnBrk="0" hangingPunct="1">
-              <a:lnSpc>
-                <a:spcPct val="130000"/>
-              </a:lnSpc>
-              <a:spcBef>
-                <a:spcPts val="0"/>
-              </a:spcBef>
-              <a:spcAft>
-                <a:spcPts val="1000"/>
-              </a:spcAft>
-              <a:buFont typeface="Arial" panose="020B0604020202020204" pitchFamily="34" charset="0"/>
-              <a:buNone/>
-              <a:defRPr kumimoji="0" lang="zh-CN" altLang="en-US" sz="1600" b="0" i="0" u="none" strike="noStrike" kern="1200" cap="none" spc="150" normalizeH="0" baseline="0" noProof="1">
-                <a:solidFill>
-                  <a:schemeClr val="tx1"/>
-                </a:solidFill>
-                <a:uFillTx/>
-                <a:latin typeface="+mn-lt"/>
-                <a:ea typeface="+mn-ea"/>
-                <a:cs typeface="+mn-cs"/>
-                <a:sym typeface="+mn-ea"/>
-              </a:defRPr>
-            </a:lvl1pPr>
-            <a:lvl2pPr marL="457200" indent="0" algn="l" defTabSz="914400" rtl="0" eaLnBrk="1" fontAlgn="auto" latinLnBrk="0" hangingPunct="1">
-              <a:lnSpc>
-                <a:spcPct val="130000"/>
-              </a:lnSpc>
-              <a:spcBef>
-                <a:spcPts val="0"/>
-              </a:spcBef>
-              <a:spcAft>
-                <a:spcPts val="1000"/>
-              </a:spcAft>
-              <a:buFont typeface="Arial" panose="020B0604020202020204" pitchFamily="34" charset="0"/>
-              <a:buNone/>
-              <a:tabLst>
-                <a:tab pos="1609725" algn="l"/>
-              </a:tabLst>
-              <a:defRPr sz="2000" u="none" strike="noStrike" kern="1200" cap="none" spc="150" normalizeH="0" baseline="0">
-                <a:solidFill>
-                  <a:schemeClr val="tx1">
-                    <a:tint val="75000"/>
-                  </a:schemeClr>
-                </a:solidFill>
-                <a:uFillTx/>
-                <a:latin typeface="+mn-lt"/>
-                <a:ea typeface="+mn-ea"/>
-                <a:cs typeface="+mn-cs"/>
-              </a:defRPr>
-            </a:lvl2pPr>
-            <a:lvl3pPr marL="914400" indent="0" algn="l" defTabSz="914400" rtl="0" eaLnBrk="1" fontAlgn="auto" latinLnBrk="0" hangingPunct="1">
-              <a:lnSpc>
-                <a:spcPct val="130000"/>
-              </a:lnSpc>
-              <a:spcBef>
-                <a:spcPts val="0"/>
-              </a:spcBef>
-              <a:spcAft>
-                <a:spcPts val="1000"/>
-              </a:spcAft>
-              <a:buFont typeface="Arial" panose="020B0604020202020204" pitchFamily="34" charset="0"/>
-              <a:buNone/>
-              <a:defRPr sz="1800" u="none" strike="noStrike" kern="1200" cap="none" spc="150" normalizeH="0" baseline="0">
-                <a:solidFill>
-                  <a:schemeClr val="tx1">
-                    <a:tint val="75000"/>
-                  </a:schemeClr>
-                </a:solidFill>
-                <a:uFillTx/>
-                <a:latin typeface="+mn-lt"/>
-                <a:ea typeface="+mn-ea"/>
-                <a:cs typeface="+mn-cs"/>
-              </a:defRPr>
-            </a:lvl3pPr>
-            <a:lvl4pPr marL="1371600" indent="0" algn="l" defTabSz="914400" rtl="0" eaLnBrk="1" fontAlgn="auto" latinLnBrk="0" hangingPunct="1">
-              <a:lnSpc>
-                <a:spcPct val="130000"/>
-              </a:lnSpc>
-              <a:spcBef>
-                <a:spcPts val="0"/>
-              </a:spcBef>
-              <a:spcAft>
-                <a:spcPts val="1000"/>
-              </a:spcAft>
-              <a:buFont typeface="Arial" panose="020B0604020202020204" pitchFamily="34" charset="0"/>
-              <a:buNone/>
-              <a:defRPr sz="1600" u="none" strike="noStrike" kern="1200" cap="none" spc="150" normalizeH="0" baseline="0">
-                <a:solidFill>
-                  <a:schemeClr val="tx1">
-                    <a:tint val="75000"/>
-                  </a:schemeClr>
-                </a:solidFill>
-                <a:uFillTx/>
-                <a:latin typeface="+mn-lt"/>
-                <a:ea typeface="+mn-ea"/>
-                <a:cs typeface="+mn-cs"/>
-              </a:defRPr>
-            </a:lvl4pPr>
-            <a:lvl5pPr marL="1828800" indent="0" algn="l" defTabSz="914400" rtl="0" eaLnBrk="1" fontAlgn="auto" latinLnBrk="0" hangingPunct="1">
-              <a:lnSpc>
-                <a:spcPct val="130000"/>
-              </a:lnSpc>
-              <a:spcBef>
-                <a:spcPts val="0"/>
-              </a:spcBef>
-              <a:spcAft>
-                <a:spcPts val="1000"/>
-              </a:spcAft>
-              <a:buFont typeface="Arial" panose="020B0604020202020204" pitchFamily="34" charset="0"/>
-              <a:buNone/>
-              <a:defRPr sz="1600" u="none" strike="noStrike" kern="1200" cap="none" spc="150" normalizeH="0" baseline="0">
-                <a:solidFill>
-                  <a:schemeClr val="tx1">
-                    <a:tint val="75000"/>
-                  </a:schemeClr>
-                </a:solidFill>
-                <a:uFillTx/>
-                <a:latin typeface="+mn-lt"/>
-                <a:ea typeface="+mn-ea"/>
-                <a:cs typeface="+mn-cs"/>
-              </a:defRPr>
-            </a:lvl5pPr>
-            <a:lvl6pPr marL="2286000" indent="0" algn="l" defTabSz="914400" rtl="0" eaLnBrk="1" latinLnBrk="0" hangingPunct="1">
-              <a:lnSpc>
-                <a:spcPct val="90000"/>
-              </a:lnSpc>
-              <a:spcBef>
-                <a:spcPts val="500"/>
-              </a:spcBef>
-              <a:buFont typeface="Arial" panose="020B0604020202020204" pitchFamily="34" charset="0"/>
-              <a:buNone/>
-              <a:defRPr sz="1600" kern="1200">
-                <a:solidFill>
-                  <a:schemeClr val="tx1">
-                    <a:tint val="75000"/>
-                  </a:schemeClr>
-                </a:solidFill>
-                <a:latin typeface="+mn-lt"/>
-                <a:ea typeface="+mn-ea"/>
-                <a:cs typeface="+mn-cs"/>
-              </a:defRPr>
-            </a:lvl6pPr>
-            <a:lvl7pPr marL="2743200" indent="0" algn="l" defTabSz="914400" rtl="0" eaLnBrk="1" latinLnBrk="0" hangingPunct="1">
-              <a:lnSpc>
-                <a:spcPct val="90000"/>
-              </a:lnSpc>
-              <a:spcBef>
-                <a:spcPts val="500"/>
-              </a:spcBef>
-              <a:buFont typeface="Arial" panose="020B0604020202020204" pitchFamily="34" charset="0"/>
-              <a:buNone/>
-              <a:defRPr sz="1600" kern="1200">
-                <a:solidFill>
-                  <a:schemeClr val="tx1">
-                    <a:tint val="75000"/>
-                  </a:schemeClr>
-                </a:solidFill>
-                <a:latin typeface="+mn-lt"/>
-                <a:ea typeface="+mn-ea"/>
-                <a:cs typeface="+mn-cs"/>
-              </a:defRPr>
-            </a:lvl7pPr>
-            <a:lvl8pPr marL="3200400" indent="0" algn="l" defTabSz="914400" rtl="0" eaLnBrk="1" latinLnBrk="0" hangingPunct="1">
-              <a:lnSpc>
-                <a:spcPct val="90000"/>
-              </a:lnSpc>
-              <a:spcBef>
-                <a:spcPts val="500"/>
-              </a:spcBef>
-              <a:buFont typeface="Arial" panose="020B0604020202020204" pitchFamily="34" charset="0"/>
-              <a:buNone/>
-              <a:defRPr sz="1600" kern="1200">
-                <a:solidFill>
-                  <a:schemeClr val="tx1">
-                    <a:tint val="75000"/>
-                  </a:schemeClr>
-                </a:solidFill>
-                <a:latin typeface="+mn-lt"/>
-                <a:ea typeface="+mn-ea"/>
-                <a:cs typeface="+mn-cs"/>
-              </a:defRPr>
-            </a:lvl8pPr>
-            <a:lvl9pPr marL="3657600" indent="0" algn="l" defTabSz="914400" rtl="0" eaLnBrk="1" latinLnBrk="0" hangingPunct="1">
-              <a:lnSpc>
-                <a:spcPct val="90000"/>
-              </a:lnSpc>
-              <a:spcBef>
-                <a:spcPts val="500"/>
-              </a:spcBef>
-              <a:buFont typeface="Arial" panose="020B0604020202020204" pitchFamily="34" charset="0"/>
-              <a:buNone/>
-              <a:defRPr sz="1600" kern="1200">
-                <a:solidFill>
-                  <a:schemeClr val="tx1">
-                    <a:tint val="75000"/>
-                  </a:schemeClr>
-                </a:solidFill>
-                <a:latin typeface="+mn-lt"/>
-                <a:ea typeface="+mn-ea"/>
-                <a:cs typeface="+mn-cs"/>
-              </a:defRPr>
-            </a:lvl9pPr>
-          </a:lstStyle>
-          <a:p>
-            <a:pPr marL="285750" indent="-285750">
-              <a:buFont typeface="Arial" panose="020B0604020202020204" pitchFamily="34" charset="0"/>
-              <a:buChar char="•"/>
-            </a:pPr>
-            <a:r>
-              <a:rPr lang="zh-CN" altLang="en-US" dirty="0"/>
-              <a:t>请实现代码</a:t>
-            </a:r>
-            <a:endParaRPr lang="en-US" altLang="zh-CN" dirty="0"/>
-          </a:p>
-          <a:p>
-            <a:pPr marL="285750" indent="-285750">
-              <a:buFont typeface="Arial" panose="020B0604020202020204" pitchFamily="34" charset="0"/>
-              <a:buChar char="•"/>
-            </a:pPr>
-            <a:r>
-              <a:rPr lang="zh-CN" altLang="en-US" dirty="0"/>
-              <a:t>请每个同学运行代码</a:t>
-            </a:r>
-            <a:endParaRPr lang="en-US" altLang="zh-CN" dirty="0"/>
-          </a:p>
-          <a:p>
-            <a:pPr marL="742950" lvl="1" indent="-285750">
-              <a:buFont typeface="Arial" panose="020B0604020202020204" pitchFamily="34" charset="0"/>
-              <a:buChar char="•"/>
-            </a:pPr>
-            <a:r>
-              <a:rPr lang="zh-CN" altLang="en-US" dirty="0"/>
-              <a:t>有无警告？</a:t>
-            </a:r>
-            <a:endParaRPr lang="en-US" altLang="zh-CN" dirty="0"/>
-          </a:p>
-          <a:p>
-            <a:pPr marL="742950" lvl="1" indent="-285750">
-              <a:buFont typeface="Arial" panose="020B0604020202020204" pitchFamily="34" charset="0"/>
-              <a:buChar char="•"/>
-            </a:pPr>
-            <a:r>
-              <a:rPr lang="zh-CN" altLang="en-US" dirty="0"/>
-              <a:t>与之前的代码相比，</a:t>
-            </a:r>
-            <a:r>
-              <a:rPr lang="en-US" altLang="zh-CN" dirty="0"/>
-              <a:t>loss</a:t>
-            </a:r>
-            <a:r>
-              <a:rPr lang="zh-CN" altLang="en-US" dirty="0"/>
-              <a:t>的训练速度是否加快？</a:t>
-            </a:r>
-            <a:endParaRPr lang="en-US" altLang="zh-CN" dirty="0"/>
-          </a:p>
-          <a:p>
-            <a:pPr marL="742950" lvl="1" indent="-285750">
-              <a:buFont typeface="Arial" panose="020B0604020202020204" pitchFamily="34" charset="0"/>
-              <a:buChar char="•"/>
-            </a:pPr>
-            <a:endParaRPr lang="en-US" altLang="zh-CN" dirty="0"/>
-          </a:p>
-          <a:p>
-            <a:pPr marL="285750" indent="-285750">
-              <a:buFont typeface="Arial" panose="020B0604020202020204" pitchFamily="34" charset="0"/>
-              <a:buChar char="•"/>
-            </a:pPr>
-            <a:r>
-              <a:rPr lang="zh-CN" altLang="en-US" dirty="0"/>
-              <a:t>自学、展学</a:t>
-            </a:r>
-          </a:p>
-          <a:p>
-            <a:pPr marL="285750" indent="-285750">
-              <a:buFont typeface="Arial" panose="020B0604020202020204" pitchFamily="34" charset="0"/>
-              <a:buChar char="•"/>
-            </a:pPr>
-            <a:endParaRPr lang="zh-CN" altLang="en-US" dirty="0"/>
-          </a:p>
-          <a:p>
-            <a:pPr marL="285750" indent="-285750">
-              <a:buFont typeface="Arial" panose="020B0604020202020204" pitchFamily="34" charset="0"/>
-              <a:buChar char="•"/>
-            </a:pPr>
-            <a:endParaRPr lang="zh-CN" altLang="en-US" dirty="0"/>
-          </a:p>
-          <a:p>
-            <a:pPr marL="285750" indent="-285750">
-              <a:buFont typeface="Arial" panose="020B0604020202020204" pitchFamily="34" charset="0"/>
-              <a:buChar char="•"/>
-            </a:pPr>
-            <a:endParaRPr lang="zh-CN" altLang="en-US" dirty="0"/>
-          </a:p>
-          <a:p>
-            <a:pPr marL="285750" indent="-285750">
-              <a:buFont typeface="Arial" panose="020B0604020202020204" pitchFamily="34" charset="0"/>
-              <a:buChar char="•"/>
-            </a:pPr>
-            <a:endParaRPr lang="zh-CN" altLang="en-US" dirty="0"/>
-          </a:p>
-          <a:p>
-            <a:pPr marL="285750" indent="-285750">
-              <a:buFont typeface="Arial" panose="020B0604020202020204" pitchFamily="34" charset="0"/>
-              <a:buChar char="•"/>
-            </a:pPr>
-            <a:endParaRPr lang="zh-CN" altLang="en-US" dirty="0"/>
-          </a:p>
-          <a:p>
-            <a:pPr marL="285750" indent="-285750">
-              <a:buFont typeface="Arial" panose="020B0604020202020204" pitchFamily="34" charset="0"/>
-              <a:buChar char="•"/>
-            </a:pPr>
-            <a:endParaRPr lang="zh-CN" altLang="en-US" dirty="0"/>
-          </a:p>
-          <a:p>
-            <a:pPr marL="285750" indent="-285750">
-              <a:buFont typeface="Arial" panose="020B0604020202020204" pitchFamily="34" charset="0"/>
-              <a:buChar char="•"/>
-            </a:pPr>
-            <a:endParaRPr lang="zh-CN" altLang="en-US" dirty="0"/>
-          </a:p>
-        </p:txBody>
-      </p:sp>
-    </p:spTree>
-    <p:custDataLst>
-      <p:tags r:id="rId1"/>
-    </p:custDataLst>
-    <p:extLst>
-      <p:ext uri="{BB962C8B-B14F-4D97-AF65-F5344CB8AC3E}">
-        <p14:creationId xmlns:p14="http://schemas.microsoft.com/office/powerpoint/2010/main" val="3391474740"/>
-      </p:ext>
-    </p:extLst>
-  </p:cSld>
-  <p:clrMapOvr>
-    <a:masterClrMapping/>
-  </p:clrMapOvr>
-  <p:timing>
-    <p:tnLst>
-      <p:par>
-        <p:cTn id="1" dur="indefinite" restart="never" nodeType="tmRoot">
-          <p:childTnLst>
-            <p:seq concurrent="1" nextAc="seek">
-              <p:cTn id="2" dur="indefinite" nodeType="mainSeq">
-                <p:childTnLst>
-                  <p:par>
-                    <p:cTn id="3" fill="hold">
-                      <p:stCondLst>
-                        <p:cond delay="indefinite"/>
-                      </p:stCondLst>
-                      <p:childTnLst>
-                        <p:par>
-                          <p:cTn id="4" fill="hold">
-                            <p:stCondLst>
-                              <p:cond delay="0"/>
-                            </p:stCondLst>
-                            <p:childTnLst>
-                              <p:par>
-                                <p:cTn id="5" presetID="1" presetClass="entr" presetSubtype="0" fill="hold" grpId="0" nodeType="clickEffect">
-                                  <p:stCondLst>
-                                    <p:cond delay="0"/>
-                                  </p:stCondLst>
-                                  <p:childTnLst>
-                                    <p:set>
-                                      <p:cBhvr>
-                                        <p:cTn id="6" dur="1" fill="hold">
-                                          <p:stCondLst>
-                                            <p:cond delay="0"/>
-                                          </p:stCondLst>
-                                        </p:cTn>
-                                        <p:tgtEl>
-                                          <p:spTgt spid="6"/>
-                                        </p:tgtEl>
-                                        <p:attrNameLst>
-                                          <p:attrName>style.visibility</p:attrName>
-                                        </p:attrNameLst>
-                                      </p:cBhvr>
-                                      <p:to>
-                                        <p:strVal val="visible"/>
-                                      </p:to>
-                                    </p:set>
-                                  </p:childTnLst>
-                                </p:cTn>
-                              </p:par>
-                            </p:childTnLst>
-                          </p:cTn>
-                        </p:par>
-                      </p:childTnLst>
-                    </p:cTn>
-                  </p:par>
-                </p:childTnLst>
-              </p:cTn>
-              <p:prevCondLst>
-                <p:cond evt="onPrev" delay="0">
-                  <p:tgtEl>
-                    <p:sldTgt/>
-                  </p:tgtEl>
-                </p:cond>
-              </p:prevCondLst>
-              <p:nextCondLst>
-                <p:cond evt="onNext" delay="0">
-                  <p:tgtEl>
-                    <p:sldTgt/>
-                  </p:tgtEl>
-                </p:cond>
-              </p:nextCondLst>
-            </p:seq>
-          </p:childTnLst>
-        </p:cTn>
-      </p:par>
-    </p:tnLst>
-    <p:bldLst>
-      <p:bldP spid="6" grpId="0"/>
-    </p:bldLst>
-  </p:timing>
-</p:sld>
-</file>
-
-<file path=ppt/slides/slide23.xml><?xml version="1.0" encoding="utf-8"?>
-<p:sld xmlns:a="http://schemas.openxmlformats.org/drawingml/2006/main" xmlns:r="http://schemas.openxmlformats.org/officeDocument/2006/relationships" xmlns:p="http://schemas.openxmlformats.org/presentationml/2006/main">
-  <p:cSld>
-    <p:spTree>
-      <p:nvGrpSpPr>
-        <p:cNvPr id="1" name=""/>
-        <p:cNvGrpSpPr/>
-        <p:nvPr/>
-      </p:nvGrpSpPr>
-      <p:grpSpPr>
-        <a:xfrm>
-          <a:off x="0" y="0"/>
-          <a:ext cx="0" cy="0"/>
-          <a:chOff x="0" y="0"/>
-          <a:chExt cx="0" cy="0"/>
-        </a:xfrm>
-      </p:grpSpPr>
-      <p:sp>
-        <p:nvSpPr>
-          <p:cNvPr id="2" name="标题 1"/>
-          <p:cNvSpPr>
-            <a:spLocks noGrp="1"/>
-          </p:cNvSpPr>
-          <p:nvPr>
-            <p:ph type="title"/>
-          </p:nvPr>
-        </p:nvSpPr>
-        <p:spPr/>
-        <p:txBody>
-          <a:bodyPr/>
-          <a:lstStyle/>
-          <a:p>
-            <a:r>
-              <a:rPr lang="zh-CN" altLang="en-US" dirty="0">
-                <a:sym typeface="+mn-ea"/>
-              </a:rPr>
-              <a:t>任务：</a:t>
-            </a:r>
-            <a:r>
-              <a:rPr lang="zh-CN" altLang="en-US" dirty="0"/>
-              <a:t>改进代码</a:t>
-            </a:r>
-          </a:p>
-        </p:txBody>
-      </p:sp>
-    </p:spTree>
-    <p:custDataLst>
-      <p:tags r:id="rId1"/>
-    </p:custDataLst>
-    <p:extLst>
-      <p:ext uri="{BB962C8B-B14F-4D97-AF65-F5344CB8AC3E}">
-        <p14:creationId xmlns:p14="http://schemas.microsoft.com/office/powerpoint/2010/main" val="2400914644"/>
-      </p:ext>
-    </p:extLst>
-  </p:cSld>
-  <p:clrMapOvr>
-    <a:masterClrMapping/>
-  </p:clrMapOvr>
-</p:sld>
-</file>
-
-<file path=ppt/slides/slide24.xml><?xml version="1.0" encoding="utf-8"?>
-<p:sld xmlns:a="http://schemas.openxmlformats.org/drawingml/2006/main" xmlns:r="http://schemas.openxmlformats.org/officeDocument/2006/relationships" xmlns:p="http://schemas.openxmlformats.org/presentationml/2006/main">
-  <p:cSld>
-    <p:spTree>
-      <p:nvGrpSpPr>
-        <p:cNvPr id="1" name=""/>
-        <p:cNvGrpSpPr/>
-        <p:nvPr/>
-      </p:nvGrpSpPr>
-      <p:grpSpPr>
-        <a:xfrm>
-          <a:off x="0" y="0"/>
-          <a:ext cx="0" cy="0"/>
-          <a:chOff x="0" y="0"/>
-          <a:chExt cx="0" cy="0"/>
-        </a:xfrm>
-      </p:grpSpPr>
-      <p:sp>
-        <p:nvSpPr>
-          <p:cNvPr id="3" name="标题 2"/>
-          <p:cNvSpPr>
-            <a:spLocks noGrp="1"/>
-          </p:cNvSpPr>
-          <p:nvPr>
-            <p:ph type="title"/>
-          </p:nvPr>
-        </p:nvSpPr>
-        <p:spPr/>
-        <p:txBody>
-          <a:bodyPr/>
-          <a:lstStyle/>
-          <a:p>
-            <a:r>
-              <a:rPr lang="zh-CN" altLang="en-US" dirty="0">
-                <a:sym typeface="+mn-ea"/>
-              </a:rPr>
-              <a:t>任务：</a:t>
-            </a:r>
-            <a:r>
-              <a:rPr lang="zh-CN" altLang="en-US" dirty="0"/>
-              <a:t>改进代码</a:t>
-            </a:r>
-            <a:endParaRPr dirty="0">
-              <a:sym typeface="+mn-ea"/>
-            </a:endParaRPr>
-          </a:p>
-        </p:txBody>
-      </p:sp>
-      <p:sp>
-        <p:nvSpPr>
-          <p:cNvPr id="6" name="文本占位符 1">
-            <a:extLst>
-              <a:ext uri="{FF2B5EF4-FFF2-40B4-BE49-F238E27FC236}">
-                <a16:creationId xmlns:a16="http://schemas.microsoft.com/office/drawing/2014/main" id="{BA88068A-4FDC-6963-46A5-ADEC46CDA15E}"/>
-              </a:ext>
-            </a:extLst>
-          </p:cNvPr>
-          <p:cNvSpPr txBox="1">
-            <a:spLocks/>
-          </p:cNvSpPr>
-          <p:nvPr/>
-        </p:nvSpPr>
-        <p:spPr>
-          <a:xfrm>
-            <a:off x="822325" y="1778635"/>
-            <a:ext cx="10852150" cy="4553585"/>
-          </a:xfrm>
-        </p:spPr>
-        <p:txBody>
-          <a:bodyPr lIns="101600" tIns="38100" rIns="76200" bIns="38100">
-            <a:noAutofit/>
-          </a:bodyPr>
-          <a:lstStyle>
-            <a:lvl1pPr marL="0" indent="0" algn="l" defTabSz="914400" rtl="0" eaLnBrk="1" fontAlgn="auto" latinLnBrk="0" hangingPunct="1">
-              <a:lnSpc>
-                <a:spcPct val="130000"/>
-              </a:lnSpc>
-              <a:spcBef>
-                <a:spcPts val="0"/>
-              </a:spcBef>
-              <a:spcAft>
-                <a:spcPts val="1000"/>
-              </a:spcAft>
-              <a:buFont typeface="Arial" panose="020B0604020202020204" pitchFamily="34" charset="0"/>
-              <a:buNone/>
-              <a:defRPr kumimoji="0" lang="zh-CN" altLang="en-US" sz="1600" b="0" i="0" u="none" strike="noStrike" kern="1200" cap="none" spc="150" normalizeH="0" baseline="0" noProof="1">
-                <a:solidFill>
-                  <a:schemeClr val="tx1"/>
-                </a:solidFill>
-                <a:uFillTx/>
-                <a:latin typeface="+mn-lt"/>
-                <a:ea typeface="+mn-ea"/>
-                <a:cs typeface="+mn-cs"/>
-                <a:sym typeface="+mn-ea"/>
-              </a:defRPr>
-            </a:lvl1pPr>
-            <a:lvl2pPr marL="457200" indent="0" algn="l" defTabSz="914400" rtl="0" eaLnBrk="1" fontAlgn="auto" latinLnBrk="0" hangingPunct="1">
-              <a:lnSpc>
-                <a:spcPct val="130000"/>
-              </a:lnSpc>
-              <a:spcBef>
-                <a:spcPts val="0"/>
-              </a:spcBef>
-              <a:spcAft>
-                <a:spcPts val="1000"/>
-              </a:spcAft>
-              <a:buFont typeface="Arial" panose="020B0604020202020204" pitchFamily="34" charset="0"/>
-              <a:buNone/>
-              <a:tabLst>
-                <a:tab pos="1609725" algn="l"/>
-              </a:tabLst>
-              <a:defRPr sz="2000" u="none" strike="noStrike" kern="1200" cap="none" spc="150" normalizeH="0" baseline="0">
-                <a:solidFill>
-                  <a:schemeClr val="tx1">
-                    <a:tint val="75000"/>
-                  </a:schemeClr>
-                </a:solidFill>
-                <a:uFillTx/>
-                <a:latin typeface="+mn-lt"/>
-                <a:ea typeface="+mn-ea"/>
-                <a:cs typeface="+mn-cs"/>
-              </a:defRPr>
-            </a:lvl2pPr>
-            <a:lvl3pPr marL="914400" indent="0" algn="l" defTabSz="914400" rtl="0" eaLnBrk="1" fontAlgn="auto" latinLnBrk="0" hangingPunct="1">
-              <a:lnSpc>
-                <a:spcPct val="130000"/>
-              </a:lnSpc>
-              <a:spcBef>
-                <a:spcPts val="0"/>
-              </a:spcBef>
-              <a:spcAft>
-                <a:spcPts val="1000"/>
-              </a:spcAft>
-              <a:buFont typeface="Arial" panose="020B0604020202020204" pitchFamily="34" charset="0"/>
-              <a:buNone/>
-              <a:defRPr sz="1800" u="none" strike="noStrike" kern="1200" cap="none" spc="150" normalizeH="0" baseline="0">
-                <a:solidFill>
-                  <a:schemeClr val="tx1">
-                    <a:tint val="75000"/>
-                  </a:schemeClr>
-                </a:solidFill>
-                <a:uFillTx/>
-                <a:latin typeface="+mn-lt"/>
-                <a:ea typeface="+mn-ea"/>
-                <a:cs typeface="+mn-cs"/>
-              </a:defRPr>
-            </a:lvl3pPr>
-            <a:lvl4pPr marL="1371600" indent="0" algn="l" defTabSz="914400" rtl="0" eaLnBrk="1" fontAlgn="auto" latinLnBrk="0" hangingPunct="1">
-              <a:lnSpc>
-                <a:spcPct val="130000"/>
-              </a:lnSpc>
-              <a:spcBef>
-                <a:spcPts val="0"/>
-              </a:spcBef>
-              <a:spcAft>
-                <a:spcPts val="1000"/>
-              </a:spcAft>
-              <a:buFont typeface="Arial" panose="020B0604020202020204" pitchFamily="34" charset="0"/>
-              <a:buNone/>
-              <a:defRPr sz="1600" u="none" strike="noStrike" kern="1200" cap="none" spc="150" normalizeH="0" baseline="0">
-                <a:solidFill>
-                  <a:schemeClr val="tx1">
-                    <a:tint val="75000"/>
-                  </a:schemeClr>
-                </a:solidFill>
-                <a:uFillTx/>
-                <a:latin typeface="+mn-lt"/>
-                <a:ea typeface="+mn-ea"/>
-                <a:cs typeface="+mn-cs"/>
-              </a:defRPr>
-            </a:lvl4pPr>
-            <a:lvl5pPr marL="1828800" indent="0" algn="l" defTabSz="914400" rtl="0" eaLnBrk="1" fontAlgn="auto" latinLnBrk="0" hangingPunct="1">
-              <a:lnSpc>
-                <a:spcPct val="130000"/>
-              </a:lnSpc>
-              <a:spcBef>
-                <a:spcPts val="0"/>
-              </a:spcBef>
-              <a:spcAft>
-                <a:spcPts val="1000"/>
-              </a:spcAft>
-              <a:buFont typeface="Arial" panose="020B0604020202020204" pitchFamily="34" charset="0"/>
-              <a:buNone/>
-              <a:defRPr sz="1600" u="none" strike="noStrike" kern="1200" cap="none" spc="150" normalizeH="0" baseline="0">
-                <a:solidFill>
-                  <a:schemeClr val="tx1">
-                    <a:tint val="75000"/>
-                  </a:schemeClr>
-                </a:solidFill>
-                <a:uFillTx/>
-                <a:latin typeface="+mn-lt"/>
-                <a:ea typeface="+mn-ea"/>
-                <a:cs typeface="+mn-cs"/>
-              </a:defRPr>
-            </a:lvl5pPr>
-            <a:lvl6pPr marL="2286000" indent="0" algn="l" defTabSz="914400" rtl="0" eaLnBrk="1" latinLnBrk="0" hangingPunct="1">
-              <a:lnSpc>
-                <a:spcPct val="90000"/>
-              </a:lnSpc>
-              <a:spcBef>
-                <a:spcPts val="500"/>
-              </a:spcBef>
-              <a:buFont typeface="Arial" panose="020B0604020202020204" pitchFamily="34" charset="0"/>
-              <a:buNone/>
-              <a:defRPr sz="1600" kern="1200">
-                <a:solidFill>
-                  <a:schemeClr val="tx1">
-                    <a:tint val="75000"/>
-                  </a:schemeClr>
-                </a:solidFill>
-                <a:latin typeface="+mn-lt"/>
-                <a:ea typeface="+mn-ea"/>
-                <a:cs typeface="+mn-cs"/>
-              </a:defRPr>
-            </a:lvl6pPr>
-            <a:lvl7pPr marL="2743200" indent="0" algn="l" defTabSz="914400" rtl="0" eaLnBrk="1" latinLnBrk="0" hangingPunct="1">
-              <a:lnSpc>
-                <a:spcPct val="90000"/>
-              </a:lnSpc>
-              <a:spcBef>
-                <a:spcPts val="500"/>
-              </a:spcBef>
-              <a:buFont typeface="Arial" panose="020B0604020202020204" pitchFamily="34" charset="0"/>
-              <a:buNone/>
-              <a:defRPr sz="1600" kern="1200">
-                <a:solidFill>
-                  <a:schemeClr val="tx1">
-                    <a:tint val="75000"/>
-                  </a:schemeClr>
-                </a:solidFill>
-                <a:latin typeface="+mn-lt"/>
-                <a:ea typeface="+mn-ea"/>
-                <a:cs typeface="+mn-cs"/>
-              </a:defRPr>
-            </a:lvl7pPr>
-            <a:lvl8pPr marL="3200400" indent="0" algn="l" defTabSz="914400" rtl="0" eaLnBrk="1" latinLnBrk="0" hangingPunct="1">
-              <a:lnSpc>
-                <a:spcPct val="90000"/>
-              </a:lnSpc>
-              <a:spcBef>
-                <a:spcPts val="500"/>
-              </a:spcBef>
-              <a:buFont typeface="Arial" panose="020B0604020202020204" pitchFamily="34" charset="0"/>
-              <a:buNone/>
-              <a:defRPr sz="1600" kern="1200">
-                <a:solidFill>
-                  <a:schemeClr val="tx1">
-                    <a:tint val="75000"/>
-                  </a:schemeClr>
-                </a:solidFill>
-                <a:latin typeface="+mn-lt"/>
-                <a:ea typeface="+mn-ea"/>
-                <a:cs typeface="+mn-cs"/>
-              </a:defRPr>
-            </a:lvl8pPr>
-            <a:lvl9pPr marL="3657600" indent="0" algn="l" defTabSz="914400" rtl="0" eaLnBrk="1" latinLnBrk="0" hangingPunct="1">
-              <a:lnSpc>
-                <a:spcPct val="90000"/>
-              </a:lnSpc>
-              <a:spcBef>
-                <a:spcPts val="500"/>
-              </a:spcBef>
-              <a:buFont typeface="Arial" panose="020B0604020202020204" pitchFamily="34" charset="0"/>
-              <a:buNone/>
-              <a:defRPr sz="1600" kern="1200">
-                <a:solidFill>
-                  <a:schemeClr val="tx1">
-                    <a:tint val="75000"/>
-                  </a:schemeClr>
-                </a:solidFill>
-                <a:latin typeface="+mn-lt"/>
-                <a:ea typeface="+mn-ea"/>
-                <a:cs typeface="+mn-cs"/>
-              </a:defRPr>
-            </a:lvl9pPr>
-          </a:lstStyle>
-          <a:p>
-            <a:pPr marL="285750" indent="-285750">
-              <a:buFont typeface="Arial" panose="020B0604020202020204" pitchFamily="34" charset="0"/>
-              <a:buChar char="•"/>
-            </a:pPr>
-            <a:r>
-              <a:rPr lang="zh-CN" altLang="en-US" dirty="0"/>
-              <a:t>如何改进代码？</a:t>
-            </a:r>
-            <a:endParaRPr lang="en-US" altLang="zh-CN" dirty="0"/>
-          </a:p>
-          <a:p>
-            <a:pPr marL="285750" indent="-285750">
-              <a:buFont typeface="Arial" panose="020B0604020202020204" pitchFamily="34" charset="0"/>
-              <a:buChar char="•"/>
-            </a:pPr>
-            <a:r>
-              <a:rPr lang="zh-CN" altLang="en-US" dirty="0"/>
-              <a:t>将输出层的学习率变小为</a:t>
-            </a:r>
-            <a:r>
-              <a:rPr lang="en-US" altLang="zh-CN" dirty="0"/>
-              <a:t>1.0</a:t>
-            </a:r>
-            <a:r>
-              <a:rPr lang="zh-CN" altLang="en-US" dirty="0"/>
-              <a:t>，再次运行代码，看下是否解决了问题</a:t>
-            </a:r>
-            <a:endParaRPr lang="en-US" altLang="zh-CN" dirty="0"/>
-          </a:p>
-          <a:p>
-            <a:pPr marL="285750" indent="-285750">
-              <a:buFont typeface="Arial" panose="020B0604020202020204" pitchFamily="34" charset="0"/>
-              <a:buChar char="•"/>
-            </a:pPr>
-            <a:r>
-              <a:rPr lang="zh-CN" altLang="en-US" dirty="0"/>
-              <a:t>为什么需要将输出层的学习率变小？</a:t>
-            </a:r>
-            <a:endParaRPr lang="en-US" altLang="zh-CN" dirty="0"/>
-          </a:p>
-          <a:p>
-            <a:pPr marL="285750" indent="-285750">
-              <a:buFont typeface="Arial" panose="020B0604020202020204" pitchFamily="34" charset="0"/>
-              <a:buChar char="•"/>
-            </a:pPr>
-            <a:r>
-              <a:rPr lang="zh-CN" altLang="en-US" dirty="0"/>
-              <a:t>为什么“输出层的学习率过大”会发生警告：隐藏层的输出过大？</a:t>
-            </a:r>
-            <a:br>
-              <a:rPr lang="en-US" altLang="zh-CN" dirty="0"/>
-            </a:br>
-            <a:r>
-              <a:rPr lang="en-US" altLang="zh-CN" dirty="0"/>
-              <a:t>TODO layer3 learn rate too large -&gt; wMatrixBetweenLayer2Layer3 large -&gt; \delta layer2 too large -&gt; wMatrixBetweenLayer1Layer2 too large</a:t>
-            </a:r>
-          </a:p>
-          <a:p>
-            <a:endParaRPr lang="en-US" altLang="zh-CN" dirty="0"/>
-          </a:p>
-          <a:p>
-            <a:pPr marL="285750" indent="-285750">
-              <a:buFont typeface="Arial" panose="020B0604020202020204" pitchFamily="34" charset="0"/>
-              <a:buChar char="•"/>
-            </a:pPr>
-            <a:endParaRPr lang="en-US" altLang="zh-CN" dirty="0"/>
-          </a:p>
-          <a:p>
-            <a:pPr marL="285750" indent="-285750">
-              <a:buFont typeface="Arial" panose="020B0604020202020204" pitchFamily="34" charset="0"/>
-              <a:buChar char="•"/>
-            </a:pPr>
-            <a:endParaRPr lang="en-US" altLang="zh-CN" dirty="0"/>
-          </a:p>
-          <a:p>
-            <a:pPr marL="285750" indent="-285750">
-              <a:buFont typeface="Arial" panose="020B0604020202020204" pitchFamily="34" charset="0"/>
-              <a:buChar char="•"/>
-            </a:pPr>
-            <a:endParaRPr lang="en-US" altLang="zh-CN" dirty="0"/>
-          </a:p>
-          <a:p>
-            <a:pPr marL="285750" indent="-285750">
-              <a:buFont typeface="Arial" panose="020B0604020202020204" pitchFamily="34" charset="0"/>
-              <a:buChar char="•"/>
-            </a:pPr>
-            <a:r>
-              <a:rPr lang="zh-CN" altLang="en-US" dirty="0"/>
-              <a:t>自学、展学</a:t>
-            </a:r>
-          </a:p>
-          <a:p>
-            <a:pPr marL="285750" indent="-285750">
-              <a:buFont typeface="Arial" panose="020B0604020202020204" pitchFamily="34" charset="0"/>
-              <a:buChar char="•"/>
-            </a:pPr>
-            <a:endParaRPr lang="zh-CN" altLang="en-US" dirty="0"/>
-          </a:p>
-          <a:p>
-            <a:pPr marL="285750" indent="-285750">
-              <a:buFont typeface="Arial" panose="020B0604020202020204" pitchFamily="34" charset="0"/>
-              <a:buChar char="•"/>
-            </a:pPr>
-            <a:endParaRPr lang="en-US" altLang="zh-CN" dirty="0"/>
-          </a:p>
-          <a:p>
-            <a:pPr marL="285750" indent="-285750">
-              <a:buFont typeface="Arial" panose="020B0604020202020204" pitchFamily="34" charset="0"/>
-              <a:buChar char="•"/>
-            </a:pPr>
-            <a:endParaRPr lang="zh-CN" altLang="en-US" dirty="0"/>
-          </a:p>
-          <a:p>
-            <a:pPr marL="285750" indent="-285750">
-              <a:buFont typeface="Arial" panose="020B0604020202020204" pitchFamily="34" charset="0"/>
-              <a:buChar char="•"/>
-            </a:pPr>
-            <a:endParaRPr lang="zh-CN" altLang="en-US" dirty="0"/>
-          </a:p>
-          <a:p>
-            <a:pPr marL="285750" indent="-285750">
-              <a:buFont typeface="Arial" panose="020B0604020202020204" pitchFamily="34" charset="0"/>
-              <a:buChar char="•"/>
-            </a:pPr>
-            <a:endParaRPr lang="zh-CN" altLang="en-US" dirty="0"/>
-          </a:p>
-          <a:p>
-            <a:pPr marL="285750" indent="-285750">
-              <a:buFont typeface="Arial" panose="020B0604020202020204" pitchFamily="34" charset="0"/>
-              <a:buChar char="•"/>
-            </a:pPr>
-            <a:endParaRPr lang="zh-CN" altLang="en-US" dirty="0"/>
-          </a:p>
-          <a:p>
-            <a:pPr marL="285750" indent="-285750">
-              <a:buFont typeface="Arial" panose="020B0604020202020204" pitchFamily="34" charset="0"/>
-              <a:buChar char="•"/>
-            </a:pPr>
-            <a:endParaRPr lang="zh-CN" altLang="en-US" dirty="0"/>
-          </a:p>
-          <a:p>
-            <a:pPr marL="285750" indent="-285750">
-              <a:buFont typeface="Arial" panose="020B0604020202020204" pitchFamily="34" charset="0"/>
-              <a:buChar char="•"/>
-            </a:pPr>
-            <a:endParaRPr lang="zh-CN" altLang="en-US" dirty="0"/>
-          </a:p>
-          <a:p>
-            <a:pPr marL="285750" indent="-285750">
-              <a:buFont typeface="Arial" panose="020B0604020202020204" pitchFamily="34" charset="0"/>
-              <a:buChar char="•"/>
-            </a:pPr>
-            <a:endParaRPr lang="zh-CN" altLang="en-US" dirty="0"/>
-          </a:p>
-        </p:txBody>
-      </p:sp>
-      <p:sp>
-        <p:nvSpPr>
-          <p:cNvPr id="2" name="文本框 1">
-            <a:extLst>
-              <a:ext uri="{FF2B5EF4-FFF2-40B4-BE49-F238E27FC236}">
-                <a16:creationId xmlns:a16="http://schemas.microsoft.com/office/drawing/2014/main" id="{C44CE5FF-F5B7-EE3A-4FA0-0237E0B59B4F}"/>
-              </a:ext>
-            </a:extLst>
-          </p:cNvPr>
-          <p:cNvSpPr txBox="1"/>
-          <p:nvPr/>
-        </p:nvSpPr>
-        <p:spPr>
-          <a:xfrm>
-            <a:off x="1051719" y="4383075"/>
-            <a:ext cx="11297705" cy="1200329"/>
-          </a:xfrm>
-          <a:prstGeom prst="rect">
-            <a:avLst/>
-          </a:prstGeom>
-          <a:noFill/>
-        </p:spPr>
-        <p:txBody>
-          <a:bodyPr wrap="square" rtlCol="0">
-            <a:spAutoFit/>
-          </a:bodyPr>
-          <a:lstStyle/>
-          <a:p>
-            <a:r>
-              <a:rPr kumimoji="1" lang="zh-CN" altLang="en-US" dirty="0"/>
-              <a:t>因为之前的输出层的激活函数是</a:t>
-            </a:r>
-            <a:r>
-              <a:rPr kumimoji="1" lang="en-US" altLang="zh-CN" dirty="0"/>
-              <a:t>sigmoid</a:t>
-            </a:r>
-            <a:r>
-              <a:rPr kumimoji="1" lang="zh-CN" altLang="en-US" dirty="0"/>
-              <a:t>，所以在求激活函数的导数时对加权和进行了缩小的处理，</a:t>
-            </a:r>
-            <a:endParaRPr kumimoji="1" lang="en-US" altLang="zh-CN" dirty="0"/>
-          </a:p>
-          <a:p>
-            <a:r>
-              <a:rPr kumimoji="1" lang="zh-CN" altLang="en-US" dirty="0"/>
-              <a:t>这样会导致输出层的误差项变小，从而导致输出层的梯度变小；</a:t>
-            </a:r>
-            <a:endParaRPr kumimoji="1" lang="en-US" altLang="zh-CN" dirty="0"/>
-          </a:p>
-          <a:p>
-            <a:r>
-              <a:rPr kumimoji="1" lang="zh-CN" altLang="en-US" dirty="0"/>
-              <a:t>而现在激活函数换成</a:t>
-            </a:r>
-            <a:r>
-              <a:rPr kumimoji="1" lang="en-US" altLang="zh-CN" dirty="0" err="1"/>
-              <a:t>softmax</a:t>
-            </a:r>
-            <a:r>
-              <a:rPr kumimoji="1" lang="zh-CN" altLang="en-US" dirty="0"/>
-              <a:t>后，在求激活函数的导数时就没有对加权和进行缩小处理了，所以输出层的梯度就变大了，所以学习率就要对应地变小，从而使得梯度下降公式中的权重值的变化范围维持不变。</a:t>
-            </a:r>
-          </a:p>
-        </p:txBody>
-      </p:sp>
-    </p:spTree>
-    <p:custDataLst>
-      <p:tags r:id="rId1"/>
-    </p:custDataLst>
-    <p:extLst>
-      <p:ext uri="{BB962C8B-B14F-4D97-AF65-F5344CB8AC3E}">
-        <p14:creationId xmlns:p14="http://schemas.microsoft.com/office/powerpoint/2010/main" val="1180362079"/>
-      </p:ext>
-    </p:extLst>
-  </p:cSld>
-  <p:clrMapOvr>
-    <a:masterClrMapping/>
-  </p:clrMapOvr>
-  <p:timing>
-    <p:tnLst>
-      <p:par>
-        <p:cTn id="1" dur="indefinite" restart="never" nodeType="tmRoot">
-          <p:childTnLst>
-            <p:seq concurrent="1" nextAc="seek">
-              <p:cTn id="2" dur="indefinite" nodeType="mainSeq">
-                <p:childTnLst>
-                  <p:par>
-                    <p:cTn id="3" fill="hold">
-                      <p:stCondLst>
-                        <p:cond delay="indefinite"/>
-                      </p:stCondLst>
-                      <p:childTnLst>
-                        <p:par>
-                          <p:cTn id="4" fill="hold">
-                            <p:stCondLst>
-                              <p:cond delay="0"/>
-                            </p:stCondLst>
-                            <p:childTnLst>
-                              <p:par>
-                                <p:cTn id="5" presetID="1" presetClass="entr" presetSubtype="0" fill="hold" grpId="0" nodeType="clickEffect">
-                                  <p:stCondLst>
-                                    <p:cond delay="0"/>
-                                  </p:stCondLst>
-                                  <p:childTnLst>
-                                    <p:set>
-                                      <p:cBhvr>
-                                        <p:cTn id="6" dur="1" fill="hold">
-                                          <p:stCondLst>
-                                            <p:cond delay="0"/>
-                                          </p:stCondLst>
-                                        </p:cTn>
-                                        <p:tgtEl>
-                                          <p:spTgt spid="6"/>
-                                        </p:tgtEl>
-                                        <p:attrNameLst>
-                                          <p:attrName>style.visibility</p:attrName>
-                                        </p:attrNameLst>
-                                      </p:cBhvr>
-                                      <p:to>
-                                        <p:strVal val="visible"/>
-                                      </p:to>
-                                    </p:set>
-                                  </p:childTnLst>
-                                </p:cTn>
-                              </p:par>
-                            </p:childTnLst>
-                          </p:cTn>
-                        </p:par>
-                      </p:childTnLst>
-                    </p:cTn>
-                  </p:par>
-                </p:childTnLst>
-              </p:cTn>
-              <p:prevCondLst>
-                <p:cond evt="onPrev" delay="0">
-                  <p:tgtEl>
-                    <p:sldTgt/>
-                  </p:tgtEl>
-                </p:cond>
-              </p:prevCondLst>
-              <p:nextCondLst>
-                <p:cond evt="onNext" delay="0">
-                  <p:tgtEl>
-                    <p:sldTgt/>
-                  </p:tgtEl>
-                </p:cond>
-              </p:nextCondLst>
-            </p:seq>
-          </p:childTnLst>
-        </p:cTn>
-      </p:par>
-    </p:tnLst>
-    <p:bldLst>
-      <p:bldP spid="6" grpId="0"/>
-    </p:bldLst>
-  </p:timing>
-</p:sld>
-</file>
-
-<file path=ppt/slides/slide25.xml><?xml version="1.0" encoding="utf-8"?>
-<p:sld xmlns:a="http://schemas.openxmlformats.org/drawingml/2006/main" xmlns:r="http://schemas.openxmlformats.org/officeDocument/2006/relationships" xmlns:p="http://schemas.openxmlformats.org/presentationml/2006/main">
-  <p:cSld>
-    <p:spTree>
-      <p:nvGrpSpPr>
-        <p:cNvPr id="1" name=""/>
-        <p:cNvGrpSpPr/>
-        <p:nvPr/>
-      </p:nvGrpSpPr>
-      <p:grpSpPr>
-        <a:xfrm>
-          <a:off x="0" y="0"/>
-          <a:ext cx="0" cy="0"/>
-          <a:chOff x="0" y="0"/>
-          <a:chExt cx="0" cy="0"/>
-        </a:xfrm>
-      </p:grpSpPr>
-      <p:sp>
-        <p:nvSpPr>
-          <p:cNvPr id="2" name="标题 1"/>
-          <p:cNvSpPr>
-            <a:spLocks noGrp="1"/>
-          </p:cNvSpPr>
-          <p:nvPr>
-            <p:ph type="title"/>
-          </p:nvPr>
-        </p:nvSpPr>
-        <p:spPr/>
-        <p:txBody>
-          <a:bodyPr/>
-          <a:lstStyle/>
-          <a:p>
-            <a:r>
               <a:rPr lang="zh-CN" altLang="en-US"/>
               <a:t>总结</a:t>
             </a:r>
@@ -12492,7 +8903,7 @@
 </p:sld>
 </file>
 
-<file path=ppt/slides/slide26.xml><?xml version="1.0" encoding="utf-8"?>
+<file path=ppt/slides/slide16.xml><?xml version="1.0" encoding="utf-8"?>
 <p:sld xmlns:a="http://schemas.openxmlformats.org/drawingml/2006/main" xmlns:r="http://schemas.openxmlformats.org/officeDocument/2006/relationships" xmlns:p="http://schemas.openxmlformats.org/presentationml/2006/main">
   <p:cSld>
     <p:spTree>
@@ -12802,7 +9213,7 @@
 </p:sld>
 </file>
 
-<file path=ppt/slides/slide27.xml><?xml version="1.0" encoding="utf-8"?>
+<file path=ppt/slides/slide17.xml><?xml version="1.0" encoding="utf-8"?>
 <p:sld xmlns:a="http://schemas.openxmlformats.org/drawingml/2006/main" xmlns:r="http://schemas.openxmlformats.org/officeDocument/2006/relationships" xmlns:p="http://schemas.openxmlformats.org/presentationml/2006/main">
   <p:cSld>
     <p:spTree>
@@ -12839,12 +9250,51 @@
               <a:buChar char="•"/>
             </a:pPr>
             <a:r>
-              <a:rPr lang="en" dirty="0">
+              <a:rPr lang="en-US" altLang="zh-CN" dirty="0">
                 <a:sym typeface="+mn-ea"/>
                 <a:hlinkClick r:id="rId3"/>
               </a:rPr>
-              <a:t>Improving the way neural networks learn</a:t>
-            </a:r>
+              <a:t>11.5. </a:t>
+            </a:r>
+            <a:r>
+              <a:rPr lang="zh-CN" altLang="en-US" dirty="0">
+                <a:sym typeface="+mn-ea"/>
+                <a:hlinkClick r:id="rId3"/>
+              </a:rPr>
+              <a:t>小批量随机梯度下降</a:t>
+            </a:r>
+            <a:endParaRPr lang="en-US" altLang="zh-CN" dirty="0">
+              <a:sym typeface="+mn-ea"/>
+            </a:endParaRPr>
+          </a:p>
+          <a:p>
+            <a:pPr marL="285750" indent="-285750">
+              <a:buFont typeface="Arial" panose="020B0604020202020204" pitchFamily="34" charset="0"/>
+              <a:buChar char="•"/>
+            </a:pPr>
+            <a:r>
+              <a:rPr lang="en" dirty="0">
+                <a:sym typeface="+mn-ea"/>
+                <a:hlinkClick r:id="rId4"/>
+              </a:rPr>
+              <a:t>mini-batch </a:t>
+            </a:r>
+            <a:r>
+              <a:rPr lang="zh-CN" altLang="en-US" dirty="0">
+                <a:sym typeface="+mn-ea"/>
+                <a:hlinkClick r:id="rId4"/>
+              </a:rPr>
+              <a:t>在优化算法中的意义</a:t>
+            </a:r>
+            <a:endParaRPr lang="en-US" altLang="zh-CN" dirty="0">
+              <a:sym typeface="+mn-ea"/>
+            </a:endParaRPr>
+          </a:p>
+          <a:p>
+            <a:pPr marL="285750" indent="-285750">
+              <a:buFont typeface="Arial" panose="020B0604020202020204" pitchFamily="34" charset="0"/>
+              <a:buChar char="•"/>
+            </a:pPr>
             <a:endParaRPr dirty="0">
               <a:sym typeface="+mn-ea"/>
             </a:endParaRPr>
@@ -12891,12 +9341,12 @@
           <a:graphicData uri="http://schemas.openxmlformats.org/presentationml/2006/ole">
             <mc:AlternateContent xmlns:mc="http://schemas.openxmlformats.org/markup-compatibility/2006">
               <mc:Choice xmlns:v="urn:schemas-microsoft-com:vml" Requires="v">
-                <p:oleObj r:id="rId4" imgW="914400" imgH="368300" progId="Equation.KSEE3">
+                <p:oleObj r:id="rId5" imgW="914400" imgH="368300" progId="Equation.KSEE3">
                   <p:embed/>
                 </p:oleObj>
               </mc:Choice>
               <mc:Fallback>
-                <p:oleObj r:id="rId4" imgW="914400" imgH="368300" progId="Equation.KSEE3">
+                <p:oleObj r:id="rId5" imgW="914400" imgH="368300" progId="Equation.KSEE3">
                   <p:embed/>
                   <p:pic>
                     <p:nvPicPr>
@@ -12907,7 +9357,7 @@
                       <p:nvPr/>
                     </p:nvPicPr>
                     <p:blipFill>
-                      <a:blip r:embed="rId5"/>
+                      <a:blip r:embed="rId6"/>
                       <a:stretch>
                         <a:fillRect/>
                       </a:stretch>
@@ -12944,7 +9394,7 @@
 </p:sld>
 </file>
 
-<file path=ppt/slides/slide28.xml><?xml version="1.0" encoding="utf-8"?>
+<file path=ppt/slides/slide18.xml><?xml version="1.0" encoding="utf-8"?>
 <p:sld xmlns:a="http://schemas.openxmlformats.org/drawingml/2006/main" xmlns:r="http://schemas.openxmlformats.org/officeDocument/2006/relationships" xmlns:p="http://schemas.openxmlformats.org/presentationml/2006/main">
   <p:cSld>
     <p:spTree>
@@ -12980,6 +9430,12 @@
               <a:buFont typeface="Arial" panose="020B0604020202020204" pitchFamily="34" charset="0"/>
               <a:buChar char="•"/>
             </a:pPr>
+            <a:r>
+              <a:rPr lang="zh-CN" altLang="en-US" dirty="0">
+                <a:sym typeface="+mn-ea"/>
+              </a:rPr>
+              <a:t>卷积层的前向和后向传播</a:t>
+            </a:r>
             <a:endParaRPr dirty="0">
               <a:sym typeface="+mn-ea"/>
             </a:endParaRPr>
@@ -13024,7 +9480,170 @@
 </p:sld>
 </file>
 
-<file path=ppt/slides/slide29.xml><?xml version="1.0" encoding="utf-8"?>
+<file path=ppt/slides/slide19.xml><?xml version="1.0" encoding="utf-8"?>
+<p:sld xmlns:a="http://schemas.openxmlformats.org/drawingml/2006/main" xmlns:r="http://schemas.openxmlformats.org/officeDocument/2006/relationships" xmlns:p="http://schemas.openxmlformats.org/presentationml/2006/main">
+  <p:cSld>
+    <p:spTree>
+      <p:nvGrpSpPr>
+        <p:cNvPr id="1" name=""/>
+        <p:cNvGrpSpPr/>
+        <p:nvPr/>
+      </p:nvGrpSpPr>
+      <p:grpSpPr>
+        <a:xfrm>
+          <a:off x="0" y="0"/>
+          <a:ext cx="0" cy="0"/>
+          <a:chOff x="0" y="0"/>
+          <a:chExt cx="0" cy="0"/>
+        </a:xfrm>
+      </p:grpSpPr>
+    </p:spTree>
+    <p:custDataLst>
+      <p:tags r:id="rId1"/>
+    </p:custDataLst>
+  </p:cSld>
+  <p:clrMapOvr>
+    <a:masterClrMapping/>
+  </p:clrMapOvr>
+</p:sld>
+</file>
+
+<file path=ppt/slides/slide2.xml><?xml version="1.0" encoding="utf-8"?>
+<p:sld xmlns:a="http://schemas.openxmlformats.org/drawingml/2006/main" xmlns:r="http://schemas.openxmlformats.org/officeDocument/2006/relationships" xmlns:p="http://schemas.openxmlformats.org/presentationml/2006/main">
+  <p:cSld>
+    <p:spTree>
+      <p:nvGrpSpPr>
+        <p:cNvPr id="1" name=""/>
+        <p:cNvGrpSpPr/>
+        <p:nvPr/>
+      </p:nvGrpSpPr>
+      <p:grpSpPr>
+        <a:xfrm>
+          <a:off x="0" y="0"/>
+          <a:ext cx="0" cy="0"/>
+          <a:chOff x="0" y="0"/>
+          <a:chExt cx="0" cy="0"/>
+        </a:xfrm>
+      </p:grpSpPr>
+      <p:sp>
+        <p:nvSpPr>
+          <p:cNvPr id="2" name="标题 1"/>
+          <p:cNvSpPr>
+            <a:spLocks noGrp="1"/>
+          </p:cNvSpPr>
+          <p:nvPr>
+            <p:ph type="title"/>
+          </p:nvPr>
+        </p:nvSpPr>
+        <p:spPr>
+          <a:xfrm>
+            <a:off x="669882" y="2108221"/>
+            <a:ext cx="10852237" cy="899167"/>
+          </a:xfrm>
+        </p:spPr>
+        <p:txBody>
+          <a:bodyPr/>
+          <a:lstStyle/>
+          <a:p>
+            <a:r>
+              <a:rPr lang="zh-CN" altLang="en-US" dirty="0"/>
+              <a:t>第七节课：</a:t>
+            </a:r>
+            <a:br>
+              <a:rPr lang="en-US" altLang="zh-CN" dirty="0"/>
+            </a:br>
+            <a:r>
+              <a:rPr lang="zh-CN" altLang="en-US" dirty="0"/>
+              <a:t>使用小批量随机梯度下降</a:t>
+            </a:r>
+          </a:p>
+        </p:txBody>
+      </p:sp>
+    </p:spTree>
+    <p:custDataLst>
+      <p:tags r:id="rId1"/>
+    </p:custDataLst>
+  </p:cSld>
+  <p:clrMapOvr>
+    <a:masterClrMapping/>
+  </p:clrMapOvr>
+</p:sld>
+</file>
+
+<file path=ppt/slides/slide20.xml><?xml version="1.0" encoding="utf-8"?>
+<p:sld xmlns:a="http://schemas.openxmlformats.org/drawingml/2006/main" xmlns:r="http://schemas.openxmlformats.org/officeDocument/2006/relationships" xmlns:p="http://schemas.openxmlformats.org/presentationml/2006/main">
+  <p:cSld>
+    <p:spTree>
+      <p:nvGrpSpPr>
+        <p:cNvPr id="1" name=""/>
+        <p:cNvGrpSpPr/>
+        <p:nvPr/>
+      </p:nvGrpSpPr>
+      <p:grpSpPr>
+        <a:xfrm>
+          <a:off x="0" y="0"/>
+          <a:ext cx="0" cy="0"/>
+          <a:chOff x="0" y="0"/>
+          <a:chExt cx="0" cy="0"/>
+        </a:xfrm>
+      </p:grpSpPr>
+      <p:sp>
+        <p:nvSpPr>
+          <p:cNvPr id="2" name="文本占位符 1"/>
+          <p:cNvSpPr>
+            <a:spLocks noGrp="1"/>
+          </p:cNvSpPr>
+          <p:nvPr>
+            <p:ph type="body" idx="1"/>
+          </p:nvPr>
+        </p:nvSpPr>
+        <p:spPr/>
+        <p:txBody>
+          <a:bodyPr/>
+          <a:lstStyle/>
+          <a:p>
+            <a:pPr marL="285750" indent="-285750">
+              <a:buFont typeface="Arial" panose="020B0604020202020204" pitchFamily="34" charset="0"/>
+              <a:buChar char="•"/>
+            </a:pPr>
+            <a:endParaRPr lang="en-US" altLang="zh-CN" dirty="0"/>
+          </a:p>
+        </p:txBody>
+      </p:sp>
+      <p:sp>
+        <p:nvSpPr>
+          <p:cNvPr id="3" name="标题 2"/>
+          <p:cNvSpPr>
+            <a:spLocks noGrp="1"/>
+          </p:cNvSpPr>
+          <p:nvPr>
+            <p:ph type="title"/>
+          </p:nvPr>
+        </p:nvSpPr>
+        <p:spPr/>
+        <p:txBody>
+          <a:bodyPr/>
+          <a:lstStyle/>
+          <a:p>
+            <a:r>
+              <a:rPr lang="zh-CN" altLang="en-US" dirty="0"/>
+              <a:t>问答</a:t>
+            </a:r>
+          </a:p>
+        </p:txBody>
+      </p:sp>
+    </p:spTree>
+    <p:custDataLst>
+      <p:tags r:id="rId1"/>
+    </p:custDataLst>
+  </p:cSld>
+  <p:clrMapOvr>
+    <a:masterClrMapping/>
+  </p:clrMapOvr>
+</p:sld>
+</file>
+
+<file path=ppt/slides/slide21.xml><?xml version="1.0" encoding="utf-8"?>
 <p:sld xmlns:a="http://schemas.openxmlformats.org/drawingml/2006/main" xmlns:r="http://schemas.openxmlformats.org/officeDocument/2006/relationships" xmlns:p="http://schemas.openxmlformats.org/presentationml/2006/main">
   <p:cSld>
     <p:spTree>
@@ -13270,107 +9889,6 @@
 </p:sld>
 </file>
 
-<file path=ppt/slides/slide30.xml><?xml version="1.0" encoding="utf-8"?>
-<p:sld xmlns:a="http://schemas.openxmlformats.org/drawingml/2006/main" xmlns:r="http://schemas.openxmlformats.org/officeDocument/2006/relationships" xmlns:p="http://schemas.openxmlformats.org/presentationml/2006/main">
-  <p:cSld>
-    <p:spTree>
-      <p:nvGrpSpPr>
-        <p:cNvPr id="1" name=""/>
-        <p:cNvGrpSpPr/>
-        <p:nvPr/>
-      </p:nvGrpSpPr>
-      <p:grpSpPr>
-        <a:xfrm>
-          <a:off x="0" y="0"/>
-          <a:ext cx="0" cy="0"/>
-          <a:chOff x="0" y="0"/>
-          <a:chExt cx="0" cy="0"/>
-        </a:xfrm>
-      </p:grpSpPr>
-      <p:sp>
-        <p:nvSpPr>
-          <p:cNvPr id="2" name="文本占位符 1"/>
-          <p:cNvSpPr>
-            <a:spLocks noGrp="1"/>
-          </p:cNvSpPr>
-          <p:nvPr>
-            <p:ph type="body" idx="1"/>
-          </p:nvPr>
-        </p:nvSpPr>
-        <p:spPr/>
-        <p:txBody>
-          <a:bodyPr/>
-          <a:lstStyle/>
-          <a:p>
-            <a:pPr marL="285750" indent="-285750">
-              <a:buFont typeface="Arial" panose="020B0604020202020204" pitchFamily="34" charset="0"/>
-              <a:buChar char="•"/>
-            </a:pPr>
-            <a:endParaRPr lang="en-US" altLang="zh-CN" dirty="0"/>
-          </a:p>
-        </p:txBody>
-      </p:sp>
-      <p:sp>
-        <p:nvSpPr>
-          <p:cNvPr id="3" name="标题 2"/>
-          <p:cNvSpPr>
-            <a:spLocks noGrp="1"/>
-          </p:cNvSpPr>
-          <p:nvPr>
-            <p:ph type="title"/>
-          </p:nvPr>
-        </p:nvSpPr>
-        <p:spPr/>
-        <p:txBody>
-          <a:bodyPr/>
-          <a:lstStyle/>
-          <a:p>
-            <a:r>
-              <a:rPr lang="zh-CN" altLang="en-US" dirty="0"/>
-              <a:t>问答</a:t>
-            </a:r>
-          </a:p>
-        </p:txBody>
-      </p:sp>
-    </p:spTree>
-    <p:custDataLst>
-      <p:tags r:id="rId1"/>
-    </p:custDataLst>
-  </p:cSld>
-  <p:clrMapOvr>
-    <a:masterClrMapping/>
-  </p:clrMapOvr>
-</p:sld>
-</file>
-
-<file path=ppt/slides/slide31.xml><?xml version="1.0" encoding="utf-8"?>
-<p:sld xmlns:a="http://schemas.openxmlformats.org/drawingml/2006/main" xmlns:r="http://schemas.openxmlformats.org/officeDocument/2006/relationships" xmlns:p="http://schemas.openxmlformats.org/presentationml/2006/main">
-  <p:cSld>
-    <p:spTree>
-      <p:nvGrpSpPr>
-        <p:cNvPr id="1" name=""/>
-        <p:cNvGrpSpPr/>
-        <p:nvPr/>
-      </p:nvGrpSpPr>
-      <p:grpSpPr>
-        <a:xfrm>
-          <a:off x="0" y="0"/>
-          <a:ext cx="0" cy="0"/>
-          <a:chOff x="0" y="0"/>
-          <a:chExt cx="0" cy="0"/>
-        </a:xfrm>
-      </p:grpSpPr>
-    </p:spTree>
-    <p:custDataLst>
-      <p:tags r:id="rId1"/>
-    </p:custDataLst>
-  </p:cSld>
-  <p:clrMapOvr>
-    <a:masterClrMapping/>
-  </p:clrMapOvr>
-</p:sld>
-</file>
-
 <file path=ppt/slides/slide4.xml><?xml version="1.0" encoding="utf-8"?>
 <p:sld xmlns:a="http://schemas.openxmlformats.org/drawingml/2006/main" xmlns:r="http://schemas.openxmlformats.org/officeDocument/2006/relationships" xmlns:p="http://schemas.openxmlformats.org/presentationml/2006/main">
   <p:cSld>
@@ -13601,53 +10119,39 @@
             </a:pPr>
             <a:r>
               <a:rPr lang="zh-CN" altLang="en-US" dirty="0"/>
-              <a:t>收敛的速度决定于什么？</a:t>
+              <a:t>如何改进随机梯度下降算法？</a:t>
             </a:r>
             <a:endParaRPr lang="en-US" altLang="zh-CN" dirty="0"/>
           </a:p>
           <a:p>
-            <a:pPr marL="285750" indent="-285750">
+            <a:pPr marL="742950" lvl="1" indent="-285750">
               <a:buFont typeface="Arial" panose="020B0604020202020204" pitchFamily="34" charset="0"/>
               <a:buChar char="•"/>
             </a:pPr>
             <a:r>
               <a:rPr lang="zh-CN" altLang="en-US" dirty="0"/>
-              <a:t>全连接层在“判断性别</a:t>
+              <a:t>如何充分利用</a:t>
             </a:r>
             <a:r>
               <a:rPr lang="en-US" altLang="zh-CN" dirty="0"/>
-              <a:t>Demo</a:t>
+              <a:t>CPU</a:t>
             </a:r>
             <a:r>
               <a:rPr lang="zh-CN" altLang="en-US" dirty="0"/>
-              <a:t>“的训练时，收敛得比较慢，如何加快收敛？</a:t>
+              <a:t>缓存？</a:t>
             </a:r>
             <a:endParaRPr lang="en-US" altLang="zh-CN" dirty="0"/>
           </a:p>
           <a:p>
-            <a:pPr marL="285750" indent="-285750">
+            <a:pPr marL="742950" lvl="1" indent="-285750">
               <a:buFont typeface="Arial" panose="020B0604020202020204" pitchFamily="34" charset="0"/>
               <a:buChar char="•"/>
             </a:pPr>
             <a:r>
               <a:rPr lang="zh-CN" altLang="en-US" dirty="0"/>
-              <a:t>全连接层在“识别手写数字“的训练时，收敛得比较慢，如何加快收敛？</a:t>
+              <a:t>如何更接近损失函数的极小值？</a:t>
             </a:r>
             <a:endParaRPr lang="en-US" altLang="zh-CN" dirty="0"/>
-          </a:p>
-          <a:p>
-            <a:pPr marL="285750" indent="-285750">
-              <a:buFont typeface="Arial" panose="020B0604020202020204" pitchFamily="34" charset="0"/>
-              <a:buChar char="•"/>
-            </a:pPr>
-            <a:endParaRPr lang="en-US" altLang="zh-CN" dirty="0"/>
-          </a:p>
-          <a:p>
-            <a:pPr marL="285750" indent="-285750">
-              <a:buFont typeface="Arial" panose="020B0604020202020204" pitchFamily="34" charset="0"/>
-              <a:buChar char="•"/>
-            </a:pPr>
-            <a:endParaRPr lang="zh-CN" altLang="en-US" dirty="0"/>
           </a:p>
         </p:txBody>
       </p:sp>
@@ -13728,7 +10232,7 @@
               <a:rPr lang="zh-CN" altLang="en-US" dirty="0">
                 <a:sym typeface="+mn-ea"/>
               </a:rPr>
-              <a:t>主问题：	</a:t>
+              <a:t>主问题：</a:t>
             </a:r>
             <a:br>
               <a:rPr lang="en-US" altLang="zh-CN" dirty="0">
@@ -13736,15 +10240,27 @@
               </a:rPr>
             </a:br>
             <a:r>
+              <a:rPr lang="zh-CN" altLang="en-US" dirty="0"/>
+              <a:t>如何充分利用</a:t>
+            </a:r>
+            <a:r>
+              <a:rPr lang="en-US" altLang="zh-CN" dirty="0"/>
+              <a:t>CPU</a:t>
+            </a:r>
+            <a:r>
+              <a:rPr lang="zh-CN" altLang="en-US" dirty="0"/>
+              <a:t>缓存？</a:t>
+            </a:r>
+            <a:br>
+              <a:rPr lang="en-US" altLang="zh-CN" dirty="0"/>
+            </a:br>
+            <a:r>
               <a:rPr lang="zh-CN" altLang="en-US" dirty="0">
                 <a:sym typeface="+mn-ea"/>
               </a:rPr>
-              <a:t>如何加快</a:t>
-            </a:r>
-            <a:r>
-              <a:rPr lang="zh-CN" altLang="en-US" dirty="0"/>
-              <a:t>单分类的训练速度？</a:t>
-            </a:r>
+              <a:t>	</a:t>
+            </a:r>
+            <a:endParaRPr lang="zh-CN" altLang="en-US" dirty="0"/>
           </a:p>
         </p:txBody>
       </p:sp>
@@ -13800,11 +10316,19 @@
               <a:rPr lang="zh-CN" altLang="en-US" dirty="0">
                 <a:sym typeface="+mn-ea"/>
               </a:rPr>
-              <a:t>主问题：	如何加快</a:t>
+              <a:t>主问题：</a:t>
             </a:r>
             <a:r>
               <a:rPr lang="zh-CN" altLang="en-US" dirty="0"/>
-              <a:t>单分类的训练速度？</a:t>
+              <a:t>如何充分利用</a:t>
+            </a:r>
+            <a:r>
+              <a:rPr lang="en-US" altLang="zh-CN" dirty="0"/>
+              <a:t>CPU</a:t>
+            </a:r>
+            <a:r>
+              <a:rPr lang="zh-CN" altLang="en-US" dirty="0"/>
+              <a:t>缓存？</a:t>
             </a:r>
             <a:endParaRPr dirty="0">
               <a:sym typeface="+mn-ea"/>
@@ -14047,15 +10571,48 @@
             </a:pPr>
             <a:r>
               <a:rPr lang="zh-CN" altLang="en-US" dirty="0"/>
-              <a:t>“判断性别</a:t>
+              <a:t>我们现在使用什么方法更新权重？</a:t>
+            </a:r>
+            <a:endParaRPr lang="en-US" altLang="zh-CN" dirty="0"/>
+          </a:p>
+          <a:p>
+            <a:pPr marL="285750" indent="-285750">
+              <a:buFont typeface="Arial" panose="020B0604020202020204" pitchFamily="34" charset="0"/>
+              <a:buChar char="•"/>
+            </a:pPr>
+            <a:r>
+              <a:rPr lang="zh-CN" altLang="en-US" dirty="0"/>
+              <a:t>除此之外还有什么方法吗？</a:t>
+            </a:r>
+            <a:endParaRPr lang="en-US" altLang="zh-CN" dirty="0"/>
+          </a:p>
+          <a:p>
+            <a:pPr marL="285750" indent="-285750">
+              <a:buFont typeface="Arial" panose="020B0604020202020204" pitchFamily="34" charset="0"/>
+              <a:buChar char="•"/>
+            </a:pPr>
+            <a:r>
+              <a:rPr lang="zh-CN" altLang="en-US" dirty="0"/>
+              <a:t>它们分别是如何更新权重的？</a:t>
+            </a:r>
+            <a:endParaRPr lang="en-US" altLang="zh-CN" dirty="0"/>
+          </a:p>
+          <a:p>
+            <a:pPr marL="285750" indent="-285750">
+              <a:buFont typeface="Arial" panose="020B0604020202020204" pitchFamily="34" charset="0"/>
+              <a:buChar char="•"/>
+            </a:pPr>
+            <a:r>
+              <a:rPr lang="zh-CN" altLang="en-US" dirty="0"/>
+              <a:t>哪种方法更能利用</a:t>
             </a:r>
             <a:r>
               <a:rPr lang="en-US" altLang="zh-CN" dirty="0"/>
-              <a:t>Demo</a:t>
+              <a:t>CPU</a:t>
             </a:r>
             <a:r>
               <a:rPr lang="zh-CN" altLang="en-US" dirty="0"/>
-              <a:t>“属于单分类还是多分类？</a:t>
+              <a:t>缓存？</a:t>
             </a:r>
             <a:endParaRPr lang="en-US" altLang="zh-CN" dirty="0"/>
           </a:p>
@@ -14066,7 +10623,7 @@
             </a:pPr>
             <a:r>
               <a:rPr lang="zh-CN" altLang="en-US" dirty="0"/>
-              <a:t>收敛的速度决定于什么？</a:t>
+              <a:t>但是该方法有什么问题？</a:t>
             </a:r>
             <a:endParaRPr lang="en-US" altLang="zh-CN" dirty="0"/>
           </a:p>
@@ -14078,6 +10635,26 @@
             <a:endParaRPr lang="en-US" altLang="zh-CN" dirty="0"/>
           </a:p>
           <a:p>
+            <a:endParaRPr lang="en-US" altLang="zh-CN" dirty="0"/>
+          </a:p>
+          <a:p>
+            <a:pPr marL="285750" indent="-285750">
+              <a:buFont typeface="Arial" panose="020B0604020202020204" pitchFamily="34" charset="0"/>
+              <a:buChar char="•"/>
+            </a:pPr>
+            <a:r>
+              <a:rPr lang="zh-CN" altLang="en-US" dirty="0"/>
+              <a:t>自学、互学、展学</a:t>
+            </a:r>
+          </a:p>
+          <a:p>
+            <a:pPr marL="285750" indent="-285750">
+              <a:buFont typeface="Arial" panose="020B0604020202020204" pitchFamily="34" charset="0"/>
+              <a:buChar char="•"/>
+            </a:pPr>
+            <a:endParaRPr lang="zh-CN" altLang="en-US" dirty="0"/>
+          </a:p>
+          <a:p>
             <a:pPr marL="285750" indent="-285750">
               <a:buFont typeface="Arial" panose="020B0604020202020204" pitchFamily="34" charset="0"/>
               <a:buChar char="•"/>
@@ -14085,22 +10662,6 @@
             <a:endParaRPr lang="en-US" altLang="zh-CN" dirty="0"/>
           </a:p>
           <a:p>
-            <a:endParaRPr lang="en-US" altLang="zh-CN" dirty="0"/>
-          </a:p>
-          <a:p>
-            <a:endParaRPr lang="en-US" altLang="zh-CN" dirty="0"/>
-          </a:p>
-          <a:p>
-            <a:pPr marL="285750" indent="-285750">
-              <a:buFont typeface="Arial" panose="020B0604020202020204" pitchFamily="34" charset="0"/>
-              <a:buChar char="•"/>
-            </a:pPr>
-            <a:r>
-              <a:rPr lang="zh-CN" altLang="en-US" dirty="0"/>
-              <a:t>自学、展学</a:t>
-            </a:r>
-          </a:p>
-          <a:p>
             <a:pPr marL="285750" indent="-285750">
               <a:buFont typeface="Arial" panose="020B0604020202020204" pitchFamily="34" charset="0"/>
               <a:buChar char="•"/>
@@ -14112,7 +10673,7 @@
               <a:buFont typeface="Arial" panose="020B0604020202020204" pitchFamily="34" charset="0"/>
               <a:buChar char="•"/>
             </a:pPr>
-            <a:endParaRPr lang="en-US" altLang="zh-CN" dirty="0"/>
+            <a:endParaRPr lang="zh-CN" altLang="en-US" dirty="0"/>
           </a:p>
           <a:p>
             <a:pPr marL="285750" indent="-285750">
@@ -14148,55 +10709,6 @@
               <a:buChar char="•"/>
             </a:pPr>
             <a:endParaRPr lang="zh-CN" altLang="en-US" dirty="0"/>
-          </a:p>
-          <a:p>
-            <a:pPr marL="285750" indent="-285750">
-              <a:buFont typeface="Arial" panose="020B0604020202020204" pitchFamily="34" charset="0"/>
-              <a:buChar char="•"/>
-            </a:pPr>
-            <a:endParaRPr lang="zh-CN" altLang="en-US" dirty="0"/>
-          </a:p>
-          <a:p>
-            <a:pPr marL="285750" indent="-285750">
-              <a:buFont typeface="Arial" panose="020B0604020202020204" pitchFamily="34" charset="0"/>
-              <a:buChar char="•"/>
-            </a:pPr>
-            <a:endParaRPr lang="zh-CN" altLang="en-US" dirty="0"/>
-          </a:p>
-        </p:txBody>
-      </p:sp>
-      <p:sp>
-        <p:nvSpPr>
-          <p:cNvPr id="2" name="文本框 1">
-            <a:extLst>
-              <a:ext uri="{FF2B5EF4-FFF2-40B4-BE49-F238E27FC236}">
-                <a16:creationId xmlns:a16="http://schemas.microsoft.com/office/drawing/2014/main" id="{215AB2B9-238A-31BF-A23B-09F08F97986B}"/>
-              </a:ext>
-            </a:extLst>
-          </p:cNvPr>
-          <p:cNvSpPr txBox="1"/>
-          <p:nvPr/>
-        </p:nvSpPr>
-        <p:spPr>
-          <a:xfrm>
-            <a:off x="7918102" y="2210637"/>
-            <a:ext cx="1338828" cy="369332"/>
-          </a:xfrm>
-          <a:prstGeom prst="rect">
-            <a:avLst/>
-          </a:prstGeom>
-          <a:noFill/>
-        </p:spPr>
-        <p:txBody>
-          <a:bodyPr wrap="none" rtlCol="0">
-            <a:spAutoFit/>
-          </a:bodyPr>
-          <a:lstStyle/>
-          <a:p>
-            <a:r>
-              <a:rPr kumimoji="1" lang="zh-CN" altLang="en-US" dirty="0"/>
-              <a:t>梯度的大小</a:t>
-            </a:r>
           </a:p>
         </p:txBody>
       </p:sp>
@@ -14330,11 +10842,19 @@
               <a:rPr lang="zh-CN" altLang="en-US" dirty="0">
                 <a:sym typeface="+mn-ea"/>
               </a:rPr>
-              <a:t>主问题：	如何加快</a:t>
+              <a:t>主问题：</a:t>
             </a:r>
             <a:r>
               <a:rPr lang="zh-CN" altLang="en-US" dirty="0"/>
-              <a:t>单分类的训练速度？</a:t>
+              <a:t>如何充分利用</a:t>
+            </a:r>
+            <a:r>
+              <a:rPr lang="en-US" altLang="zh-CN" dirty="0"/>
+              <a:t>CPU</a:t>
+            </a:r>
+            <a:r>
+              <a:rPr lang="zh-CN" altLang="en-US" dirty="0"/>
+              <a:t>缓存？</a:t>
             </a:r>
             <a:endParaRPr dirty="0">
               <a:sym typeface="+mn-ea"/>
@@ -14577,7 +11097,7 @@
             </a:pPr>
             <a:r>
               <a:rPr lang="zh-CN" altLang="en-US" dirty="0"/>
-              <a:t>我们现在只考虑输出层</a:t>
+              <a:t>能否提出一个折中的方法？</a:t>
             </a:r>
             <a:endParaRPr lang="en-US" altLang="zh-CN" dirty="0"/>
           </a:p>
@@ -14588,59 +11108,7 @@
             </a:pPr>
             <a:r>
               <a:rPr lang="zh-CN" altLang="en-US" dirty="0"/>
-              <a:t>使用的是什么损失函数？</a:t>
-            </a:r>
-            <a:endParaRPr lang="en-US" altLang="zh-CN" dirty="0"/>
-          </a:p>
-          <a:p>
-            <a:pPr marL="285750" indent="-285750">
-              <a:buFont typeface="Arial" panose="020B0604020202020204" pitchFamily="34" charset="0"/>
-              <a:buChar char="•"/>
-            </a:pPr>
-            <a:r>
-              <a:rPr lang="zh-CN" altLang="en-US" dirty="0"/>
-              <a:t>使用的是什么激活函数？</a:t>
-            </a:r>
-            <a:endParaRPr lang="en-US" altLang="zh-CN" dirty="0"/>
-          </a:p>
-          <a:p>
-            <a:pPr marL="285750" indent="-285750">
-              <a:buFont typeface="Arial" panose="020B0604020202020204" pitchFamily="34" charset="0"/>
-              <a:buChar char="•"/>
-            </a:pPr>
-            <a:r>
-              <a:rPr lang="zh-CN" altLang="en-US" dirty="0"/>
-              <a:t>输出层的单个神经元的梯度计算公式是什么？</a:t>
-            </a:r>
-            <a:endParaRPr lang="en-US" altLang="zh-CN" dirty="0"/>
-          </a:p>
-          <a:p>
-            <a:pPr marL="285750" indent="-285750">
-              <a:buFont typeface="Arial" panose="020B0604020202020204" pitchFamily="34" charset="0"/>
-              <a:buChar char="•"/>
-            </a:pPr>
-            <a:r>
-              <a:rPr lang="zh-CN" altLang="en-US" dirty="0"/>
-              <a:t>公式中跟输出层相关的变量是哪项？</a:t>
-            </a:r>
-            <a:endParaRPr lang="en-US" altLang="zh-CN" dirty="0"/>
-          </a:p>
-          <a:p>
-            <a:pPr marL="285750" indent="-285750">
-              <a:buFont typeface="Arial" panose="020B0604020202020204" pitchFamily="34" charset="0"/>
-              <a:buChar char="•"/>
-            </a:pPr>
-            <a:r>
-              <a:rPr lang="zh-CN" altLang="en-US" dirty="0"/>
-              <a:t>它的值跟</a:t>
-            </a:r>
-            <a:r>
-              <a:rPr lang="en-US" altLang="zh-CN" dirty="0"/>
-              <a:t>loss</a:t>
-            </a:r>
-            <a:r>
-              <a:rPr lang="zh-CN" altLang="en-US" dirty="0"/>
-              <a:t>的大小有什么关系？</a:t>
+              <a:t>该方法有什么优势？</a:t>
             </a:r>
             <a:endParaRPr lang="en-US" altLang="zh-CN" dirty="0"/>
           </a:p>
@@ -14652,6 +11120,9 @@
             <a:endParaRPr lang="en-US" altLang="zh-CN" dirty="0"/>
           </a:p>
           <a:p>
+            <a:endParaRPr lang="en-US" altLang="zh-CN" dirty="0"/>
+          </a:p>
+          <a:p>
             <a:pPr marL="285750" indent="-285750">
               <a:buFont typeface="Arial" panose="020B0604020202020204" pitchFamily="34" charset="0"/>
               <a:buChar char="•"/>
@@ -14726,787 +11197,13 @@
           </a:p>
         </p:txBody>
       </p:sp>
-      <p:pic>
-        <p:nvPicPr>
-          <p:cNvPr id="5" name="图片 4">
-            <a:extLst>
-              <a:ext uri="{FF2B5EF4-FFF2-40B4-BE49-F238E27FC236}">
-                <a16:creationId xmlns:a16="http://schemas.microsoft.com/office/drawing/2014/main" id="{1E3A16A2-BA88-5E6B-0B84-352613E54435}"/>
-              </a:ext>
-            </a:extLst>
-          </p:cNvPr>
-          <p:cNvPicPr>
-            <a:picLocks noChangeAspect="1"/>
-          </p:cNvPicPr>
-          <p:nvPr/>
-        </p:nvPicPr>
-        <p:blipFill>
-          <a:blip r:embed="rId3">
-            <a:extLst>
-              <a:ext uri="{28A0092B-C50C-407E-A947-70E740481C1C}">
-                <a14:useLocalDpi xmlns:a14="http://schemas.microsoft.com/office/drawing/2010/main" val="0"/>
-              </a:ext>
-            </a:extLst>
-          </a:blip>
-          <a:stretch>
-            <a:fillRect/>
-          </a:stretch>
-        </p:blipFill>
-        <p:spPr>
-          <a:xfrm>
-            <a:off x="9706709" y="1461696"/>
-            <a:ext cx="1967766" cy="1577985"/>
-          </a:xfrm>
-          <a:prstGeom prst="rect">
-            <a:avLst/>
-          </a:prstGeom>
-        </p:spPr>
-      </p:pic>
-      <p:pic>
-        <p:nvPicPr>
-          <p:cNvPr id="10" name="图片 9">
-            <a:extLst>
-              <a:ext uri="{FF2B5EF4-FFF2-40B4-BE49-F238E27FC236}">
-                <a16:creationId xmlns:a16="http://schemas.microsoft.com/office/drawing/2014/main" id="{D95D4AB7-F694-1EB3-3AFD-119778087A17}"/>
-              </a:ext>
-            </a:extLst>
-          </p:cNvPr>
-          <p:cNvPicPr>
-            <a:picLocks noChangeAspect="1"/>
-          </p:cNvPicPr>
-          <p:nvPr/>
-        </p:nvPicPr>
-        <p:blipFill>
-          <a:blip r:embed="rId4">
-            <a:extLst>
-              <a:ext uri="{28A0092B-C50C-407E-A947-70E740481C1C}">
-                <a14:useLocalDpi xmlns:a14="http://schemas.microsoft.com/office/drawing/2010/main" val="0"/>
-              </a:ext>
-            </a:extLst>
-          </a:blip>
-          <a:stretch>
-            <a:fillRect/>
-          </a:stretch>
-        </p:blipFill>
-        <p:spPr>
-          <a:xfrm>
-            <a:off x="3542253" y="4833620"/>
-            <a:ext cx="6896100" cy="1498600"/>
-          </a:xfrm>
-          <a:prstGeom prst="rect">
-            <a:avLst/>
-          </a:prstGeom>
-        </p:spPr>
-      </p:pic>
-      <p:pic>
-        <p:nvPicPr>
-          <p:cNvPr id="11" name="图片 10">
-            <a:extLst>
-              <a:ext uri="{FF2B5EF4-FFF2-40B4-BE49-F238E27FC236}">
-                <a16:creationId xmlns:a16="http://schemas.microsoft.com/office/drawing/2014/main" id="{117D948B-C734-F567-7692-C34A85866064}"/>
-              </a:ext>
-            </a:extLst>
-          </p:cNvPr>
-          <p:cNvPicPr>
-            <a:picLocks noChangeAspect="1"/>
-          </p:cNvPicPr>
-          <p:nvPr/>
-        </p:nvPicPr>
-        <p:blipFill>
-          <a:blip r:embed="rId5">
-            <a:extLst>
-              <a:ext uri="{28A0092B-C50C-407E-A947-70E740481C1C}">
-                <a14:useLocalDpi xmlns:a14="http://schemas.microsoft.com/office/drawing/2010/main" val="0"/>
-              </a:ext>
-            </a:extLst>
-          </a:blip>
-          <a:stretch>
-            <a:fillRect/>
-          </a:stretch>
-        </p:blipFill>
-        <p:spPr>
-          <a:xfrm>
-            <a:off x="5325626" y="2024380"/>
-            <a:ext cx="2224078" cy="768552"/>
-          </a:xfrm>
-          <a:prstGeom prst="rect">
-            <a:avLst/>
-          </a:prstGeom>
-        </p:spPr>
-      </p:pic>
-      <p:pic>
-        <p:nvPicPr>
-          <p:cNvPr id="13" name="图片 12">
-            <a:extLst>
-              <a:ext uri="{FF2B5EF4-FFF2-40B4-BE49-F238E27FC236}">
-                <a16:creationId xmlns:a16="http://schemas.microsoft.com/office/drawing/2014/main" id="{A08EBD16-6C53-0538-8302-1C642B462673}"/>
-              </a:ext>
-            </a:extLst>
-          </p:cNvPr>
-          <p:cNvPicPr>
-            <a:picLocks noChangeAspect="1"/>
-          </p:cNvPicPr>
-          <p:nvPr/>
-        </p:nvPicPr>
-        <p:blipFill>
-          <a:blip r:embed="rId6">
-            <a:extLst>
-              <a:ext uri="{28A0092B-C50C-407E-A947-70E740481C1C}">
-                <a14:useLocalDpi xmlns:a14="http://schemas.microsoft.com/office/drawing/2010/main" val="0"/>
-              </a:ext>
-            </a:extLst>
-          </a:blip>
-          <a:stretch>
-            <a:fillRect/>
-          </a:stretch>
-        </p:blipFill>
-        <p:spPr>
-          <a:xfrm>
-            <a:off x="6437665" y="2822151"/>
-            <a:ext cx="3042888" cy="1900574"/>
-          </a:xfrm>
-          <a:prstGeom prst="rect">
-            <a:avLst/>
-          </a:prstGeom>
-        </p:spPr>
-      </p:pic>
     </p:spTree>
     <p:custDataLst>
       <p:tags r:id="rId1"/>
     </p:custDataLst>
     <p:extLst>
       <p:ext uri="{BB962C8B-B14F-4D97-AF65-F5344CB8AC3E}">
-        <p14:creationId xmlns:p14="http://schemas.microsoft.com/office/powerpoint/2010/main" val="2867405282"/>
-      </p:ext>
-    </p:extLst>
-  </p:cSld>
-  <p:clrMapOvr>
-    <a:masterClrMapping/>
-  </p:clrMapOvr>
-  <p:timing>
-    <p:tnLst>
-      <p:par>
-        <p:cTn id="1" dur="indefinite" restart="never" nodeType="tmRoot">
-          <p:childTnLst>
-            <p:seq concurrent="1" nextAc="seek">
-              <p:cTn id="2" dur="indefinite" nodeType="mainSeq">
-                <p:childTnLst>
-                  <p:par>
-                    <p:cTn id="3" fill="hold">
-                      <p:stCondLst>
-                        <p:cond delay="indefinite"/>
-                      </p:stCondLst>
-                      <p:childTnLst>
-                        <p:par>
-                          <p:cTn id="4" fill="hold">
-                            <p:stCondLst>
-                              <p:cond delay="0"/>
-                            </p:stCondLst>
-                            <p:childTnLst>
-                              <p:par>
-                                <p:cTn id="5" presetID="1" presetClass="entr" presetSubtype="0" fill="hold" grpId="0" nodeType="clickEffect">
-                                  <p:stCondLst>
-                                    <p:cond delay="0"/>
-                                  </p:stCondLst>
-                                  <p:childTnLst>
-                                    <p:set>
-                                      <p:cBhvr>
-                                        <p:cTn id="6" dur="1" fill="hold">
-                                          <p:stCondLst>
-                                            <p:cond delay="0"/>
-                                          </p:stCondLst>
-                                        </p:cTn>
-                                        <p:tgtEl>
-                                          <p:spTgt spid="6"/>
-                                        </p:tgtEl>
-                                        <p:attrNameLst>
-                                          <p:attrName>style.visibility</p:attrName>
-                                        </p:attrNameLst>
-                                      </p:cBhvr>
-                                      <p:to>
-                                        <p:strVal val="visible"/>
-                                      </p:to>
-                                    </p:set>
-                                  </p:childTnLst>
-                                </p:cTn>
-                              </p:par>
-                            </p:childTnLst>
-                          </p:cTn>
-                        </p:par>
-                      </p:childTnLst>
-                    </p:cTn>
-                  </p:par>
-                  <p:par>
-                    <p:cTn id="7" fill="hold">
-                      <p:stCondLst>
-                        <p:cond delay="indefinite"/>
-                      </p:stCondLst>
-                      <p:childTnLst>
-                        <p:par>
-                          <p:cTn id="8" fill="hold">
-                            <p:stCondLst>
-                              <p:cond delay="0"/>
-                            </p:stCondLst>
-                            <p:childTnLst>
-                              <p:par>
-                                <p:cTn id="9" presetID="1" presetClass="entr" presetSubtype="0" fill="hold" nodeType="clickEffect">
-                                  <p:stCondLst>
-                                    <p:cond delay="0"/>
-                                  </p:stCondLst>
-                                  <p:childTnLst>
-                                    <p:set>
-                                      <p:cBhvr>
-                                        <p:cTn id="10" dur="1" fill="hold">
-                                          <p:stCondLst>
-                                            <p:cond delay="0"/>
-                                          </p:stCondLst>
-                                        </p:cTn>
-                                        <p:tgtEl>
-                                          <p:spTgt spid="11"/>
-                                        </p:tgtEl>
-                                        <p:attrNameLst>
-                                          <p:attrName>style.visibility</p:attrName>
-                                        </p:attrNameLst>
-                                      </p:cBhvr>
-                                      <p:to>
-                                        <p:strVal val="visible"/>
-                                      </p:to>
-                                    </p:set>
-                                  </p:childTnLst>
-                                </p:cTn>
-                              </p:par>
-                            </p:childTnLst>
-                          </p:cTn>
-                        </p:par>
-                      </p:childTnLst>
-                    </p:cTn>
-                  </p:par>
-                </p:childTnLst>
-              </p:cTn>
-              <p:prevCondLst>
-                <p:cond evt="onPrev" delay="0">
-                  <p:tgtEl>
-                    <p:sldTgt/>
-                  </p:tgtEl>
-                </p:cond>
-              </p:prevCondLst>
-              <p:nextCondLst>
-                <p:cond evt="onNext" delay="0">
-                  <p:tgtEl>
-                    <p:sldTgt/>
-                  </p:tgtEl>
-                </p:cond>
-              </p:nextCondLst>
-            </p:seq>
-          </p:childTnLst>
-        </p:cTn>
-      </p:par>
-    </p:tnLst>
-    <p:bldLst>
-      <p:bldP spid="6" grpId="0"/>
-    </p:bldLst>
-  </p:timing>
-</p:sld>
-</file>
-
-<file path=ppt/slides/slide9.xml><?xml version="1.0" encoding="utf-8"?>
-<p:sld xmlns:a="http://schemas.openxmlformats.org/drawingml/2006/main" xmlns:r="http://schemas.openxmlformats.org/officeDocument/2006/relationships" xmlns:p="http://schemas.openxmlformats.org/presentationml/2006/main">
-  <p:cSld>
-    <p:spTree>
-      <p:nvGrpSpPr>
-        <p:cNvPr id="1" name=""/>
-        <p:cNvGrpSpPr/>
-        <p:nvPr/>
-      </p:nvGrpSpPr>
-      <p:grpSpPr>
-        <a:xfrm>
-          <a:off x="0" y="0"/>
-          <a:ext cx="0" cy="0"/>
-          <a:chOff x="0" y="0"/>
-          <a:chExt cx="0" cy="0"/>
-        </a:xfrm>
-      </p:grpSpPr>
-      <p:sp>
-        <p:nvSpPr>
-          <p:cNvPr id="3" name="标题 2"/>
-          <p:cNvSpPr>
-            <a:spLocks noGrp="1"/>
-          </p:cNvSpPr>
-          <p:nvPr>
-            <p:ph type="title"/>
-          </p:nvPr>
-        </p:nvSpPr>
-        <p:spPr/>
-        <p:txBody>
-          <a:bodyPr/>
-          <a:lstStyle/>
-          <a:p>
-            <a:r>
-              <a:rPr lang="zh-CN" altLang="en-US" dirty="0">
-                <a:sym typeface="+mn-ea"/>
-              </a:rPr>
-              <a:t>主问题：	如何加快</a:t>
-            </a:r>
-            <a:r>
-              <a:rPr lang="zh-CN" altLang="en-US" dirty="0"/>
-              <a:t>单分类的训练速度？</a:t>
-            </a:r>
-            <a:endParaRPr dirty="0">
-              <a:sym typeface="+mn-ea"/>
-            </a:endParaRPr>
-          </a:p>
-        </p:txBody>
-      </p:sp>
-      <p:sp>
-        <p:nvSpPr>
-          <p:cNvPr id="6" name="文本占位符 1">
-            <a:extLst>
-              <a:ext uri="{FF2B5EF4-FFF2-40B4-BE49-F238E27FC236}">
-                <a16:creationId xmlns:a16="http://schemas.microsoft.com/office/drawing/2014/main" id="{BA88068A-4FDC-6963-46A5-ADEC46CDA15E}"/>
-              </a:ext>
-            </a:extLst>
-          </p:cNvPr>
-          <p:cNvSpPr txBox="1">
-            <a:spLocks/>
-          </p:cNvSpPr>
-          <p:nvPr/>
-        </p:nvSpPr>
-        <p:spPr>
-          <a:xfrm>
-            <a:off x="822325" y="1778635"/>
-            <a:ext cx="10852150" cy="4553585"/>
-          </a:xfrm>
-        </p:spPr>
-        <p:txBody>
-          <a:bodyPr lIns="101600" tIns="38100" rIns="76200" bIns="38100">
-            <a:noAutofit/>
-          </a:bodyPr>
-          <a:lstStyle>
-            <a:lvl1pPr marL="0" indent="0" algn="l" defTabSz="914400" rtl="0" eaLnBrk="1" fontAlgn="auto" latinLnBrk="0" hangingPunct="1">
-              <a:lnSpc>
-                <a:spcPct val="130000"/>
-              </a:lnSpc>
-              <a:spcBef>
-                <a:spcPts val="0"/>
-              </a:spcBef>
-              <a:spcAft>
-                <a:spcPts val="1000"/>
-              </a:spcAft>
-              <a:buFont typeface="Arial" panose="020B0604020202020204" pitchFamily="34" charset="0"/>
-              <a:buNone/>
-              <a:defRPr kumimoji="0" lang="zh-CN" altLang="en-US" sz="1600" b="0" i="0" u="none" strike="noStrike" kern="1200" cap="none" spc="150" normalizeH="0" baseline="0" noProof="1">
-                <a:solidFill>
-                  <a:schemeClr val="tx1"/>
-                </a:solidFill>
-                <a:uFillTx/>
-                <a:latin typeface="+mn-lt"/>
-                <a:ea typeface="+mn-ea"/>
-                <a:cs typeface="+mn-cs"/>
-                <a:sym typeface="+mn-ea"/>
-              </a:defRPr>
-            </a:lvl1pPr>
-            <a:lvl2pPr marL="457200" indent="0" algn="l" defTabSz="914400" rtl="0" eaLnBrk="1" fontAlgn="auto" latinLnBrk="0" hangingPunct="1">
-              <a:lnSpc>
-                <a:spcPct val="130000"/>
-              </a:lnSpc>
-              <a:spcBef>
-                <a:spcPts val="0"/>
-              </a:spcBef>
-              <a:spcAft>
-                <a:spcPts val="1000"/>
-              </a:spcAft>
-              <a:buFont typeface="Arial" panose="020B0604020202020204" pitchFamily="34" charset="0"/>
-              <a:buNone/>
-              <a:tabLst>
-                <a:tab pos="1609725" algn="l"/>
-              </a:tabLst>
-              <a:defRPr sz="2000" u="none" strike="noStrike" kern="1200" cap="none" spc="150" normalizeH="0" baseline="0">
-                <a:solidFill>
-                  <a:schemeClr val="tx1">
-                    <a:tint val="75000"/>
-                  </a:schemeClr>
-                </a:solidFill>
-                <a:uFillTx/>
-                <a:latin typeface="+mn-lt"/>
-                <a:ea typeface="+mn-ea"/>
-                <a:cs typeface="+mn-cs"/>
-              </a:defRPr>
-            </a:lvl2pPr>
-            <a:lvl3pPr marL="914400" indent="0" algn="l" defTabSz="914400" rtl="0" eaLnBrk="1" fontAlgn="auto" latinLnBrk="0" hangingPunct="1">
-              <a:lnSpc>
-                <a:spcPct val="130000"/>
-              </a:lnSpc>
-              <a:spcBef>
-                <a:spcPts val="0"/>
-              </a:spcBef>
-              <a:spcAft>
-                <a:spcPts val="1000"/>
-              </a:spcAft>
-              <a:buFont typeface="Arial" panose="020B0604020202020204" pitchFamily="34" charset="0"/>
-              <a:buNone/>
-              <a:defRPr sz="1800" u="none" strike="noStrike" kern="1200" cap="none" spc="150" normalizeH="0" baseline="0">
-                <a:solidFill>
-                  <a:schemeClr val="tx1">
-                    <a:tint val="75000"/>
-                  </a:schemeClr>
-                </a:solidFill>
-                <a:uFillTx/>
-                <a:latin typeface="+mn-lt"/>
-                <a:ea typeface="+mn-ea"/>
-                <a:cs typeface="+mn-cs"/>
-              </a:defRPr>
-            </a:lvl3pPr>
-            <a:lvl4pPr marL="1371600" indent="0" algn="l" defTabSz="914400" rtl="0" eaLnBrk="1" fontAlgn="auto" latinLnBrk="0" hangingPunct="1">
-              <a:lnSpc>
-                <a:spcPct val="130000"/>
-              </a:lnSpc>
-              <a:spcBef>
-                <a:spcPts val="0"/>
-              </a:spcBef>
-              <a:spcAft>
-                <a:spcPts val="1000"/>
-              </a:spcAft>
-              <a:buFont typeface="Arial" panose="020B0604020202020204" pitchFamily="34" charset="0"/>
-              <a:buNone/>
-              <a:defRPr sz="1600" u="none" strike="noStrike" kern="1200" cap="none" spc="150" normalizeH="0" baseline="0">
-                <a:solidFill>
-                  <a:schemeClr val="tx1">
-                    <a:tint val="75000"/>
-                  </a:schemeClr>
-                </a:solidFill>
-                <a:uFillTx/>
-                <a:latin typeface="+mn-lt"/>
-                <a:ea typeface="+mn-ea"/>
-                <a:cs typeface="+mn-cs"/>
-              </a:defRPr>
-            </a:lvl4pPr>
-            <a:lvl5pPr marL="1828800" indent="0" algn="l" defTabSz="914400" rtl="0" eaLnBrk="1" fontAlgn="auto" latinLnBrk="0" hangingPunct="1">
-              <a:lnSpc>
-                <a:spcPct val="130000"/>
-              </a:lnSpc>
-              <a:spcBef>
-                <a:spcPts val="0"/>
-              </a:spcBef>
-              <a:spcAft>
-                <a:spcPts val="1000"/>
-              </a:spcAft>
-              <a:buFont typeface="Arial" panose="020B0604020202020204" pitchFamily="34" charset="0"/>
-              <a:buNone/>
-              <a:defRPr sz="1600" u="none" strike="noStrike" kern="1200" cap="none" spc="150" normalizeH="0" baseline="0">
-                <a:solidFill>
-                  <a:schemeClr val="tx1">
-                    <a:tint val="75000"/>
-                  </a:schemeClr>
-                </a:solidFill>
-                <a:uFillTx/>
-                <a:latin typeface="+mn-lt"/>
-                <a:ea typeface="+mn-ea"/>
-                <a:cs typeface="+mn-cs"/>
-              </a:defRPr>
-            </a:lvl5pPr>
-            <a:lvl6pPr marL="2286000" indent="0" algn="l" defTabSz="914400" rtl="0" eaLnBrk="1" latinLnBrk="0" hangingPunct="1">
-              <a:lnSpc>
-                <a:spcPct val="90000"/>
-              </a:lnSpc>
-              <a:spcBef>
-                <a:spcPts val="500"/>
-              </a:spcBef>
-              <a:buFont typeface="Arial" panose="020B0604020202020204" pitchFamily="34" charset="0"/>
-              <a:buNone/>
-              <a:defRPr sz="1600" kern="1200">
-                <a:solidFill>
-                  <a:schemeClr val="tx1">
-                    <a:tint val="75000"/>
-                  </a:schemeClr>
-                </a:solidFill>
-                <a:latin typeface="+mn-lt"/>
-                <a:ea typeface="+mn-ea"/>
-                <a:cs typeface="+mn-cs"/>
-              </a:defRPr>
-            </a:lvl6pPr>
-            <a:lvl7pPr marL="2743200" indent="0" algn="l" defTabSz="914400" rtl="0" eaLnBrk="1" latinLnBrk="0" hangingPunct="1">
-              <a:lnSpc>
-                <a:spcPct val="90000"/>
-              </a:lnSpc>
-              <a:spcBef>
-                <a:spcPts val="500"/>
-              </a:spcBef>
-              <a:buFont typeface="Arial" panose="020B0604020202020204" pitchFamily="34" charset="0"/>
-              <a:buNone/>
-              <a:defRPr sz="1600" kern="1200">
-                <a:solidFill>
-                  <a:schemeClr val="tx1">
-                    <a:tint val="75000"/>
-                  </a:schemeClr>
-                </a:solidFill>
-                <a:latin typeface="+mn-lt"/>
-                <a:ea typeface="+mn-ea"/>
-                <a:cs typeface="+mn-cs"/>
-              </a:defRPr>
-            </a:lvl7pPr>
-            <a:lvl8pPr marL="3200400" indent="0" algn="l" defTabSz="914400" rtl="0" eaLnBrk="1" latinLnBrk="0" hangingPunct="1">
-              <a:lnSpc>
-                <a:spcPct val="90000"/>
-              </a:lnSpc>
-              <a:spcBef>
-                <a:spcPts val="500"/>
-              </a:spcBef>
-              <a:buFont typeface="Arial" panose="020B0604020202020204" pitchFamily="34" charset="0"/>
-              <a:buNone/>
-              <a:defRPr sz="1600" kern="1200">
-                <a:solidFill>
-                  <a:schemeClr val="tx1">
-                    <a:tint val="75000"/>
-                  </a:schemeClr>
-                </a:solidFill>
-                <a:latin typeface="+mn-lt"/>
-                <a:ea typeface="+mn-ea"/>
-                <a:cs typeface="+mn-cs"/>
-              </a:defRPr>
-            </a:lvl8pPr>
-            <a:lvl9pPr marL="3657600" indent="0" algn="l" defTabSz="914400" rtl="0" eaLnBrk="1" latinLnBrk="0" hangingPunct="1">
-              <a:lnSpc>
-                <a:spcPct val="90000"/>
-              </a:lnSpc>
-              <a:spcBef>
-                <a:spcPts val="500"/>
-              </a:spcBef>
-              <a:buFont typeface="Arial" panose="020B0604020202020204" pitchFamily="34" charset="0"/>
-              <a:buNone/>
-              <a:defRPr sz="1600" kern="1200">
-                <a:solidFill>
-                  <a:schemeClr val="tx1">
-                    <a:tint val="75000"/>
-                  </a:schemeClr>
-                </a:solidFill>
-                <a:latin typeface="+mn-lt"/>
-                <a:ea typeface="+mn-ea"/>
-                <a:cs typeface="+mn-cs"/>
-              </a:defRPr>
-            </a:lvl9pPr>
-          </a:lstStyle>
-          <a:p>
-            <a:pPr marL="285750" indent="-285750">
-              <a:buFont typeface="Arial" panose="020B0604020202020204" pitchFamily="34" charset="0"/>
-              <a:buChar char="•"/>
-            </a:pPr>
-            <a:r>
-              <a:rPr lang="zh-CN" altLang="en-US" dirty="0"/>
-              <a:t>所以现在</a:t>
-            </a:r>
-            <a:r>
-              <a:rPr lang="en-US" altLang="zh-CN" dirty="0"/>
-              <a:t>loss</a:t>
-            </a:r>
-            <a:r>
-              <a:rPr lang="zh-CN" altLang="en-US" dirty="0"/>
-              <a:t>的大小和梯度的大小的关系是什么？</a:t>
-            </a:r>
-            <a:endParaRPr lang="en-US" altLang="zh-CN" dirty="0"/>
-          </a:p>
-          <a:p>
-            <a:pPr marL="285750" indent="-285750">
-              <a:buFont typeface="Arial" panose="020B0604020202020204" pitchFamily="34" charset="0"/>
-              <a:buChar char="•"/>
-            </a:pPr>
-            <a:r>
-              <a:rPr lang="zh-CN" altLang="en-US" dirty="0"/>
-              <a:t>希望它们的关系是什么，才能尽快收敛？</a:t>
-            </a:r>
-            <a:endParaRPr lang="en-US" altLang="zh-CN" dirty="0"/>
-          </a:p>
-          <a:p>
-            <a:pPr marL="285750" indent="-285750">
-              <a:buFont typeface="Arial" panose="020B0604020202020204" pitchFamily="34" charset="0"/>
-              <a:buChar char="•"/>
-            </a:pPr>
-            <a:r>
-              <a:rPr lang="zh-CN" altLang="en-US" dirty="0"/>
-              <a:t>误差项的大小和梯度的大小的关系是什么？</a:t>
-            </a:r>
-            <a:endParaRPr lang="en-US" altLang="zh-CN" dirty="0"/>
-          </a:p>
-          <a:p>
-            <a:pPr marL="285750" indent="-285750">
-              <a:buFont typeface="Arial" panose="020B0604020202020204" pitchFamily="34" charset="0"/>
-              <a:buChar char="•"/>
-            </a:pPr>
-            <a:r>
-              <a:rPr lang="zh-CN" altLang="en-US" dirty="0"/>
-              <a:t>请思考误差项的公式是什么样的，才能满足</a:t>
-            </a:r>
-            <a:r>
-              <a:rPr lang="en-US" altLang="zh-CN" dirty="0"/>
-              <a:t>loss</a:t>
-            </a:r>
-            <a:r>
-              <a:rPr lang="zh-CN" altLang="en-US" dirty="0"/>
-              <a:t>越大误差项就越大（也就是梯度越大），</a:t>
-            </a:r>
-            <a:r>
-              <a:rPr lang="en-US" altLang="zh-CN" dirty="0"/>
-              <a:t>loss</a:t>
-            </a:r>
-            <a:r>
-              <a:rPr lang="zh-CN" altLang="en-US" dirty="0"/>
-              <a:t>越小误差项就越小（也就是梯度越小）？</a:t>
-            </a:r>
-            <a:endParaRPr lang="en-US" altLang="zh-CN" dirty="0"/>
-          </a:p>
-          <a:p>
-            <a:pPr marL="285750" indent="-285750">
-              <a:buFont typeface="Arial" panose="020B0604020202020204" pitchFamily="34" charset="0"/>
-              <a:buChar char="•"/>
-            </a:pPr>
-            <a:r>
-              <a:rPr lang="zh-CN" altLang="en-US" dirty="0">
-                <a:solidFill>
-                  <a:schemeClr val="bg2"/>
-                </a:solidFill>
-              </a:rPr>
-              <a:t>根据误差项的公式，在激活函数不变的情况下（从而激活函数的导数也不变），另一项应该是多少？</a:t>
-            </a:r>
-            <a:endParaRPr lang="en-US" altLang="zh-CN" dirty="0">
-              <a:solidFill>
-                <a:schemeClr val="bg2"/>
-              </a:solidFill>
-            </a:endParaRPr>
-          </a:p>
-          <a:p>
-            <a:pPr marL="285750" indent="-285750">
-              <a:buFont typeface="Arial" panose="020B0604020202020204" pitchFamily="34" charset="0"/>
-              <a:buChar char="•"/>
-            </a:pPr>
-            <a:r>
-              <a:rPr lang="zh-CN" altLang="en-US" dirty="0"/>
-              <a:t>所以我们使用新的损失函数：交叉熵损失函数，它能使误差项成为该公式</a:t>
-            </a:r>
-            <a:endParaRPr lang="en-US" altLang="zh-CN" dirty="0"/>
-          </a:p>
-          <a:p>
-            <a:endParaRPr lang="en-US" altLang="zh-CN" dirty="0"/>
-          </a:p>
-          <a:p>
-            <a:endParaRPr lang="en-US" altLang="zh-CN" dirty="0"/>
-          </a:p>
-          <a:p>
-            <a:pPr marL="285750" indent="-285750">
-              <a:buFont typeface="Arial" panose="020B0604020202020204" pitchFamily="34" charset="0"/>
-              <a:buChar char="•"/>
-            </a:pPr>
-            <a:r>
-              <a:rPr lang="zh-CN" altLang="en-US" dirty="0"/>
-              <a:t>自学、展学</a:t>
-            </a:r>
-          </a:p>
-          <a:p>
-            <a:pPr marL="285750" indent="-285750">
-              <a:buFont typeface="Arial" panose="020B0604020202020204" pitchFamily="34" charset="0"/>
-              <a:buChar char="•"/>
-            </a:pPr>
-            <a:endParaRPr lang="zh-CN" altLang="en-US" dirty="0"/>
-          </a:p>
-          <a:p>
-            <a:pPr marL="285750" indent="-285750">
-              <a:buFont typeface="Arial" panose="020B0604020202020204" pitchFamily="34" charset="0"/>
-              <a:buChar char="•"/>
-            </a:pPr>
-            <a:endParaRPr lang="en-US" altLang="zh-CN" dirty="0"/>
-          </a:p>
-          <a:p>
-            <a:pPr marL="285750" indent="-285750">
-              <a:buFont typeface="Arial" panose="020B0604020202020204" pitchFamily="34" charset="0"/>
-              <a:buChar char="•"/>
-            </a:pPr>
-            <a:endParaRPr lang="zh-CN" altLang="en-US" dirty="0"/>
-          </a:p>
-          <a:p>
-            <a:pPr marL="285750" indent="-285750">
-              <a:buFont typeface="Arial" panose="020B0604020202020204" pitchFamily="34" charset="0"/>
-              <a:buChar char="•"/>
-            </a:pPr>
-            <a:endParaRPr lang="zh-CN" altLang="en-US" dirty="0"/>
-          </a:p>
-          <a:p>
-            <a:pPr marL="285750" indent="-285750">
-              <a:buFont typeface="Arial" panose="020B0604020202020204" pitchFamily="34" charset="0"/>
-              <a:buChar char="•"/>
-            </a:pPr>
-            <a:endParaRPr lang="zh-CN" altLang="en-US" dirty="0"/>
-          </a:p>
-          <a:p>
-            <a:pPr marL="285750" indent="-285750">
-              <a:buFont typeface="Arial" panose="020B0604020202020204" pitchFamily="34" charset="0"/>
-              <a:buChar char="•"/>
-            </a:pPr>
-            <a:endParaRPr lang="zh-CN" altLang="en-US" dirty="0"/>
-          </a:p>
-          <a:p>
-            <a:pPr marL="285750" indent="-285750">
-              <a:buFont typeface="Arial" panose="020B0604020202020204" pitchFamily="34" charset="0"/>
-              <a:buChar char="•"/>
-            </a:pPr>
-            <a:endParaRPr lang="zh-CN" altLang="en-US" dirty="0"/>
-          </a:p>
-          <a:p>
-            <a:pPr marL="285750" indent="-285750">
-              <a:buFont typeface="Arial" panose="020B0604020202020204" pitchFamily="34" charset="0"/>
-              <a:buChar char="•"/>
-            </a:pPr>
-            <a:endParaRPr lang="zh-CN" altLang="en-US" dirty="0"/>
-          </a:p>
-          <a:p>
-            <a:pPr marL="285750" indent="-285750">
-              <a:buFont typeface="Arial" panose="020B0604020202020204" pitchFamily="34" charset="0"/>
-              <a:buChar char="•"/>
-            </a:pPr>
-            <a:endParaRPr lang="zh-CN" altLang="en-US" dirty="0"/>
-          </a:p>
-        </p:txBody>
-      </p:sp>
-      <p:pic>
-        <p:nvPicPr>
-          <p:cNvPr id="4" name="图片 3">
-            <a:extLst>
-              <a:ext uri="{FF2B5EF4-FFF2-40B4-BE49-F238E27FC236}">
-                <a16:creationId xmlns:a16="http://schemas.microsoft.com/office/drawing/2014/main" id="{30F07015-2F03-094A-696A-5D50BFACB80D}"/>
-              </a:ext>
-            </a:extLst>
-          </p:cNvPr>
-          <p:cNvPicPr>
-            <a:picLocks noChangeAspect="1"/>
-          </p:cNvPicPr>
-          <p:nvPr/>
-        </p:nvPicPr>
-        <p:blipFill>
-          <a:blip r:embed="rId3">
-            <a:extLst>
-              <a:ext uri="{28A0092B-C50C-407E-A947-70E740481C1C}">
-                <a14:useLocalDpi xmlns:a14="http://schemas.microsoft.com/office/drawing/2010/main" val="0"/>
-              </a:ext>
-            </a:extLst>
-          </a:blip>
-          <a:stretch>
-            <a:fillRect/>
-          </a:stretch>
-        </p:blipFill>
-        <p:spPr>
-          <a:xfrm>
-            <a:off x="9745182" y="2072273"/>
-            <a:ext cx="1624493" cy="443961"/>
-          </a:xfrm>
-          <a:prstGeom prst="rect">
-            <a:avLst/>
-          </a:prstGeom>
-        </p:spPr>
-      </p:pic>
-    </p:spTree>
-    <p:custDataLst>
-      <p:tags r:id="rId1"/>
-    </p:custDataLst>
-    <p:extLst>
-      <p:ext uri="{BB962C8B-B14F-4D97-AF65-F5344CB8AC3E}">
-        <p14:creationId xmlns:p14="http://schemas.microsoft.com/office/powerpoint/2010/main" val="3884151446"/>
+        <p14:creationId xmlns:p14="http://schemas.microsoft.com/office/powerpoint/2010/main" val="906653231"/>
       </p:ext>
     </p:extLst>
   </p:cSld>
@@ -15594,6 +11291,80 @@
 </p:sld>
 </file>
 
+<file path=ppt/slides/slide9.xml><?xml version="1.0" encoding="utf-8"?>
+<p:sld xmlns:a="http://schemas.openxmlformats.org/drawingml/2006/main" xmlns:r="http://schemas.openxmlformats.org/officeDocument/2006/relationships" xmlns:p="http://schemas.openxmlformats.org/presentationml/2006/main">
+  <p:cSld>
+    <p:spTree>
+      <p:nvGrpSpPr>
+        <p:cNvPr id="1" name=""/>
+        <p:cNvGrpSpPr/>
+        <p:nvPr/>
+      </p:nvGrpSpPr>
+      <p:grpSpPr>
+        <a:xfrm>
+          <a:off x="0" y="0"/>
+          <a:ext cx="0" cy="0"/>
+          <a:chOff x="0" y="0"/>
+          <a:chExt cx="0" cy="0"/>
+        </a:xfrm>
+      </p:grpSpPr>
+      <p:sp>
+        <p:nvSpPr>
+          <p:cNvPr id="2" name="标题 1"/>
+          <p:cNvSpPr>
+            <a:spLocks noGrp="1"/>
+          </p:cNvSpPr>
+          <p:nvPr>
+            <p:ph type="title"/>
+          </p:nvPr>
+        </p:nvSpPr>
+        <p:spPr/>
+        <p:txBody>
+          <a:bodyPr/>
+          <a:lstStyle/>
+          <a:p>
+            <a:r>
+              <a:rPr lang="zh-CN" altLang="en-US" dirty="0">
+                <a:sym typeface="+mn-ea"/>
+              </a:rPr>
+              <a:t>主问题：</a:t>
+            </a:r>
+            <a:br>
+              <a:rPr lang="en-US" altLang="zh-CN" dirty="0"/>
+            </a:br>
+            <a:r>
+              <a:rPr lang="zh-CN" altLang="en-US" dirty="0"/>
+              <a:t>如何更接近损失函数的极小值？</a:t>
+            </a:r>
+            <a:br>
+              <a:rPr lang="en-US" altLang="zh-CN" dirty="0"/>
+            </a:br>
+            <a:r>
+              <a:rPr lang="zh-CN" altLang="en-US" dirty="0">
+                <a:sym typeface="+mn-ea"/>
+              </a:rPr>
+              <a:t>	</a:t>
+            </a:r>
+            <a:endParaRPr lang="zh-CN" altLang="en-US" dirty="0"/>
+          </a:p>
+        </p:txBody>
+      </p:sp>
+    </p:spTree>
+    <p:custDataLst>
+      <p:tags r:id="rId1"/>
+    </p:custDataLst>
+    <p:extLst>
+      <p:ext uri="{BB962C8B-B14F-4D97-AF65-F5344CB8AC3E}">
+        <p14:creationId xmlns:p14="http://schemas.microsoft.com/office/powerpoint/2010/main" val="1892095085"/>
+      </p:ext>
+    </p:extLst>
+  </p:cSld>
+  <p:clrMapOvr>
+    <a:masterClrMapping/>
+  </p:clrMapOvr>
+</p:sld>
+</file>
+
 <file path=ppt/tags/tag1.xml><?xml version="1.0" encoding="utf-8"?>
 <p:tagLst xmlns:a="http://schemas.openxmlformats.org/drawingml/2006/main" xmlns:r="http://schemas.openxmlformats.org/officeDocument/2006/relationships" xmlns:p="http://schemas.openxmlformats.org/presentationml/2006/main">
   <p:tag name="KSO_DOCER_TEMPLATE_OPEN_ONCE_MARK" val="1"/>
@@ -15611,15 +11382,6 @@
   <p:tag name="KSO_WM_UNIT_LAYERLEVEL" val="1"/>
   <p:tag name="KSO_WM_TAG_VERSION" val="1.0"/>
   <p:tag name="KSO_WM_BEAUTIFY_FLAG" val="#wm#"/>
-</p:tagLst>
-</file>
-
-<file path=ppt/tags/tag100.xml><?xml version="1.0" encoding="utf-8"?>
-<p:tagLst xmlns:a="http://schemas.openxmlformats.org/drawingml/2006/main" xmlns:r="http://schemas.openxmlformats.org/officeDocument/2006/relationships" xmlns:p="http://schemas.openxmlformats.org/presentationml/2006/main">
-  <p:tag name="KSO_WM_BEAUTIFY_FLAG" val="#wm#"/>
-  <p:tag name="KSO_WM_TEMPLATE_CATEGORY" val="custom"/>
-  <p:tag name="KSO_WM_TEMPLATE_INDEX" val="20187308"/>
-  <p:tag name="KSO_WM_SPECIAL_SOURCE" val="bdnull"/>
 </p:tagLst>
 </file>
 
@@ -16683,87 +12445,6 @@
 </file>
 
 <file path=ppt/tags/tag90.xml><?xml version="1.0" encoding="utf-8"?>
-<p:tagLst xmlns:a="http://schemas.openxmlformats.org/drawingml/2006/main" xmlns:r="http://schemas.openxmlformats.org/officeDocument/2006/relationships" xmlns:p="http://schemas.openxmlformats.org/presentationml/2006/main">
-  <p:tag name="KSO_WM_BEAUTIFY_FLAG" val="#wm#"/>
-  <p:tag name="KSO_WM_TEMPLATE_CATEGORY" val="custom"/>
-  <p:tag name="KSO_WM_TEMPLATE_INDEX" val="20187308"/>
-  <p:tag name="KSO_WM_SPECIAL_SOURCE" val="bdnull"/>
-</p:tagLst>
-</file>
-
-<file path=ppt/tags/tag91.xml><?xml version="1.0" encoding="utf-8"?>
-<p:tagLst xmlns:a="http://schemas.openxmlformats.org/drawingml/2006/main" xmlns:r="http://schemas.openxmlformats.org/officeDocument/2006/relationships" xmlns:p="http://schemas.openxmlformats.org/presentationml/2006/main">
-  <p:tag name="KSO_WM_BEAUTIFY_FLAG" val="#wm#"/>
-  <p:tag name="KSO_WM_TEMPLATE_CATEGORY" val="custom"/>
-  <p:tag name="KSO_WM_TEMPLATE_INDEX" val="20187308"/>
-  <p:tag name="KSO_WM_SPECIAL_SOURCE" val="bdnull"/>
-</p:tagLst>
-</file>
-
-<file path=ppt/tags/tag92.xml><?xml version="1.0" encoding="utf-8"?>
-<p:tagLst xmlns:a="http://schemas.openxmlformats.org/drawingml/2006/main" xmlns:r="http://schemas.openxmlformats.org/officeDocument/2006/relationships" xmlns:p="http://schemas.openxmlformats.org/presentationml/2006/main">
-  <p:tag name="KSO_WM_BEAUTIFY_FLAG" val="#wm#"/>
-  <p:tag name="KSO_WM_TEMPLATE_CATEGORY" val="custom"/>
-  <p:tag name="KSO_WM_TEMPLATE_INDEX" val="20187308"/>
-  <p:tag name="KSO_WM_SPECIAL_SOURCE" val="bdnull"/>
-</p:tagLst>
-</file>
-
-<file path=ppt/tags/tag93.xml><?xml version="1.0" encoding="utf-8"?>
-<p:tagLst xmlns:a="http://schemas.openxmlformats.org/drawingml/2006/main" xmlns:r="http://schemas.openxmlformats.org/officeDocument/2006/relationships" xmlns:p="http://schemas.openxmlformats.org/presentationml/2006/main">
-  <p:tag name="KSO_WM_BEAUTIFY_FLAG" val="#wm#"/>
-  <p:tag name="KSO_WM_TEMPLATE_CATEGORY" val="custom"/>
-  <p:tag name="KSO_WM_TEMPLATE_INDEX" val="20187308"/>
-  <p:tag name="KSO_WM_SPECIAL_SOURCE" val="bdnull"/>
-</p:tagLst>
-</file>
-
-<file path=ppt/tags/tag94.xml><?xml version="1.0" encoding="utf-8"?>
-<p:tagLst xmlns:a="http://schemas.openxmlformats.org/drawingml/2006/main" xmlns:r="http://schemas.openxmlformats.org/officeDocument/2006/relationships" xmlns:p="http://schemas.openxmlformats.org/presentationml/2006/main">
-  <p:tag name="KSO_WM_BEAUTIFY_FLAG" val="#wm#"/>
-  <p:tag name="KSO_WM_TEMPLATE_CATEGORY" val="custom"/>
-  <p:tag name="KSO_WM_TEMPLATE_INDEX" val="20187308"/>
-  <p:tag name="KSO_WM_SPECIAL_SOURCE" val="bdnull"/>
-</p:tagLst>
-</file>
-
-<file path=ppt/tags/tag95.xml><?xml version="1.0" encoding="utf-8"?>
-<p:tagLst xmlns:a="http://schemas.openxmlformats.org/drawingml/2006/main" xmlns:r="http://schemas.openxmlformats.org/officeDocument/2006/relationships" xmlns:p="http://schemas.openxmlformats.org/presentationml/2006/main">
-  <p:tag name="KSO_WM_BEAUTIFY_FLAG" val="#wm#"/>
-  <p:tag name="KSO_WM_TEMPLATE_CATEGORY" val="custom"/>
-  <p:tag name="KSO_WM_TEMPLATE_INDEX" val="20187308"/>
-  <p:tag name="KSO_WM_SPECIAL_SOURCE" val="bdnull"/>
-</p:tagLst>
-</file>
-
-<file path=ppt/tags/tag96.xml><?xml version="1.0" encoding="utf-8"?>
-<p:tagLst xmlns:a="http://schemas.openxmlformats.org/drawingml/2006/main" xmlns:r="http://schemas.openxmlformats.org/officeDocument/2006/relationships" xmlns:p="http://schemas.openxmlformats.org/presentationml/2006/main">
-  <p:tag name="KSO_WM_BEAUTIFY_FLAG" val="#wm#"/>
-  <p:tag name="KSO_WM_TEMPLATE_CATEGORY" val="custom"/>
-  <p:tag name="KSO_WM_TEMPLATE_INDEX" val="20187308"/>
-  <p:tag name="KSO_WM_SPECIAL_SOURCE" val="bdnull"/>
-</p:tagLst>
-</file>
-
-<file path=ppt/tags/tag97.xml><?xml version="1.0" encoding="utf-8"?>
-<p:tagLst xmlns:a="http://schemas.openxmlformats.org/drawingml/2006/main" xmlns:r="http://schemas.openxmlformats.org/officeDocument/2006/relationships" xmlns:p="http://schemas.openxmlformats.org/presentationml/2006/main">
-  <p:tag name="KSO_WM_BEAUTIFY_FLAG" val="#wm#"/>
-  <p:tag name="KSO_WM_TEMPLATE_CATEGORY" val="custom"/>
-  <p:tag name="KSO_WM_TEMPLATE_INDEX" val="20187308"/>
-  <p:tag name="KSO_WM_SPECIAL_SOURCE" val="bdnull"/>
-</p:tagLst>
-</file>
-
-<file path=ppt/tags/tag98.xml><?xml version="1.0" encoding="utf-8"?>
-<p:tagLst xmlns:a="http://schemas.openxmlformats.org/drawingml/2006/main" xmlns:r="http://schemas.openxmlformats.org/officeDocument/2006/relationships" xmlns:p="http://schemas.openxmlformats.org/presentationml/2006/main">
-  <p:tag name="KSO_WM_BEAUTIFY_FLAG" val="#wm#"/>
-  <p:tag name="KSO_WM_TEMPLATE_CATEGORY" val="custom"/>
-  <p:tag name="KSO_WM_TEMPLATE_INDEX" val="20187308"/>
-  <p:tag name="KSO_WM_SPECIAL_SOURCE" val="bdnull"/>
-</p:tagLst>
-</file>
-
-<file path=ppt/tags/tag99.xml><?xml version="1.0" encoding="utf-8"?>
 <p:tagLst xmlns:a="http://schemas.openxmlformats.org/drawingml/2006/main" xmlns:r="http://schemas.openxmlformats.org/officeDocument/2006/relationships" xmlns:p="http://schemas.openxmlformats.org/presentationml/2006/main">
   <p:tag name="KSO_WM_BEAUTIFY_FLAG" val="#wm#"/>
   <p:tag name="KSO_WM_TEMPLATE_CATEGORY" val="custom"/>

--- a/lessons/7_mini_batch/ppt/使用小批量随机梯度下降.pptx
+++ b/lessons/7_mini_batch/ppt/使用小批量随机梯度下降.pptx
@@ -229,7 +229,7 @@
                 <a:latin typeface="微软雅黑" panose="020B0503020204020204" charset="-122"/>
                 <a:ea typeface="微软雅黑" panose="020B0503020204020204" charset="-122"/>
               </a:rPr>
-              <a:t>2022/11/11</a:t>
+              <a:t>2022/12/2</a:t>
             </a:fld>
             <a:endParaRPr lang="zh-CN" altLang="en-US">
               <a:latin typeface="微软雅黑" panose="020B0503020204020204" charset="-122"/>
@@ -412,7 +412,7 @@
           <a:p>
             <a:fld id="{1AC49D05-6128-4D0D-A32A-06A5E73B386C}" type="datetimeFigureOut">
               <a:rPr lang="zh-CN" altLang="en-US" smtClean="0"/>
-              <a:t>2022/11/11</a:t>
+              <a:t>2022/12/2</a:t>
             </a:fld>
             <a:endParaRPr lang="zh-CN" altLang="en-US"/>
           </a:p>
@@ -1074,7 +1074,7 @@
           <a:p>
             <a:fld id="{9EFD9D74-47D9-4702-A33C-335B63B48DBF}" type="datetimeFigureOut">
               <a:rPr lang="zh-CN" altLang="en-US" smtClean="0"/>
-              <a:t>2022/11/11</a:t>
+              <a:t>2022/12/2</a:t>
             </a:fld>
             <a:endParaRPr lang="zh-CN" altLang="en-US" dirty="0"/>
           </a:p>
@@ -1407,7 +1407,7 @@
           <a:p>
             <a:fld id="{760FBDFE-C587-4B4C-A407-44438C67B59E}" type="datetimeFigureOut">
               <a:rPr lang="zh-CN" altLang="en-US" smtClean="0"/>
-              <a:t>2022/11/11</a:t>
+              <a:t>2022/12/2</a:t>
             </a:fld>
             <a:endParaRPr lang="zh-CN" altLang="en-US"/>
           </a:p>
@@ -1580,7 +1580,7 @@
           <a:p>
             <a:fld id="{9EFD9D74-47D9-4702-A33C-335B63B48DBF}" type="datetimeFigureOut">
               <a:rPr lang="zh-CN" altLang="en-US" smtClean="0"/>
-              <a:t>2022/11/11</a:t>
+              <a:t>2022/12/2</a:t>
             </a:fld>
             <a:endParaRPr lang="zh-CN" altLang="en-US" dirty="0"/>
           </a:p>
@@ -2105,7 +2105,7 @@
           <a:p>
             <a:fld id="{760FBDFE-C587-4B4C-A407-44438C67B59E}" type="datetimeFigureOut">
               <a:rPr lang="zh-CN" altLang="en-US" smtClean="0"/>
-              <a:t>2022/11/11</a:t>
+              <a:t>2022/12/2</a:t>
             </a:fld>
             <a:endParaRPr lang="zh-CN" altLang="en-US"/>
           </a:p>
@@ -2853,7 +2853,7 @@
           <a:p>
             <a:fld id="{760FBDFE-C587-4B4C-A407-44438C67B59E}" type="datetimeFigureOut">
               <a:rPr lang="zh-CN" altLang="en-US" smtClean="0"/>
-              <a:t>2022/11/11</a:t>
+              <a:t>2022/12/2</a:t>
             </a:fld>
             <a:endParaRPr lang="zh-CN" altLang="en-US"/>
           </a:p>
@@ -3019,7 +3019,7 @@
           <a:p>
             <a:fld id="{760FBDFE-C587-4B4C-A407-44438C67B59E}" type="datetimeFigureOut">
               <a:rPr lang="zh-CN" altLang="en-US" smtClean="0"/>
-              <a:t>2022/11/11</a:t>
+              <a:t>2022/12/2</a:t>
             </a:fld>
             <a:endParaRPr lang="zh-CN" altLang="en-US"/>
           </a:p>
@@ -3133,7 +3133,7 @@
           <a:p>
             <a:fld id="{760FBDFE-C587-4B4C-A407-44438C67B59E}" type="datetimeFigureOut">
               <a:rPr lang="zh-CN" altLang="en-US" smtClean="0"/>
-              <a:t>2022/11/11</a:t>
+              <a:t>2022/12/2</a:t>
             </a:fld>
             <a:endParaRPr lang="zh-CN" altLang="en-US"/>
           </a:p>
@@ -3463,7 +3463,7 @@
           <a:p>
             <a:fld id="{9EFD9D74-47D9-4702-A33C-335B63B48DBF}" type="datetimeFigureOut">
               <a:rPr lang="zh-CN" altLang="en-US" smtClean="0"/>
-              <a:t>2022/11/11</a:t>
+              <a:t>2022/12/2</a:t>
             </a:fld>
             <a:endParaRPr lang="zh-CN" altLang="en-US" dirty="0"/>
           </a:p>
@@ -3976,7 +3976,7 @@
           <a:p>
             <a:fld id="{760FBDFE-C587-4B4C-A407-44438C67B59E}" type="datetimeFigureOut">
               <a:rPr lang="zh-CN" altLang="en-US" smtClean="0"/>
-              <a:t>2022/11/11</a:t>
+              <a:t>2022/12/2</a:t>
             </a:fld>
             <a:endParaRPr lang="zh-CN" altLang="en-US"/>
           </a:p>
@@ -4090,7 +4090,7 @@
           <a:p>
             <a:fld id="{760FBDFE-C587-4B4C-A407-44438C67B59E}" type="datetimeFigureOut">
               <a:rPr lang="zh-CN" altLang="en-US" smtClean="0"/>
-              <a:t>2022/11/11</a:t>
+              <a:t>2022/12/2</a:t>
             </a:fld>
             <a:endParaRPr lang="zh-CN" altLang="en-US"/>
           </a:p>
@@ -4378,7 +4378,7 @@
           <a:p>
             <a:fld id="{82F288E0-7875-42C4-84C8-98DBBD3BF4D2}" type="datetimeFigureOut">
               <a:rPr lang="zh-CN" altLang="en-US" smtClean="0"/>
-              <a:t>2022/11/11</a:t>
+              <a:t>2022/12/2</a:t>
             </a:fld>
             <a:endParaRPr lang="zh-CN" altLang="en-US"/>
           </a:p>
@@ -4837,7 +4837,7 @@
           <a:p>
             <a:fld id="{760FBDFE-C587-4B4C-A407-44438C67B59E}" type="datetimeFigureOut">
               <a:rPr lang="zh-CN" altLang="en-US" smtClean="0"/>
-              <a:t>2022/11/11</a:t>
+              <a:t>2022/12/2</a:t>
             </a:fld>
             <a:endParaRPr lang="zh-CN" altLang="en-US"/>
           </a:p>
@@ -5506,7 +5506,7 @@
           <a:p>
             <a:fld id="{9EFD9D74-47D9-4702-A33C-335B63B48DBF}" type="datetimeFigureOut">
               <a:rPr lang="zh-CN" altLang="en-US" smtClean="0"/>
-              <a:t>2022/11/11</a:t>
+              <a:t>2022/12/2</a:t>
             </a:fld>
             <a:endParaRPr lang="zh-CN" altLang="en-US" dirty="0"/>
           </a:p>
@@ -5654,7 +5654,7 @@
           <a:p>
             <a:fld id="{9EFD9D74-47D9-4702-A33C-335B63B48DBF}" type="datetimeFigureOut">
               <a:rPr lang="zh-CN" altLang="en-US" smtClean="0"/>
-              <a:t>2022/11/11</a:t>
+              <a:t>2022/12/2</a:t>
             </a:fld>
             <a:endParaRPr lang="zh-CN" altLang="en-US" dirty="0"/>
           </a:p>
@@ -6931,6 +6931,53 @@
           </a:extLst>
         </p:spPr>
       </p:pic>
+      <p:pic>
+        <p:nvPicPr>
+          <p:cNvPr id="1026" name="Picture 2" descr="image">
+            <a:extLst>
+              <a:ext uri="{FF2B5EF4-FFF2-40B4-BE49-F238E27FC236}">
+                <a16:creationId xmlns:a16="http://schemas.microsoft.com/office/drawing/2014/main" id="{8D3F4B5E-CB32-62A0-FADB-55872080534C}"/>
+              </a:ext>
+            </a:extLst>
+          </p:cNvPr>
+          <p:cNvPicPr>
+            <a:picLocks noChangeAspect="1" noChangeArrowheads="1"/>
+          </p:cNvPicPr>
+          <p:nvPr/>
+        </p:nvPicPr>
+        <p:blipFill>
+          <a:blip r:embed="rId4">
+            <a:extLst>
+              <a:ext uri="{28A0092B-C50C-407E-A947-70E740481C1C}">
+                <a14:useLocalDpi xmlns:a14="http://schemas.microsoft.com/office/drawing/2010/main" val="0"/>
+              </a:ext>
+            </a:extLst>
+          </a:blip>
+          <a:srcRect/>
+          <a:stretch>
+            <a:fillRect/>
+          </a:stretch>
+        </p:blipFill>
+        <p:spPr bwMode="auto">
+          <a:xfrm>
+            <a:off x="2383926" y="3680209"/>
+            <a:ext cx="4815883" cy="2419141"/>
+          </a:xfrm>
+          <a:prstGeom prst="rect">
+            <a:avLst/>
+          </a:prstGeom>
+          <a:noFill/>
+          <a:extLst>
+            <a:ext uri="{909E8E84-426E-40DD-AFC4-6F175D3DCCD1}">
+              <a14:hiddenFill xmlns:a14="http://schemas.microsoft.com/office/drawing/2010/main">
+                <a:solidFill>
+                  <a:srgbClr val="FFFFFF"/>
+                </a:solidFill>
+              </a14:hiddenFill>
+            </a:ext>
+          </a:extLst>
+        </p:spPr>
+      </p:pic>
     </p:spTree>
     <p:custDataLst>
       <p:tags r:id="rId1"/>
@@ -7381,48 +7428,7 @@
             </a:pPr>
             <a:r>
               <a:rPr lang="zh-CN" altLang="en-US" dirty="0"/>
-              <a:t>对于随机梯度下降，梯度等于什么？</a:t>
-            </a:r>
-            <a:endParaRPr lang="en-US" altLang="zh-CN" dirty="0"/>
-          </a:p>
-          <a:p>
-            <a:pPr marL="285750" indent="-285750">
-              <a:buFont typeface="Arial" panose="020B0604020202020204" pitchFamily="34" charset="0"/>
-              <a:buChar char="•"/>
-            </a:pPr>
-            <a:r>
-              <a:rPr lang="zh-CN" altLang="en-US" dirty="0"/>
               <a:t>对于小批量随机梯度下降，梯度等于什么？</a:t>
-            </a:r>
-            <a:endParaRPr lang="en-US" altLang="zh-CN" dirty="0"/>
-          </a:p>
-          <a:p>
-            <a:pPr marL="285750" indent="-285750">
-              <a:buFont typeface="Arial" panose="020B0604020202020204" pitchFamily="34" charset="0"/>
-              <a:buChar char="•"/>
-            </a:pPr>
-            <a:r>
-              <a:rPr lang="en-US" altLang="zh-CN" dirty="0"/>
-              <a:t>TODO </a:t>
-            </a:r>
-            <a:r>
-              <a:rPr lang="zh-CN" altLang="en-US" dirty="0"/>
-              <a:t>如何计算期望？</a:t>
-            </a:r>
-            <a:endParaRPr lang="en-US" altLang="zh-CN" dirty="0"/>
-          </a:p>
-          <a:p>
-            <a:pPr marL="285750" indent="-285750">
-              <a:buFont typeface="Arial" panose="020B0604020202020204" pitchFamily="34" charset="0"/>
-              <a:buChar char="•"/>
-            </a:pPr>
-            <a:r>
-              <a:rPr lang="en-US" altLang="zh-CN" dirty="0"/>
-              <a:t>TODO </a:t>
-            </a:r>
-            <a:r>
-              <a:rPr lang="zh-CN" altLang="en-US" dirty="0"/>
-              <a:t>如何计算标准差？</a:t>
             </a:r>
             <a:endParaRPr lang="en-US" altLang="zh-CN" dirty="0"/>
           </a:p>
@@ -7554,8 +7560,44 @@
         </p:blipFill>
         <p:spPr>
           <a:xfrm>
-            <a:off x="8623300" y="1477834"/>
+            <a:off x="8335247" y="1645896"/>
             <a:ext cx="2260600" cy="876300"/>
+          </a:xfrm>
+          <a:prstGeom prst="rect">
+            <a:avLst/>
+          </a:prstGeom>
+        </p:spPr>
+      </p:pic>
+      <p:pic>
+        <p:nvPicPr>
+          <p:cNvPr id="7" name="图片 6">
+            <a:extLst>
+              <a:ext uri="{FF2B5EF4-FFF2-40B4-BE49-F238E27FC236}">
+                <a16:creationId xmlns:a16="http://schemas.microsoft.com/office/drawing/2014/main" id="{78066E8A-9077-8B2F-BD09-2696C63352EC}"/>
+              </a:ext>
+            </a:extLst>
+          </p:cNvPr>
+          <p:cNvPicPr>
+            <a:picLocks noChangeAspect="1"/>
+          </p:cNvPicPr>
+          <p:nvPr/>
+        </p:nvPicPr>
+        <p:blipFill>
+          <a:blip r:embed="rId4">
+            <a:extLst>
+              <a:ext uri="{28A0092B-C50C-407E-A947-70E740481C1C}">
+                <a14:useLocalDpi xmlns:a14="http://schemas.microsoft.com/office/drawing/2010/main" val="0"/>
+              </a:ext>
+            </a:extLst>
+          </a:blip>
+          <a:stretch>
+            <a:fillRect/>
+          </a:stretch>
+        </p:blipFill>
+        <p:spPr>
+          <a:xfrm>
+            <a:off x="8244812" y="3011281"/>
+            <a:ext cx="1955800" cy="952500"/>
           </a:xfrm>
           <a:prstGeom prst="rect">
             <a:avLst/>
@@ -7564,10 +7606,10 @@
       </p:pic>
       <p:sp>
         <p:nvSpPr>
-          <p:cNvPr id="5" name="文本框 4">
+          <p:cNvPr id="8" name="文本框 7">
             <a:extLst>
               <a:ext uri="{FF2B5EF4-FFF2-40B4-BE49-F238E27FC236}">
-                <a16:creationId xmlns:a16="http://schemas.microsoft.com/office/drawing/2014/main" id="{49463C5F-ABB7-EF19-3D73-47A8F79E516C}"/>
+                <a16:creationId xmlns:a16="http://schemas.microsoft.com/office/drawing/2014/main" id="{063630C6-1C42-26A5-3EF7-5E515D3A85FC}"/>
               </a:ext>
             </a:extLst>
           </p:cNvPr>
@@ -7576,8 +7618,8 @@
         </p:nvSpPr>
         <p:spPr>
           <a:xfrm>
-            <a:off x="8018584" y="3429000"/>
-            <a:ext cx="1373133" cy="369332"/>
+            <a:off x="6410849" y="4129873"/>
+            <a:ext cx="5647174" cy="923330"/>
           </a:xfrm>
           <a:prstGeom prst="rect">
             <a:avLst/>
@@ -7585,22 +7627,61 @@
           <a:noFill/>
         </p:spPr>
         <p:txBody>
-          <a:bodyPr wrap="none" rtlCol="0">
+          <a:bodyPr wrap="square" rtlCol="0">
             <a:spAutoFit/>
           </a:bodyPr>
           <a:lstStyle/>
           <a:p>
             <a:r>
-              <a:rPr kumimoji="1" lang="en-US" altLang="zh-CN" dirty="0"/>
-              <a:t>TODO </a:t>
-            </a:r>
-            <a:r>
               <a:rPr kumimoji="1" lang="zh-CN" altLang="en-US" dirty="0"/>
-              <a:t>公式</a:t>
+              <a:t>一样。</a:t>
+            </a:r>
+            <a:endParaRPr kumimoji="1" lang="en-US" altLang="zh-CN" dirty="0"/>
+          </a:p>
+          <a:p>
+            <a:r>
+              <a:rPr kumimoji="1" lang="zh-CN" altLang="en-US" dirty="0"/>
+              <a:t>因为期望约等于平均值，而小批量随机梯度下降的梯度就是在计算平均值，所以没有改变期望</a:t>
             </a:r>
           </a:p>
         </p:txBody>
       </p:sp>
+      <p:pic>
+        <p:nvPicPr>
+          <p:cNvPr id="13" name="图片 12">
+            <a:extLst>
+              <a:ext uri="{FF2B5EF4-FFF2-40B4-BE49-F238E27FC236}">
+                <a16:creationId xmlns:a16="http://schemas.microsoft.com/office/drawing/2014/main" id="{96A20319-034C-5445-B0F6-48E94D8828EF}"/>
+              </a:ext>
+            </a:extLst>
+          </p:cNvPr>
+          <p:cNvPicPr>
+            <a:picLocks noChangeAspect="1"/>
+          </p:cNvPicPr>
+          <p:nvPr/>
+        </p:nvPicPr>
+        <p:blipFill>
+          <a:blip r:embed="rId5">
+            <a:extLst>
+              <a:ext uri="{28A0092B-C50C-407E-A947-70E740481C1C}">
+                <a14:useLocalDpi xmlns:a14="http://schemas.microsoft.com/office/drawing/2010/main" val="0"/>
+              </a:ext>
+            </a:extLst>
+          </a:blip>
+          <a:stretch>
+            <a:fillRect/>
+          </a:stretch>
+        </p:blipFill>
+        <p:spPr>
+          <a:xfrm>
+            <a:off x="2903973" y="5053203"/>
+            <a:ext cx="3048000" cy="1054100"/>
+          </a:xfrm>
+          <a:prstGeom prst="rect">
+            <a:avLst/>
+          </a:prstGeom>
+        </p:spPr>
+      </p:pic>
     </p:spTree>
     <p:custDataLst>
       <p:tags r:id="rId1"/>
@@ -8007,7 +8088,7 @@
             </a:pPr>
             <a:r>
               <a:rPr lang="zh-CN" altLang="en-US" dirty="0"/>
-              <a:t>小批量随机梯度下降相比随机梯度下降，期望和标准差有无变化？</a:t>
+              <a:t>小批量随机梯度下降相比随机梯度下降，期望和标准差有什么变化？</a:t>
             </a:r>
             <a:endParaRPr lang="en-US" altLang="zh-CN" dirty="0"/>
           </a:p>
@@ -8106,45 +8187,100 @@
           </a:p>
         </p:txBody>
       </p:sp>
-      <p:sp>
-        <p:nvSpPr>
-          <p:cNvPr id="2" name="文本框 1">
+      <p:pic>
+        <p:nvPicPr>
+          <p:cNvPr id="4" name="Picture 2" descr="image">
             <a:extLst>
               <a:ext uri="{FF2B5EF4-FFF2-40B4-BE49-F238E27FC236}">
-                <a16:creationId xmlns:a16="http://schemas.microsoft.com/office/drawing/2014/main" id="{949EDE4F-4BD3-C28A-83B8-53CCDD82B211}"/>
+                <a16:creationId xmlns:a16="http://schemas.microsoft.com/office/drawing/2014/main" id="{5AD781A7-9D70-5A62-C2AB-BD14C211F0F3}"/>
               </a:ext>
             </a:extLst>
           </p:cNvPr>
-          <p:cNvSpPr txBox="1"/>
+          <p:cNvPicPr>
+            <a:picLocks noChangeAspect="1" noChangeArrowheads="1"/>
+          </p:cNvPicPr>
           <p:nvPr/>
-        </p:nvSpPr>
-        <p:spPr>
+        </p:nvPicPr>
+        <p:blipFill>
+          <a:blip r:embed="rId3">
+            <a:extLst>
+              <a:ext uri="{28A0092B-C50C-407E-A947-70E740481C1C}">
+                <a14:useLocalDpi xmlns:a14="http://schemas.microsoft.com/office/drawing/2010/main" val="0"/>
+              </a:ext>
+            </a:extLst>
+          </a:blip>
+          <a:srcRect/>
+          <a:stretch>
+            <a:fillRect/>
+          </a:stretch>
+        </p:blipFill>
+        <p:spPr bwMode="auto">
           <a:xfrm>
-            <a:off x="9047564" y="1778635"/>
-            <a:ext cx="2322111" cy="369332"/>
+            <a:off x="6172155" y="3797309"/>
+            <a:ext cx="4815883" cy="2419141"/>
           </a:xfrm>
           <a:prstGeom prst="rect">
             <a:avLst/>
           </a:prstGeom>
           <a:noFill/>
+          <a:extLst>
+            <a:ext uri="{909E8E84-426E-40DD-AFC4-6F175D3DCCD1}">
+              <a14:hiddenFill xmlns:a14="http://schemas.microsoft.com/office/drawing/2010/main">
+                <a:solidFill>
+                  <a:srgbClr val="FFFFFF"/>
+                </a:solidFill>
+              </a14:hiddenFill>
+            </a:ext>
+          </a:extLst>
         </p:spPr>
-        <p:txBody>
-          <a:bodyPr wrap="none" rtlCol="0">
-            <a:spAutoFit/>
-          </a:bodyPr>
-          <a:lstStyle/>
-          <a:p>
-            <a:r>
-              <a:rPr kumimoji="1" lang="en-US" altLang="zh-CN" dirty="0"/>
-              <a:t>TODO </a:t>
-            </a:r>
-            <a:r>
-              <a:rPr kumimoji="1" lang="zh-CN" altLang="en-US" dirty="0"/>
-              <a:t>三种方法的图</a:t>
-            </a:r>
-          </a:p>
-        </p:txBody>
-      </p:sp>
+      </p:pic>
+      <p:pic>
+        <p:nvPicPr>
+          <p:cNvPr id="5" name="Picture 2" descr="image">
+            <a:extLst>
+              <a:ext uri="{FF2B5EF4-FFF2-40B4-BE49-F238E27FC236}">
+                <a16:creationId xmlns:a16="http://schemas.microsoft.com/office/drawing/2014/main" id="{F0B2ACF7-D2EC-80CC-6F73-F74470A5D5C4}"/>
+              </a:ext>
+            </a:extLst>
+          </p:cNvPr>
+          <p:cNvPicPr>
+            <a:picLocks noChangeAspect="1" noChangeArrowheads="1"/>
+          </p:cNvPicPr>
+          <p:nvPr/>
+        </p:nvPicPr>
+        <p:blipFill>
+          <a:blip r:embed="rId4">
+            <a:extLst>
+              <a:ext uri="{28A0092B-C50C-407E-A947-70E740481C1C}">
+                <a14:useLocalDpi xmlns:a14="http://schemas.microsoft.com/office/drawing/2010/main" val="0"/>
+              </a:ext>
+            </a:extLst>
+          </a:blip>
+          <a:srcRect/>
+          <a:stretch>
+            <a:fillRect/>
+          </a:stretch>
+        </p:blipFill>
+        <p:spPr bwMode="auto">
+          <a:xfrm>
+            <a:off x="3013821" y="3716922"/>
+            <a:ext cx="2784077" cy="2837389"/>
+          </a:xfrm>
+          <a:prstGeom prst="rect">
+            <a:avLst/>
+          </a:prstGeom>
+          <a:noFill/>
+          <a:extLst>
+            <a:ext uri="{909E8E84-426E-40DD-AFC4-6F175D3DCCD1}">
+              <a14:hiddenFill xmlns:a14="http://schemas.microsoft.com/office/drawing/2010/main">
+                <a:solidFill>
+                  <a:srgbClr val="FFFFFF"/>
+                </a:solidFill>
+              </a14:hiddenFill>
+            </a:ext>
+          </a:extLst>
+        </p:spPr>
+      </p:pic>
     </p:spTree>
     <p:custDataLst>
       <p:tags r:id="rId1"/>
@@ -8211,6 +8347,51 @@
                       </p:childTnLst>
                     </p:cTn>
                   </p:par>
+                  <p:par>
+                    <p:cTn id="7" fill="hold">
+                      <p:stCondLst>
+                        <p:cond delay="indefinite"/>
+                      </p:stCondLst>
+                      <p:childTnLst>
+                        <p:par>
+                          <p:cTn id="8" fill="hold">
+                            <p:stCondLst>
+                              <p:cond delay="0"/>
+                            </p:stCondLst>
+                            <p:childTnLst>
+                              <p:par>
+                                <p:cTn id="9" presetID="1" presetClass="entr" presetSubtype="0" fill="hold" nodeType="clickEffect">
+                                  <p:stCondLst>
+                                    <p:cond delay="0"/>
+                                  </p:stCondLst>
+                                  <p:childTnLst>
+                                    <p:set>
+                                      <p:cBhvr>
+                                        <p:cTn id="10" dur="1" fill="hold">
+                                          <p:stCondLst>
+                                            <p:cond delay="0"/>
+                                          </p:stCondLst>
+                                        </p:cTn>
+                                        <p:tgtEl>
+                                          <p:spTgt spid="5"/>
+                                        </p:tgtEl>
+                                        <p:attrNameLst>
+                                          <p:attrName>style.visibility</p:attrName>
+                                        </p:attrNameLst>
+                                      </p:cBhvr>
+                                      <p:to>
+                                        <p:strVal val="visible"/>
+                                      </p:to>
+                                    </p:set>
+                                  </p:childTnLst>
+                                </p:cTn>
+                              </p:par>
+                            </p:childTnLst>
+                          </p:cTn>
+                        </p:par>
+                      </p:childTnLst>
+                    </p:cTn>
+                  </p:par>
                 </p:childTnLst>
               </p:cTn>
               <p:prevCondLst>
@@ -8595,7 +8776,15 @@
             </a:pPr>
             <a:r>
               <a:rPr lang="zh-CN" altLang="en-US" dirty="0"/>
-              <a:t>请每个同学都运行代码，看下运行结果</a:t>
+              <a:t>请每个同学都运行代码，与梯度下降、随机梯度下降比较每轮</a:t>
+            </a:r>
+            <a:r>
+              <a:rPr lang="en-US" altLang="zh-CN" dirty="0"/>
+              <a:t>epoch</a:t>
+            </a:r>
+            <a:r>
+              <a:rPr lang="zh-CN" altLang="en-US" dirty="0"/>
+              <a:t>的时间、收敛速度</a:t>
             </a:r>
             <a:endParaRPr lang="en-US" altLang="zh-CN" dirty="0"/>
           </a:p>
@@ -8604,84 +8793,6 @@
               <a:buFont typeface="Arial" panose="020B0604020202020204" pitchFamily="34" charset="0"/>
               <a:buChar char="•"/>
             </a:pPr>
-            <a:r>
-              <a:rPr lang="zh-CN" altLang="en-US" dirty="0"/>
-              <a:t>请每个同学都运行之前的实现代码，比较两者的不同</a:t>
-            </a:r>
-            <a:r>
-              <a:rPr lang="en-US" altLang="zh-CN" dirty="0"/>
-              <a:t>:</a:t>
-            </a:r>
-          </a:p>
-          <a:p>
-            <a:pPr marL="742950" lvl="1" indent="-285750">
-              <a:buFont typeface="Arial" panose="020B0604020202020204" pitchFamily="34" charset="0"/>
-              <a:buChar char="•"/>
-            </a:pPr>
-            <a:r>
-              <a:rPr lang="zh-CN" altLang="en-US" dirty="0"/>
-              <a:t>每轮</a:t>
-            </a:r>
-            <a:r>
-              <a:rPr lang="en-US" altLang="zh-CN" dirty="0"/>
-              <a:t>epoch</a:t>
-            </a:r>
-            <a:r>
-              <a:rPr lang="zh-CN" altLang="en-US" dirty="0"/>
-              <a:t>的时间是否减少？</a:t>
-            </a:r>
-            <a:endParaRPr lang="en-US" altLang="zh-CN" dirty="0"/>
-          </a:p>
-          <a:p>
-            <a:pPr marL="742950" lvl="1" indent="-285750">
-              <a:buFont typeface="Arial" panose="020B0604020202020204" pitchFamily="34" charset="0"/>
-              <a:buChar char="•"/>
-            </a:pPr>
-            <a:r>
-              <a:rPr lang="zh-CN" altLang="en-US" dirty="0"/>
-              <a:t>收敛速度是否加快？</a:t>
-            </a:r>
-            <a:endParaRPr lang="en-US" altLang="zh-CN" dirty="0"/>
-          </a:p>
-          <a:p>
-            <a:pPr marL="742950" lvl="1" indent="-285750">
-              <a:buFont typeface="Arial" panose="020B0604020202020204" pitchFamily="34" charset="0"/>
-              <a:buChar char="•"/>
-            </a:pPr>
-            <a:endParaRPr lang="en-US" altLang="zh-CN" dirty="0"/>
-          </a:p>
-          <a:p>
-            <a:pPr marL="285750" indent="-285750">
-              <a:buFont typeface="Arial" panose="020B0604020202020204" pitchFamily="34" charset="0"/>
-              <a:buChar char="•"/>
-            </a:pPr>
-            <a:endParaRPr lang="en-US" altLang="zh-CN" dirty="0"/>
-          </a:p>
-          <a:p>
-            <a:pPr marL="285750" indent="-285750">
-              <a:buFont typeface="Arial" panose="020B0604020202020204" pitchFamily="34" charset="0"/>
-              <a:buChar char="•"/>
-            </a:pPr>
-            <a:endParaRPr lang="en-US" altLang="zh-CN" dirty="0"/>
-          </a:p>
-          <a:p>
-            <a:pPr marL="285750" indent="-285750">
-              <a:buFont typeface="Arial" panose="020B0604020202020204" pitchFamily="34" charset="0"/>
-              <a:buChar char="•"/>
-            </a:pPr>
-            <a:endParaRPr lang="en-US" altLang="zh-CN" dirty="0"/>
-          </a:p>
-          <a:p>
-            <a:pPr marL="285750" indent="-285750">
-              <a:buFont typeface="Arial" panose="020B0604020202020204" pitchFamily="34" charset="0"/>
-              <a:buChar char="•"/>
-            </a:pPr>
-            <a:endParaRPr lang="en-US" altLang="zh-CN" dirty="0"/>
-          </a:p>
-          <a:p>
-            <a:endParaRPr lang="en-US" altLang="zh-CN" dirty="0"/>
-          </a:p>
-          <a:p>
             <a:endParaRPr lang="en-US" altLang="zh-CN" dirty="0"/>
           </a:p>
           <a:p>
@@ -9926,9 +10037,10 @@
               <a:buChar char="•"/>
             </a:pPr>
             <a:r>
-              <a:rPr lang="en-US" altLang="zh-CN" dirty="0"/>
-              <a:t>TODO</a:t>
-            </a:r>
+              <a:rPr lang="zh-CN" altLang="en-US" dirty="0"/>
+              <a:t>什么是随机梯度下降？</a:t>
+            </a:r>
+            <a:endParaRPr lang="en-US" altLang="zh-CN" dirty="0"/>
           </a:p>
           <a:p>
             <a:pPr lvl="1"/>
@@ -9986,6 +10098,53 @@
           </a:p>
         </p:txBody>
       </p:sp>
+      <p:pic>
+        <p:nvPicPr>
+          <p:cNvPr id="4" name="Picture 2" descr="image">
+            <a:extLst>
+              <a:ext uri="{FF2B5EF4-FFF2-40B4-BE49-F238E27FC236}">
+                <a16:creationId xmlns:a16="http://schemas.microsoft.com/office/drawing/2014/main" id="{94DB4053-E584-898A-D74D-B3343C307F1D}"/>
+              </a:ext>
+            </a:extLst>
+          </p:cNvPr>
+          <p:cNvPicPr>
+            <a:picLocks noChangeAspect="1" noChangeArrowheads="1"/>
+          </p:cNvPicPr>
+          <p:nvPr/>
+        </p:nvPicPr>
+        <p:blipFill>
+          <a:blip r:embed="rId4">
+            <a:extLst>
+              <a:ext uri="{28A0092B-C50C-407E-A947-70E740481C1C}">
+                <a14:useLocalDpi xmlns:a14="http://schemas.microsoft.com/office/drawing/2010/main" val="0"/>
+              </a:ext>
+            </a:extLst>
+          </a:blip>
+          <a:srcRect/>
+          <a:stretch>
+            <a:fillRect/>
+          </a:stretch>
+        </p:blipFill>
+        <p:spPr bwMode="auto">
+          <a:xfrm>
+            <a:off x="7400133" y="1626235"/>
+            <a:ext cx="3790519" cy="3863103"/>
+          </a:xfrm>
+          <a:prstGeom prst="rect">
+            <a:avLst/>
+          </a:prstGeom>
+          <a:noFill/>
+          <a:extLst>
+            <a:ext uri="{909E8E84-426E-40DD-AFC4-6F175D3DCCD1}">
+              <a14:hiddenFill xmlns:a14="http://schemas.microsoft.com/office/drawing/2010/main">
+                <a:solidFill>
+                  <a:srgbClr val="FFFFFF"/>
+                </a:solidFill>
+              </a14:hiddenFill>
+            </a:ext>
+          </a:extLst>
+        </p:spPr>
+      </p:pic>
     </p:spTree>
     <p:custDataLst>
       <p:tags r:id="rId1"/>
@@ -10033,11 +10192,7 @@
                                           </p:stCondLst>
                                         </p:cTn>
                                         <p:tgtEl>
-                                          <p:spTgt spid="2">
-                                            <p:txEl>
-                                              <p:pRg st="0" end="0"/>
-                                            </p:txEl>
-                                          </p:spTgt>
+                                          <p:spTgt spid="4"/>
                                         </p:tgtEl>
                                         <p:attrNameLst>
                                           <p:attrName>style.visibility</p:attrName>

--- a/lessons/7_mini_batch/ppt/使用小批量随机梯度下降.pptx
+++ b/lessons/7_mini_batch/ppt/使用小批量随机梯度下降.pptx
@@ -7012,7 +7012,7 @@
                             </p:stCondLst>
                             <p:childTnLst>
                               <p:par>
-                                <p:cTn id="5" presetID="1" presetClass="entr" presetSubtype="0" fill="hold" grpId="0" nodeType="clickEffect">
+                                <p:cTn id="5" presetID="1" presetClass="entr" presetSubtype="0" fill="hold" nodeType="clickEffect">
                                   <p:stCondLst>
                                     <p:cond delay="0"/>
                                   </p:stCondLst>
@@ -7025,7 +7025,11 @@
                                           </p:stCondLst>
                                         </p:cTn>
                                         <p:tgtEl>
-                                          <p:spTgt spid="6"/>
+                                          <p:spTgt spid="6">
+                                            <p:txEl>
+                                              <p:pRg st="0" end="0"/>
+                                            </p:txEl>
+                                          </p:spTgt>
                                         </p:tgtEl>
                                         <p:attrNameLst>
                                           <p:attrName>style.visibility</p:attrName>
@@ -7089,6 +7093,198 @@
                       </p:childTnLst>
                     </p:cTn>
                   </p:par>
+                  <p:par>
+                    <p:cTn id="11" fill="hold">
+                      <p:stCondLst>
+                        <p:cond delay="indefinite"/>
+                      </p:stCondLst>
+                      <p:childTnLst>
+                        <p:par>
+                          <p:cTn id="12" fill="hold">
+                            <p:stCondLst>
+                              <p:cond delay="0"/>
+                            </p:stCondLst>
+                            <p:childTnLst>
+                              <p:par>
+                                <p:cTn id="13" presetID="1" presetClass="entr" presetSubtype="0" fill="hold" nodeType="clickEffect">
+                                  <p:stCondLst>
+                                    <p:cond delay="0"/>
+                                  </p:stCondLst>
+                                  <p:childTnLst>
+                                    <p:set>
+                                      <p:cBhvr>
+                                        <p:cTn id="14" dur="1" fill="hold">
+                                          <p:stCondLst>
+                                            <p:cond delay="0"/>
+                                          </p:stCondLst>
+                                        </p:cTn>
+                                        <p:tgtEl>
+                                          <p:spTgt spid="6">
+                                            <p:txEl>
+                                              <p:pRg st="1" end="1"/>
+                                            </p:txEl>
+                                          </p:spTgt>
+                                        </p:tgtEl>
+                                        <p:attrNameLst>
+                                          <p:attrName>style.visibility</p:attrName>
+                                        </p:attrNameLst>
+                                      </p:cBhvr>
+                                      <p:to>
+                                        <p:strVal val="visible"/>
+                                      </p:to>
+                                    </p:set>
+                                  </p:childTnLst>
+                                </p:cTn>
+                              </p:par>
+                            </p:childTnLst>
+                          </p:cTn>
+                        </p:par>
+                      </p:childTnLst>
+                    </p:cTn>
+                  </p:par>
+                  <p:par>
+                    <p:cTn id="15" fill="hold">
+                      <p:stCondLst>
+                        <p:cond delay="indefinite"/>
+                      </p:stCondLst>
+                      <p:childTnLst>
+                        <p:par>
+                          <p:cTn id="16" fill="hold">
+                            <p:stCondLst>
+                              <p:cond delay="0"/>
+                            </p:stCondLst>
+                            <p:childTnLst>
+                              <p:par>
+                                <p:cTn id="17" presetID="1" presetClass="entr" presetSubtype="0" fill="hold" nodeType="clickEffect">
+                                  <p:stCondLst>
+                                    <p:cond delay="0"/>
+                                  </p:stCondLst>
+                                  <p:childTnLst>
+                                    <p:set>
+                                      <p:cBhvr>
+                                        <p:cTn id="18" dur="1" fill="hold">
+                                          <p:stCondLst>
+                                            <p:cond delay="0"/>
+                                          </p:stCondLst>
+                                        </p:cTn>
+                                        <p:tgtEl>
+                                          <p:spTgt spid="6">
+                                            <p:txEl>
+                                              <p:pRg st="2" end="2"/>
+                                            </p:txEl>
+                                          </p:spTgt>
+                                        </p:tgtEl>
+                                        <p:attrNameLst>
+                                          <p:attrName>style.visibility</p:attrName>
+                                        </p:attrNameLst>
+                                      </p:cBhvr>
+                                      <p:to>
+                                        <p:strVal val="visible"/>
+                                      </p:to>
+                                    </p:set>
+                                  </p:childTnLst>
+                                </p:cTn>
+                              </p:par>
+                            </p:childTnLst>
+                          </p:cTn>
+                        </p:par>
+                      </p:childTnLst>
+                    </p:cTn>
+                  </p:par>
+                  <p:par>
+                    <p:cTn id="19" fill="hold">
+                      <p:stCondLst>
+                        <p:cond delay="indefinite"/>
+                      </p:stCondLst>
+                      <p:childTnLst>
+                        <p:par>
+                          <p:cTn id="20" fill="hold">
+                            <p:stCondLst>
+                              <p:cond delay="0"/>
+                            </p:stCondLst>
+                            <p:childTnLst>
+                              <p:par>
+                                <p:cTn id="21" presetID="1" presetClass="entr" presetSubtype="0" fill="hold" nodeType="clickEffect">
+                                  <p:stCondLst>
+                                    <p:cond delay="0"/>
+                                  </p:stCondLst>
+                                  <p:childTnLst>
+                                    <p:set>
+                                      <p:cBhvr>
+                                        <p:cTn id="22" dur="1" fill="hold">
+                                          <p:stCondLst>
+                                            <p:cond delay="0"/>
+                                          </p:stCondLst>
+                                        </p:cTn>
+                                        <p:tgtEl>
+                                          <p:spTgt spid="1026"/>
+                                        </p:tgtEl>
+                                        <p:attrNameLst>
+                                          <p:attrName>style.visibility</p:attrName>
+                                        </p:attrNameLst>
+                                      </p:cBhvr>
+                                      <p:to>
+                                        <p:strVal val="visible"/>
+                                      </p:to>
+                                    </p:set>
+                                  </p:childTnLst>
+                                </p:cTn>
+                              </p:par>
+                            </p:childTnLst>
+                          </p:cTn>
+                        </p:par>
+                      </p:childTnLst>
+                    </p:cTn>
+                  </p:par>
+                  <p:par>
+                    <p:cTn id="23" fill="hold">
+                      <p:stCondLst>
+                        <p:cond delay="indefinite"/>
+                      </p:stCondLst>
+                      <p:childTnLst>
+                        <p:par>
+                          <p:cTn id="24" fill="hold">
+                            <p:stCondLst>
+                              <p:cond delay="0"/>
+                            </p:stCondLst>
+                            <p:childTnLst>
+                              <p:par>
+                                <p:cTn id="25" presetID="1" presetClass="entr" presetSubtype="0" fill="hold" nodeType="clickEffect">
+                                  <p:stCondLst>
+                                    <p:cond delay="0"/>
+                                  </p:stCondLst>
+                                  <p:childTnLst>
+                                    <p:set>
+                                      <p:cBhvr>
+                                        <p:cTn id="26" dur="1" fill="hold">
+                                          <p:stCondLst>
+                                            <p:cond delay="0"/>
+                                          </p:stCondLst>
+                                        </p:cTn>
+                                        <p:tgtEl>
+                                          <p:spTgt spid="6">
+                                            <p:txEl>
+                                              <p:pRg st="3" end="3"/>
+                                            </p:txEl>
+                                          </p:spTgt>
+                                        </p:tgtEl>
+                                        <p:attrNameLst>
+                                          <p:attrName>style.visibility</p:attrName>
+                                        </p:attrNameLst>
+                                      </p:cBhvr>
+                                      <p:to>
+                                        <p:strVal val="visible"/>
+                                      </p:to>
+                                    </p:set>
+                                  </p:childTnLst>
+                                </p:cTn>
+                              </p:par>
+                            </p:childTnLst>
+                          </p:cTn>
+                        </p:par>
+                      </p:childTnLst>
+                    </p:cTn>
+                  </p:par>
                 </p:childTnLst>
               </p:cTn>
               <p:prevCondLst>
@@ -7110,9 +7306,6 @@
         </p:cTn>
       </p:par>
     </p:tnLst>
-    <p:bldLst>
-      <p:bldP spid="6" grpId="0"/>
-    </p:bldLst>
   </p:timing>
 </p:sld>
 </file>
@@ -7417,7 +7610,7 @@
             </a:pPr>
             <a:r>
               <a:rPr lang="zh-CN" altLang="en-US" dirty="0"/>
-              <a:t>梯度下降的公式是什么？</a:t>
+              <a:t>对于随机梯度下降，梯度等于什么？</a:t>
             </a:r>
             <a:endParaRPr lang="en-US" altLang="zh-CN" dirty="0"/>
           </a:p>
@@ -7529,15 +7722,57 @@
               <a:buChar char="•"/>
             </a:pPr>
             <a:endParaRPr lang="zh-CN" altLang="en-US" dirty="0"/>
+          </a:p>
+        </p:txBody>
+      </p:sp>
+      <p:sp>
+        <p:nvSpPr>
+          <p:cNvPr id="8" name="文本框 7">
+            <a:extLst>
+              <a:ext uri="{FF2B5EF4-FFF2-40B4-BE49-F238E27FC236}">
+                <a16:creationId xmlns:a16="http://schemas.microsoft.com/office/drawing/2014/main" id="{063630C6-1C42-26A5-3EF7-5E515D3A85FC}"/>
+              </a:ext>
+            </a:extLst>
+          </p:cNvPr>
+          <p:cNvSpPr txBox="1"/>
+          <p:nvPr/>
+        </p:nvSpPr>
+        <p:spPr>
+          <a:xfrm>
+            <a:off x="6410849" y="4129873"/>
+            <a:ext cx="5647174" cy="1200329"/>
+          </a:xfrm>
+          <a:prstGeom prst="rect">
+            <a:avLst/>
+          </a:prstGeom>
+          <a:noFill/>
+        </p:spPr>
+        <p:txBody>
+          <a:bodyPr wrap="square" rtlCol="0">
+            <a:spAutoFit/>
+          </a:bodyPr>
+          <a:lstStyle/>
+          <a:p>
+            <a:r>
+              <a:rPr kumimoji="1" lang="zh-CN" altLang="en-US" dirty="0"/>
+              <a:t>一样。</a:t>
+            </a:r>
+            <a:endParaRPr kumimoji="1" lang="en-US" altLang="zh-CN" dirty="0"/>
+          </a:p>
+          <a:p>
+            <a:r>
+              <a:rPr kumimoji="1" lang="zh-CN" altLang="en-US" dirty="0"/>
+              <a:t>因为期望约等于平均值，而小批量随机梯度下降的梯度是在计算平均值，平均值的期望约等于原值的期望，所以期望不变</a:t>
+            </a:r>
           </a:p>
         </p:txBody>
       </p:sp>
       <p:pic>
         <p:nvPicPr>
-          <p:cNvPr id="4" name="图片 3">
+          <p:cNvPr id="5" name="图片 4">
             <a:extLst>
               <a:ext uri="{FF2B5EF4-FFF2-40B4-BE49-F238E27FC236}">
-                <a16:creationId xmlns:a16="http://schemas.microsoft.com/office/drawing/2014/main" id="{BEDF8318-CD28-79FC-619E-988F965E76FD}"/>
+                <a16:creationId xmlns:a16="http://schemas.microsoft.com/office/drawing/2014/main" id="{46A448E0-BB89-F14C-F32A-7E049F9D0788}"/>
               </a:ext>
             </a:extLst>
           </p:cNvPr>
@@ -7560,8 +7795,8 @@
         </p:blipFill>
         <p:spPr>
           <a:xfrm>
-            <a:off x="8335247" y="1645896"/>
-            <a:ext cx="2260600" cy="876300"/>
+            <a:off x="8746191" y="2794502"/>
+            <a:ext cx="1638300" cy="901700"/>
           </a:xfrm>
           <a:prstGeom prst="rect">
             <a:avLst/>
@@ -7570,10 +7805,10 @@
       </p:pic>
       <p:pic>
         <p:nvPicPr>
-          <p:cNvPr id="7" name="图片 6">
+          <p:cNvPr id="10" name="图片 9">
             <a:extLst>
               <a:ext uri="{FF2B5EF4-FFF2-40B4-BE49-F238E27FC236}">
-                <a16:creationId xmlns:a16="http://schemas.microsoft.com/office/drawing/2014/main" id="{78066E8A-9077-8B2F-BD09-2696C63352EC}"/>
+                <a16:creationId xmlns:a16="http://schemas.microsoft.com/office/drawing/2014/main" id="{255A857B-81BD-3F4A-FD3A-42C4E66CDED4}"/>
               </a:ext>
             </a:extLst>
           </p:cNvPr>
@@ -7596,62 +7831,20 @@
         </p:blipFill>
         <p:spPr>
           <a:xfrm>
-            <a:off x="8244812" y="3011281"/>
-            <a:ext cx="1955800" cy="952500"/>
+            <a:off x="8903820" y="1778635"/>
+            <a:ext cx="1054100" cy="673100"/>
           </a:xfrm>
           <a:prstGeom prst="rect">
             <a:avLst/>
           </a:prstGeom>
         </p:spPr>
       </p:pic>
-      <p:sp>
-        <p:nvSpPr>
-          <p:cNvPr id="8" name="文本框 7">
+      <p:pic>
+        <p:nvPicPr>
+          <p:cNvPr id="12" name="图片 11">
             <a:extLst>
               <a:ext uri="{FF2B5EF4-FFF2-40B4-BE49-F238E27FC236}">
-                <a16:creationId xmlns:a16="http://schemas.microsoft.com/office/drawing/2014/main" id="{063630C6-1C42-26A5-3EF7-5E515D3A85FC}"/>
-              </a:ext>
-            </a:extLst>
-          </p:cNvPr>
-          <p:cNvSpPr txBox="1"/>
-          <p:nvPr/>
-        </p:nvSpPr>
-        <p:spPr>
-          <a:xfrm>
-            <a:off x="6410849" y="4129873"/>
-            <a:ext cx="5647174" cy="923330"/>
-          </a:xfrm>
-          <a:prstGeom prst="rect">
-            <a:avLst/>
-          </a:prstGeom>
-          <a:noFill/>
-        </p:spPr>
-        <p:txBody>
-          <a:bodyPr wrap="square" rtlCol="0">
-            <a:spAutoFit/>
-          </a:bodyPr>
-          <a:lstStyle/>
-          <a:p>
-            <a:r>
-              <a:rPr kumimoji="1" lang="zh-CN" altLang="en-US" dirty="0"/>
-              <a:t>一样。</a:t>
-            </a:r>
-            <a:endParaRPr kumimoji="1" lang="en-US" altLang="zh-CN" dirty="0"/>
-          </a:p>
-          <a:p>
-            <a:r>
-              <a:rPr kumimoji="1" lang="zh-CN" altLang="en-US" dirty="0"/>
-              <a:t>因为期望约等于平均值，而小批量随机梯度下降的梯度就是在计算平均值，所以没有改变期望</a:t>
-            </a:r>
-          </a:p>
-        </p:txBody>
-      </p:sp>
-      <p:pic>
-        <p:nvPicPr>
-          <p:cNvPr id="13" name="图片 12">
-            <a:extLst>
-              <a:ext uri="{FF2B5EF4-FFF2-40B4-BE49-F238E27FC236}">
-                <a16:creationId xmlns:a16="http://schemas.microsoft.com/office/drawing/2014/main" id="{96A20319-034C-5445-B0F6-48E94D8828EF}"/>
+                <a16:creationId xmlns:a16="http://schemas.microsoft.com/office/drawing/2014/main" id="{EF19BDD6-056C-8054-2477-3524B72102CE}"/>
               </a:ext>
             </a:extLst>
           </p:cNvPr>
@@ -7674,8 +7867,8 @@
         </p:blipFill>
         <p:spPr>
           <a:xfrm>
-            <a:off x="2903973" y="5053203"/>
-            <a:ext cx="3048000" cy="1054100"/>
+            <a:off x="2848162" y="5229714"/>
+            <a:ext cx="2730500" cy="977900"/>
           </a:xfrm>
           <a:prstGeom prst="rect">
             <a:avLst/>
@@ -7716,7 +7909,7 @@
                             </p:stCondLst>
                             <p:childTnLst>
                               <p:par>
-                                <p:cTn id="5" presetID="1" presetClass="entr" presetSubtype="0" fill="hold" grpId="0" nodeType="clickEffect">
+                                <p:cTn id="5" presetID="1" presetClass="entr" presetSubtype="0" fill="hold" nodeType="clickEffect">
                                   <p:stCondLst>
                                     <p:cond delay="0"/>
                                   </p:stCondLst>
@@ -7729,7 +7922,387 @@
                                           </p:stCondLst>
                                         </p:cTn>
                                         <p:tgtEl>
-                                          <p:spTgt spid="6"/>
+                                          <p:spTgt spid="6">
+                                            <p:txEl>
+                                              <p:pRg st="0" end="0"/>
+                                            </p:txEl>
+                                          </p:spTgt>
+                                        </p:tgtEl>
+                                        <p:attrNameLst>
+                                          <p:attrName>style.visibility</p:attrName>
+                                        </p:attrNameLst>
+                                      </p:cBhvr>
+                                      <p:to>
+                                        <p:strVal val="visible"/>
+                                      </p:to>
+                                    </p:set>
+                                  </p:childTnLst>
+                                </p:cTn>
+                              </p:par>
+                            </p:childTnLst>
+                          </p:cTn>
+                        </p:par>
+                      </p:childTnLst>
+                    </p:cTn>
+                  </p:par>
+                  <p:par>
+                    <p:cTn id="7" fill="hold">
+                      <p:stCondLst>
+                        <p:cond delay="indefinite"/>
+                      </p:stCondLst>
+                      <p:childTnLst>
+                        <p:par>
+                          <p:cTn id="8" fill="hold">
+                            <p:stCondLst>
+                              <p:cond delay="0"/>
+                            </p:stCondLst>
+                            <p:childTnLst>
+                              <p:par>
+                                <p:cTn id="9" presetID="1" presetClass="entr" presetSubtype="0" fill="hold" nodeType="clickEffect">
+                                  <p:stCondLst>
+                                    <p:cond delay="0"/>
+                                  </p:stCondLst>
+                                  <p:childTnLst>
+                                    <p:set>
+                                      <p:cBhvr>
+                                        <p:cTn id="10" dur="1" fill="hold">
+                                          <p:stCondLst>
+                                            <p:cond delay="0"/>
+                                          </p:stCondLst>
+                                        </p:cTn>
+                                        <p:tgtEl>
+                                          <p:spTgt spid="6">
+                                            <p:txEl>
+                                              <p:pRg st="1" end="1"/>
+                                            </p:txEl>
+                                          </p:spTgt>
+                                        </p:tgtEl>
+                                        <p:attrNameLst>
+                                          <p:attrName>style.visibility</p:attrName>
+                                        </p:attrNameLst>
+                                      </p:cBhvr>
+                                      <p:to>
+                                        <p:strVal val="visible"/>
+                                      </p:to>
+                                    </p:set>
+                                  </p:childTnLst>
+                                </p:cTn>
+                              </p:par>
+                            </p:childTnLst>
+                          </p:cTn>
+                        </p:par>
+                      </p:childTnLst>
+                    </p:cTn>
+                  </p:par>
+                  <p:par>
+                    <p:cTn id="11" fill="hold">
+                      <p:stCondLst>
+                        <p:cond delay="indefinite"/>
+                      </p:stCondLst>
+                      <p:childTnLst>
+                        <p:par>
+                          <p:cTn id="12" fill="hold">
+                            <p:stCondLst>
+                              <p:cond delay="0"/>
+                            </p:stCondLst>
+                            <p:childTnLst>
+                              <p:par>
+                                <p:cTn id="13" presetID="1" presetClass="entr" presetSubtype="0" fill="hold" nodeType="clickEffect">
+                                  <p:stCondLst>
+                                    <p:cond delay="0"/>
+                                  </p:stCondLst>
+                                  <p:childTnLst>
+                                    <p:set>
+                                      <p:cBhvr>
+                                        <p:cTn id="14" dur="1" fill="hold">
+                                          <p:stCondLst>
+                                            <p:cond delay="0"/>
+                                          </p:stCondLst>
+                                        </p:cTn>
+                                        <p:tgtEl>
+                                          <p:spTgt spid="10"/>
+                                        </p:tgtEl>
+                                        <p:attrNameLst>
+                                          <p:attrName>style.visibility</p:attrName>
+                                        </p:attrNameLst>
+                                      </p:cBhvr>
+                                      <p:to>
+                                        <p:strVal val="visible"/>
+                                      </p:to>
+                                    </p:set>
+                                  </p:childTnLst>
+                                </p:cTn>
+                              </p:par>
+                            </p:childTnLst>
+                          </p:cTn>
+                        </p:par>
+                      </p:childTnLst>
+                    </p:cTn>
+                  </p:par>
+                  <p:par>
+                    <p:cTn id="15" fill="hold">
+                      <p:stCondLst>
+                        <p:cond delay="indefinite"/>
+                      </p:stCondLst>
+                      <p:childTnLst>
+                        <p:par>
+                          <p:cTn id="16" fill="hold">
+                            <p:stCondLst>
+                              <p:cond delay="0"/>
+                            </p:stCondLst>
+                            <p:childTnLst>
+                              <p:par>
+                                <p:cTn id="17" presetID="1" presetClass="entr" presetSubtype="0" fill="hold" nodeType="clickEffect">
+                                  <p:stCondLst>
+                                    <p:cond delay="0"/>
+                                  </p:stCondLst>
+                                  <p:childTnLst>
+                                    <p:set>
+                                      <p:cBhvr>
+                                        <p:cTn id="18" dur="1" fill="hold">
+                                          <p:stCondLst>
+                                            <p:cond delay="0"/>
+                                          </p:stCondLst>
+                                        </p:cTn>
+                                        <p:tgtEl>
+                                          <p:spTgt spid="6">
+                                            <p:txEl>
+                                              <p:pRg st="2" end="2"/>
+                                            </p:txEl>
+                                          </p:spTgt>
+                                        </p:tgtEl>
+                                        <p:attrNameLst>
+                                          <p:attrName>style.visibility</p:attrName>
+                                        </p:attrNameLst>
+                                      </p:cBhvr>
+                                      <p:to>
+                                        <p:strVal val="visible"/>
+                                      </p:to>
+                                    </p:set>
+                                  </p:childTnLst>
+                                </p:cTn>
+                              </p:par>
+                            </p:childTnLst>
+                          </p:cTn>
+                        </p:par>
+                      </p:childTnLst>
+                    </p:cTn>
+                  </p:par>
+                  <p:par>
+                    <p:cTn id="19" fill="hold">
+                      <p:stCondLst>
+                        <p:cond delay="indefinite"/>
+                      </p:stCondLst>
+                      <p:childTnLst>
+                        <p:par>
+                          <p:cTn id="20" fill="hold">
+                            <p:stCondLst>
+                              <p:cond delay="0"/>
+                            </p:stCondLst>
+                            <p:childTnLst>
+                              <p:par>
+                                <p:cTn id="21" presetID="1" presetClass="entr" presetSubtype="0" fill="hold" nodeType="clickEffect">
+                                  <p:stCondLst>
+                                    <p:cond delay="0"/>
+                                  </p:stCondLst>
+                                  <p:childTnLst>
+                                    <p:set>
+                                      <p:cBhvr>
+                                        <p:cTn id="22" dur="1" fill="hold">
+                                          <p:stCondLst>
+                                            <p:cond delay="0"/>
+                                          </p:stCondLst>
+                                        </p:cTn>
+                                        <p:tgtEl>
+                                          <p:spTgt spid="5"/>
+                                        </p:tgtEl>
+                                        <p:attrNameLst>
+                                          <p:attrName>style.visibility</p:attrName>
+                                        </p:attrNameLst>
+                                      </p:cBhvr>
+                                      <p:to>
+                                        <p:strVal val="visible"/>
+                                      </p:to>
+                                    </p:set>
+                                  </p:childTnLst>
+                                </p:cTn>
+                              </p:par>
+                            </p:childTnLst>
+                          </p:cTn>
+                        </p:par>
+                      </p:childTnLst>
+                    </p:cTn>
+                  </p:par>
+                  <p:par>
+                    <p:cTn id="23" fill="hold">
+                      <p:stCondLst>
+                        <p:cond delay="indefinite"/>
+                      </p:stCondLst>
+                      <p:childTnLst>
+                        <p:par>
+                          <p:cTn id="24" fill="hold">
+                            <p:stCondLst>
+                              <p:cond delay="0"/>
+                            </p:stCondLst>
+                            <p:childTnLst>
+                              <p:par>
+                                <p:cTn id="25" presetID="1" presetClass="entr" presetSubtype="0" fill="hold" nodeType="clickEffect">
+                                  <p:stCondLst>
+                                    <p:cond delay="0"/>
+                                  </p:stCondLst>
+                                  <p:childTnLst>
+                                    <p:set>
+                                      <p:cBhvr>
+                                        <p:cTn id="26" dur="1" fill="hold">
+                                          <p:stCondLst>
+                                            <p:cond delay="0"/>
+                                          </p:stCondLst>
+                                        </p:cTn>
+                                        <p:tgtEl>
+                                          <p:spTgt spid="6">
+                                            <p:txEl>
+                                              <p:pRg st="3" end="3"/>
+                                            </p:txEl>
+                                          </p:spTgt>
+                                        </p:tgtEl>
+                                        <p:attrNameLst>
+                                          <p:attrName>style.visibility</p:attrName>
+                                        </p:attrNameLst>
+                                      </p:cBhvr>
+                                      <p:to>
+                                        <p:strVal val="visible"/>
+                                      </p:to>
+                                    </p:set>
+                                  </p:childTnLst>
+                                </p:cTn>
+                              </p:par>
+                            </p:childTnLst>
+                          </p:cTn>
+                        </p:par>
+                      </p:childTnLst>
+                    </p:cTn>
+                  </p:par>
+                  <p:par>
+                    <p:cTn id="27" fill="hold">
+                      <p:stCondLst>
+                        <p:cond delay="indefinite"/>
+                      </p:stCondLst>
+                      <p:childTnLst>
+                        <p:par>
+                          <p:cTn id="28" fill="hold">
+                            <p:stCondLst>
+                              <p:cond delay="0"/>
+                            </p:stCondLst>
+                            <p:childTnLst>
+                              <p:par>
+                                <p:cTn id="29" presetID="1" presetClass="entr" presetSubtype="0" fill="hold" grpId="0" nodeType="clickEffect">
+                                  <p:stCondLst>
+                                    <p:cond delay="0"/>
+                                  </p:stCondLst>
+                                  <p:childTnLst>
+                                    <p:set>
+                                      <p:cBhvr>
+                                        <p:cTn id="30" dur="1" fill="hold">
+                                          <p:stCondLst>
+                                            <p:cond delay="0"/>
+                                          </p:stCondLst>
+                                        </p:cTn>
+                                        <p:tgtEl>
+                                          <p:spTgt spid="8"/>
+                                        </p:tgtEl>
+                                        <p:attrNameLst>
+                                          <p:attrName>style.visibility</p:attrName>
+                                        </p:attrNameLst>
+                                      </p:cBhvr>
+                                      <p:to>
+                                        <p:strVal val="visible"/>
+                                      </p:to>
+                                    </p:set>
+                                  </p:childTnLst>
+                                </p:cTn>
+                              </p:par>
+                            </p:childTnLst>
+                          </p:cTn>
+                        </p:par>
+                      </p:childTnLst>
+                    </p:cTn>
+                  </p:par>
+                  <p:par>
+                    <p:cTn id="31" fill="hold">
+                      <p:stCondLst>
+                        <p:cond delay="indefinite"/>
+                      </p:stCondLst>
+                      <p:childTnLst>
+                        <p:par>
+                          <p:cTn id="32" fill="hold">
+                            <p:stCondLst>
+                              <p:cond delay="0"/>
+                            </p:stCondLst>
+                            <p:childTnLst>
+                              <p:par>
+                                <p:cTn id="33" presetID="1" presetClass="entr" presetSubtype="0" fill="hold" nodeType="clickEffect">
+                                  <p:stCondLst>
+                                    <p:cond delay="0"/>
+                                  </p:stCondLst>
+                                  <p:childTnLst>
+                                    <p:set>
+                                      <p:cBhvr>
+                                        <p:cTn id="34" dur="1" fill="hold">
+                                          <p:stCondLst>
+                                            <p:cond delay="0"/>
+                                          </p:stCondLst>
+                                        </p:cTn>
+                                        <p:tgtEl>
+                                          <p:spTgt spid="6">
+                                            <p:txEl>
+                                              <p:pRg st="4" end="4"/>
+                                            </p:txEl>
+                                          </p:spTgt>
+                                        </p:tgtEl>
+                                        <p:attrNameLst>
+                                          <p:attrName>style.visibility</p:attrName>
+                                        </p:attrNameLst>
+                                      </p:cBhvr>
+                                      <p:to>
+                                        <p:strVal val="visible"/>
+                                      </p:to>
+                                    </p:set>
+                                  </p:childTnLst>
+                                </p:cTn>
+                              </p:par>
+                            </p:childTnLst>
+                          </p:cTn>
+                        </p:par>
+                      </p:childTnLst>
+                    </p:cTn>
+                  </p:par>
+                  <p:par>
+                    <p:cTn id="35" fill="hold">
+                      <p:stCondLst>
+                        <p:cond delay="indefinite"/>
+                      </p:stCondLst>
+                      <p:childTnLst>
+                        <p:par>
+                          <p:cTn id="36" fill="hold">
+                            <p:stCondLst>
+                              <p:cond delay="0"/>
+                            </p:stCondLst>
+                            <p:childTnLst>
+                              <p:par>
+                                <p:cTn id="37" presetID="1" presetClass="entr" presetSubtype="0" fill="hold" nodeType="clickEffect">
+                                  <p:stCondLst>
+                                    <p:cond delay="0"/>
+                                  </p:stCondLst>
+                                  <p:childTnLst>
+                                    <p:set>
+                                      <p:cBhvr>
+                                        <p:cTn id="38" dur="1" fill="hold">
+                                          <p:stCondLst>
+                                            <p:cond delay="0"/>
+                                          </p:stCondLst>
+                                        </p:cTn>
+                                        <p:tgtEl>
+                                          <p:spTgt spid="12"/>
                                         </p:tgtEl>
                                         <p:attrNameLst>
                                           <p:attrName>style.visibility</p:attrName>
@@ -7770,7 +8343,7 @@
       </p:par>
     </p:tnLst>
     <p:bldLst>
-      <p:bldP spid="6" grpId="0"/>
+      <p:bldP spid="8" grpId="0"/>
     </p:bldLst>
   </p:timing>
 </p:sld>
@@ -8066,7 +8639,7 @@
             </a:pPr>
             <a:r>
               <a:rPr lang="zh-CN" altLang="en-US" dirty="0"/>
-              <a:t>三种更新权重方法接近损失函数的极小值的情况是什么？</a:t>
+              <a:t>三种更新权重方法分别会如何接近损失函数的极小值？</a:t>
             </a:r>
             <a:endParaRPr lang="en-US" altLang="zh-CN" dirty="0"/>
           </a:p>
@@ -8218,53 +8791,6 @@
           <a:xfrm>
             <a:off x="6172155" y="3797309"/>
             <a:ext cx="4815883" cy="2419141"/>
-          </a:xfrm>
-          <a:prstGeom prst="rect">
-            <a:avLst/>
-          </a:prstGeom>
-          <a:noFill/>
-          <a:extLst>
-            <a:ext uri="{909E8E84-426E-40DD-AFC4-6F175D3DCCD1}">
-              <a14:hiddenFill xmlns:a14="http://schemas.microsoft.com/office/drawing/2010/main">
-                <a:solidFill>
-                  <a:srgbClr val="FFFFFF"/>
-                </a:solidFill>
-              </a14:hiddenFill>
-            </a:ext>
-          </a:extLst>
-        </p:spPr>
-      </p:pic>
-      <p:pic>
-        <p:nvPicPr>
-          <p:cNvPr id="5" name="Picture 2" descr="image">
-            <a:extLst>
-              <a:ext uri="{FF2B5EF4-FFF2-40B4-BE49-F238E27FC236}">
-                <a16:creationId xmlns:a16="http://schemas.microsoft.com/office/drawing/2014/main" id="{F0B2ACF7-D2EC-80CC-6F73-F74470A5D5C4}"/>
-              </a:ext>
-            </a:extLst>
-          </p:cNvPr>
-          <p:cNvPicPr>
-            <a:picLocks noChangeAspect="1" noChangeArrowheads="1"/>
-          </p:cNvPicPr>
-          <p:nvPr/>
-        </p:nvPicPr>
-        <p:blipFill>
-          <a:blip r:embed="rId4">
-            <a:extLst>
-              <a:ext uri="{28A0092B-C50C-407E-A947-70E740481C1C}">
-                <a14:useLocalDpi xmlns:a14="http://schemas.microsoft.com/office/drawing/2010/main" val="0"/>
-              </a:ext>
-            </a:extLst>
-          </a:blip>
-          <a:srcRect/>
-          <a:stretch>
-            <a:fillRect/>
-          </a:stretch>
-        </p:blipFill>
-        <p:spPr bwMode="auto">
-          <a:xfrm>
-            <a:off x="3013821" y="3716922"/>
-            <a:ext cx="2784077" cy="2837389"/>
           </a:xfrm>
           <a:prstGeom prst="rect">
             <a:avLst/>
@@ -8373,7 +8899,154 @@
                                           </p:stCondLst>
                                         </p:cTn>
                                         <p:tgtEl>
-                                          <p:spTgt spid="5"/>
+                                          <p:spTgt spid="6">
+                                            <p:txEl>
+                                              <p:pRg st="1" end="1"/>
+                                            </p:txEl>
+                                          </p:spTgt>
+                                        </p:tgtEl>
+                                        <p:attrNameLst>
+                                          <p:attrName>style.visibility</p:attrName>
+                                        </p:attrNameLst>
+                                      </p:cBhvr>
+                                      <p:to>
+                                        <p:strVal val="visible"/>
+                                      </p:to>
+                                    </p:set>
+                                  </p:childTnLst>
+                                </p:cTn>
+                              </p:par>
+                            </p:childTnLst>
+                          </p:cTn>
+                        </p:par>
+                      </p:childTnLst>
+                    </p:cTn>
+                  </p:par>
+                  <p:par>
+                    <p:cTn id="11" fill="hold">
+                      <p:stCondLst>
+                        <p:cond delay="indefinite"/>
+                      </p:stCondLst>
+                      <p:childTnLst>
+                        <p:par>
+                          <p:cTn id="12" fill="hold">
+                            <p:stCondLst>
+                              <p:cond delay="0"/>
+                            </p:stCondLst>
+                            <p:childTnLst>
+                              <p:par>
+                                <p:cTn id="13" presetID="1" presetClass="entr" presetSubtype="0" fill="hold" nodeType="clickEffect">
+                                  <p:stCondLst>
+                                    <p:cond delay="0"/>
+                                  </p:stCondLst>
+                                  <p:childTnLst>
+                                    <p:set>
+                                      <p:cBhvr>
+                                        <p:cTn id="14" dur="1" fill="hold">
+                                          <p:stCondLst>
+                                            <p:cond delay="0"/>
+                                          </p:stCondLst>
+                                        </p:cTn>
+                                        <p:tgtEl>
+                                          <p:spTgt spid="4"/>
+                                        </p:tgtEl>
+                                        <p:attrNameLst>
+                                          <p:attrName>style.visibility</p:attrName>
+                                        </p:attrNameLst>
+                                      </p:cBhvr>
+                                      <p:to>
+                                        <p:strVal val="visible"/>
+                                      </p:to>
+                                    </p:set>
+                                  </p:childTnLst>
+                                </p:cTn>
+                              </p:par>
+                            </p:childTnLst>
+                          </p:cTn>
+                        </p:par>
+                      </p:childTnLst>
+                    </p:cTn>
+                  </p:par>
+                  <p:par>
+                    <p:cTn id="15" fill="hold">
+                      <p:stCondLst>
+                        <p:cond delay="indefinite"/>
+                      </p:stCondLst>
+                      <p:childTnLst>
+                        <p:par>
+                          <p:cTn id="16" fill="hold">
+                            <p:stCondLst>
+                              <p:cond delay="0"/>
+                            </p:stCondLst>
+                            <p:childTnLst>
+                              <p:par>
+                                <p:cTn id="17" presetID="1" presetClass="entr" presetSubtype="0" fill="hold" nodeType="clickEffect">
+                                  <p:stCondLst>
+                                    <p:cond delay="0"/>
+                                  </p:stCondLst>
+                                  <p:childTnLst>
+                                    <p:set>
+                                      <p:cBhvr>
+                                        <p:cTn id="18" dur="1" fill="hold">
+                                          <p:stCondLst>
+                                            <p:cond delay="0"/>
+                                          </p:stCondLst>
+                                        </p:cTn>
+                                        <p:tgtEl>
+                                          <p:spTgt spid="6">
+                                            <p:txEl>
+                                              <p:pRg st="2" end="2"/>
+                                            </p:txEl>
+                                          </p:spTgt>
+                                        </p:tgtEl>
+                                        <p:attrNameLst>
+                                          <p:attrName>style.visibility</p:attrName>
+                                        </p:attrNameLst>
+                                      </p:cBhvr>
+                                      <p:to>
+                                        <p:strVal val="visible"/>
+                                      </p:to>
+                                    </p:set>
+                                  </p:childTnLst>
+                                </p:cTn>
+                              </p:par>
+                            </p:childTnLst>
+                          </p:cTn>
+                        </p:par>
+                      </p:childTnLst>
+                    </p:cTn>
+                  </p:par>
+                  <p:par>
+                    <p:cTn id="19" fill="hold">
+                      <p:stCondLst>
+                        <p:cond delay="indefinite"/>
+                      </p:stCondLst>
+                      <p:childTnLst>
+                        <p:par>
+                          <p:cTn id="20" fill="hold">
+                            <p:stCondLst>
+                              <p:cond delay="0"/>
+                            </p:stCondLst>
+                            <p:childTnLst>
+                              <p:par>
+                                <p:cTn id="21" presetID="1" presetClass="entr" presetSubtype="0" fill="hold" nodeType="clickEffect">
+                                  <p:stCondLst>
+                                    <p:cond delay="0"/>
+                                  </p:stCondLst>
+                                  <p:childTnLst>
+                                    <p:set>
+                                      <p:cBhvr>
+                                        <p:cTn id="22" dur="1" fill="hold">
+                                          <p:stCondLst>
+                                            <p:cond delay="0"/>
+                                          </p:stCondLst>
+                                        </p:cTn>
+                                        <p:tgtEl>
+                                          <p:spTgt spid="6">
+                                            <p:txEl>
+                                              <p:pRg st="3" end="3"/>
+                                            </p:txEl>
+                                          </p:spTgt>
                                         </p:tgtEl>
                                         <p:attrNameLst>
                                           <p:attrName>style.visibility</p:attrName>
@@ -8776,7 +9449,7 @@
             </a:pPr>
             <a:r>
               <a:rPr lang="zh-CN" altLang="en-US" dirty="0"/>
-              <a:t>请每个同学都运行代码，与梯度下降、随机梯度下降比较每轮</a:t>
+              <a:t>请每个同学都运行代码，分别与梯度下降、随机梯度下降比较每轮</a:t>
             </a:r>
             <a:r>
               <a:rPr lang="en-US" altLang="zh-CN" dirty="0"/>
@@ -8904,7 +9577,7 @@
                             </p:stCondLst>
                             <p:childTnLst>
                               <p:par>
-                                <p:cTn id="5" presetID="1" presetClass="entr" presetSubtype="0" fill="hold" grpId="0" nodeType="clickEffect">
+                                <p:cTn id="5" presetID="1" presetClass="entr" presetSubtype="0" fill="hold" nodeType="clickEffect">
                                   <p:stCondLst>
                                     <p:cond delay="0"/>
                                   </p:stCondLst>
@@ -8917,7 +9590,60 @@
                                           </p:stCondLst>
                                         </p:cTn>
                                         <p:tgtEl>
-                                          <p:spTgt spid="6"/>
+                                          <p:spTgt spid="6">
+                                            <p:txEl>
+                                              <p:pRg st="0" end="0"/>
+                                            </p:txEl>
+                                          </p:spTgt>
+                                        </p:tgtEl>
+                                        <p:attrNameLst>
+                                          <p:attrName>style.visibility</p:attrName>
+                                        </p:attrNameLst>
+                                      </p:cBhvr>
+                                      <p:to>
+                                        <p:strVal val="visible"/>
+                                      </p:to>
+                                    </p:set>
+                                  </p:childTnLst>
+                                </p:cTn>
+                              </p:par>
+                            </p:childTnLst>
+                          </p:cTn>
+                        </p:par>
+                      </p:childTnLst>
+                    </p:cTn>
+                  </p:par>
+                  <p:par>
+                    <p:cTn id="7" fill="hold">
+                      <p:stCondLst>
+                        <p:cond delay="indefinite"/>
+                      </p:stCondLst>
+                      <p:childTnLst>
+                        <p:par>
+                          <p:cTn id="8" fill="hold">
+                            <p:stCondLst>
+                              <p:cond delay="0"/>
+                            </p:stCondLst>
+                            <p:childTnLst>
+                              <p:par>
+                                <p:cTn id="9" presetID="1" presetClass="entr" presetSubtype="0" fill="hold" nodeType="clickEffect">
+                                  <p:stCondLst>
+                                    <p:cond delay="0"/>
+                                  </p:stCondLst>
+                                  <p:childTnLst>
+                                    <p:set>
+                                      <p:cBhvr>
+                                        <p:cTn id="10" dur="1" fill="hold">
+                                          <p:stCondLst>
+                                            <p:cond delay="0"/>
+                                          </p:stCondLst>
+                                        </p:cTn>
+                                        <p:tgtEl>
+                                          <p:spTgt spid="6">
+                                            <p:txEl>
+                                              <p:pRg st="1" end="1"/>
+                                            </p:txEl>
+                                          </p:spTgt>
                                         </p:tgtEl>
                                         <p:attrNameLst>
                                           <p:attrName>style.visibility</p:attrName>
@@ -8957,9 +9683,6 @@
         </p:cTn>
       </p:par>
     </p:tnLst>
-    <p:bldLst>
-      <p:bldP spid="6" grpId="0"/>
-    </p:bldLst>
   </p:timing>
 </p:sld>
 </file>
@@ -9830,9 +10553,58 @@
               <a:buChar char="•"/>
             </a:pPr>
             <a:r>
+              <a:rPr lang="zh-CN" altLang="en-US" dirty="0"/>
+              <a:t>为什么要学习本课</a:t>
+            </a:r>
+            <a:endParaRPr lang="en-US" altLang="zh-CN" dirty="0"/>
+          </a:p>
+          <a:p>
+            <a:pPr marL="285750" indent="-285750">
+              <a:buFont typeface="Arial" panose="020B0604020202020204" pitchFamily="34" charset="0"/>
+              <a:buChar char="•"/>
+            </a:pPr>
+            <a:r>
+              <a:rPr lang="zh-CN" altLang="en-US" dirty="0"/>
+              <a:t>主问题：如何充分利用</a:t>
+            </a:r>
+            <a:r>
               <a:rPr lang="en-US" altLang="zh-CN" dirty="0"/>
-              <a:t>TODO</a:t>
-            </a:r>
+              <a:t>CPU</a:t>
+            </a:r>
+            <a:r>
+              <a:rPr lang="zh-CN" altLang="en-US" dirty="0"/>
+              <a:t>缓存？</a:t>
+            </a:r>
+            <a:endParaRPr lang="en-US" altLang="zh-CN" dirty="0"/>
+          </a:p>
+          <a:p>
+            <a:pPr marL="285750" indent="-285750">
+              <a:buFont typeface="Arial" panose="020B0604020202020204" pitchFamily="34" charset="0"/>
+              <a:buChar char="•"/>
+            </a:pPr>
+            <a:r>
+              <a:rPr lang="zh-CN" altLang="en-US" dirty="0"/>
+              <a:t>主问题：如何更接近损失函数的极小值？</a:t>
+            </a:r>
+            <a:endParaRPr lang="en-US" altLang="zh-CN" dirty="0"/>
+          </a:p>
+          <a:p>
+            <a:pPr marL="285750" indent="-285750">
+              <a:buFont typeface="Arial" panose="020B0604020202020204" pitchFamily="34" charset="0"/>
+              <a:buChar char="•"/>
+            </a:pPr>
+            <a:r>
+              <a:rPr lang="zh-CN" altLang="en-US" dirty="0"/>
+              <a:t>任务：实现小批量随机梯度下降</a:t>
+            </a:r>
+            <a:br>
+              <a:rPr lang="en-US" altLang="zh-CN" dirty="0"/>
+            </a:br>
+            <a:r>
+              <a:rPr lang="zh-CN" altLang="en-US" dirty="0"/>
+              <a:t>	</a:t>
+            </a:r>
+            <a:endParaRPr lang="en-US" altLang="zh-CN" dirty="0"/>
           </a:p>
         </p:txBody>
       </p:sp>
@@ -9951,7 +10723,154 @@
                                         <p:tgtEl>
                                           <p:spTgt spid="2">
                                             <p:txEl>
-                                              <p:pRg st="1" end="1"/>
+                                              <p:charRg st="9" end="18"/>
+                                            </p:txEl>
+                                          </p:spTgt>
+                                        </p:tgtEl>
+                                        <p:attrNameLst>
+                                          <p:attrName>style.visibility</p:attrName>
+                                        </p:attrNameLst>
+                                      </p:cBhvr>
+                                      <p:to>
+                                        <p:strVal val="visible"/>
+                                      </p:to>
+                                    </p:set>
+                                  </p:childTnLst>
+                                </p:cTn>
+                              </p:par>
+                            </p:childTnLst>
+                          </p:cTn>
+                        </p:par>
+                      </p:childTnLst>
+                    </p:cTn>
+                  </p:par>
+                  <p:par>
+                    <p:cTn id="11" fill="hold">
+                      <p:stCondLst>
+                        <p:cond delay="indefinite"/>
+                      </p:stCondLst>
+                      <p:childTnLst>
+                        <p:par>
+                          <p:cTn id="12" fill="hold">
+                            <p:stCondLst>
+                              <p:cond delay="0"/>
+                            </p:stCondLst>
+                            <p:childTnLst>
+                              <p:par>
+                                <p:cTn id="13" presetID="1" presetClass="entr" presetSubtype="0" fill="hold" grpId="0" nodeType="clickEffect">
+                                  <p:stCondLst>
+                                    <p:cond delay="0"/>
+                                  </p:stCondLst>
+                                  <p:childTnLst>
+                                    <p:set>
+                                      <p:cBhvr>
+                                        <p:cTn id="14" dur="1" fill="hold">
+                                          <p:stCondLst>
+                                            <p:cond delay="0"/>
+                                          </p:stCondLst>
+                                        </p:cTn>
+                                        <p:tgtEl>
+                                          <p:spTgt spid="2">
+                                            <p:txEl>
+                                              <p:charRg st="18" end="35"/>
+                                            </p:txEl>
+                                          </p:spTgt>
+                                        </p:tgtEl>
+                                        <p:attrNameLst>
+                                          <p:attrName>style.visibility</p:attrName>
+                                        </p:attrNameLst>
+                                      </p:cBhvr>
+                                      <p:to>
+                                        <p:strVal val="visible"/>
+                                      </p:to>
+                                    </p:set>
+                                  </p:childTnLst>
+                                </p:cTn>
+                              </p:par>
+                            </p:childTnLst>
+                          </p:cTn>
+                        </p:par>
+                      </p:childTnLst>
+                    </p:cTn>
+                  </p:par>
+                  <p:par>
+                    <p:cTn id="15" fill="hold">
+                      <p:stCondLst>
+                        <p:cond delay="indefinite"/>
+                      </p:stCondLst>
+                      <p:childTnLst>
+                        <p:par>
+                          <p:cTn id="16" fill="hold">
+                            <p:stCondLst>
+                              <p:cond delay="0"/>
+                            </p:stCondLst>
+                            <p:childTnLst>
+                              <p:par>
+                                <p:cTn id="17" presetID="1" presetClass="entr" presetSubtype="0" fill="hold" grpId="0" nodeType="clickEffect">
+                                  <p:stCondLst>
+                                    <p:cond delay="0"/>
+                                  </p:stCondLst>
+                                  <p:childTnLst>
+                                    <p:set>
+                                      <p:cBhvr>
+                                        <p:cTn id="18" dur="1" fill="hold">
+                                          <p:stCondLst>
+                                            <p:cond delay="0"/>
+                                          </p:stCondLst>
+                                        </p:cTn>
+                                        <p:tgtEl>
+                                          <p:spTgt spid="2">
+                                            <p:txEl>
+                                              <p:charRg st="35" end="54"/>
+                                            </p:txEl>
+                                          </p:spTgt>
+                                        </p:tgtEl>
+                                        <p:attrNameLst>
+                                          <p:attrName>style.visibility</p:attrName>
+                                        </p:attrNameLst>
+                                      </p:cBhvr>
+                                      <p:to>
+                                        <p:strVal val="visible"/>
+                                      </p:to>
+                                    </p:set>
+                                  </p:childTnLst>
+                                </p:cTn>
+                              </p:par>
+                            </p:childTnLst>
+                          </p:cTn>
+                        </p:par>
+                      </p:childTnLst>
+                    </p:cTn>
+                  </p:par>
+                  <p:par>
+                    <p:cTn id="19" fill="hold">
+                      <p:stCondLst>
+                        <p:cond delay="indefinite"/>
+                      </p:stCondLst>
+                      <p:childTnLst>
+                        <p:par>
+                          <p:cTn id="20" fill="hold">
+                            <p:stCondLst>
+                              <p:cond delay="0"/>
+                            </p:stCondLst>
+                            <p:childTnLst>
+                              <p:par>
+                                <p:cTn id="21" presetID="1" presetClass="entr" presetSubtype="0" fill="hold" grpId="0" nodeType="clickEffect">
+                                  <p:stCondLst>
+                                    <p:cond delay="0"/>
+                                  </p:stCondLst>
+                                  <p:childTnLst>
+                                    <p:set>
+                                      <p:cBhvr>
+                                        <p:cTn id="22" dur="1" fill="hold">
+                                          <p:stCondLst>
+                                            <p:cond delay="0"/>
+                                          </p:stCondLst>
+                                        </p:cTn>
+                                        <p:tgtEl>
+                                          <p:spTgt spid="2">
+                                            <p:txEl>
+                                              <p:charRg st="54" end="71"/>
                                             </p:txEl>
                                           </p:spTgt>
                                         </p:tgtEl>
@@ -10038,7 +10957,7 @@
             </a:pPr>
             <a:r>
               <a:rPr lang="zh-CN" altLang="en-US" dirty="0"/>
-              <a:t>什么是随机梯度下降？</a:t>
+              <a:t>对于随机梯度下降，多少个样本更新一次权重？</a:t>
             </a:r>
             <a:endParaRPr lang="en-US" altLang="zh-CN" dirty="0"/>
           </a:p>
@@ -10098,53 +11017,6 @@
           </a:p>
         </p:txBody>
       </p:sp>
-      <p:pic>
-        <p:nvPicPr>
-          <p:cNvPr id="4" name="Picture 2" descr="image">
-            <a:extLst>
-              <a:ext uri="{FF2B5EF4-FFF2-40B4-BE49-F238E27FC236}">
-                <a16:creationId xmlns:a16="http://schemas.microsoft.com/office/drawing/2014/main" id="{94DB4053-E584-898A-D74D-B3343C307F1D}"/>
-              </a:ext>
-            </a:extLst>
-          </p:cNvPr>
-          <p:cNvPicPr>
-            <a:picLocks noChangeAspect="1" noChangeArrowheads="1"/>
-          </p:cNvPicPr>
-          <p:nvPr/>
-        </p:nvPicPr>
-        <p:blipFill>
-          <a:blip r:embed="rId4">
-            <a:extLst>
-              <a:ext uri="{28A0092B-C50C-407E-A947-70E740481C1C}">
-                <a14:useLocalDpi xmlns:a14="http://schemas.microsoft.com/office/drawing/2010/main" val="0"/>
-              </a:ext>
-            </a:extLst>
-          </a:blip>
-          <a:srcRect/>
-          <a:stretch>
-            <a:fillRect/>
-          </a:stretch>
-        </p:blipFill>
-        <p:spPr bwMode="auto">
-          <a:xfrm>
-            <a:off x="7400133" y="1626235"/>
-            <a:ext cx="3790519" cy="3863103"/>
-          </a:xfrm>
-          <a:prstGeom prst="rect">
-            <a:avLst/>
-          </a:prstGeom>
-          <a:noFill/>
-          <a:extLst>
-            <a:ext uri="{909E8E84-426E-40DD-AFC4-6F175D3DCCD1}">
-              <a14:hiddenFill xmlns:a14="http://schemas.microsoft.com/office/drawing/2010/main">
-                <a:solidFill>
-                  <a:srgbClr val="FFFFFF"/>
-                </a:solidFill>
-              </a14:hiddenFill>
-            </a:ext>
-          </a:extLst>
-        </p:spPr>
-      </p:pic>
     </p:spTree>
     <p:custDataLst>
       <p:tags r:id="rId1"/>
@@ -10192,7 +11064,11 @@
                                           </p:stCondLst>
                                         </p:cTn>
                                         <p:tgtEl>
-                                          <p:spTgt spid="4"/>
+                                          <p:spTgt spid="2">
+                                            <p:txEl>
+                                              <p:pRg st="0" end="0"/>
+                                            </p:txEl>
+                                          </p:spTgt>
                                         </p:tgtEl>
                                         <p:attrNameLst>
                                           <p:attrName>style.visibility</p:attrName>
@@ -10348,6 +11224,183 @@
   <p:clrMapOvr>
     <a:masterClrMapping/>
   </p:clrMapOvr>
+  <p:timing>
+    <p:tnLst>
+      <p:par>
+        <p:cTn id="1" dur="indefinite" restart="never" nodeType="tmRoot">
+          <p:childTnLst>
+            <p:seq concurrent="1" nextAc="seek">
+              <p:cTn id="2" dur="indefinite" nodeType="mainSeq">
+                <p:childTnLst>
+                  <p:par>
+                    <p:cTn id="3" fill="hold">
+                      <p:stCondLst>
+                        <p:cond delay="indefinite"/>
+                      </p:stCondLst>
+                      <p:childTnLst>
+                        <p:par>
+                          <p:cTn id="4" fill="hold">
+                            <p:stCondLst>
+                              <p:cond delay="0"/>
+                            </p:stCondLst>
+                            <p:childTnLst>
+                              <p:par>
+                                <p:cTn id="5" presetID="1" presetClass="entr" presetSubtype="0" fill="hold" nodeType="clickEffect">
+                                  <p:stCondLst>
+                                    <p:cond delay="0"/>
+                                  </p:stCondLst>
+                                  <p:childTnLst>
+                                    <p:set>
+                                      <p:cBhvr>
+                                        <p:cTn id="6" dur="1" fill="hold">
+                                          <p:stCondLst>
+                                            <p:cond delay="0"/>
+                                          </p:stCondLst>
+                                        </p:cTn>
+                                        <p:tgtEl>
+                                          <p:spTgt spid="2">
+                                            <p:txEl>
+                                              <p:pRg st="0" end="0"/>
+                                            </p:txEl>
+                                          </p:spTgt>
+                                        </p:tgtEl>
+                                        <p:attrNameLst>
+                                          <p:attrName>style.visibility</p:attrName>
+                                        </p:attrNameLst>
+                                      </p:cBhvr>
+                                      <p:to>
+                                        <p:strVal val="visible"/>
+                                      </p:to>
+                                    </p:set>
+                                  </p:childTnLst>
+                                </p:cTn>
+                              </p:par>
+                            </p:childTnLst>
+                          </p:cTn>
+                        </p:par>
+                      </p:childTnLst>
+                    </p:cTn>
+                  </p:par>
+                  <p:par>
+                    <p:cTn id="7" fill="hold">
+                      <p:stCondLst>
+                        <p:cond delay="indefinite"/>
+                      </p:stCondLst>
+                      <p:childTnLst>
+                        <p:par>
+                          <p:cTn id="8" fill="hold">
+                            <p:stCondLst>
+                              <p:cond delay="0"/>
+                            </p:stCondLst>
+                            <p:childTnLst>
+                              <p:par>
+                                <p:cTn id="9" presetID="1" presetClass="entr" presetSubtype="0" fill="hold" nodeType="clickEffect">
+                                  <p:stCondLst>
+                                    <p:cond delay="0"/>
+                                  </p:stCondLst>
+                                  <p:childTnLst>
+                                    <p:set>
+                                      <p:cBhvr>
+                                        <p:cTn id="10" dur="1" fill="hold">
+                                          <p:stCondLst>
+                                            <p:cond delay="0"/>
+                                          </p:stCondLst>
+                                        </p:cTn>
+                                        <p:tgtEl>
+                                          <p:spTgt spid="2">
+                                            <p:txEl>
+                                              <p:pRg st="1" end="1"/>
+                                            </p:txEl>
+                                          </p:spTgt>
+                                        </p:tgtEl>
+                                        <p:attrNameLst>
+                                          <p:attrName>style.visibility</p:attrName>
+                                        </p:attrNameLst>
+                                      </p:cBhvr>
+                                      <p:to>
+                                        <p:strVal val="visible"/>
+                                      </p:to>
+                                    </p:set>
+                                  </p:childTnLst>
+                                </p:cTn>
+                              </p:par>
+                            </p:childTnLst>
+                          </p:cTn>
+                        </p:par>
+                      </p:childTnLst>
+                    </p:cTn>
+                  </p:par>
+                  <p:par>
+                    <p:cTn id="11" fill="hold">
+                      <p:stCondLst>
+                        <p:cond delay="indefinite"/>
+                      </p:stCondLst>
+                      <p:childTnLst>
+                        <p:par>
+                          <p:cTn id="12" fill="hold">
+                            <p:stCondLst>
+                              <p:cond delay="0"/>
+                            </p:stCondLst>
+                            <p:childTnLst>
+                              <p:par>
+                                <p:cTn id="13" presetID="1" presetClass="entr" presetSubtype="0" fill="hold" nodeType="clickEffect">
+                                  <p:stCondLst>
+                                    <p:cond delay="0"/>
+                                  </p:stCondLst>
+                                  <p:childTnLst>
+                                    <p:set>
+                                      <p:cBhvr>
+                                        <p:cTn id="14" dur="1" fill="hold">
+                                          <p:stCondLst>
+                                            <p:cond delay="0"/>
+                                          </p:stCondLst>
+                                        </p:cTn>
+                                        <p:tgtEl>
+                                          <p:spTgt spid="2">
+                                            <p:txEl>
+                                              <p:pRg st="2" end="2"/>
+                                            </p:txEl>
+                                          </p:spTgt>
+                                        </p:tgtEl>
+                                        <p:attrNameLst>
+                                          <p:attrName>style.visibility</p:attrName>
+                                        </p:attrNameLst>
+                                      </p:cBhvr>
+                                      <p:to>
+                                        <p:strVal val="visible"/>
+                                      </p:to>
+                                    </p:set>
+                                  </p:childTnLst>
+                                </p:cTn>
+                              </p:par>
+                            </p:childTnLst>
+                          </p:cTn>
+                        </p:par>
+                      </p:childTnLst>
+                    </p:cTn>
+                  </p:par>
+                </p:childTnLst>
+              </p:cTn>
+              <p:prevCondLst>
+                <p:cond evt="onPrev" delay="0">
+                  <p:tgtEl>
+                    <p:sldTgt/>
+                  </p:tgtEl>
+                </p:cond>
+              </p:prevCondLst>
+              <p:nextCondLst>
+                <p:cond evt="onNext" delay="0">
+                  <p:tgtEl>
+                    <p:sldTgt/>
+                  </p:tgtEl>
+                </p:cond>
+              </p:nextCondLst>
+            </p:seq>
+          </p:childTnLst>
+        </p:cTn>
+      </p:par>
+    </p:tnLst>
+  </p:timing>
 </p:sld>
 </file>
 
@@ -10748,7 +11801,7 @@
             </a:pPr>
             <a:r>
               <a:rPr lang="zh-CN" altLang="en-US" dirty="0"/>
-              <a:t>它们分别是如何更新权重的？</a:t>
+              <a:t>它们分别是多少个样本更新一次权重？</a:t>
             </a:r>
             <a:endParaRPr lang="en-US" altLang="zh-CN" dirty="0"/>
           </a:p>
@@ -10901,7 +11954,7 @@
                             </p:stCondLst>
                             <p:childTnLst>
                               <p:par>
-                                <p:cTn id="5" presetID="1" presetClass="entr" presetSubtype="0" fill="hold" grpId="0" nodeType="clickEffect">
+                                <p:cTn id="5" presetID="1" presetClass="entr" presetSubtype="0" fill="hold" nodeType="clickEffect">
                                   <p:stCondLst>
                                     <p:cond delay="0"/>
                                   </p:stCondLst>
@@ -10914,7 +11967,823 @@
                                           </p:stCondLst>
                                         </p:cTn>
                                         <p:tgtEl>
-                                          <p:spTgt spid="6"/>
+                                          <p:spTgt spid="6">
+                                            <p:txEl>
+                                              <p:pRg st="0" end="0"/>
+                                            </p:txEl>
+                                          </p:spTgt>
+                                        </p:tgtEl>
+                                        <p:attrNameLst>
+                                          <p:attrName>style.visibility</p:attrName>
+                                        </p:attrNameLst>
+                                      </p:cBhvr>
+                                      <p:to>
+                                        <p:strVal val="visible"/>
+                                      </p:to>
+                                    </p:set>
+                                  </p:childTnLst>
+                                </p:cTn>
+                              </p:par>
+                            </p:childTnLst>
+                          </p:cTn>
+                        </p:par>
+                      </p:childTnLst>
+                    </p:cTn>
+                  </p:par>
+                  <p:par>
+                    <p:cTn id="7" fill="hold">
+                      <p:stCondLst>
+                        <p:cond delay="indefinite"/>
+                      </p:stCondLst>
+                      <p:childTnLst>
+                        <p:par>
+                          <p:cTn id="8" fill="hold">
+                            <p:stCondLst>
+                              <p:cond delay="0"/>
+                            </p:stCondLst>
+                            <p:childTnLst>
+                              <p:par>
+                                <p:cTn id="9" presetID="1" presetClass="entr" presetSubtype="0" fill="hold" nodeType="clickEffect">
+                                  <p:stCondLst>
+                                    <p:cond delay="0"/>
+                                  </p:stCondLst>
+                                  <p:childTnLst>
+                                    <p:set>
+                                      <p:cBhvr>
+                                        <p:cTn id="10" dur="1" fill="hold">
+                                          <p:stCondLst>
+                                            <p:cond delay="0"/>
+                                          </p:stCondLst>
+                                        </p:cTn>
+                                        <p:tgtEl>
+                                          <p:spTgt spid="6">
+                                            <p:txEl>
+                                              <p:pRg st="1" end="1"/>
+                                            </p:txEl>
+                                          </p:spTgt>
+                                        </p:tgtEl>
+                                        <p:attrNameLst>
+                                          <p:attrName>style.visibility</p:attrName>
+                                        </p:attrNameLst>
+                                      </p:cBhvr>
+                                      <p:to>
+                                        <p:strVal val="visible"/>
+                                      </p:to>
+                                    </p:set>
+                                  </p:childTnLst>
+                                </p:cTn>
+                              </p:par>
+                            </p:childTnLst>
+                          </p:cTn>
+                        </p:par>
+                      </p:childTnLst>
+                    </p:cTn>
+                  </p:par>
+                  <p:par>
+                    <p:cTn id="11" fill="hold">
+                      <p:stCondLst>
+                        <p:cond delay="indefinite"/>
+                      </p:stCondLst>
+                      <p:childTnLst>
+                        <p:par>
+                          <p:cTn id="12" fill="hold">
+                            <p:stCondLst>
+                              <p:cond delay="0"/>
+                            </p:stCondLst>
+                            <p:childTnLst>
+                              <p:par>
+                                <p:cTn id="13" presetID="1" presetClass="entr" presetSubtype="0" fill="hold" nodeType="clickEffect">
+                                  <p:stCondLst>
+                                    <p:cond delay="0"/>
+                                  </p:stCondLst>
+                                  <p:childTnLst>
+                                    <p:set>
+                                      <p:cBhvr>
+                                        <p:cTn id="14" dur="1" fill="hold">
+                                          <p:stCondLst>
+                                            <p:cond delay="0"/>
+                                          </p:stCondLst>
+                                        </p:cTn>
+                                        <p:tgtEl>
+                                          <p:spTgt spid="6">
+                                            <p:txEl>
+                                              <p:pRg st="2" end="2"/>
+                                            </p:txEl>
+                                          </p:spTgt>
+                                        </p:tgtEl>
+                                        <p:attrNameLst>
+                                          <p:attrName>style.visibility</p:attrName>
+                                        </p:attrNameLst>
+                                      </p:cBhvr>
+                                      <p:to>
+                                        <p:strVal val="visible"/>
+                                      </p:to>
+                                    </p:set>
+                                  </p:childTnLst>
+                                </p:cTn>
+                              </p:par>
+                            </p:childTnLst>
+                          </p:cTn>
+                        </p:par>
+                      </p:childTnLst>
+                    </p:cTn>
+                  </p:par>
+                  <p:par>
+                    <p:cTn id="15" fill="hold">
+                      <p:stCondLst>
+                        <p:cond delay="indefinite"/>
+                      </p:stCondLst>
+                      <p:childTnLst>
+                        <p:par>
+                          <p:cTn id="16" fill="hold">
+                            <p:stCondLst>
+                              <p:cond delay="0"/>
+                            </p:stCondLst>
+                            <p:childTnLst>
+                              <p:par>
+                                <p:cTn id="17" presetID="1" presetClass="entr" presetSubtype="0" fill="hold" nodeType="clickEffect">
+                                  <p:stCondLst>
+                                    <p:cond delay="0"/>
+                                  </p:stCondLst>
+                                  <p:childTnLst>
+                                    <p:set>
+                                      <p:cBhvr>
+                                        <p:cTn id="18" dur="1" fill="hold">
+                                          <p:stCondLst>
+                                            <p:cond delay="0"/>
+                                          </p:stCondLst>
+                                        </p:cTn>
+                                        <p:tgtEl>
+                                          <p:spTgt spid="6">
+                                            <p:txEl>
+                                              <p:pRg st="3" end="3"/>
+                                            </p:txEl>
+                                          </p:spTgt>
+                                        </p:tgtEl>
+                                        <p:attrNameLst>
+                                          <p:attrName>style.visibility</p:attrName>
+                                        </p:attrNameLst>
+                                      </p:cBhvr>
+                                      <p:to>
+                                        <p:strVal val="visible"/>
+                                      </p:to>
+                                    </p:set>
+                                  </p:childTnLst>
+                                </p:cTn>
+                              </p:par>
+                            </p:childTnLst>
+                          </p:cTn>
+                        </p:par>
+                      </p:childTnLst>
+                    </p:cTn>
+                  </p:par>
+                  <p:par>
+                    <p:cTn id="19" fill="hold">
+                      <p:stCondLst>
+                        <p:cond delay="indefinite"/>
+                      </p:stCondLst>
+                      <p:childTnLst>
+                        <p:par>
+                          <p:cTn id="20" fill="hold">
+                            <p:stCondLst>
+                              <p:cond delay="0"/>
+                            </p:stCondLst>
+                            <p:childTnLst>
+                              <p:par>
+                                <p:cTn id="21" presetID="1" presetClass="entr" presetSubtype="0" fill="hold" nodeType="clickEffect">
+                                  <p:stCondLst>
+                                    <p:cond delay="0"/>
+                                  </p:stCondLst>
+                                  <p:childTnLst>
+                                    <p:set>
+                                      <p:cBhvr>
+                                        <p:cTn id="22" dur="1" fill="hold">
+                                          <p:stCondLst>
+                                            <p:cond delay="0"/>
+                                          </p:stCondLst>
+                                        </p:cTn>
+                                        <p:tgtEl>
+                                          <p:spTgt spid="6">
+                                            <p:txEl>
+                                              <p:pRg st="4" end="4"/>
+                                            </p:txEl>
+                                          </p:spTgt>
+                                        </p:tgtEl>
+                                        <p:attrNameLst>
+                                          <p:attrName>style.visibility</p:attrName>
+                                        </p:attrNameLst>
+                                      </p:cBhvr>
+                                      <p:to>
+                                        <p:strVal val="visible"/>
+                                      </p:to>
+                                    </p:set>
+                                  </p:childTnLst>
+                                </p:cTn>
+                              </p:par>
+                            </p:childTnLst>
+                          </p:cTn>
+                        </p:par>
+                      </p:childTnLst>
+                    </p:cTn>
+                  </p:par>
+                </p:childTnLst>
+              </p:cTn>
+              <p:prevCondLst>
+                <p:cond evt="onPrev" delay="0">
+                  <p:tgtEl>
+                    <p:sldTgt/>
+                  </p:tgtEl>
+                </p:cond>
+              </p:prevCondLst>
+              <p:nextCondLst>
+                <p:cond evt="onNext" delay="0">
+                  <p:tgtEl>
+                    <p:sldTgt/>
+                  </p:tgtEl>
+                </p:cond>
+              </p:nextCondLst>
+            </p:seq>
+          </p:childTnLst>
+        </p:cTn>
+      </p:par>
+    </p:tnLst>
+  </p:timing>
+</p:sld>
+</file>
+
+<file path=ppt/slides/slide8.xml><?xml version="1.0" encoding="utf-8"?>
+<p:sld xmlns:a="http://schemas.openxmlformats.org/drawingml/2006/main" xmlns:r="http://schemas.openxmlformats.org/officeDocument/2006/relationships" xmlns:p="http://schemas.openxmlformats.org/presentationml/2006/main">
+  <p:cSld>
+    <p:spTree>
+      <p:nvGrpSpPr>
+        <p:cNvPr id="1" name=""/>
+        <p:cNvGrpSpPr/>
+        <p:nvPr/>
+      </p:nvGrpSpPr>
+      <p:grpSpPr>
+        <a:xfrm>
+          <a:off x="0" y="0"/>
+          <a:ext cx="0" cy="0"/>
+          <a:chOff x="0" y="0"/>
+          <a:chExt cx="0" cy="0"/>
+        </a:xfrm>
+      </p:grpSpPr>
+      <p:sp>
+        <p:nvSpPr>
+          <p:cNvPr id="3" name="标题 2"/>
+          <p:cNvSpPr>
+            <a:spLocks noGrp="1"/>
+          </p:cNvSpPr>
+          <p:nvPr>
+            <p:ph type="title"/>
+          </p:nvPr>
+        </p:nvSpPr>
+        <p:spPr/>
+        <p:txBody>
+          <a:bodyPr/>
+          <a:lstStyle/>
+          <a:p>
+            <a:r>
+              <a:rPr lang="zh-CN" altLang="en-US" dirty="0">
+                <a:sym typeface="+mn-ea"/>
+              </a:rPr>
+              <a:t>主问题：</a:t>
+            </a:r>
+            <a:r>
+              <a:rPr lang="zh-CN" altLang="en-US" dirty="0"/>
+              <a:t>如何充分利用</a:t>
+            </a:r>
+            <a:r>
+              <a:rPr lang="en-US" altLang="zh-CN" dirty="0"/>
+              <a:t>CPU</a:t>
+            </a:r>
+            <a:r>
+              <a:rPr lang="zh-CN" altLang="en-US" dirty="0"/>
+              <a:t>缓存？</a:t>
+            </a:r>
+            <a:endParaRPr dirty="0">
+              <a:sym typeface="+mn-ea"/>
+            </a:endParaRPr>
+          </a:p>
+        </p:txBody>
+      </p:sp>
+      <p:sp>
+        <p:nvSpPr>
+          <p:cNvPr id="6" name="文本占位符 1">
+            <a:extLst>
+              <a:ext uri="{FF2B5EF4-FFF2-40B4-BE49-F238E27FC236}">
+                <a16:creationId xmlns:a16="http://schemas.microsoft.com/office/drawing/2014/main" id="{BA88068A-4FDC-6963-46A5-ADEC46CDA15E}"/>
+              </a:ext>
+            </a:extLst>
+          </p:cNvPr>
+          <p:cNvSpPr txBox="1">
+            <a:spLocks/>
+          </p:cNvSpPr>
+          <p:nvPr/>
+        </p:nvSpPr>
+        <p:spPr>
+          <a:xfrm>
+            <a:off x="822325" y="1778635"/>
+            <a:ext cx="10852150" cy="4553585"/>
+          </a:xfrm>
+        </p:spPr>
+        <p:txBody>
+          <a:bodyPr lIns="101600" tIns="38100" rIns="76200" bIns="38100">
+            <a:noAutofit/>
+          </a:bodyPr>
+          <a:lstStyle>
+            <a:lvl1pPr marL="0" indent="0" algn="l" defTabSz="914400" rtl="0" eaLnBrk="1" fontAlgn="auto" latinLnBrk="0" hangingPunct="1">
+              <a:lnSpc>
+                <a:spcPct val="130000"/>
+              </a:lnSpc>
+              <a:spcBef>
+                <a:spcPts val="0"/>
+              </a:spcBef>
+              <a:spcAft>
+                <a:spcPts val="1000"/>
+              </a:spcAft>
+              <a:buFont typeface="Arial" panose="020B0604020202020204" pitchFamily="34" charset="0"/>
+              <a:buNone/>
+              <a:defRPr kumimoji="0" lang="zh-CN" altLang="en-US" sz="1600" b="0" i="0" u="none" strike="noStrike" kern="1200" cap="none" spc="150" normalizeH="0" baseline="0" noProof="1">
+                <a:solidFill>
+                  <a:schemeClr val="tx1"/>
+                </a:solidFill>
+                <a:uFillTx/>
+                <a:latin typeface="+mn-lt"/>
+                <a:ea typeface="+mn-ea"/>
+                <a:cs typeface="+mn-cs"/>
+                <a:sym typeface="+mn-ea"/>
+              </a:defRPr>
+            </a:lvl1pPr>
+            <a:lvl2pPr marL="457200" indent="0" algn="l" defTabSz="914400" rtl="0" eaLnBrk="1" fontAlgn="auto" latinLnBrk="0" hangingPunct="1">
+              <a:lnSpc>
+                <a:spcPct val="130000"/>
+              </a:lnSpc>
+              <a:spcBef>
+                <a:spcPts val="0"/>
+              </a:spcBef>
+              <a:spcAft>
+                <a:spcPts val="1000"/>
+              </a:spcAft>
+              <a:buFont typeface="Arial" panose="020B0604020202020204" pitchFamily="34" charset="0"/>
+              <a:buNone/>
+              <a:tabLst>
+                <a:tab pos="1609725" algn="l"/>
+              </a:tabLst>
+              <a:defRPr sz="2000" u="none" strike="noStrike" kern="1200" cap="none" spc="150" normalizeH="0" baseline="0">
+                <a:solidFill>
+                  <a:schemeClr val="tx1">
+                    <a:tint val="75000"/>
+                  </a:schemeClr>
+                </a:solidFill>
+                <a:uFillTx/>
+                <a:latin typeface="+mn-lt"/>
+                <a:ea typeface="+mn-ea"/>
+                <a:cs typeface="+mn-cs"/>
+              </a:defRPr>
+            </a:lvl2pPr>
+            <a:lvl3pPr marL="914400" indent="0" algn="l" defTabSz="914400" rtl="0" eaLnBrk="1" fontAlgn="auto" latinLnBrk="0" hangingPunct="1">
+              <a:lnSpc>
+                <a:spcPct val="130000"/>
+              </a:lnSpc>
+              <a:spcBef>
+                <a:spcPts val="0"/>
+              </a:spcBef>
+              <a:spcAft>
+                <a:spcPts val="1000"/>
+              </a:spcAft>
+              <a:buFont typeface="Arial" panose="020B0604020202020204" pitchFamily="34" charset="0"/>
+              <a:buNone/>
+              <a:defRPr sz="1800" u="none" strike="noStrike" kern="1200" cap="none" spc="150" normalizeH="0" baseline="0">
+                <a:solidFill>
+                  <a:schemeClr val="tx1">
+                    <a:tint val="75000"/>
+                  </a:schemeClr>
+                </a:solidFill>
+                <a:uFillTx/>
+                <a:latin typeface="+mn-lt"/>
+                <a:ea typeface="+mn-ea"/>
+                <a:cs typeface="+mn-cs"/>
+              </a:defRPr>
+            </a:lvl3pPr>
+            <a:lvl4pPr marL="1371600" indent="0" algn="l" defTabSz="914400" rtl="0" eaLnBrk="1" fontAlgn="auto" latinLnBrk="0" hangingPunct="1">
+              <a:lnSpc>
+                <a:spcPct val="130000"/>
+              </a:lnSpc>
+              <a:spcBef>
+                <a:spcPts val="0"/>
+              </a:spcBef>
+              <a:spcAft>
+                <a:spcPts val="1000"/>
+              </a:spcAft>
+              <a:buFont typeface="Arial" panose="020B0604020202020204" pitchFamily="34" charset="0"/>
+              <a:buNone/>
+              <a:defRPr sz="1600" u="none" strike="noStrike" kern="1200" cap="none" spc="150" normalizeH="0" baseline="0">
+                <a:solidFill>
+                  <a:schemeClr val="tx1">
+                    <a:tint val="75000"/>
+                  </a:schemeClr>
+                </a:solidFill>
+                <a:uFillTx/>
+                <a:latin typeface="+mn-lt"/>
+                <a:ea typeface="+mn-ea"/>
+                <a:cs typeface="+mn-cs"/>
+              </a:defRPr>
+            </a:lvl4pPr>
+            <a:lvl5pPr marL="1828800" indent="0" algn="l" defTabSz="914400" rtl="0" eaLnBrk="1" fontAlgn="auto" latinLnBrk="0" hangingPunct="1">
+              <a:lnSpc>
+                <a:spcPct val="130000"/>
+              </a:lnSpc>
+              <a:spcBef>
+                <a:spcPts val="0"/>
+              </a:spcBef>
+              <a:spcAft>
+                <a:spcPts val="1000"/>
+              </a:spcAft>
+              <a:buFont typeface="Arial" panose="020B0604020202020204" pitchFamily="34" charset="0"/>
+              <a:buNone/>
+              <a:defRPr sz="1600" u="none" strike="noStrike" kern="1200" cap="none" spc="150" normalizeH="0" baseline="0">
+                <a:solidFill>
+                  <a:schemeClr val="tx1">
+                    <a:tint val="75000"/>
+                  </a:schemeClr>
+                </a:solidFill>
+                <a:uFillTx/>
+                <a:latin typeface="+mn-lt"/>
+                <a:ea typeface="+mn-ea"/>
+                <a:cs typeface="+mn-cs"/>
+              </a:defRPr>
+            </a:lvl5pPr>
+            <a:lvl6pPr marL="2286000" indent="0" algn="l" defTabSz="914400" rtl="0" eaLnBrk="1" latinLnBrk="0" hangingPunct="1">
+              <a:lnSpc>
+                <a:spcPct val="90000"/>
+              </a:lnSpc>
+              <a:spcBef>
+                <a:spcPts val="500"/>
+              </a:spcBef>
+              <a:buFont typeface="Arial" panose="020B0604020202020204" pitchFamily="34" charset="0"/>
+              <a:buNone/>
+              <a:defRPr sz="1600" kern="1200">
+                <a:solidFill>
+                  <a:schemeClr val="tx1">
+                    <a:tint val="75000"/>
+                  </a:schemeClr>
+                </a:solidFill>
+                <a:latin typeface="+mn-lt"/>
+                <a:ea typeface="+mn-ea"/>
+                <a:cs typeface="+mn-cs"/>
+              </a:defRPr>
+            </a:lvl6pPr>
+            <a:lvl7pPr marL="2743200" indent="0" algn="l" defTabSz="914400" rtl="0" eaLnBrk="1" latinLnBrk="0" hangingPunct="1">
+              <a:lnSpc>
+                <a:spcPct val="90000"/>
+              </a:lnSpc>
+              <a:spcBef>
+                <a:spcPts val="500"/>
+              </a:spcBef>
+              <a:buFont typeface="Arial" panose="020B0604020202020204" pitchFamily="34" charset="0"/>
+              <a:buNone/>
+              <a:defRPr sz="1600" kern="1200">
+                <a:solidFill>
+                  <a:schemeClr val="tx1">
+                    <a:tint val="75000"/>
+                  </a:schemeClr>
+                </a:solidFill>
+                <a:latin typeface="+mn-lt"/>
+                <a:ea typeface="+mn-ea"/>
+                <a:cs typeface="+mn-cs"/>
+              </a:defRPr>
+            </a:lvl7pPr>
+            <a:lvl8pPr marL="3200400" indent="0" algn="l" defTabSz="914400" rtl="0" eaLnBrk="1" latinLnBrk="0" hangingPunct="1">
+              <a:lnSpc>
+                <a:spcPct val="90000"/>
+              </a:lnSpc>
+              <a:spcBef>
+                <a:spcPts val="500"/>
+              </a:spcBef>
+              <a:buFont typeface="Arial" panose="020B0604020202020204" pitchFamily="34" charset="0"/>
+              <a:buNone/>
+              <a:defRPr sz="1600" kern="1200">
+                <a:solidFill>
+                  <a:schemeClr val="tx1">
+                    <a:tint val="75000"/>
+                  </a:schemeClr>
+                </a:solidFill>
+                <a:latin typeface="+mn-lt"/>
+                <a:ea typeface="+mn-ea"/>
+                <a:cs typeface="+mn-cs"/>
+              </a:defRPr>
+            </a:lvl8pPr>
+            <a:lvl9pPr marL="3657600" indent="0" algn="l" defTabSz="914400" rtl="0" eaLnBrk="1" latinLnBrk="0" hangingPunct="1">
+              <a:lnSpc>
+                <a:spcPct val="90000"/>
+              </a:lnSpc>
+              <a:spcBef>
+                <a:spcPts val="500"/>
+              </a:spcBef>
+              <a:buFont typeface="Arial" panose="020B0604020202020204" pitchFamily="34" charset="0"/>
+              <a:buNone/>
+              <a:defRPr sz="1600" kern="1200">
+                <a:solidFill>
+                  <a:schemeClr val="tx1">
+                    <a:tint val="75000"/>
+                  </a:schemeClr>
+                </a:solidFill>
+                <a:latin typeface="+mn-lt"/>
+                <a:ea typeface="+mn-ea"/>
+                <a:cs typeface="+mn-cs"/>
+              </a:defRPr>
+            </a:lvl9pPr>
+          </a:lstStyle>
+          <a:p>
+            <a:pPr marL="285750" indent="-285750">
+              <a:buFont typeface="Arial" panose="020B0604020202020204" pitchFamily="34" charset="0"/>
+              <a:buChar char="•"/>
+            </a:pPr>
+            <a:r>
+              <a:rPr lang="zh-CN" altLang="en-US" dirty="0"/>
+              <a:t>能否提出一个折中的方法？</a:t>
+            </a:r>
+            <a:endParaRPr lang="en-US" altLang="zh-CN" dirty="0"/>
+          </a:p>
+          <a:p>
+            <a:pPr marL="285750" indent="-285750">
+              <a:buFont typeface="Arial" panose="020B0604020202020204" pitchFamily="34" charset="0"/>
+              <a:buChar char="•"/>
+            </a:pPr>
+            <a:r>
+              <a:rPr lang="zh-CN" altLang="en-US" dirty="0"/>
+              <a:t>该方法有什么优势？</a:t>
+            </a:r>
+            <a:endParaRPr lang="en-US" altLang="zh-CN" dirty="0"/>
+          </a:p>
+          <a:p>
+            <a:pPr marL="285750" indent="-285750">
+              <a:buFont typeface="Arial" panose="020B0604020202020204" pitchFamily="34" charset="0"/>
+              <a:buChar char="•"/>
+            </a:pPr>
+            <a:endParaRPr lang="en-US" altLang="zh-CN" dirty="0"/>
+          </a:p>
+          <a:p>
+            <a:endParaRPr lang="en-US" altLang="zh-CN" dirty="0"/>
+          </a:p>
+          <a:p>
+            <a:pPr marL="285750" indent="-285750">
+              <a:buFont typeface="Arial" panose="020B0604020202020204" pitchFamily="34" charset="0"/>
+              <a:buChar char="•"/>
+            </a:pPr>
+            <a:r>
+              <a:rPr lang="zh-CN" altLang="en-US" dirty="0"/>
+              <a:t>自学、互学、展学</a:t>
+            </a:r>
+          </a:p>
+          <a:p>
+            <a:pPr marL="285750" indent="-285750">
+              <a:buFont typeface="Arial" panose="020B0604020202020204" pitchFamily="34" charset="0"/>
+              <a:buChar char="•"/>
+            </a:pPr>
+            <a:endParaRPr lang="zh-CN" altLang="en-US" dirty="0"/>
+          </a:p>
+          <a:p>
+            <a:pPr marL="285750" indent="-285750">
+              <a:buFont typeface="Arial" panose="020B0604020202020204" pitchFamily="34" charset="0"/>
+              <a:buChar char="•"/>
+            </a:pPr>
+            <a:endParaRPr lang="en-US" altLang="zh-CN" dirty="0"/>
+          </a:p>
+          <a:p>
+            <a:pPr marL="285750" indent="-285750">
+              <a:buFont typeface="Arial" panose="020B0604020202020204" pitchFamily="34" charset="0"/>
+              <a:buChar char="•"/>
+            </a:pPr>
+            <a:endParaRPr lang="zh-CN" altLang="en-US" dirty="0"/>
+          </a:p>
+          <a:p>
+            <a:pPr marL="285750" indent="-285750">
+              <a:buFont typeface="Arial" panose="020B0604020202020204" pitchFamily="34" charset="0"/>
+              <a:buChar char="•"/>
+            </a:pPr>
+            <a:endParaRPr lang="zh-CN" altLang="en-US" dirty="0"/>
+          </a:p>
+          <a:p>
+            <a:pPr marL="285750" indent="-285750">
+              <a:buFont typeface="Arial" panose="020B0604020202020204" pitchFamily="34" charset="0"/>
+              <a:buChar char="•"/>
+            </a:pPr>
+            <a:endParaRPr lang="zh-CN" altLang="en-US" dirty="0"/>
+          </a:p>
+          <a:p>
+            <a:pPr marL="285750" indent="-285750">
+              <a:buFont typeface="Arial" panose="020B0604020202020204" pitchFamily="34" charset="0"/>
+              <a:buChar char="•"/>
+            </a:pPr>
+            <a:endParaRPr lang="zh-CN" altLang="en-US" dirty="0"/>
+          </a:p>
+          <a:p>
+            <a:pPr marL="285750" indent="-285750">
+              <a:buFont typeface="Arial" panose="020B0604020202020204" pitchFamily="34" charset="0"/>
+              <a:buChar char="•"/>
+            </a:pPr>
+            <a:endParaRPr lang="zh-CN" altLang="en-US" dirty="0"/>
+          </a:p>
+          <a:p>
+            <a:pPr marL="285750" indent="-285750">
+              <a:buFont typeface="Arial" panose="020B0604020202020204" pitchFamily="34" charset="0"/>
+              <a:buChar char="•"/>
+            </a:pPr>
+            <a:endParaRPr lang="zh-CN" altLang="en-US" dirty="0"/>
+          </a:p>
+          <a:p>
+            <a:pPr marL="285750" indent="-285750">
+              <a:buFont typeface="Arial" panose="020B0604020202020204" pitchFamily="34" charset="0"/>
+              <a:buChar char="•"/>
+            </a:pPr>
+            <a:endParaRPr lang="zh-CN" altLang="en-US" dirty="0"/>
+          </a:p>
+        </p:txBody>
+      </p:sp>
+      <p:sp>
+        <p:nvSpPr>
+          <p:cNvPr id="2" name="文本框 1">
+            <a:extLst>
+              <a:ext uri="{FF2B5EF4-FFF2-40B4-BE49-F238E27FC236}">
+                <a16:creationId xmlns:a16="http://schemas.microsoft.com/office/drawing/2014/main" id="{0BA7B52B-BFD6-2E84-23DA-975B1E5015D6}"/>
+              </a:ext>
+            </a:extLst>
+          </p:cNvPr>
+          <p:cNvSpPr txBox="1"/>
+          <p:nvPr/>
+        </p:nvSpPr>
+        <p:spPr>
+          <a:xfrm>
+            <a:off x="7584141" y="2380129"/>
+            <a:ext cx="2262158" cy="369332"/>
+          </a:xfrm>
+          <a:prstGeom prst="rect">
+            <a:avLst/>
+          </a:prstGeom>
+          <a:noFill/>
+        </p:spPr>
+        <p:txBody>
+          <a:bodyPr wrap="none" rtlCol="0">
+            <a:spAutoFit/>
+          </a:bodyPr>
+          <a:lstStyle/>
+          <a:p>
+            <a:r>
+              <a:rPr lang="zh-CN" altLang="en-US" dirty="0"/>
+              <a:t>小批量随机梯度下降</a:t>
+            </a:r>
+            <a:endParaRPr kumimoji="1" lang="zh-CN" altLang="en-US" dirty="0"/>
+          </a:p>
+        </p:txBody>
+      </p:sp>
+    </p:spTree>
+    <p:custDataLst>
+      <p:tags r:id="rId1"/>
+    </p:custDataLst>
+    <p:extLst>
+      <p:ext uri="{BB962C8B-B14F-4D97-AF65-F5344CB8AC3E}">
+        <p14:creationId xmlns:p14="http://schemas.microsoft.com/office/powerpoint/2010/main" val="906653231"/>
+      </p:ext>
+    </p:extLst>
+  </p:cSld>
+  <p:clrMapOvr>
+    <a:masterClrMapping/>
+  </p:clrMapOvr>
+  <p:timing>
+    <p:tnLst>
+      <p:par>
+        <p:cTn id="1" dur="indefinite" restart="never" nodeType="tmRoot">
+          <p:childTnLst>
+            <p:seq concurrent="1" nextAc="seek">
+              <p:cTn id="2" dur="indefinite" nodeType="mainSeq">
+                <p:childTnLst>
+                  <p:par>
+                    <p:cTn id="3" fill="hold">
+                      <p:stCondLst>
+                        <p:cond delay="indefinite"/>
+                      </p:stCondLst>
+                      <p:childTnLst>
+                        <p:par>
+                          <p:cTn id="4" fill="hold">
+                            <p:stCondLst>
+                              <p:cond delay="0"/>
+                            </p:stCondLst>
+                            <p:childTnLst>
+                              <p:par>
+                                <p:cTn id="5" presetID="1" presetClass="entr" presetSubtype="0" fill="hold" nodeType="clickEffect">
+                                  <p:stCondLst>
+                                    <p:cond delay="0"/>
+                                  </p:stCondLst>
+                                  <p:childTnLst>
+                                    <p:set>
+                                      <p:cBhvr>
+                                        <p:cTn id="6" dur="1" fill="hold">
+                                          <p:stCondLst>
+                                            <p:cond delay="0"/>
+                                          </p:stCondLst>
+                                        </p:cTn>
+                                        <p:tgtEl>
+                                          <p:spTgt spid="6">
+                                            <p:txEl>
+                                              <p:pRg st="0" end="0"/>
+                                            </p:txEl>
+                                          </p:spTgt>
+                                        </p:tgtEl>
+                                        <p:attrNameLst>
+                                          <p:attrName>style.visibility</p:attrName>
+                                        </p:attrNameLst>
+                                      </p:cBhvr>
+                                      <p:to>
+                                        <p:strVal val="visible"/>
+                                      </p:to>
+                                    </p:set>
+                                  </p:childTnLst>
+                                </p:cTn>
+                              </p:par>
+                            </p:childTnLst>
+                          </p:cTn>
+                        </p:par>
+                      </p:childTnLst>
+                    </p:cTn>
+                  </p:par>
+                  <p:par>
+                    <p:cTn id="7" fill="hold">
+                      <p:stCondLst>
+                        <p:cond delay="indefinite"/>
+                      </p:stCondLst>
+                      <p:childTnLst>
+                        <p:par>
+                          <p:cTn id="8" fill="hold">
+                            <p:stCondLst>
+                              <p:cond delay="0"/>
+                            </p:stCondLst>
+                            <p:childTnLst>
+                              <p:par>
+                                <p:cTn id="9" presetID="1" presetClass="entr" presetSubtype="0" fill="hold" grpId="0" nodeType="clickEffect">
+                                  <p:stCondLst>
+                                    <p:cond delay="0"/>
+                                  </p:stCondLst>
+                                  <p:childTnLst>
+                                    <p:set>
+                                      <p:cBhvr>
+                                        <p:cTn id="10" dur="1" fill="hold">
+                                          <p:stCondLst>
+                                            <p:cond delay="0"/>
+                                          </p:stCondLst>
+                                        </p:cTn>
+                                        <p:tgtEl>
+                                          <p:spTgt spid="2"/>
+                                        </p:tgtEl>
+                                        <p:attrNameLst>
+                                          <p:attrName>style.visibility</p:attrName>
+                                        </p:attrNameLst>
+                                      </p:cBhvr>
+                                      <p:to>
+                                        <p:strVal val="visible"/>
+                                      </p:to>
+                                    </p:set>
+                                  </p:childTnLst>
+                                </p:cTn>
+                              </p:par>
+                            </p:childTnLst>
+                          </p:cTn>
+                        </p:par>
+                      </p:childTnLst>
+                    </p:cTn>
+                  </p:par>
+                  <p:par>
+                    <p:cTn id="11" fill="hold">
+                      <p:stCondLst>
+                        <p:cond delay="indefinite"/>
+                      </p:stCondLst>
+                      <p:childTnLst>
+                        <p:par>
+                          <p:cTn id="12" fill="hold">
+                            <p:stCondLst>
+                              <p:cond delay="0"/>
+                            </p:stCondLst>
+                            <p:childTnLst>
+                              <p:par>
+                                <p:cTn id="13" presetID="1" presetClass="entr" presetSubtype="0" fill="hold" nodeType="clickEffect">
+                                  <p:stCondLst>
+                                    <p:cond delay="0"/>
+                                  </p:stCondLst>
+                                  <p:childTnLst>
+                                    <p:set>
+                                      <p:cBhvr>
+                                        <p:cTn id="14" dur="1" fill="hold">
+                                          <p:stCondLst>
+                                            <p:cond delay="0"/>
+                                          </p:stCondLst>
+                                        </p:cTn>
+                                        <p:tgtEl>
+                                          <p:spTgt spid="6">
+                                            <p:txEl>
+                                              <p:pRg st="1" end="1"/>
+                                            </p:txEl>
+                                          </p:spTgt>
                                         </p:tgtEl>
                                         <p:attrNameLst>
                                           <p:attrName>style.visibility</p:attrName>
@@ -10955,492 +12824,7 @@
       </p:par>
     </p:tnLst>
     <p:bldLst>
-      <p:bldP spid="6" grpId="0"/>
-    </p:bldLst>
-  </p:timing>
-</p:sld>
-</file>
-
-<file path=ppt/slides/slide8.xml><?xml version="1.0" encoding="utf-8"?>
-<p:sld xmlns:a="http://schemas.openxmlformats.org/drawingml/2006/main" xmlns:r="http://schemas.openxmlformats.org/officeDocument/2006/relationships" xmlns:p="http://schemas.openxmlformats.org/presentationml/2006/main">
-  <p:cSld>
-    <p:spTree>
-      <p:nvGrpSpPr>
-        <p:cNvPr id="1" name=""/>
-        <p:cNvGrpSpPr/>
-        <p:nvPr/>
-      </p:nvGrpSpPr>
-      <p:grpSpPr>
-        <a:xfrm>
-          <a:off x="0" y="0"/>
-          <a:ext cx="0" cy="0"/>
-          <a:chOff x="0" y="0"/>
-          <a:chExt cx="0" cy="0"/>
-        </a:xfrm>
-      </p:grpSpPr>
-      <p:sp>
-        <p:nvSpPr>
-          <p:cNvPr id="3" name="标题 2"/>
-          <p:cNvSpPr>
-            <a:spLocks noGrp="1"/>
-          </p:cNvSpPr>
-          <p:nvPr>
-            <p:ph type="title"/>
-          </p:nvPr>
-        </p:nvSpPr>
-        <p:spPr/>
-        <p:txBody>
-          <a:bodyPr/>
-          <a:lstStyle/>
-          <a:p>
-            <a:r>
-              <a:rPr lang="zh-CN" altLang="en-US" dirty="0">
-                <a:sym typeface="+mn-ea"/>
-              </a:rPr>
-              <a:t>主问题：</a:t>
-            </a:r>
-            <a:r>
-              <a:rPr lang="zh-CN" altLang="en-US" dirty="0"/>
-              <a:t>如何充分利用</a:t>
-            </a:r>
-            <a:r>
-              <a:rPr lang="en-US" altLang="zh-CN" dirty="0"/>
-              <a:t>CPU</a:t>
-            </a:r>
-            <a:r>
-              <a:rPr lang="zh-CN" altLang="en-US" dirty="0"/>
-              <a:t>缓存？</a:t>
-            </a:r>
-            <a:endParaRPr dirty="0">
-              <a:sym typeface="+mn-ea"/>
-            </a:endParaRPr>
-          </a:p>
-        </p:txBody>
-      </p:sp>
-      <p:sp>
-        <p:nvSpPr>
-          <p:cNvPr id="6" name="文本占位符 1">
-            <a:extLst>
-              <a:ext uri="{FF2B5EF4-FFF2-40B4-BE49-F238E27FC236}">
-                <a16:creationId xmlns:a16="http://schemas.microsoft.com/office/drawing/2014/main" id="{BA88068A-4FDC-6963-46A5-ADEC46CDA15E}"/>
-              </a:ext>
-            </a:extLst>
-          </p:cNvPr>
-          <p:cNvSpPr txBox="1">
-            <a:spLocks/>
-          </p:cNvSpPr>
-          <p:nvPr/>
-        </p:nvSpPr>
-        <p:spPr>
-          <a:xfrm>
-            <a:off x="822325" y="1778635"/>
-            <a:ext cx="10852150" cy="4553585"/>
-          </a:xfrm>
-        </p:spPr>
-        <p:txBody>
-          <a:bodyPr lIns="101600" tIns="38100" rIns="76200" bIns="38100">
-            <a:noAutofit/>
-          </a:bodyPr>
-          <a:lstStyle>
-            <a:lvl1pPr marL="0" indent="0" algn="l" defTabSz="914400" rtl="0" eaLnBrk="1" fontAlgn="auto" latinLnBrk="0" hangingPunct="1">
-              <a:lnSpc>
-                <a:spcPct val="130000"/>
-              </a:lnSpc>
-              <a:spcBef>
-                <a:spcPts val="0"/>
-              </a:spcBef>
-              <a:spcAft>
-                <a:spcPts val="1000"/>
-              </a:spcAft>
-              <a:buFont typeface="Arial" panose="020B0604020202020204" pitchFamily="34" charset="0"/>
-              <a:buNone/>
-              <a:defRPr kumimoji="0" lang="zh-CN" altLang="en-US" sz="1600" b="0" i="0" u="none" strike="noStrike" kern="1200" cap="none" spc="150" normalizeH="0" baseline="0" noProof="1">
-                <a:solidFill>
-                  <a:schemeClr val="tx1"/>
-                </a:solidFill>
-                <a:uFillTx/>
-                <a:latin typeface="+mn-lt"/>
-                <a:ea typeface="+mn-ea"/>
-                <a:cs typeface="+mn-cs"/>
-                <a:sym typeface="+mn-ea"/>
-              </a:defRPr>
-            </a:lvl1pPr>
-            <a:lvl2pPr marL="457200" indent="0" algn="l" defTabSz="914400" rtl="0" eaLnBrk="1" fontAlgn="auto" latinLnBrk="0" hangingPunct="1">
-              <a:lnSpc>
-                <a:spcPct val="130000"/>
-              </a:lnSpc>
-              <a:spcBef>
-                <a:spcPts val="0"/>
-              </a:spcBef>
-              <a:spcAft>
-                <a:spcPts val="1000"/>
-              </a:spcAft>
-              <a:buFont typeface="Arial" panose="020B0604020202020204" pitchFamily="34" charset="0"/>
-              <a:buNone/>
-              <a:tabLst>
-                <a:tab pos="1609725" algn="l"/>
-              </a:tabLst>
-              <a:defRPr sz="2000" u="none" strike="noStrike" kern="1200" cap="none" spc="150" normalizeH="0" baseline="0">
-                <a:solidFill>
-                  <a:schemeClr val="tx1">
-                    <a:tint val="75000"/>
-                  </a:schemeClr>
-                </a:solidFill>
-                <a:uFillTx/>
-                <a:latin typeface="+mn-lt"/>
-                <a:ea typeface="+mn-ea"/>
-                <a:cs typeface="+mn-cs"/>
-              </a:defRPr>
-            </a:lvl2pPr>
-            <a:lvl3pPr marL="914400" indent="0" algn="l" defTabSz="914400" rtl="0" eaLnBrk="1" fontAlgn="auto" latinLnBrk="0" hangingPunct="1">
-              <a:lnSpc>
-                <a:spcPct val="130000"/>
-              </a:lnSpc>
-              <a:spcBef>
-                <a:spcPts val="0"/>
-              </a:spcBef>
-              <a:spcAft>
-                <a:spcPts val="1000"/>
-              </a:spcAft>
-              <a:buFont typeface="Arial" panose="020B0604020202020204" pitchFamily="34" charset="0"/>
-              <a:buNone/>
-              <a:defRPr sz="1800" u="none" strike="noStrike" kern="1200" cap="none" spc="150" normalizeH="0" baseline="0">
-                <a:solidFill>
-                  <a:schemeClr val="tx1">
-                    <a:tint val="75000"/>
-                  </a:schemeClr>
-                </a:solidFill>
-                <a:uFillTx/>
-                <a:latin typeface="+mn-lt"/>
-                <a:ea typeface="+mn-ea"/>
-                <a:cs typeface="+mn-cs"/>
-              </a:defRPr>
-            </a:lvl3pPr>
-            <a:lvl4pPr marL="1371600" indent="0" algn="l" defTabSz="914400" rtl="0" eaLnBrk="1" fontAlgn="auto" latinLnBrk="0" hangingPunct="1">
-              <a:lnSpc>
-                <a:spcPct val="130000"/>
-              </a:lnSpc>
-              <a:spcBef>
-                <a:spcPts val="0"/>
-              </a:spcBef>
-              <a:spcAft>
-                <a:spcPts val="1000"/>
-              </a:spcAft>
-              <a:buFont typeface="Arial" panose="020B0604020202020204" pitchFamily="34" charset="0"/>
-              <a:buNone/>
-              <a:defRPr sz="1600" u="none" strike="noStrike" kern="1200" cap="none" spc="150" normalizeH="0" baseline="0">
-                <a:solidFill>
-                  <a:schemeClr val="tx1">
-                    <a:tint val="75000"/>
-                  </a:schemeClr>
-                </a:solidFill>
-                <a:uFillTx/>
-                <a:latin typeface="+mn-lt"/>
-                <a:ea typeface="+mn-ea"/>
-                <a:cs typeface="+mn-cs"/>
-              </a:defRPr>
-            </a:lvl4pPr>
-            <a:lvl5pPr marL="1828800" indent="0" algn="l" defTabSz="914400" rtl="0" eaLnBrk="1" fontAlgn="auto" latinLnBrk="0" hangingPunct="1">
-              <a:lnSpc>
-                <a:spcPct val="130000"/>
-              </a:lnSpc>
-              <a:spcBef>
-                <a:spcPts val="0"/>
-              </a:spcBef>
-              <a:spcAft>
-                <a:spcPts val="1000"/>
-              </a:spcAft>
-              <a:buFont typeface="Arial" panose="020B0604020202020204" pitchFamily="34" charset="0"/>
-              <a:buNone/>
-              <a:defRPr sz="1600" u="none" strike="noStrike" kern="1200" cap="none" spc="150" normalizeH="0" baseline="0">
-                <a:solidFill>
-                  <a:schemeClr val="tx1">
-                    <a:tint val="75000"/>
-                  </a:schemeClr>
-                </a:solidFill>
-                <a:uFillTx/>
-                <a:latin typeface="+mn-lt"/>
-                <a:ea typeface="+mn-ea"/>
-                <a:cs typeface="+mn-cs"/>
-              </a:defRPr>
-            </a:lvl5pPr>
-            <a:lvl6pPr marL="2286000" indent="0" algn="l" defTabSz="914400" rtl="0" eaLnBrk="1" latinLnBrk="0" hangingPunct="1">
-              <a:lnSpc>
-                <a:spcPct val="90000"/>
-              </a:lnSpc>
-              <a:spcBef>
-                <a:spcPts val="500"/>
-              </a:spcBef>
-              <a:buFont typeface="Arial" panose="020B0604020202020204" pitchFamily="34" charset="0"/>
-              <a:buNone/>
-              <a:defRPr sz="1600" kern="1200">
-                <a:solidFill>
-                  <a:schemeClr val="tx1">
-                    <a:tint val="75000"/>
-                  </a:schemeClr>
-                </a:solidFill>
-                <a:latin typeface="+mn-lt"/>
-                <a:ea typeface="+mn-ea"/>
-                <a:cs typeface="+mn-cs"/>
-              </a:defRPr>
-            </a:lvl6pPr>
-            <a:lvl7pPr marL="2743200" indent="0" algn="l" defTabSz="914400" rtl="0" eaLnBrk="1" latinLnBrk="0" hangingPunct="1">
-              <a:lnSpc>
-                <a:spcPct val="90000"/>
-              </a:lnSpc>
-              <a:spcBef>
-                <a:spcPts val="500"/>
-              </a:spcBef>
-              <a:buFont typeface="Arial" panose="020B0604020202020204" pitchFamily="34" charset="0"/>
-              <a:buNone/>
-              <a:defRPr sz="1600" kern="1200">
-                <a:solidFill>
-                  <a:schemeClr val="tx1">
-                    <a:tint val="75000"/>
-                  </a:schemeClr>
-                </a:solidFill>
-                <a:latin typeface="+mn-lt"/>
-                <a:ea typeface="+mn-ea"/>
-                <a:cs typeface="+mn-cs"/>
-              </a:defRPr>
-            </a:lvl7pPr>
-            <a:lvl8pPr marL="3200400" indent="0" algn="l" defTabSz="914400" rtl="0" eaLnBrk="1" latinLnBrk="0" hangingPunct="1">
-              <a:lnSpc>
-                <a:spcPct val="90000"/>
-              </a:lnSpc>
-              <a:spcBef>
-                <a:spcPts val="500"/>
-              </a:spcBef>
-              <a:buFont typeface="Arial" panose="020B0604020202020204" pitchFamily="34" charset="0"/>
-              <a:buNone/>
-              <a:defRPr sz="1600" kern="1200">
-                <a:solidFill>
-                  <a:schemeClr val="tx1">
-                    <a:tint val="75000"/>
-                  </a:schemeClr>
-                </a:solidFill>
-                <a:latin typeface="+mn-lt"/>
-                <a:ea typeface="+mn-ea"/>
-                <a:cs typeface="+mn-cs"/>
-              </a:defRPr>
-            </a:lvl8pPr>
-            <a:lvl9pPr marL="3657600" indent="0" algn="l" defTabSz="914400" rtl="0" eaLnBrk="1" latinLnBrk="0" hangingPunct="1">
-              <a:lnSpc>
-                <a:spcPct val="90000"/>
-              </a:lnSpc>
-              <a:spcBef>
-                <a:spcPts val="500"/>
-              </a:spcBef>
-              <a:buFont typeface="Arial" panose="020B0604020202020204" pitchFamily="34" charset="0"/>
-              <a:buNone/>
-              <a:defRPr sz="1600" kern="1200">
-                <a:solidFill>
-                  <a:schemeClr val="tx1">
-                    <a:tint val="75000"/>
-                  </a:schemeClr>
-                </a:solidFill>
-                <a:latin typeface="+mn-lt"/>
-                <a:ea typeface="+mn-ea"/>
-                <a:cs typeface="+mn-cs"/>
-              </a:defRPr>
-            </a:lvl9pPr>
-          </a:lstStyle>
-          <a:p>
-            <a:pPr marL="285750" indent="-285750">
-              <a:buFont typeface="Arial" panose="020B0604020202020204" pitchFamily="34" charset="0"/>
-              <a:buChar char="•"/>
-            </a:pPr>
-            <a:r>
-              <a:rPr lang="zh-CN" altLang="en-US" dirty="0"/>
-              <a:t>能否提出一个折中的方法？</a:t>
-            </a:r>
-            <a:endParaRPr lang="en-US" altLang="zh-CN" dirty="0"/>
-          </a:p>
-          <a:p>
-            <a:pPr marL="285750" indent="-285750">
-              <a:buFont typeface="Arial" panose="020B0604020202020204" pitchFamily="34" charset="0"/>
-              <a:buChar char="•"/>
-            </a:pPr>
-            <a:r>
-              <a:rPr lang="zh-CN" altLang="en-US" dirty="0"/>
-              <a:t>该方法有什么优势？</a:t>
-            </a:r>
-            <a:endParaRPr lang="en-US" altLang="zh-CN" dirty="0"/>
-          </a:p>
-          <a:p>
-            <a:pPr marL="285750" indent="-285750">
-              <a:buFont typeface="Arial" panose="020B0604020202020204" pitchFamily="34" charset="0"/>
-              <a:buChar char="•"/>
-            </a:pPr>
-            <a:endParaRPr lang="en-US" altLang="zh-CN" dirty="0"/>
-          </a:p>
-          <a:p>
-            <a:endParaRPr lang="en-US" altLang="zh-CN" dirty="0"/>
-          </a:p>
-          <a:p>
-            <a:pPr marL="285750" indent="-285750">
-              <a:buFont typeface="Arial" panose="020B0604020202020204" pitchFamily="34" charset="0"/>
-              <a:buChar char="•"/>
-            </a:pPr>
-            <a:r>
-              <a:rPr lang="zh-CN" altLang="en-US" dirty="0"/>
-              <a:t>自学、互学、展学</a:t>
-            </a:r>
-          </a:p>
-          <a:p>
-            <a:pPr marL="285750" indent="-285750">
-              <a:buFont typeface="Arial" panose="020B0604020202020204" pitchFamily="34" charset="0"/>
-              <a:buChar char="•"/>
-            </a:pPr>
-            <a:endParaRPr lang="zh-CN" altLang="en-US" dirty="0"/>
-          </a:p>
-          <a:p>
-            <a:pPr marL="285750" indent="-285750">
-              <a:buFont typeface="Arial" panose="020B0604020202020204" pitchFamily="34" charset="0"/>
-              <a:buChar char="•"/>
-            </a:pPr>
-            <a:endParaRPr lang="en-US" altLang="zh-CN" dirty="0"/>
-          </a:p>
-          <a:p>
-            <a:pPr marL="285750" indent="-285750">
-              <a:buFont typeface="Arial" panose="020B0604020202020204" pitchFamily="34" charset="0"/>
-              <a:buChar char="•"/>
-            </a:pPr>
-            <a:endParaRPr lang="zh-CN" altLang="en-US" dirty="0"/>
-          </a:p>
-          <a:p>
-            <a:pPr marL="285750" indent="-285750">
-              <a:buFont typeface="Arial" panose="020B0604020202020204" pitchFamily="34" charset="0"/>
-              <a:buChar char="•"/>
-            </a:pPr>
-            <a:endParaRPr lang="zh-CN" altLang="en-US" dirty="0"/>
-          </a:p>
-          <a:p>
-            <a:pPr marL="285750" indent="-285750">
-              <a:buFont typeface="Arial" panose="020B0604020202020204" pitchFamily="34" charset="0"/>
-              <a:buChar char="•"/>
-            </a:pPr>
-            <a:endParaRPr lang="zh-CN" altLang="en-US" dirty="0"/>
-          </a:p>
-          <a:p>
-            <a:pPr marL="285750" indent="-285750">
-              <a:buFont typeface="Arial" panose="020B0604020202020204" pitchFamily="34" charset="0"/>
-              <a:buChar char="•"/>
-            </a:pPr>
-            <a:endParaRPr lang="zh-CN" altLang="en-US" dirty="0"/>
-          </a:p>
-          <a:p>
-            <a:pPr marL="285750" indent="-285750">
-              <a:buFont typeface="Arial" panose="020B0604020202020204" pitchFamily="34" charset="0"/>
-              <a:buChar char="•"/>
-            </a:pPr>
-            <a:endParaRPr lang="zh-CN" altLang="en-US" dirty="0"/>
-          </a:p>
-          <a:p>
-            <a:pPr marL="285750" indent="-285750">
-              <a:buFont typeface="Arial" panose="020B0604020202020204" pitchFamily="34" charset="0"/>
-              <a:buChar char="•"/>
-            </a:pPr>
-            <a:endParaRPr lang="zh-CN" altLang="en-US" dirty="0"/>
-          </a:p>
-          <a:p>
-            <a:pPr marL="285750" indent="-285750">
-              <a:buFont typeface="Arial" panose="020B0604020202020204" pitchFamily="34" charset="0"/>
-              <a:buChar char="•"/>
-            </a:pPr>
-            <a:endParaRPr lang="zh-CN" altLang="en-US" dirty="0"/>
-          </a:p>
-        </p:txBody>
-      </p:sp>
-    </p:spTree>
-    <p:custDataLst>
-      <p:tags r:id="rId1"/>
-    </p:custDataLst>
-    <p:extLst>
-      <p:ext uri="{BB962C8B-B14F-4D97-AF65-F5344CB8AC3E}">
-        <p14:creationId xmlns:p14="http://schemas.microsoft.com/office/powerpoint/2010/main" val="906653231"/>
-      </p:ext>
-    </p:extLst>
-  </p:cSld>
-  <p:clrMapOvr>
-    <a:masterClrMapping/>
-  </p:clrMapOvr>
-  <p:timing>
-    <p:tnLst>
-      <p:par>
-        <p:cTn id="1" dur="indefinite" restart="never" nodeType="tmRoot">
-          <p:childTnLst>
-            <p:seq concurrent="1" nextAc="seek">
-              <p:cTn id="2" dur="indefinite" nodeType="mainSeq">
-                <p:childTnLst>
-                  <p:par>
-                    <p:cTn id="3" fill="hold">
-                      <p:stCondLst>
-                        <p:cond delay="indefinite"/>
-                      </p:stCondLst>
-                      <p:childTnLst>
-                        <p:par>
-                          <p:cTn id="4" fill="hold">
-                            <p:stCondLst>
-                              <p:cond delay="0"/>
-                            </p:stCondLst>
-                            <p:childTnLst>
-                              <p:par>
-                                <p:cTn id="5" presetID="1" presetClass="entr" presetSubtype="0" fill="hold" grpId="0" nodeType="clickEffect">
-                                  <p:stCondLst>
-                                    <p:cond delay="0"/>
-                                  </p:stCondLst>
-                                  <p:childTnLst>
-                                    <p:set>
-                                      <p:cBhvr>
-                                        <p:cTn id="6" dur="1" fill="hold">
-                                          <p:stCondLst>
-                                            <p:cond delay="0"/>
-                                          </p:stCondLst>
-                                        </p:cTn>
-                                        <p:tgtEl>
-                                          <p:spTgt spid="6"/>
-                                        </p:tgtEl>
-                                        <p:attrNameLst>
-                                          <p:attrName>style.visibility</p:attrName>
-                                        </p:attrNameLst>
-                                      </p:cBhvr>
-                                      <p:to>
-                                        <p:strVal val="visible"/>
-                                      </p:to>
-                                    </p:set>
-                                  </p:childTnLst>
-                                </p:cTn>
-                              </p:par>
-                            </p:childTnLst>
-                          </p:cTn>
-                        </p:par>
-                      </p:childTnLst>
-                    </p:cTn>
-                  </p:par>
-                </p:childTnLst>
-              </p:cTn>
-              <p:prevCondLst>
-                <p:cond evt="onPrev" delay="0">
-                  <p:tgtEl>
-                    <p:sldTgt/>
-                  </p:tgtEl>
-                </p:cond>
-              </p:prevCondLst>
-              <p:nextCondLst>
-                <p:cond evt="onNext" delay="0">
-                  <p:tgtEl>
-                    <p:sldTgt/>
-                  </p:tgtEl>
-                </p:cond>
-              </p:nextCondLst>
-            </p:seq>
-          </p:childTnLst>
-        </p:cTn>
-      </p:par>
-    </p:tnLst>
-    <p:bldLst>
-      <p:bldP spid="6" grpId="0"/>
+      <p:bldP spid="2" grpId="0"/>
     </p:bldLst>
   </p:timing>
 </p:sld>

--- a/lessons/7_mini_batch/ppt/使用小批量随机梯度下降.pptx
+++ b/lessons/7_mini_batch/ppt/使用小批量随机梯度下降.pptx
@@ -10723,7 +10723,7 @@
                                         <p:tgtEl>
                                           <p:spTgt spid="2">
                                             <p:txEl>
-                                              <p:charRg st="9" end="18"/>
+                                              <p:pRg st="1" end="1"/>
                                             </p:txEl>
                                           </p:spTgt>
                                         </p:tgtEl>
@@ -10772,7 +10772,7 @@
                                         <p:tgtEl>
                                           <p:spTgt spid="2">
                                             <p:txEl>
-                                              <p:charRg st="18" end="35"/>
+                                              <p:pRg st="2" end="2"/>
                                             </p:txEl>
                                           </p:spTgt>
                                         </p:tgtEl>
@@ -10821,7 +10821,7 @@
                                         <p:tgtEl>
                                           <p:spTgt spid="2">
                                             <p:txEl>
-                                              <p:charRg st="35" end="54"/>
+                                              <p:pRg st="3" end="3"/>
                                             </p:txEl>
                                           </p:spTgt>
                                         </p:tgtEl>
@@ -10870,7 +10870,7 @@
                                         <p:tgtEl>
                                           <p:spTgt spid="2">
                                             <p:txEl>
-                                              <p:charRg st="54" end="71"/>
+                                              <p:pRg st="4" end="4"/>
                                             </p:txEl>
                                           </p:spTgt>
                                         </p:tgtEl>
@@ -11819,8 +11819,8 @@
               <a:t>CPU</a:t>
             </a:r>
             <a:r>
-              <a:rPr lang="zh-CN" altLang="en-US" dirty="0"/>
-              <a:t>缓存？</a:t>
+              <a:rPr lang="zh-CN" altLang="en-US"/>
+              <a:t>缓存？为什么？</a:t>
             </a:r>
             <a:endParaRPr lang="en-US" altLang="zh-CN" dirty="0"/>
           </a:p>

--- a/lessons/7_mini_batch/ppt/使用小批量随机梯度下降.pptx
+++ b/lessons/7_mini_batch/ppt/使用小批量随机梯度下降.pptx
@@ -229,7 +229,7 @@
                 <a:latin typeface="微软雅黑" panose="020B0503020204020204" charset="-122"/>
                 <a:ea typeface="微软雅黑" panose="020B0503020204020204" charset="-122"/>
               </a:rPr>
-              <a:t>2022/12/2</a:t>
+              <a:t>2022/12/3</a:t>
             </a:fld>
             <a:endParaRPr lang="zh-CN" altLang="en-US">
               <a:latin typeface="微软雅黑" panose="020B0503020204020204" charset="-122"/>
@@ -412,7 +412,7 @@
           <a:p>
             <a:fld id="{1AC49D05-6128-4D0D-A32A-06A5E73B386C}" type="datetimeFigureOut">
               <a:rPr lang="zh-CN" altLang="en-US" smtClean="0"/>
-              <a:t>2022/12/2</a:t>
+              <a:t>2022/12/3</a:t>
             </a:fld>
             <a:endParaRPr lang="zh-CN" altLang="en-US"/>
           </a:p>
@@ -1074,7 +1074,7 @@
           <a:p>
             <a:fld id="{9EFD9D74-47D9-4702-A33C-335B63B48DBF}" type="datetimeFigureOut">
               <a:rPr lang="zh-CN" altLang="en-US" smtClean="0"/>
-              <a:t>2022/12/2</a:t>
+              <a:t>2022/12/3</a:t>
             </a:fld>
             <a:endParaRPr lang="zh-CN" altLang="en-US" dirty="0"/>
           </a:p>
@@ -1407,7 +1407,7 @@
           <a:p>
             <a:fld id="{760FBDFE-C587-4B4C-A407-44438C67B59E}" type="datetimeFigureOut">
               <a:rPr lang="zh-CN" altLang="en-US" smtClean="0"/>
-              <a:t>2022/12/2</a:t>
+              <a:t>2022/12/3</a:t>
             </a:fld>
             <a:endParaRPr lang="zh-CN" altLang="en-US"/>
           </a:p>
@@ -1580,7 +1580,7 @@
           <a:p>
             <a:fld id="{9EFD9D74-47D9-4702-A33C-335B63B48DBF}" type="datetimeFigureOut">
               <a:rPr lang="zh-CN" altLang="en-US" smtClean="0"/>
-              <a:t>2022/12/2</a:t>
+              <a:t>2022/12/3</a:t>
             </a:fld>
             <a:endParaRPr lang="zh-CN" altLang="en-US" dirty="0"/>
           </a:p>
@@ -2105,7 +2105,7 @@
           <a:p>
             <a:fld id="{760FBDFE-C587-4B4C-A407-44438C67B59E}" type="datetimeFigureOut">
               <a:rPr lang="zh-CN" altLang="en-US" smtClean="0"/>
-              <a:t>2022/12/2</a:t>
+              <a:t>2022/12/3</a:t>
             </a:fld>
             <a:endParaRPr lang="zh-CN" altLang="en-US"/>
           </a:p>
@@ -2853,7 +2853,7 @@
           <a:p>
             <a:fld id="{760FBDFE-C587-4B4C-A407-44438C67B59E}" type="datetimeFigureOut">
               <a:rPr lang="zh-CN" altLang="en-US" smtClean="0"/>
-              <a:t>2022/12/2</a:t>
+              <a:t>2022/12/3</a:t>
             </a:fld>
             <a:endParaRPr lang="zh-CN" altLang="en-US"/>
           </a:p>
@@ -3019,7 +3019,7 @@
           <a:p>
             <a:fld id="{760FBDFE-C587-4B4C-A407-44438C67B59E}" type="datetimeFigureOut">
               <a:rPr lang="zh-CN" altLang="en-US" smtClean="0"/>
-              <a:t>2022/12/2</a:t>
+              <a:t>2022/12/3</a:t>
             </a:fld>
             <a:endParaRPr lang="zh-CN" altLang="en-US"/>
           </a:p>
@@ -3133,7 +3133,7 @@
           <a:p>
             <a:fld id="{760FBDFE-C587-4B4C-A407-44438C67B59E}" type="datetimeFigureOut">
               <a:rPr lang="zh-CN" altLang="en-US" smtClean="0"/>
-              <a:t>2022/12/2</a:t>
+              <a:t>2022/12/3</a:t>
             </a:fld>
             <a:endParaRPr lang="zh-CN" altLang="en-US"/>
           </a:p>
@@ -3463,7 +3463,7 @@
           <a:p>
             <a:fld id="{9EFD9D74-47D9-4702-A33C-335B63B48DBF}" type="datetimeFigureOut">
               <a:rPr lang="zh-CN" altLang="en-US" smtClean="0"/>
-              <a:t>2022/12/2</a:t>
+              <a:t>2022/12/3</a:t>
             </a:fld>
             <a:endParaRPr lang="zh-CN" altLang="en-US" dirty="0"/>
           </a:p>
@@ -3976,7 +3976,7 @@
           <a:p>
             <a:fld id="{760FBDFE-C587-4B4C-A407-44438C67B59E}" type="datetimeFigureOut">
               <a:rPr lang="zh-CN" altLang="en-US" smtClean="0"/>
-              <a:t>2022/12/2</a:t>
+              <a:t>2022/12/3</a:t>
             </a:fld>
             <a:endParaRPr lang="zh-CN" altLang="en-US"/>
           </a:p>
@@ -4090,7 +4090,7 @@
           <a:p>
             <a:fld id="{760FBDFE-C587-4B4C-A407-44438C67B59E}" type="datetimeFigureOut">
               <a:rPr lang="zh-CN" altLang="en-US" smtClean="0"/>
-              <a:t>2022/12/2</a:t>
+              <a:t>2022/12/3</a:t>
             </a:fld>
             <a:endParaRPr lang="zh-CN" altLang="en-US"/>
           </a:p>
@@ -4378,7 +4378,7 @@
           <a:p>
             <a:fld id="{82F288E0-7875-42C4-84C8-98DBBD3BF4D2}" type="datetimeFigureOut">
               <a:rPr lang="zh-CN" altLang="en-US" smtClean="0"/>
-              <a:t>2022/12/2</a:t>
+              <a:t>2022/12/3</a:t>
             </a:fld>
             <a:endParaRPr lang="zh-CN" altLang="en-US"/>
           </a:p>
@@ -4837,7 +4837,7 @@
           <a:p>
             <a:fld id="{760FBDFE-C587-4B4C-A407-44438C67B59E}" type="datetimeFigureOut">
               <a:rPr lang="zh-CN" altLang="en-US" smtClean="0"/>
-              <a:t>2022/12/2</a:t>
+              <a:t>2022/12/3</a:t>
             </a:fld>
             <a:endParaRPr lang="zh-CN" altLang="en-US"/>
           </a:p>
@@ -5506,7 +5506,7 @@
           <a:p>
             <a:fld id="{9EFD9D74-47D9-4702-A33C-335B63B48DBF}" type="datetimeFigureOut">
               <a:rPr lang="zh-CN" altLang="en-US" smtClean="0"/>
-              <a:t>2022/12/2</a:t>
+              <a:t>2022/12/3</a:t>
             </a:fld>
             <a:endParaRPr lang="zh-CN" altLang="en-US" dirty="0"/>
           </a:p>
@@ -5654,7 +5654,7 @@
           <a:p>
             <a:fld id="{9EFD9D74-47D9-4702-A33C-335B63B48DBF}" type="datetimeFigureOut">
               <a:rPr lang="zh-CN" altLang="en-US" smtClean="0"/>
-              <a:t>2022/12/2</a:t>
+              <a:t>2022/12/3</a:t>
             </a:fld>
             <a:endParaRPr lang="zh-CN" altLang="en-US" dirty="0"/>
           </a:p>
@@ -9449,15 +9449,15 @@
             </a:pPr>
             <a:r>
               <a:rPr lang="zh-CN" altLang="en-US" dirty="0"/>
-              <a:t>请每个同学都运行代码，分别与梯度下降、随机梯度下降比较每轮</a:t>
-            </a:r>
-            <a:r>
-              <a:rPr lang="en-US" altLang="zh-CN" dirty="0"/>
-              <a:t>epoch</a:t>
+              <a:t>请每个同学都运行代码，分别与梯度下降、随机梯度下降比较</a:t>
+            </a:r>
+            <a:r>
+              <a:rPr lang="zh-CN" altLang="en-US"/>
+              <a:t>每轮的</a:t>
             </a:r>
             <a:r>
               <a:rPr lang="zh-CN" altLang="en-US" dirty="0"/>
-              <a:t>的时间、收敛速度</a:t>
+              <a:t>时间、收敛速度</a:t>
             </a:r>
             <a:endParaRPr lang="en-US" altLang="zh-CN" dirty="0"/>
           </a:p>
@@ -11819,7 +11819,7 @@
               <a:t>CPU</a:t>
             </a:r>
             <a:r>
-              <a:rPr lang="zh-CN" altLang="en-US"/>
+              <a:rPr lang="zh-CN" altLang="en-US" dirty="0"/>
               <a:t>缓存？为什么？</a:t>
             </a:r>
             <a:endParaRPr lang="en-US" altLang="zh-CN" dirty="0"/>
